--- a/Week5/more diagrams.pptx
+++ b/Week5/more diagrams.pptx
@@ -6,6 +6,9 @@
   </p:sldMasterIdLst>
   <p:sldIdLst>
     <p:sldId id="256" r:id="rId2"/>
+    <p:sldId id="258" r:id="rId3"/>
+    <p:sldId id="257" r:id="rId4"/>
+    <p:sldId id="259" r:id="rId5"/>
   </p:sldIdLst>
   <p:sldSz cx="12192000" cy="6858000"/>
   <p:notesSz cx="6858000" cy="9144000"/>
@@ -104,6 +107,11 @@
       </a:defRPr>
     </a:lvl9pPr>
   </p:defaultTextStyle>
+  <p:extLst>
+    <p:ext uri="{EFAFB233-063F-42B5-8137-9DF3F51BA10A}">
+      <p15:sldGuideLst xmlns:p15="http://schemas.microsoft.com/office/powerpoint/2012/main"/>
+    </p:ext>
+  </p:extLst>
 </p:presentation>
 </file>
 
@@ -149,7 +157,7 @@
           </a:lstStyle>
           <a:p>
             <a:r>
-              <a:rPr lang="en-US" smtClean="0"/>
+              <a:rPr lang="en-US"/>
               <a:t>Click to edit Master title style</a:t>
             </a:r>
             <a:endParaRPr lang="en-CA"/>
@@ -214,7 +222,7 @@
           </a:lstStyle>
           <a:p>
             <a:r>
-              <a:rPr lang="en-US" smtClean="0"/>
+              <a:rPr lang="en-US"/>
               <a:t>Click to edit Master subtitle style</a:t>
             </a:r>
             <a:endParaRPr lang="en-CA"/>
@@ -238,7 +246,7 @@
           <a:p>
             <a:fld id="{03CAC5D7-2ED3-4B16-81E2-4C0507ED0989}" type="datetimeFigureOut">
               <a:rPr lang="en-CA" smtClean="0"/>
-              <a:t>2017-10-03</a:t>
+              <a:t>2020-02-06</a:t>
             </a:fld>
             <a:endParaRPr lang="en-CA"/>
           </a:p>
@@ -332,7 +340,7 @@
           <a:lstStyle/>
           <a:p>
             <a:r>
-              <a:rPr lang="en-US" smtClean="0"/>
+              <a:rPr lang="en-US"/>
               <a:t>Click to edit Master title style</a:t>
             </a:r>
             <a:endParaRPr lang="en-CA"/>
@@ -356,35 +364,35 @@
           <a:p>
             <a:pPr lvl="0"/>
             <a:r>
-              <a:rPr lang="en-US" smtClean="0"/>
+              <a:rPr lang="en-US"/>
               <a:t>Click to edit Master text styles</a:t>
             </a:r>
           </a:p>
           <a:p>
             <a:pPr lvl="1"/>
             <a:r>
-              <a:rPr lang="en-US" smtClean="0"/>
+              <a:rPr lang="en-US"/>
               <a:t>Second level</a:t>
             </a:r>
           </a:p>
           <a:p>
             <a:pPr lvl="2"/>
             <a:r>
-              <a:rPr lang="en-US" smtClean="0"/>
+              <a:rPr lang="en-US"/>
               <a:t>Third level</a:t>
             </a:r>
           </a:p>
           <a:p>
             <a:pPr lvl="3"/>
             <a:r>
-              <a:rPr lang="en-US" smtClean="0"/>
+              <a:rPr lang="en-US"/>
               <a:t>Fourth level</a:t>
             </a:r>
           </a:p>
           <a:p>
             <a:pPr lvl="4"/>
             <a:r>
-              <a:rPr lang="en-US" smtClean="0"/>
+              <a:rPr lang="en-US"/>
               <a:t>Fifth level</a:t>
             </a:r>
             <a:endParaRPr lang="en-CA"/>
@@ -408,7 +416,7 @@
           <a:p>
             <a:fld id="{03CAC5D7-2ED3-4B16-81E2-4C0507ED0989}" type="datetimeFigureOut">
               <a:rPr lang="en-CA" smtClean="0"/>
-              <a:t>2017-10-03</a:t>
+              <a:t>2020-02-06</a:t>
             </a:fld>
             <a:endParaRPr lang="en-CA"/>
           </a:p>
@@ -507,7 +515,7 @@
           <a:lstStyle/>
           <a:p>
             <a:r>
-              <a:rPr lang="en-US" smtClean="0"/>
+              <a:rPr lang="en-US"/>
               <a:t>Click to edit Master title style</a:t>
             </a:r>
             <a:endParaRPr lang="en-CA"/>
@@ -536,35 +544,35 @@
           <a:p>
             <a:pPr lvl="0"/>
             <a:r>
-              <a:rPr lang="en-US" smtClean="0"/>
+              <a:rPr lang="en-US"/>
               <a:t>Click to edit Master text styles</a:t>
             </a:r>
           </a:p>
           <a:p>
             <a:pPr lvl="1"/>
             <a:r>
-              <a:rPr lang="en-US" smtClean="0"/>
+              <a:rPr lang="en-US"/>
               <a:t>Second level</a:t>
             </a:r>
           </a:p>
           <a:p>
             <a:pPr lvl="2"/>
             <a:r>
-              <a:rPr lang="en-US" smtClean="0"/>
+              <a:rPr lang="en-US"/>
               <a:t>Third level</a:t>
             </a:r>
           </a:p>
           <a:p>
             <a:pPr lvl="3"/>
             <a:r>
-              <a:rPr lang="en-US" smtClean="0"/>
+              <a:rPr lang="en-US"/>
               <a:t>Fourth level</a:t>
             </a:r>
           </a:p>
           <a:p>
             <a:pPr lvl="4"/>
             <a:r>
-              <a:rPr lang="en-US" smtClean="0"/>
+              <a:rPr lang="en-US"/>
               <a:t>Fifth level</a:t>
             </a:r>
             <a:endParaRPr lang="en-CA"/>
@@ -588,7 +596,7 @@
           <a:p>
             <a:fld id="{03CAC5D7-2ED3-4B16-81E2-4C0507ED0989}" type="datetimeFigureOut">
               <a:rPr lang="en-CA" smtClean="0"/>
-              <a:t>2017-10-03</a:t>
+              <a:t>2020-02-06</a:t>
             </a:fld>
             <a:endParaRPr lang="en-CA"/>
           </a:p>
@@ -682,7 +690,7 @@
           <a:lstStyle/>
           <a:p>
             <a:r>
-              <a:rPr lang="en-US" smtClean="0"/>
+              <a:rPr lang="en-US"/>
               <a:t>Click to edit Master title style</a:t>
             </a:r>
             <a:endParaRPr lang="en-CA"/>
@@ -706,35 +714,35 @@
           <a:p>
             <a:pPr lvl="0"/>
             <a:r>
-              <a:rPr lang="en-US" smtClean="0"/>
+              <a:rPr lang="en-US"/>
               <a:t>Click to edit Master text styles</a:t>
             </a:r>
           </a:p>
           <a:p>
             <a:pPr lvl="1"/>
             <a:r>
-              <a:rPr lang="en-US" smtClean="0"/>
+              <a:rPr lang="en-US"/>
               <a:t>Second level</a:t>
             </a:r>
           </a:p>
           <a:p>
             <a:pPr lvl="2"/>
             <a:r>
-              <a:rPr lang="en-US" smtClean="0"/>
+              <a:rPr lang="en-US"/>
               <a:t>Third level</a:t>
             </a:r>
           </a:p>
           <a:p>
             <a:pPr lvl="3"/>
             <a:r>
-              <a:rPr lang="en-US" smtClean="0"/>
+              <a:rPr lang="en-US"/>
               <a:t>Fourth level</a:t>
             </a:r>
           </a:p>
           <a:p>
             <a:pPr lvl="4"/>
             <a:r>
-              <a:rPr lang="en-US" smtClean="0"/>
+              <a:rPr lang="en-US"/>
               <a:t>Fifth level</a:t>
             </a:r>
             <a:endParaRPr lang="en-CA"/>
@@ -758,7 +766,7 @@
           <a:p>
             <a:fld id="{03CAC5D7-2ED3-4B16-81E2-4C0507ED0989}" type="datetimeFigureOut">
               <a:rPr lang="en-CA" smtClean="0"/>
-              <a:t>2017-10-03</a:t>
+              <a:t>2020-02-06</a:t>
             </a:fld>
             <a:endParaRPr lang="en-CA"/>
           </a:p>
@@ -861,7 +869,7 @@
           </a:lstStyle>
           <a:p>
             <a:r>
-              <a:rPr lang="en-US" smtClean="0"/>
+              <a:rPr lang="en-US"/>
               <a:t>Click to edit Master title style</a:t>
             </a:r>
             <a:endParaRPr lang="en-CA"/>
@@ -981,7 +989,7 @@
           <a:p>
             <a:pPr lvl="0"/>
             <a:r>
-              <a:rPr lang="en-US" smtClean="0"/>
+              <a:rPr lang="en-US"/>
               <a:t>Click to edit Master text styles</a:t>
             </a:r>
           </a:p>
@@ -1004,7 +1012,7 @@
           <a:p>
             <a:fld id="{03CAC5D7-2ED3-4B16-81E2-4C0507ED0989}" type="datetimeFigureOut">
               <a:rPr lang="en-CA" smtClean="0"/>
-              <a:t>2017-10-03</a:t>
+              <a:t>2020-02-06</a:t>
             </a:fld>
             <a:endParaRPr lang="en-CA"/>
           </a:p>
@@ -1098,7 +1106,7 @@
           <a:lstStyle/>
           <a:p>
             <a:r>
-              <a:rPr lang="en-US" smtClean="0"/>
+              <a:rPr lang="en-US"/>
               <a:t>Click to edit Master title style</a:t>
             </a:r>
             <a:endParaRPr lang="en-CA"/>
@@ -1127,35 +1135,35 @@
           <a:p>
             <a:pPr lvl="0"/>
             <a:r>
-              <a:rPr lang="en-US" smtClean="0"/>
+              <a:rPr lang="en-US"/>
               <a:t>Click to edit Master text styles</a:t>
             </a:r>
           </a:p>
           <a:p>
             <a:pPr lvl="1"/>
             <a:r>
-              <a:rPr lang="en-US" smtClean="0"/>
+              <a:rPr lang="en-US"/>
               <a:t>Second level</a:t>
             </a:r>
           </a:p>
           <a:p>
             <a:pPr lvl="2"/>
             <a:r>
-              <a:rPr lang="en-US" smtClean="0"/>
+              <a:rPr lang="en-US"/>
               <a:t>Third level</a:t>
             </a:r>
           </a:p>
           <a:p>
             <a:pPr lvl="3"/>
             <a:r>
-              <a:rPr lang="en-US" smtClean="0"/>
+              <a:rPr lang="en-US"/>
               <a:t>Fourth level</a:t>
             </a:r>
           </a:p>
           <a:p>
             <a:pPr lvl="4"/>
             <a:r>
-              <a:rPr lang="en-US" smtClean="0"/>
+              <a:rPr lang="en-US"/>
               <a:t>Fifth level</a:t>
             </a:r>
             <a:endParaRPr lang="en-CA"/>
@@ -1184,35 +1192,35 @@
           <a:p>
             <a:pPr lvl="0"/>
             <a:r>
-              <a:rPr lang="en-US" smtClean="0"/>
+              <a:rPr lang="en-US"/>
               <a:t>Click to edit Master text styles</a:t>
             </a:r>
           </a:p>
           <a:p>
             <a:pPr lvl="1"/>
             <a:r>
-              <a:rPr lang="en-US" smtClean="0"/>
+              <a:rPr lang="en-US"/>
               <a:t>Second level</a:t>
             </a:r>
           </a:p>
           <a:p>
             <a:pPr lvl="2"/>
             <a:r>
-              <a:rPr lang="en-US" smtClean="0"/>
+              <a:rPr lang="en-US"/>
               <a:t>Third level</a:t>
             </a:r>
           </a:p>
           <a:p>
             <a:pPr lvl="3"/>
             <a:r>
-              <a:rPr lang="en-US" smtClean="0"/>
+              <a:rPr lang="en-US"/>
               <a:t>Fourth level</a:t>
             </a:r>
           </a:p>
           <a:p>
             <a:pPr lvl="4"/>
             <a:r>
-              <a:rPr lang="en-US" smtClean="0"/>
+              <a:rPr lang="en-US"/>
               <a:t>Fifth level</a:t>
             </a:r>
             <a:endParaRPr lang="en-CA"/>
@@ -1236,7 +1244,7 @@
           <a:p>
             <a:fld id="{03CAC5D7-2ED3-4B16-81E2-4C0507ED0989}" type="datetimeFigureOut">
               <a:rPr lang="en-CA" smtClean="0"/>
-              <a:t>2017-10-03</a:t>
+              <a:t>2020-02-06</a:t>
             </a:fld>
             <a:endParaRPr lang="en-CA"/>
           </a:p>
@@ -1335,7 +1343,7 @@
           <a:lstStyle/>
           <a:p>
             <a:r>
-              <a:rPr lang="en-US" smtClean="0"/>
+              <a:rPr lang="en-US"/>
               <a:t>Click to edit Master title style</a:t>
             </a:r>
             <a:endParaRPr lang="en-CA"/>
@@ -1401,7 +1409,7 @@
           <a:p>
             <a:pPr lvl="0"/>
             <a:r>
-              <a:rPr lang="en-US" smtClean="0"/>
+              <a:rPr lang="en-US"/>
               <a:t>Click to edit Master text styles</a:t>
             </a:r>
           </a:p>
@@ -1429,35 +1437,35 @@
           <a:p>
             <a:pPr lvl="0"/>
             <a:r>
-              <a:rPr lang="en-US" smtClean="0"/>
+              <a:rPr lang="en-US"/>
               <a:t>Click to edit Master text styles</a:t>
             </a:r>
           </a:p>
           <a:p>
             <a:pPr lvl="1"/>
             <a:r>
-              <a:rPr lang="en-US" smtClean="0"/>
+              <a:rPr lang="en-US"/>
               <a:t>Second level</a:t>
             </a:r>
           </a:p>
           <a:p>
             <a:pPr lvl="2"/>
             <a:r>
-              <a:rPr lang="en-US" smtClean="0"/>
+              <a:rPr lang="en-US"/>
               <a:t>Third level</a:t>
             </a:r>
           </a:p>
           <a:p>
             <a:pPr lvl="3"/>
             <a:r>
-              <a:rPr lang="en-US" smtClean="0"/>
+              <a:rPr lang="en-US"/>
               <a:t>Fourth level</a:t>
             </a:r>
           </a:p>
           <a:p>
             <a:pPr lvl="4"/>
             <a:r>
-              <a:rPr lang="en-US" smtClean="0"/>
+              <a:rPr lang="en-US"/>
               <a:t>Fifth level</a:t>
             </a:r>
             <a:endParaRPr lang="en-CA"/>
@@ -1523,7 +1531,7 @@
           <a:p>
             <a:pPr lvl="0"/>
             <a:r>
-              <a:rPr lang="en-US" smtClean="0"/>
+              <a:rPr lang="en-US"/>
               <a:t>Click to edit Master text styles</a:t>
             </a:r>
           </a:p>
@@ -1551,35 +1559,35 @@
           <a:p>
             <a:pPr lvl="0"/>
             <a:r>
-              <a:rPr lang="en-US" smtClean="0"/>
+              <a:rPr lang="en-US"/>
               <a:t>Click to edit Master text styles</a:t>
             </a:r>
           </a:p>
           <a:p>
             <a:pPr lvl="1"/>
             <a:r>
-              <a:rPr lang="en-US" smtClean="0"/>
+              <a:rPr lang="en-US"/>
               <a:t>Second level</a:t>
             </a:r>
           </a:p>
           <a:p>
             <a:pPr lvl="2"/>
             <a:r>
-              <a:rPr lang="en-US" smtClean="0"/>
+              <a:rPr lang="en-US"/>
               <a:t>Third level</a:t>
             </a:r>
           </a:p>
           <a:p>
             <a:pPr lvl="3"/>
             <a:r>
-              <a:rPr lang="en-US" smtClean="0"/>
+              <a:rPr lang="en-US"/>
               <a:t>Fourth level</a:t>
             </a:r>
           </a:p>
           <a:p>
             <a:pPr lvl="4"/>
             <a:r>
-              <a:rPr lang="en-US" smtClean="0"/>
+              <a:rPr lang="en-US"/>
               <a:t>Fifth level</a:t>
             </a:r>
             <a:endParaRPr lang="en-CA"/>
@@ -1603,7 +1611,7 @@
           <a:p>
             <a:fld id="{03CAC5D7-2ED3-4B16-81E2-4C0507ED0989}" type="datetimeFigureOut">
               <a:rPr lang="en-CA" smtClean="0"/>
-              <a:t>2017-10-03</a:t>
+              <a:t>2020-02-06</a:t>
             </a:fld>
             <a:endParaRPr lang="en-CA"/>
           </a:p>
@@ -1697,7 +1705,7 @@
           <a:lstStyle/>
           <a:p>
             <a:r>
-              <a:rPr lang="en-US" smtClean="0"/>
+              <a:rPr lang="en-US"/>
               <a:t>Click to edit Master title style</a:t>
             </a:r>
             <a:endParaRPr lang="en-CA"/>
@@ -1721,7 +1729,7 @@
           <a:p>
             <a:fld id="{03CAC5D7-2ED3-4B16-81E2-4C0507ED0989}" type="datetimeFigureOut">
               <a:rPr lang="en-CA" smtClean="0"/>
-              <a:t>2017-10-03</a:t>
+              <a:t>2020-02-06</a:t>
             </a:fld>
             <a:endParaRPr lang="en-CA"/>
           </a:p>
@@ -1816,7 +1824,7 @@
           <a:p>
             <a:fld id="{03CAC5D7-2ED3-4B16-81E2-4C0507ED0989}" type="datetimeFigureOut">
               <a:rPr lang="en-CA" smtClean="0"/>
-              <a:t>2017-10-03</a:t>
+              <a:t>2020-02-06</a:t>
             </a:fld>
             <a:endParaRPr lang="en-CA"/>
           </a:p>
@@ -1919,7 +1927,7 @@
           </a:lstStyle>
           <a:p>
             <a:r>
-              <a:rPr lang="en-US" smtClean="0"/>
+              <a:rPr lang="en-US"/>
               <a:t>Click to edit Master title style</a:t>
             </a:r>
             <a:endParaRPr lang="en-CA"/>
@@ -1976,35 +1984,35 @@
           <a:p>
             <a:pPr lvl="0"/>
             <a:r>
-              <a:rPr lang="en-US" smtClean="0"/>
+              <a:rPr lang="en-US"/>
               <a:t>Click to edit Master text styles</a:t>
             </a:r>
           </a:p>
           <a:p>
             <a:pPr lvl="1"/>
             <a:r>
-              <a:rPr lang="en-US" smtClean="0"/>
+              <a:rPr lang="en-US"/>
               <a:t>Second level</a:t>
             </a:r>
           </a:p>
           <a:p>
             <a:pPr lvl="2"/>
             <a:r>
-              <a:rPr lang="en-US" smtClean="0"/>
+              <a:rPr lang="en-US"/>
               <a:t>Third level</a:t>
             </a:r>
           </a:p>
           <a:p>
             <a:pPr lvl="3"/>
             <a:r>
-              <a:rPr lang="en-US" smtClean="0"/>
+              <a:rPr lang="en-US"/>
               <a:t>Fourth level</a:t>
             </a:r>
           </a:p>
           <a:p>
             <a:pPr lvl="4"/>
             <a:r>
-              <a:rPr lang="en-US" smtClean="0"/>
+              <a:rPr lang="en-US"/>
               <a:t>Fifth level</a:t>
             </a:r>
             <a:endParaRPr lang="en-CA"/>
@@ -2070,7 +2078,7 @@
           <a:p>
             <a:pPr lvl="0"/>
             <a:r>
-              <a:rPr lang="en-US" smtClean="0"/>
+              <a:rPr lang="en-US"/>
               <a:t>Click to edit Master text styles</a:t>
             </a:r>
           </a:p>
@@ -2093,7 +2101,7 @@
           <a:p>
             <a:fld id="{03CAC5D7-2ED3-4B16-81E2-4C0507ED0989}" type="datetimeFigureOut">
               <a:rPr lang="en-CA" smtClean="0"/>
-              <a:t>2017-10-03</a:t>
+              <a:t>2020-02-06</a:t>
             </a:fld>
             <a:endParaRPr lang="en-CA"/>
           </a:p>
@@ -2196,7 +2204,7 @@
           </a:lstStyle>
           <a:p>
             <a:r>
-              <a:rPr lang="en-US" smtClean="0"/>
+              <a:rPr lang="en-US"/>
               <a:t>Click to edit Master title style</a:t>
             </a:r>
             <a:endParaRPr lang="en-CA"/>
@@ -2323,7 +2331,7 @@
           <a:p>
             <a:pPr lvl="0"/>
             <a:r>
-              <a:rPr lang="en-US" smtClean="0"/>
+              <a:rPr lang="en-US"/>
               <a:t>Click to edit Master text styles</a:t>
             </a:r>
           </a:p>
@@ -2346,7 +2354,7 @@
           <a:p>
             <a:fld id="{03CAC5D7-2ED3-4B16-81E2-4C0507ED0989}" type="datetimeFigureOut">
               <a:rPr lang="en-CA" smtClean="0"/>
-              <a:t>2017-10-03</a:t>
+              <a:t>2020-02-06</a:t>
             </a:fld>
             <a:endParaRPr lang="en-CA"/>
           </a:p>
@@ -2455,7 +2463,7 @@
           <a:lstStyle/>
           <a:p>
             <a:r>
-              <a:rPr lang="en-US" smtClean="0"/>
+              <a:rPr lang="en-US"/>
               <a:t>Click to edit Master title style</a:t>
             </a:r>
             <a:endParaRPr lang="en-CA"/>
@@ -2489,35 +2497,35 @@
           <a:p>
             <a:pPr lvl="0"/>
             <a:r>
-              <a:rPr lang="en-US" smtClean="0"/>
+              <a:rPr lang="en-US"/>
               <a:t>Click to edit Master text styles</a:t>
             </a:r>
           </a:p>
           <a:p>
             <a:pPr lvl="1"/>
             <a:r>
-              <a:rPr lang="en-US" smtClean="0"/>
+              <a:rPr lang="en-US"/>
               <a:t>Second level</a:t>
             </a:r>
           </a:p>
           <a:p>
             <a:pPr lvl="2"/>
             <a:r>
-              <a:rPr lang="en-US" smtClean="0"/>
+              <a:rPr lang="en-US"/>
               <a:t>Third level</a:t>
             </a:r>
           </a:p>
           <a:p>
             <a:pPr lvl="3"/>
             <a:r>
-              <a:rPr lang="en-US" smtClean="0"/>
+              <a:rPr lang="en-US"/>
               <a:t>Fourth level</a:t>
             </a:r>
           </a:p>
           <a:p>
             <a:pPr lvl="4"/>
             <a:r>
-              <a:rPr lang="en-US" smtClean="0"/>
+              <a:rPr lang="en-US"/>
               <a:t>Fifth level</a:t>
             </a:r>
             <a:endParaRPr lang="en-CA"/>
@@ -2559,7 +2567,7 @@
           <a:p>
             <a:fld id="{03CAC5D7-2ED3-4B16-81E2-4C0507ED0989}" type="datetimeFigureOut">
               <a:rPr lang="en-CA" smtClean="0"/>
-              <a:t>2017-10-03</a:t>
+              <a:t>2020-02-06</a:t>
             </a:fld>
             <a:endParaRPr lang="en-CA"/>
           </a:p>
@@ -3054,6 +3062,5289 @@
 </p:sld>
 </file>
 
+<file path=ppt/slides/slide2.xml><?xml version="1.0" encoding="utf-8"?>
+<p:sld xmlns:a="http://schemas.openxmlformats.org/drawingml/2006/main" xmlns:r="http://schemas.openxmlformats.org/officeDocument/2006/relationships" xmlns:p="http://schemas.openxmlformats.org/presentationml/2006/main">
+  <p:cSld>
+    <p:spTree>
+      <p:nvGrpSpPr>
+        <p:cNvPr id="1" name=""/>
+        <p:cNvGrpSpPr/>
+        <p:nvPr/>
+      </p:nvGrpSpPr>
+      <p:grpSpPr>
+        <a:xfrm>
+          <a:off x="0" y="0"/>
+          <a:ext cx="0" cy="0"/>
+          <a:chOff x="0" y="0"/>
+          <a:chExt cx="0" cy="0"/>
+        </a:xfrm>
+      </p:grpSpPr>
+      <p:sp>
+        <p:nvSpPr>
+          <p:cNvPr id="7" name="Rectangle 6">
+            <a:extLst>
+              <a:ext uri="{FF2B5EF4-FFF2-40B4-BE49-F238E27FC236}">
+                <a16:creationId xmlns:a16="http://schemas.microsoft.com/office/drawing/2014/main" id="{127990FC-6DF3-40CE-BE63-F5C4C22044D2}"/>
+              </a:ext>
+            </a:extLst>
+          </p:cNvPr>
+          <p:cNvSpPr/>
+          <p:nvPr/>
+        </p:nvSpPr>
+        <p:spPr>
+          <a:xfrm>
+            <a:off x="2659260" y="1740090"/>
+            <a:ext cx="6933063" cy="4030638"/>
+          </a:xfrm>
+          <a:prstGeom prst="rect">
+            <a:avLst/>
+          </a:prstGeom>
+          <a:solidFill>
+            <a:schemeClr val="accent1">
+              <a:lumMod val="60000"/>
+              <a:lumOff val="40000"/>
+            </a:schemeClr>
+          </a:solidFill>
+          <a:ln>
+            <a:noFill/>
+          </a:ln>
+        </p:spPr>
+        <p:style>
+          <a:lnRef idx="2">
+            <a:schemeClr val="accent1">
+              <a:shade val="50000"/>
+            </a:schemeClr>
+          </a:lnRef>
+          <a:fillRef idx="1">
+            <a:schemeClr val="accent1"/>
+          </a:fillRef>
+          <a:effectRef idx="0">
+            <a:schemeClr val="accent1"/>
+          </a:effectRef>
+          <a:fontRef idx="minor">
+            <a:schemeClr val="lt1"/>
+          </a:fontRef>
+        </p:style>
+        <p:txBody>
+          <a:bodyPr rtlCol="0" anchor="ctr"/>
+          <a:lstStyle/>
+          <a:p>
+            <a:pPr algn="ctr"/>
+            <a:endParaRPr lang="en-CA"/>
+          </a:p>
+        </p:txBody>
+      </p:sp>
+      <p:sp>
+        <p:nvSpPr>
+          <p:cNvPr id="6" name="Rectangle 5">
+            <a:extLst>
+              <a:ext uri="{FF2B5EF4-FFF2-40B4-BE49-F238E27FC236}">
+                <a16:creationId xmlns:a16="http://schemas.microsoft.com/office/drawing/2014/main" id="{BAA30013-8084-4361-AD0A-348815A36699}"/>
+              </a:ext>
+            </a:extLst>
+          </p:cNvPr>
+          <p:cNvSpPr/>
+          <p:nvPr/>
+        </p:nvSpPr>
+        <p:spPr>
+          <a:xfrm>
+            <a:off x="2593760" y="772112"/>
+            <a:ext cx="7050847" cy="5053035"/>
+          </a:xfrm>
+          <a:prstGeom prst="rect">
+            <a:avLst/>
+          </a:prstGeom>
+          <a:noFill/>
+          <a:ln w="127000">
+            <a:solidFill>
+              <a:schemeClr val="tx1"/>
+            </a:solidFill>
+          </a:ln>
+        </p:spPr>
+        <p:style>
+          <a:lnRef idx="2">
+            <a:schemeClr val="accent1">
+              <a:shade val="50000"/>
+            </a:schemeClr>
+          </a:lnRef>
+          <a:fillRef idx="1">
+            <a:schemeClr val="accent1"/>
+          </a:fillRef>
+          <a:effectRef idx="0">
+            <a:schemeClr val="accent1"/>
+          </a:effectRef>
+          <a:fontRef idx="minor">
+            <a:schemeClr val="lt1"/>
+          </a:fontRef>
+        </p:style>
+        <p:txBody>
+          <a:bodyPr rtlCol="0" anchor="ctr"/>
+          <a:lstStyle/>
+          <a:p>
+            <a:pPr algn="ctr"/>
+            <a:endParaRPr lang="en-CA" dirty="0"/>
+          </a:p>
+        </p:txBody>
+      </p:sp>
+      <p:pic>
+        <p:nvPicPr>
+          <p:cNvPr id="1028" name="Picture 4">
+            <a:extLst>
+              <a:ext uri="{FF2B5EF4-FFF2-40B4-BE49-F238E27FC236}">
+                <a16:creationId xmlns:a16="http://schemas.microsoft.com/office/drawing/2014/main" id="{7483C2D4-78F5-40AA-BA26-8B34EB4C3555}"/>
+              </a:ext>
+            </a:extLst>
+          </p:cNvPr>
+          <p:cNvPicPr>
+            <a:picLocks noChangeAspect="1" noChangeArrowheads="1"/>
+          </p:cNvPicPr>
+          <p:nvPr/>
+        </p:nvPicPr>
+        <p:blipFill>
+          <a:blip r:embed="rId2">
+            <a:extLst>
+              <a:ext uri="{28A0092B-C50C-407E-A947-70E740481C1C}">
+                <a14:useLocalDpi xmlns:a14="http://schemas.microsoft.com/office/drawing/2010/main" val="0"/>
+              </a:ext>
+            </a:extLst>
+          </a:blip>
+          <a:srcRect/>
+          <a:stretch>
+            <a:fillRect/>
+          </a:stretch>
+        </p:blipFill>
+        <p:spPr bwMode="auto">
+          <a:xfrm>
+            <a:off x="3687391" y="3427578"/>
+            <a:ext cx="4876800" cy="2343150"/>
+          </a:xfrm>
+          <a:prstGeom prst="rect">
+            <a:avLst/>
+          </a:prstGeom>
+          <a:noFill/>
+          <a:extLst>
+            <a:ext uri="{909E8E84-426E-40DD-AFC4-6F175D3DCCD1}">
+              <a14:hiddenFill xmlns:a14="http://schemas.microsoft.com/office/drawing/2010/main">
+                <a:solidFill>
+                  <a:srgbClr val="FFFFFF"/>
+                </a:solidFill>
+              </a14:hiddenFill>
+            </a:ext>
+          </a:extLst>
+        </p:spPr>
+      </p:pic>
+      <p:sp>
+        <p:nvSpPr>
+          <p:cNvPr id="8" name="Rectangle 7">
+            <a:extLst>
+              <a:ext uri="{FF2B5EF4-FFF2-40B4-BE49-F238E27FC236}">
+                <a16:creationId xmlns:a16="http://schemas.microsoft.com/office/drawing/2014/main" id="{58AEE880-E5AC-4F96-9B27-B288EDE008D5}"/>
+              </a:ext>
+            </a:extLst>
+          </p:cNvPr>
+          <p:cNvSpPr/>
+          <p:nvPr/>
+        </p:nvSpPr>
+        <p:spPr>
+          <a:xfrm>
+            <a:off x="2195236" y="393510"/>
+            <a:ext cx="7806520" cy="623248"/>
+          </a:xfrm>
+          <a:prstGeom prst="rect">
+            <a:avLst/>
+          </a:prstGeom>
+          <a:solidFill>
+            <a:schemeClr val="bg1"/>
+          </a:solidFill>
+          <a:ln>
+            <a:noFill/>
+          </a:ln>
+        </p:spPr>
+        <p:style>
+          <a:lnRef idx="2">
+            <a:schemeClr val="accent1">
+              <a:shade val="50000"/>
+            </a:schemeClr>
+          </a:lnRef>
+          <a:fillRef idx="1">
+            <a:schemeClr val="accent1"/>
+          </a:fillRef>
+          <a:effectRef idx="0">
+            <a:schemeClr val="accent1"/>
+          </a:effectRef>
+          <a:fontRef idx="minor">
+            <a:schemeClr val="lt1"/>
+          </a:fontRef>
+        </p:style>
+        <p:txBody>
+          <a:bodyPr rtlCol="0" anchor="ctr"/>
+          <a:lstStyle/>
+          <a:p>
+            <a:pPr algn="ctr"/>
+            <a:endParaRPr lang="en-CA"/>
+          </a:p>
+        </p:txBody>
+      </p:sp>
+      <p:grpSp>
+        <p:nvGrpSpPr>
+          <p:cNvPr id="12" name="Group 11">
+            <a:extLst>
+              <a:ext uri="{FF2B5EF4-FFF2-40B4-BE49-F238E27FC236}">
+                <a16:creationId xmlns:a16="http://schemas.microsoft.com/office/drawing/2014/main" id="{E6118EC0-98FD-406A-88BA-92F05C8A30AB}"/>
+              </a:ext>
+            </a:extLst>
+          </p:cNvPr>
+          <p:cNvGrpSpPr/>
+          <p:nvPr/>
+        </p:nvGrpSpPr>
+        <p:grpSpPr>
+          <a:xfrm>
+            <a:off x="1318796" y="5106536"/>
+            <a:ext cx="1346602" cy="490183"/>
+            <a:chOff x="1014484" y="4954136"/>
+            <a:chExt cx="2379260" cy="490183"/>
+          </a:xfrm>
+        </p:grpSpPr>
+        <p:sp>
+          <p:nvSpPr>
+            <p:cNvPr id="11" name="Rectangle 10">
+              <a:extLst>
+                <a:ext uri="{FF2B5EF4-FFF2-40B4-BE49-F238E27FC236}">
+                  <a16:creationId xmlns:a16="http://schemas.microsoft.com/office/drawing/2014/main" id="{4920E8C8-588C-4B8C-91A3-6BB579D65D76}"/>
+                </a:ext>
+              </a:extLst>
+            </p:cNvPr>
+            <p:cNvSpPr/>
+            <p:nvPr/>
+          </p:nvSpPr>
+          <p:spPr>
+            <a:xfrm>
+              <a:off x="1014484" y="5017827"/>
+              <a:ext cx="2379260" cy="426492"/>
+            </a:xfrm>
+            <a:prstGeom prst="rect">
+              <a:avLst/>
+            </a:prstGeom>
+            <a:solidFill>
+              <a:schemeClr val="accent1">
+                <a:lumMod val="60000"/>
+                <a:lumOff val="40000"/>
+              </a:schemeClr>
+            </a:solidFill>
+            <a:ln>
+              <a:noFill/>
+            </a:ln>
+          </p:spPr>
+          <p:style>
+            <a:lnRef idx="2">
+              <a:schemeClr val="accent1">
+                <a:shade val="50000"/>
+              </a:schemeClr>
+            </a:lnRef>
+            <a:fillRef idx="1">
+              <a:schemeClr val="accent1"/>
+            </a:fillRef>
+            <a:effectRef idx="0">
+              <a:schemeClr val="accent1"/>
+            </a:effectRef>
+            <a:fontRef idx="minor">
+              <a:schemeClr val="lt1"/>
+            </a:fontRef>
+          </p:style>
+          <p:txBody>
+            <a:bodyPr rtlCol="0" anchor="ctr"/>
+            <a:lstStyle/>
+            <a:p>
+              <a:pPr algn="ctr"/>
+              <a:endParaRPr lang="en-CA"/>
+            </a:p>
+          </p:txBody>
+        </p:sp>
+        <p:cxnSp>
+          <p:nvCxnSpPr>
+            <p:cNvPr id="10" name="Straight Connector 9">
+              <a:extLst>
+                <a:ext uri="{FF2B5EF4-FFF2-40B4-BE49-F238E27FC236}">
+                  <a16:creationId xmlns:a16="http://schemas.microsoft.com/office/drawing/2014/main" id="{D7F3C24B-DBFB-4A4E-A792-C4F144FBF837}"/>
+                </a:ext>
+              </a:extLst>
+            </p:cNvPr>
+            <p:cNvCxnSpPr/>
+            <p:nvPr/>
+          </p:nvCxnSpPr>
+          <p:spPr>
+            <a:xfrm>
+              <a:off x="1014484" y="4954136"/>
+              <a:ext cx="2379259" cy="0"/>
+            </a:xfrm>
+            <a:prstGeom prst="line">
+              <a:avLst/>
+            </a:prstGeom>
+            <a:ln w="127000">
+              <a:solidFill>
+                <a:schemeClr val="tx1"/>
+              </a:solidFill>
+            </a:ln>
+          </p:spPr>
+          <p:style>
+            <a:lnRef idx="1">
+              <a:schemeClr val="accent1"/>
+            </a:lnRef>
+            <a:fillRef idx="0">
+              <a:schemeClr val="accent1"/>
+            </a:fillRef>
+            <a:effectRef idx="0">
+              <a:schemeClr val="accent1"/>
+            </a:effectRef>
+            <a:fontRef idx="minor">
+              <a:schemeClr val="tx1"/>
+            </a:fontRef>
+          </p:style>
+        </p:cxnSp>
+        <p:cxnSp>
+          <p:nvCxnSpPr>
+            <p:cNvPr id="14" name="Straight Connector 13">
+              <a:extLst>
+                <a:ext uri="{FF2B5EF4-FFF2-40B4-BE49-F238E27FC236}">
+                  <a16:creationId xmlns:a16="http://schemas.microsoft.com/office/drawing/2014/main" id="{46EC7DD7-93E1-4BE0-B35E-9CFD5092909C}"/>
+                </a:ext>
+              </a:extLst>
+            </p:cNvPr>
+            <p:cNvCxnSpPr/>
+            <p:nvPr/>
+          </p:nvCxnSpPr>
+          <p:spPr>
+            <a:xfrm>
+              <a:off x="1014484" y="5444319"/>
+              <a:ext cx="2379259" cy="0"/>
+            </a:xfrm>
+            <a:prstGeom prst="line">
+              <a:avLst/>
+            </a:prstGeom>
+            <a:ln w="127000">
+              <a:solidFill>
+                <a:schemeClr val="tx1"/>
+              </a:solidFill>
+            </a:ln>
+          </p:spPr>
+          <p:style>
+            <a:lnRef idx="1">
+              <a:schemeClr val="accent1"/>
+            </a:lnRef>
+            <a:fillRef idx="0">
+              <a:schemeClr val="accent1"/>
+            </a:fillRef>
+            <a:effectRef idx="0">
+              <a:schemeClr val="accent1"/>
+            </a:effectRef>
+            <a:fontRef idx="minor">
+              <a:schemeClr val="tx1"/>
+            </a:fontRef>
+          </p:style>
+        </p:cxnSp>
+      </p:grpSp>
+      <p:grpSp>
+        <p:nvGrpSpPr>
+          <p:cNvPr id="16" name="Group 15">
+            <a:extLst>
+              <a:ext uri="{FF2B5EF4-FFF2-40B4-BE49-F238E27FC236}">
+                <a16:creationId xmlns:a16="http://schemas.microsoft.com/office/drawing/2014/main" id="{6007D4C9-B93F-421F-B7FE-BA667D8C856C}"/>
+              </a:ext>
+            </a:extLst>
+          </p:cNvPr>
+          <p:cNvGrpSpPr/>
+          <p:nvPr/>
+        </p:nvGrpSpPr>
+        <p:grpSpPr>
+          <a:xfrm>
+            <a:off x="9583655" y="1685671"/>
+            <a:ext cx="1407553" cy="490183"/>
+            <a:chOff x="1014484" y="4954136"/>
+            <a:chExt cx="2379260" cy="490183"/>
+          </a:xfrm>
+        </p:grpSpPr>
+        <p:sp>
+          <p:nvSpPr>
+            <p:cNvPr id="17" name="Rectangle 16">
+              <a:extLst>
+                <a:ext uri="{FF2B5EF4-FFF2-40B4-BE49-F238E27FC236}">
+                  <a16:creationId xmlns:a16="http://schemas.microsoft.com/office/drawing/2014/main" id="{8B6B0068-24A1-48D7-B49B-CA8D0B404EFC}"/>
+                </a:ext>
+              </a:extLst>
+            </p:cNvPr>
+            <p:cNvSpPr/>
+            <p:nvPr/>
+          </p:nvSpPr>
+          <p:spPr>
+            <a:xfrm>
+              <a:off x="1014484" y="5017827"/>
+              <a:ext cx="2379260" cy="426492"/>
+            </a:xfrm>
+            <a:prstGeom prst="rect">
+              <a:avLst/>
+            </a:prstGeom>
+            <a:solidFill>
+              <a:schemeClr val="accent1">
+                <a:lumMod val="60000"/>
+                <a:lumOff val="40000"/>
+              </a:schemeClr>
+            </a:solidFill>
+            <a:ln>
+              <a:noFill/>
+            </a:ln>
+          </p:spPr>
+          <p:style>
+            <a:lnRef idx="2">
+              <a:schemeClr val="accent1">
+                <a:shade val="50000"/>
+              </a:schemeClr>
+            </a:lnRef>
+            <a:fillRef idx="1">
+              <a:schemeClr val="accent1"/>
+            </a:fillRef>
+            <a:effectRef idx="0">
+              <a:schemeClr val="accent1"/>
+            </a:effectRef>
+            <a:fontRef idx="minor">
+              <a:schemeClr val="lt1"/>
+            </a:fontRef>
+          </p:style>
+          <p:txBody>
+            <a:bodyPr rtlCol="0" anchor="ctr"/>
+            <a:lstStyle/>
+            <a:p>
+              <a:pPr algn="ctr"/>
+              <a:endParaRPr lang="en-CA"/>
+            </a:p>
+          </p:txBody>
+        </p:sp>
+        <p:cxnSp>
+          <p:nvCxnSpPr>
+            <p:cNvPr id="18" name="Straight Connector 17">
+              <a:extLst>
+                <a:ext uri="{FF2B5EF4-FFF2-40B4-BE49-F238E27FC236}">
+                  <a16:creationId xmlns:a16="http://schemas.microsoft.com/office/drawing/2014/main" id="{F13CD01E-5674-4882-BF9E-150EBFE16885}"/>
+                </a:ext>
+              </a:extLst>
+            </p:cNvPr>
+            <p:cNvCxnSpPr/>
+            <p:nvPr/>
+          </p:nvCxnSpPr>
+          <p:spPr>
+            <a:xfrm>
+              <a:off x="1014484" y="4954136"/>
+              <a:ext cx="2379259" cy="0"/>
+            </a:xfrm>
+            <a:prstGeom prst="line">
+              <a:avLst/>
+            </a:prstGeom>
+            <a:ln w="127000">
+              <a:solidFill>
+                <a:schemeClr val="tx1"/>
+              </a:solidFill>
+            </a:ln>
+          </p:spPr>
+          <p:style>
+            <a:lnRef idx="1">
+              <a:schemeClr val="accent1"/>
+            </a:lnRef>
+            <a:fillRef idx="0">
+              <a:schemeClr val="accent1"/>
+            </a:fillRef>
+            <a:effectRef idx="0">
+              <a:schemeClr val="accent1"/>
+            </a:effectRef>
+            <a:fontRef idx="minor">
+              <a:schemeClr val="tx1"/>
+            </a:fontRef>
+          </p:style>
+        </p:cxnSp>
+        <p:cxnSp>
+          <p:nvCxnSpPr>
+            <p:cNvPr id="19" name="Straight Connector 18">
+              <a:extLst>
+                <a:ext uri="{FF2B5EF4-FFF2-40B4-BE49-F238E27FC236}">
+                  <a16:creationId xmlns:a16="http://schemas.microsoft.com/office/drawing/2014/main" id="{B7424FCB-A2EF-449B-B950-0ABEF45E4B9A}"/>
+                </a:ext>
+              </a:extLst>
+            </p:cNvPr>
+            <p:cNvCxnSpPr/>
+            <p:nvPr/>
+          </p:nvCxnSpPr>
+          <p:spPr>
+            <a:xfrm>
+              <a:off x="1014484" y="5444319"/>
+              <a:ext cx="2379259" cy="0"/>
+            </a:xfrm>
+            <a:prstGeom prst="line">
+              <a:avLst/>
+            </a:prstGeom>
+            <a:ln w="127000">
+              <a:solidFill>
+                <a:schemeClr val="tx1"/>
+              </a:solidFill>
+            </a:ln>
+          </p:spPr>
+          <p:style>
+            <a:lnRef idx="1">
+              <a:schemeClr val="accent1"/>
+            </a:lnRef>
+            <a:fillRef idx="0">
+              <a:schemeClr val="accent1"/>
+            </a:fillRef>
+            <a:effectRef idx="0">
+              <a:schemeClr val="accent1"/>
+            </a:effectRef>
+            <a:fontRef idx="minor">
+              <a:schemeClr val="tx1"/>
+            </a:fontRef>
+          </p:style>
+        </p:cxnSp>
+      </p:grpSp>
+      <p:sp>
+        <p:nvSpPr>
+          <p:cNvPr id="21" name="Arrow: Right 20">
+            <a:extLst>
+              <a:ext uri="{FF2B5EF4-FFF2-40B4-BE49-F238E27FC236}">
+                <a16:creationId xmlns:a16="http://schemas.microsoft.com/office/drawing/2014/main" id="{B0FDCFD4-63A2-41C7-945C-9C5451004F80}"/>
+              </a:ext>
+            </a:extLst>
+          </p:cNvPr>
+          <p:cNvSpPr/>
+          <p:nvPr/>
+        </p:nvSpPr>
+        <p:spPr>
+          <a:xfrm>
+            <a:off x="11094289" y="1740090"/>
+            <a:ext cx="919616" cy="389526"/>
+          </a:xfrm>
+          <a:prstGeom prst="rightArrow">
+            <a:avLst>
+              <a:gd name="adj1" fmla="val 50000"/>
+              <a:gd name="adj2" fmla="val 85805"/>
+            </a:avLst>
+          </a:prstGeom>
+          <a:solidFill>
+            <a:schemeClr val="tx1"/>
+          </a:solidFill>
+          <a:ln>
+            <a:noFill/>
+          </a:ln>
+        </p:spPr>
+        <p:style>
+          <a:lnRef idx="2">
+            <a:schemeClr val="accent1">
+              <a:shade val="50000"/>
+            </a:schemeClr>
+          </a:lnRef>
+          <a:fillRef idx="1">
+            <a:schemeClr val="accent1"/>
+          </a:fillRef>
+          <a:effectRef idx="0">
+            <a:schemeClr val="accent1"/>
+          </a:effectRef>
+          <a:fontRef idx="minor">
+            <a:schemeClr val="lt1"/>
+          </a:fontRef>
+        </p:style>
+        <p:txBody>
+          <a:bodyPr rtlCol="0" anchor="ctr"/>
+          <a:lstStyle/>
+          <a:p>
+            <a:pPr algn="ctr"/>
+            <a:endParaRPr lang="en-CA"/>
+          </a:p>
+        </p:txBody>
+      </p:sp>
+      <p:sp>
+        <p:nvSpPr>
+          <p:cNvPr id="22" name="Arrow: Right 21">
+            <a:extLst>
+              <a:ext uri="{FF2B5EF4-FFF2-40B4-BE49-F238E27FC236}">
+                <a16:creationId xmlns:a16="http://schemas.microsoft.com/office/drawing/2014/main" id="{73D61C45-93A6-4BF3-8E81-EEFFAFEB497E}"/>
+              </a:ext>
+            </a:extLst>
+          </p:cNvPr>
+          <p:cNvSpPr/>
+          <p:nvPr/>
+        </p:nvSpPr>
+        <p:spPr>
+          <a:xfrm>
+            <a:off x="340759" y="5170227"/>
+            <a:ext cx="919616" cy="389526"/>
+          </a:xfrm>
+          <a:prstGeom prst="rightArrow">
+            <a:avLst>
+              <a:gd name="adj1" fmla="val 50000"/>
+              <a:gd name="adj2" fmla="val 85805"/>
+            </a:avLst>
+          </a:prstGeom>
+          <a:solidFill>
+            <a:schemeClr val="tx1"/>
+          </a:solidFill>
+          <a:ln>
+            <a:noFill/>
+          </a:ln>
+        </p:spPr>
+        <p:style>
+          <a:lnRef idx="2">
+            <a:schemeClr val="accent1">
+              <a:shade val="50000"/>
+            </a:schemeClr>
+          </a:lnRef>
+          <a:fillRef idx="1">
+            <a:schemeClr val="accent1"/>
+          </a:fillRef>
+          <a:effectRef idx="0">
+            <a:schemeClr val="accent1"/>
+          </a:effectRef>
+          <a:fontRef idx="minor">
+            <a:schemeClr val="lt1"/>
+          </a:fontRef>
+        </p:style>
+        <p:txBody>
+          <a:bodyPr rtlCol="0" anchor="ctr"/>
+          <a:lstStyle/>
+          <a:p>
+            <a:pPr algn="ctr"/>
+            <a:endParaRPr lang="en-CA"/>
+          </a:p>
+        </p:txBody>
+      </p:sp>
+    </p:spTree>
+    <p:extLst>
+      <p:ext uri="{BB962C8B-B14F-4D97-AF65-F5344CB8AC3E}">
+        <p14:creationId xmlns:p14="http://schemas.microsoft.com/office/powerpoint/2010/main" val="531766495"/>
+      </p:ext>
+    </p:extLst>
+  </p:cSld>
+  <p:clrMapOvr>
+    <a:masterClrMapping/>
+  </p:clrMapOvr>
+</p:sld>
+</file>
+
+<file path=ppt/slides/slide3.xml><?xml version="1.0" encoding="utf-8"?>
+<p:sld xmlns:a="http://schemas.openxmlformats.org/drawingml/2006/main" xmlns:r="http://schemas.openxmlformats.org/officeDocument/2006/relationships" xmlns:p="http://schemas.openxmlformats.org/presentationml/2006/main">
+  <p:cSld>
+    <p:bg>
+      <p:bgPr>
+        <a:solidFill>
+          <a:schemeClr val="bg1">
+            <a:alpha val="99000"/>
+          </a:schemeClr>
+        </a:solidFill>
+        <a:effectLst/>
+      </p:bgPr>
+    </p:bg>
+    <p:spTree>
+      <p:nvGrpSpPr>
+        <p:cNvPr id="1" name=""/>
+        <p:cNvGrpSpPr/>
+        <p:nvPr/>
+      </p:nvGrpSpPr>
+      <p:grpSpPr>
+        <a:xfrm>
+          <a:off x="0" y="0"/>
+          <a:ext cx="0" cy="0"/>
+          <a:chOff x="0" y="0"/>
+          <a:chExt cx="0" cy="0"/>
+        </a:xfrm>
+      </p:grpSpPr>
+      <p:grpSp>
+        <p:nvGrpSpPr>
+          <p:cNvPr id="51" name="Group 50">
+            <a:extLst>
+              <a:ext uri="{FF2B5EF4-FFF2-40B4-BE49-F238E27FC236}">
+                <a16:creationId xmlns:a16="http://schemas.microsoft.com/office/drawing/2014/main" id="{E5A793BD-DCE3-49EF-88EA-B2AA80E614F1}"/>
+              </a:ext>
+            </a:extLst>
+          </p:cNvPr>
+          <p:cNvGrpSpPr/>
+          <p:nvPr/>
+        </p:nvGrpSpPr>
+        <p:grpSpPr>
+          <a:xfrm>
+            <a:off x="3509963" y="217569"/>
+            <a:ext cx="6668273" cy="6140272"/>
+            <a:chOff x="3509963" y="217569"/>
+            <a:chExt cx="6668273" cy="6140272"/>
+          </a:xfrm>
+        </p:grpSpPr>
+        <p:sp>
+          <p:nvSpPr>
+            <p:cNvPr id="3" name="Cube 2">
+              <a:extLst>
+                <a:ext uri="{FF2B5EF4-FFF2-40B4-BE49-F238E27FC236}">
+                  <a16:creationId xmlns:a16="http://schemas.microsoft.com/office/drawing/2014/main" id="{1C09283F-590D-49BE-AE69-130C75D91005}"/>
+                </a:ext>
+              </a:extLst>
+            </p:cNvPr>
+            <p:cNvSpPr/>
+            <p:nvPr/>
+          </p:nvSpPr>
+          <p:spPr>
+            <a:xfrm>
+              <a:off x="3639190" y="1006453"/>
+              <a:ext cx="5541632" cy="5351388"/>
+            </a:xfrm>
+            <a:prstGeom prst="cube">
+              <a:avLst>
+                <a:gd name="adj" fmla="val 30549"/>
+              </a:avLst>
+            </a:prstGeom>
+            <a:solidFill>
+              <a:schemeClr val="accent1">
+                <a:alpha val="61000"/>
+              </a:schemeClr>
+            </a:solidFill>
+          </p:spPr>
+          <p:style>
+            <a:lnRef idx="2">
+              <a:schemeClr val="accent1">
+                <a:shade val="50000"/>
+              </a:schemeClr>
+            </a:lnRef>
+            <a:fillRef idx="1">
+              <a:schemeClr val="accent1"/>
+            </a:fillRef>
+            <a:effectRef idx="0">
+              <a:schemeClr val="accent1"/>
+            </a:effectRef>
+            <a:fontRef idx="minor">
+              <a:schemeClr val="lt1"/>
+            </a:fontRef>
+          </p:style>
+          <p:txBody>
+            <a:bodyPr rtlCol="0" anchor="ctr"/>
+            <a:lstStyle/>
+            <a:p>
+              <a:pPr algn="ctr"/>
+              <a:endParaRPr lang="en-CA"/>
+            </a:p>
+          </p:txBody>
+        </p:sp>
+        <p:pic>
+          <p:nvPicPr>
+            <p:cNvPr id="2060" name="Picture 12" descr="Related image">
+              <a:extLst>
+                <a:ext uri="{FF2B5EF4-FFF2-40B4-BE49-F238E27FC236}">
+                  <a16:creationId xmlns:a16="http://schemas.microsoft.com/office/drawing/2014/main" id="{302A4AF2-F083-4268-8ED4-AF345C09FA11}"/>
+                </a:ext>
+              </a:extLst>
+            </p:cNvPr>
+            <p:cNvPicPr>
+              <a:picLocks noChangeAspect="1" noChangeArrowheads="1"/>
+            </p:cNvPicPr>
+            <p:nvPr/>
+          </p:nvPicPr>
+          <p:blipFill>
+            <a:blip r:embed="rId2" cstate="print">
+              <a:extLst>
+                <a:ext uri="{28A0092B-C50C-407E-A947-70E740481C1C}">
+                  <a14:useLocalDpi xmlns:a14="http://schemas.microsoft.com/office/drawing/2010/main" val="0"/>
+                </a:ext>
+              </a:extLst>
+            </a:blip>
+            <a:srcRect/>
+            <a:stretch>
+              <a:fillRect/>
+            </a:stretch>
+          </p:blipFill>
+          <p:spPr bwMode="auto">
+            <a:xfrm>
+              <a:off x="3639190" y="4240607"/>
+              <a:ext cx="1227382" cy="1227382"/>
+            </a:xfrm>
+            <a:prstGeom prst="rect">
+              <a:avLst/>
+            </a:prstGeom>
+            <a:noFill/>
+            <a:extLst>
+              <a:ext uri="{909E8E84-426E-40DD-AFC4-6F175D3DCCD1}">
+                <a14:hiddenFill xmlns:a14="http://schemas.microsoft.com/office/drawing/2010/main">
+                  <a:solidFill>
+                    <a:srgbClr val="FFFFFF"/>
+                  </a:solidFill>
+                </a14:hiddenFill>
+              </a:ext>
+            </a:extLst>
+          </p:spPr>
+        </p:pic>
+        <p:pic>
+          <p:nvPicPr>
+            <p:cNvPr id="10" name="Picture 12" descr="Related image">
+              <a:extLst>
+                <a:ext uri="{FF2B5EF4-FFF2-40B4-BE49-F238E27FC236}">
+                  <a16:creationId xmlns:a16="http://schemas.microsoft.com/office/drawing/2014/main" id="{6A39BB93-4795-4936-9361-4641EE2D2AD0}"/>
+                </a:ext>
+              </a:extLst>
+            </p:cNvPr>
+            <p:cNvPicPr>
+              <a:picLocks noChangeAspect="1" noChangeArrowheads="1"/>
+            </p:cNvPicPr>
+            <p:nvPr/>
+          </p:nvPicPr>
+          <p:blipFill>
+            <a:blip r:embed="rId3" cstate="print">
+              <a:extLst>
+                <a:ext uri="{28A0092B-C50C-407E-A947-70E740481C1C}">
+                  <a14:useLocalDpi xmlns:a14="http://schemas.microsoft.com/office/drawing/2010/main" val="0"/>
+                </a:ext>
+              </a:extLst>
+            </a:blip>
+            <a:srcRect/>
+            <a:stretch>
+              <a:fillRect/>
+            </a:stretch>
+          </p:blipFill>
+          <p:spPr bwMode="auto">
+            <a:xfrm rot="19177327">
+              <a:off x="5225243" y="4002880"/>
+              <a:ext cx="750894" cy="750894"/>
+            </a:xfrm>
+            <a:prstGeom prst="rect">
+              <a:avLst/>
+            </a:prstGeom>
+            <a:noFill/>
+            <a:extLst>
+              <a:ext uri="{909E8E84-426E-40DD-AFC4-6F175D3DCCD1}">
+                <a14:hiddenFill xmlns:a14="http://schemas.microsoft.com/office/drawing/2010/main">
+                  <a:solidFill>
+                    <a:srgbClr val="FFFFFF"/>
+                  </a:solidFill>
+                </a14:hiddenFill>
+              </a:ext>
+            </a:extLst>
+          </p:spPr>
+        </p:pic>
+        <p:pic>
+          <p:nvPicPr>
+            <p:cNvPr id="11" name="Picture 12" descr="Related image">
+              <a:extLst>
+                <a:ext uri="{FF2B5EF4-FFF2-40B4-BE49-F238E27FC236}">
+                  <a16:creationId xmlns:a16="http://schemas.microsoft.com/office/drawing/2014/main" id="{99474A50-D043-405C-BD9E-A07E3C48EB8C}"/>
+                </a:ext>
+              </a:extLst>
+            </p:cNvPr>
+            <p:cNvPicPr>
+              <a:picLocks noChangeAspect="1" noChangeArrowheads="1"/>
+            </p:cNvPicPr>
+            <p:nvPr/>
+          </p:nvPicPr>
+          <p:blipFill>
+            <a:blip r:embed="rId2" cstate="print">
+              <a:extLst>
+                <a:ext uri="{28A0092B-C50C-407E-A947-70E740481C1C}">
+                  <a14:useLocalDpi xmlns:a14="http://schemas.microsoft.com/office/drawing/2010/main" val="0"/>
+                </a:ext>
+              </a:extLst>
+            </a:blip>
+            <a:srcRect/>
+            <a:stretch>
+              <a:fillRect/>
+            </a:stretch>
+          </p:blipFill>
+          <p:spPr bwMode="auto">
+            <a:xfrm rot="4367174">
+              <a:off x="7831653" y="3068456"/>
+              <a:ext cx="1227382" cy="1227382"/>
+            </a:xfrm>
+            <a:prstGeom prst="rect">
+              <a:avLst/>
+            </a:prstGeom>
+            <a:noFill/>
+            <a:extLst>
+              <a:ext uri="{909E8E84-426E-40DD-AFC4-6F175D3DCCD1}">
+                <a14:hiddenFill xmlns:a14="http://schemas.microsoft.com/office/drawing/2010/main">
+                  <a:solidFill>
+                    <a:srgbClr val="FFFFFF"/>
+                  </a:solidFill>
+                </a14:hiddenFill>
+              </a:ext>
+            </a:extLst>
+          </p:spPr>
+        </p:pic>
+        <p:pic>
+          <p:nvPicPr>
+            <p:cNvPr id="12" name="Picture 12" descr="Related image">
+              <a:extLst>
+                <a:ext uri="{FF2B5EF4-FFF2-40B4-BE49-F238E27FC236}">
+                  <a16:creationId xmlns:a16="http://schemas.microsoft.com/office/drawing/2014/main" id="{8D8A3851-7ED5-48BD-86DB-F18C587D48FD}"/>
+                </a:ext>
+              </a:extLst>
+            </p:cNvPr>
+            <p:cNvPicPr>
+              <a:picLocks noChangeAspect="1" noChangeArrowheads="1"/>
+            </p:cNvPicPr>
+            <p:nvPr/>
+          </p:nvPicPr>
+          <p:blipFill>
+            <a:blip r:embed="rId2" cstate="print">
+              <a:extLst>
+                <a:ext uri="{28A0092B-C50C-407E-A947-70E740481C1C}">
+                  <a14:useLocalDpi xmlns:a14="http://schemas.microsoft.com/office/drawing/2010/main" val="0"/>
+                </a:ext>
+              </a:extLst>
+            </a:blip>
+            <a:srcRect/>
+            <a:stretch>
+              <a:fillRect/>
+            </a:stretch>
+          </p:blipFill>
+          <p:spPr bwMode="auto">
+            <a:xfrm rot="17548155">
+              <a:off x="6172570" y="1135328"/>
+              <a:ext cx="1227382" cy="1227382"/>
+            </a:xfrm>
+            <a:prstGeom prst="rect">
+              <a:avLst/>
+            </a:prstGeom>
+            <a:noFill/>
+            <a:extLst>
+              <a:ext uri="{909E8E84-426E-40DD-AFC4-6F175D3DCCD1}">
+                <a14:hiddenFill xmlns:a14="http://schemas.microsoft.com/office/drawing/2010/main">
+                  <a:solidFill>
+                    <a:srgbClr val="FFFFFF"/>
+                  </a:solidFill>
+                </a14:hiddenFill>
+              </a:ext>
+            </a:extLst>
+          </p:spPr>
+        </p:pic>
+        <p:pic>
+          <p:nvPicPr>
+            <p:cNvPr id="13" name="Picture 12" descr="Related image">
+              <a:extLst>
+                <a:ext uri="{FF2B5EF4-FFF2-40B4-BE49-F238E27FC236}">
+                  <a16:creationId xmlns:a16="http://schemas.microsoft.com/office/drawing/2014/main" id="{DD9BFF45-0944-4047-8F92-6DDF216C631D}"/>
+                </a:ext>
+              </a:extLst>
+            </p:cNvPr>
+            <p:cNvPicPr>
+              <a:picLocks noChangeAspect="1" noChangeArrowheads="1"/>
+            </p:cNvPicPr>
+            <p:nvPr/>
+          </p:nvPicPr>
+          <p:blipFill>
+            <a:blip r:embed="rId3" cstate="print">
+              <a:extLst>
+                <a:ext uri="{28A0092B-C50C-407E-A947-70E740481C1C}">
+                  <a14:useLocalDpi xmlns:a14="http://schemas.microsoft.com/office/drawing/2010/main" val="0"/>
+                </a:ext>
+              </a:extLst>
+            </a:blip>
+            <a:srcRect/>
+            <a:stretch>
+              <a:fillRect/>
+            </a:stretch>
+          </p:blipFill>
+          <p:spPr bwMode="auto">
+            <a:xfrm rot="333141">
+              <a:off x="6528279" y="3639781"/>
+              <a:ext cx="750894" cy="750894"/>
+            </a:xfrm>
+            <a:prstGeom prst="rect">
+              <a:avLst/>
+            </a:prstGeom>
+            <a:noFill/>
+            <a:extLst>
+              <a:ext uri="{909E8E84-426E-40DD-AFC4-6F175D3DCCD1}">
+                <a14:hiddenFill xmlns:a14="http://schemas.microsoft.com/office/drawing/2010/main">
+                  <a:solidFill>
+                    <a:srgbClr val="FFFFFF"/>
+                  </a:solidFill>
+                </a14:hiddenFill>
+              </a:ext>
+            </a:extLst>
+          </p:spPr>
+        </p:pic>
+        <p:pic>
+          <p:nvPicPr>
+            <p:cNvPr id="14" name="Picture 13" descr="Related image">
+              <a:extLst>
+                <a:ext uri="{FF2B5EF4-FFF2-40B4-BE49-F238E27FC236}">
+                  <a16:creationId xmlns:a16="http://schemas.microsoft.com/office/drawing/2014/main" id="{9EAA4F63-4B9D-4704-98B1-5523B1E7B54F}"/>
+                </a:ext>
+              </a:extLst>
+            </p:cNvPr>
+            <p:cNvPicPr>
+              <a:picLocks noChangeAspect="1" noChangeArrowheads="1"/>
+            </p:cNvPicPr>
+            <p:nvPr/>
+          </p:nvPicPr>
+          <p:blipFill>
+            <a:blip r:embed="rId3" cstate="print">
+              <a:extLst>
+                <a:ext uri="{28A0092B-C50C-407E-A947-70E740481C1C}">
+                  <a14:useLocalDpi xmlns:a14="http://schemas.microsoft.com/office/drawing/2010/main" val="0"/>
+                </a:ext>
+              </a:extLst>
+            </a:blip>
+            <a:srcRect/>
+            <a:stretch>
+              <a:fillRect/>
+            </a:stretch>
+          </p:blipFill>
+          <p:spPr bwMode="auto">
+            <a:xfrm rot="333141">
+              <a:off x="4633984" y="1711769"/>
+              <a:ext cx="750894" cy="750894"/>
+            </a:xfrm>
+            <a:prstGeom prst="rect">
+              <a:avLst/>
+            </a:prstGeom>
+            <a:noFill/>
+            <a:extLst>
+              <a:ext uri="{909E8E84-426E-40DD-AFC4-6F175D3DCCD1}">
+                <a14:hiddenFill xmlns:a14="http://schemas.microsoft.com/office/drawing/2010/main">
+                  <a:solidFill>
+                    <a:srgbClr val="FFFFFF"/>
+                  </a:solidFill>
+                </a14:hiddenFill>
+              </a:ext>
+            </a:extLst>
+          </p:spPr>
+        </p:pic>
+        <p:pic>
+          <p:nvPicPr>
+            <p:cNvPr id="15" name="Picture 14" descr="Related image">
+              <a:extLst>
+                <a:ext uri="{FF2B5EF4-FFF2-40B4-BE49-F238E27FC236}">
+                  <a16:creationId xmlns:a16="http://schemas.microsoft.com/office/drawing/2014/main" id="{BE4AD9C2-18FC-4E90-8C8E-0DD6341EDB48}"/>
+                </a:ext>
+              </a:extLst>
+            </p:cNvPr>
+            <p:cNvPicPr>
+              <a:picLocks noChangeAspect="1" noChangeArrowheads="1"/>
+            </p:cNvPicPr>
+            <p:nvPr/>
+          </p:nvPicPr>
+          <p:blipFill>
+            <a:blip r:embed="rId3" cstate="print">
+              <a:extLst>
+                <a:ext uri="{28A0092B-C50C-407E-A947-70E740481C1C}">
+                  <a14:useLocalDpi xmlns:a14="http://schemas.microsoft.com/office/drawing/2010/main" val="0"/>
+                </a:ext>
+              </a:extLst>
+            </a:blip>
+            <a:srcRect/>
+            <a:stretch>
+              <a:fillRect/>
+            </a:stretch>
+          </p:blipFill>
+          <p:spPr bwMode="auto">
+            <a:xfrm rot="8610815">
+              <a:off x="7737572" y="1097036"/>
+              <a:ext cx="750894" cy="750894"/>
+            </a:xfrm>
+            <a:prstGeom prst="rect">
+              <a:avLst/>
+            </a:prstGeom>
+            <a:noFill/>
+            <a:extLst>
+              <a:ext uri="{909E8E84-426E-40DD-AFC4-6F175D3DCCD1}">
+                <a14:hiddenFill xmlns:a14="http://schemas.microsoft.com/office/drawing/2010/main">
+                  <a:solidFill>
+                    <a:srgbClr val="FFFFFF"/>
+                  </a:solidFill>
+                </a14:hiddenFill>
+              </a:ext>
+            </a:extLst>
+          </p:spPr>
+        </p:pic>
+        <p:pic>
+          <p:nvPicPr>
+            <p:cNvPr id="16" name="Picture 15" descr="Related image">
+              <a:extLst>
+                <a:ext uri="{FF2B5EF4-FFF2-40B4-BE49-F238E27FC236}">
+                  <a16:creationId xmlns:a16="http://schemas.microsoft.com/office/drawing/2014/main" id="{292AB7EC-1428-4955-B5D3-958806167969}"/>
+                </a:ext>
+              </a:extLst>
+            </p:cNvPr>
+            <p:cNvPicPr>
+              <a:picLocks noChangeAspect="1" noChangeArrowheads="1"/>
+            </p:cNvPicPr>
+            <p:nvPr/>
+          </p:nvPicPr>
+          <p:blipFill>
+            <a:blip r:embed="rId3" cstate="print">
+              <a:extLst>
+                <a:ext uri="{28A0092B-C50C-407E-A947-70E740481C1C}">
+                  <a14:useLocalDpi xmlns:a14="http://schemas.microsoft.com/office/drawing/2010/main" val="0"/>
+                </a:ext>
+              </a:extLst>
+            </a:blip>
+            <a:srcRect/>
+            <a:stretch>
+              <a:fillRect/>
+            </a:stretch>
+          </p:blipFill>
+          <p:spPr bwMode="auto">
+            <a:xfrm rot="8610815">
+              <a:off x="4633984" y="5377098"/>
+              <a:ext cx="750894" cy="750894"/>
+            </a:xfrm>
+            <a:prstGeom prst="rect">
+              <a:avLst/>
+            </a:prstGeom>
+            <a:noFill/>
+            <a:extLst>
+              <a:ext uri="{909E8E84-426E-40DD-AFC4-6F175D3DCCD1}">
+                <a14:hiddenFill xmlns:a14="http://schemas.microsoft.com/office/drawing/2010/main">
+                  <a:solidFill>
+                    <a:srgbClr val="FFFFFF"/>
+                  </a:solidFill>
+                </a14:hiddenFill>
+              </a:ext>
+            </a:extLst>
+          </p:spPr>
+        </p:pic>
+        <p:pic>
+          <p:nvPicPr>
+            <p:cNvPr id="17" name="Picture 16" descr="Related image">
+              <a:extLst>
+                <a:ext uri="{FF2B5EF4-FFF2-40B4-BE49-F238E27FC236}">
+                  <a16:creationId xmlns:a16="http://schemas.microsoft.com/office/drawing/2014/main" id="{E2BEC0CB-545E-444C-B8C2-6BB43275177A}"/>
+                </a:ext>
+              </a:extLst>
+            </p:cNvPr>
+            <p:cNvPicPr>
+              <a:picLocks noChangeAspect="1" noChangeArrowheads="1"/>
+            </p:cNvPicPr>
+            <p:nvPr/>
+          </p:nvPicPr>
+          <p:blipFill>
+            <a:blip r:embed="rId4" cstate="print">
+              <a:extLst>
+                <a:ext uri="{28A0092B-C50C-407E-A947-70E740481C1C}">
+                  <a14:useLocalDpi xmlns:a14="http://schemas.microsoft.com/office/drawing/2010/main" val="0"/>
+                </a:ext>
+              </a:extLst>
+            </a:blip>
+            <a:srcRect/>
+            <a:stretch>
+              <a:fillRect/>
+            </a:stretch>
+          </p:blipFill>
+          <p:spPr bwMode="auto">
+            <a:xfrm rot="8610815">
+              <a:off x="3918760" y="2994142"/>
+              <a:ext cx="513808" cy="513808"/>
+            </a:xfrm>
+            <a:prstGeom prst="rect">
+              <a:avLst/>
+            </a:prstGeom>
+            <a:noFill/>
+            <a:extLst>
+              <a:ext uri="{909E8E84-426E-40DD-AFC4-6F175D3DCCD1}">
+                <a14:hiddenFill xmlns:a14="http://schemas.microsoft.com/office/drawing/2010/main">
+                  <a:solidFill>
+                    <a:srgbClr val="FFFFFF"/>
+                  </a:solidFill>
+                </a14:hiddenFill>
+              </a:ext>
+            </a:extLst>
+          </p:spPr>
+        </p:pic>
+        <p:pic>
+          <p:nvPicPr>
+            <p:cNvPr id="18" name="Picture 17" descr="Related image">
+              <a:extLst>
+                <a:ext uri="{FF2B5EF4-FFF2-40B4-BE49-F238E27FC236}">
+                  <a16:creationId xmlns:a16="http://schemas.microsoft.com/office/drawing/2014/main" id="{50FF4AFA-3811-42BB-9E18-5ADC1112B4AA}"/>
+                </a:ext>
+              </a:extLst>
+            </p:cNvPr>
+            <p:cNvPicPr>
+              <a:picLocks noChangeAspect="1" noChangeArrowheads="1"/>
+            </p:cNvPicPr>
+            <p:nvPr/>
+          </p:nvPicPr>
+          <p:blipFill>
+            <a:blip r:embed="rId3" cstate="print">
+              <a:extLst>
+                <a:ext uri="{28A0092B-C50C-407E-A947-70E740481C1C}">
+                  <a14:useLocalDpi xmlns:a14="http://schemas.microsoft.com/office/drawing/2010/main" val="0"/>
+                </a:ext>
+              </a:extLst>
+            </a:blip>
+            <a:srcRect/>
+            <a:stretch>
+              <a:fillRect/>
+            </a:stretch>
+          </p:blipFill>
+          <p:spPr bwMode="auto">
+            <a:xfrm rot="333141">
+              <a:off x="8337645" y="2080516"/>
+              <a:ext cx="750894" cy="750894"/>
+            </a:xfrm>
+            <a:prstGeom prst="rect">
+              <a:avLst/>
+            </a:prstGeom>
+            <a:noFill/>
+            <a:extLst>
+              <a:ext uri="{909E8E84-426E-40DD-AFC4-6F175D3DCCD1}">
+                <a14:hiddenFill xmlns:a14="http://schemas.microsoft.com/office/drawing/2010/main">
+                  <a:solidFill>
+                    <a:srgbClr val="FFFFFF"/>
+                  </a:solidFill>
+                </a14:hiddenFill>
+              </a:ext>
+            </a:extLst>
+          </p:spPr>
+        </p:pic>
+        <p:pic>
+          <p:nvPicPr>
+            <p:cNvPr id="19" name="Picture 18" descr="Related image">
+              <a:extLst>
+                <a:ext uri="{FF2B5EF4-FFF2-40B4-BE49-F238E27FC236}">
+                  <a16:creationId xmlns:a16="http://schemas.microsoft.com/office/drawing/2014/main" id="{8A15FF2E-D39F-47AD-8D9D-9B45DBD04DEE}"/>
+                </a:ext>
+              </a:extLst>
+            </p:cNvPr>
+            <p:cNvPicPr>
+              <a:picLocks noChangeAspect="1" noChangeArrowheads="1"/>
+            </p:cNvPicPr>
+            <p:nvPr/>
+          </p:nvPicPr>
+          <p:blipFill>
+            <a:blip r:embed="rId3" cstate="print">
+              <a:extLst>
+                <a:ext uri="{28A0092B-C50C-407E-A947-70E740481C1C}">
+                  <a14:useLocalDpi xmlns:a14="http://schemas.microsoft.com/office/drawing/2010/main" val="0"/>
+                </a:ext>
+              </a:extLst>
+            </a:blip>
+            <a:srcRect/>
+            <a:stretch>
+              <a:fillRect/>
+            </a:stretch>
+          </p:blipFill>
+          <p:spPr bwMode="auto">
+            <a:xfrm rot="10800000">
+              <a:off x="7552186" y="4653008"/>
+              <a:ext cx="750894" cy="750894"/>
+            </a:xfrm>
+            <a:prstGeom prst="rect">
+              <a:avLst/>
+            </a:prstGeom>
+            <a:noFill/>
+            <a:extLst>
+              <a:ext uri="{909E8E84-426E-40DD-AFC4-6F175D3DCCD1}">
+                <a14:hiddenFill xmlns:a14="http://schemas.microsoft.com/office/drawing/2010/main">
+                  <a:solidFill>
+                    <a:srgbClr val="FFFFFF"/>
+                  </a:solidFill>
+                </a14:hiddenFill>
+              </a:ext>
+            </a:extLst>
+          </p:spPr>
+        </p:pic>
+        <p:sp>
+          <p:nvSpPr>
+            <p:cNvPr id="7" name="Oval 6">
+              <a:extLst>
+                <a:ext uri="{FF2B5EF4-FFF2-40B4-BE49-F238E27FC236}">
+                  <a16:creationId xmlns:a16="http://schemas.microsoft.com/office/drawing/2014/main" id="{FA42E890-6281-4519-B401-6DB00FB987C3}"/>
+                </a:ext>
+              </a:extLst>
+            </p:cNvPr>
+            <p:cNvSpPr/>
+            <p:nvPr/>
+          </p:nvSpPr>
+          <p:spPr>
+            <a:xfrm>
+              <a:off x="5419443" y="1393079"/>
+              <a:ext cx="115100" cy="116602"/>
+            </a:xfrm>
+            <a:prstGeom prst="ellipse">
+              <a:avLst/>
+            </a:prstGeom>
+            <a:solidFill>
+              <a:schemeClr val="accent6">
+                <a:lumMod val="40000"/>
+                <a:lumOff val="60000"/>
+              </a:schemeClr>
+            </a:solidFill>
+            <a:ln>
+              <a:solidFill>
+                <a:schemeClr val="accent6">
+                  <a:lumMod val="75000"/>
+                </a:schemeClr>
+              </a:solidFill>
+            </a:ln>
+          </p:spPr>
+          <p:style>
+            <a:lnRef idx="2">
+              <a:schemeClr val="accent1">
+                <a:shade val="50000"/>
+              </a:schemeClr>
+            </a:lnRef>
+            <a:fillRef idx="1">
+              <a:schemeClr val="accent1"/>
+            </a:fillRef>
+            <a:effectRef idx="0">
+              <a:schemeClr val="accent1"/>
+            </a:effectRef>
+            <a:fontRef idx="minor">
+              <a:schemeClr val="lt1"/>
+            </a:fontRef>
+          </p:style>
+          <p:txBody>
+            <a:bodyPr rtlCol="0" anchor="ctr"/>
+            <a:lstStyle/>
+            <a:p>
+              <a:pPr algn="ctr"/>
+              <a:endParaRPr lang="en-CA"/>
+            </a:p>
+          </p:txBody>
+        </p:sp>
+        <p:sp>
+          <p:nvSpPr>
+            <p:cNvPr id="21" name="Oval 20">
+              <a:extLst>
+                <a:ext uri="{FF2B5EF4-FFF2-40B4-BE49-F238E27FC236}">
+                  <a16:creationId xmlns:a16="http://schemas.microsoft.com/office/drawing/2014/main" id="{F2D988E9-4D7A-49E8-927A-D349BD4DC81F}"/>
+                </a:ext>
+              </a:extLst>
+            </p:cNvPr>
+            <p:cNvSpPr/>
+            <p:nvPr/>
+          </p:nvSpPr>
+          <p:spPr>
+            <a:xfrm>
+              <a:off x="6038450" y="2170989"/>
+              <a:ext cx="115100" cy="116602"/>
+            </a:xfrm>
+            <a:prstGeom prst="ellipse">
+              <a:avLst/>
+            </a:prstGeom>
+            <a:solidFill>
+              <a:schemeClr val="accent6">
+                <a:lumMod val="40000"/>
+                <a:lumOff val="60000"/>
+              </a:schemeClr>
+            </a:solidFill>
+            <a:ln>
+              <a:solidFill>
+                <a:schemeClr val="accent6">
+                  <a:lumMod val="75000"/>
+                </a:schemeClr>
+              </a:solidFill>
+            </a:ln>
+          </p:spPr>
+          <p:style>
+            <a:lnRef idx="2">
+              <a:schemeClr val="accent1">
+                <a:shade val="50000"/>
+              </a:schemeClr>
+            </a:lnRef>
+            <a:fillRef idx="1">
+              <a:schemeClr val="accent1"/>
+            </a:fillRef>
+            <a:effectRef idx="0">
+              <a:schemeClr val="accent1"/>
+            </a:effectRef>
+            <a:fontRef idx="minor">
+              <a:schemeClr val="lt1"/>
+            </a:fontRef>
+          </p:style>
+          <p:txBody>
+            <a:bodyPr rtlCol="0" anchor="ctr"/>
+            <a:lstStyle/>
+            <a:p>
+              <a:pPr algn="ctr"/>
+              <a:endParaRPr lang="en-CA"/>
+            </a:p>
+          </p:txBody>
+        </p:sp>
+        <p:sp>
+          <p:nvSpPr>
+            <p:cNvPr id="22" name="Oval 21">
+              <a:extLst>
+                <a:ext uri="{FF2B5EF4-FFF2-40B4-BE49-F238E27FC236}">
+                  <a16:creationId xmlns:a16="http://schemas.microsoft.com/office/drawing/2014/main" id="{787DCE06-3CF6-482D-97E2-5C3DF96D7160}"/>
+                </a:ext>
+              </a:extLst>
+            </p:cNvPr>
+            <p:cNvSpPr/>
+            <p:nvPr/>
+          </p:nvSpPr>
+          <p:spPr>
+            <a:xfrm>
+              <a:off x="7198638" y="1970614"/>
+              <a:ext cx="115100" cy="116602"/>
+            </a:xfrm>
+            <a:prstGeom prst="ellipse">
+              <a:avLst/>
+            </a:prstGeom>
+            <a:solidFill>
+              <a:schemeClr val="accent6">
+                <a:lumMod val="40000"/>
+                <a:lumOff val="60000"/>
+              </a:schemeClr>
+            </a:solidFill>
+            <a:ln>
+              <a:solidFill>
+                <a:schemeClr val="accent6">
+                  <a:lumMod val="75000"/>
+                </a:schemeClr>
+              </a:solidFill>
+            </a:ln>
+          </p:spPr>
+          <p:style>
+            <a:lnRef idx="2">
+              <a:schemeClr val="accent1">
+                <a:shade val="50000"/>
+              </a:schemeClr>
+            </a:lnRef>
+            <a:fillRef idx="1">
+              <a:schemeClr val="accent1"/>
+            </a:fillRef>
+            <a:effectRef idx="0">
+              <a:schemeClr val="accent1"/>
+            </a:effectRef>
+            <a:fontRef idx="minor">
+              <a:schemeClr val="lt1"/>
+            </a:fontRef>
+          </p:style>
+          <p:txBody>
+            <a:bodyPr rtlCol="0" anchor="ctr"/>
+            <a:lstStyle/>
+            <a:p>
+              <a:pPr algn="ctr"/>
+              <a:endParaRPr lang="en-CA"/>
+            </a:p>
+          </p:txBody>
+        </p:sp>
+        <p:sp>
+          <p:nvSpPr>
+            <p:cNvPr id="23" name="Oval 22">
+              <a:extLst>
+                <a:ext uri="{FF2B5EF4-FFF2-40B4-BE49-F238E27FC236}">
+                  <a16:creationId xmlns:a16="http://schemas.microsoft.com/office/drawing/2014/main" id="{8B21E73B-780D-4FE6-B8AC-2BCEF3C34551}"/>
+                </a:ext>
+              </a:extLst>
+            </p:cNvPr>
+            <p:cNvSpPr/>
+            <p:nvPr/>
+          </p:nvSpPr>
+          <p:spPr>
+            <a:xfrm>
+              <a:off x="6480135" y="1212556"/>
+              <a:ext cx="115100" cy="116602"/>
+            </a:xfrm>
+            <a:prstGeom prst="ellipse">
+              <a:avLst/>
+            </a:prstGeom>
+            <a:solidFill>
+              <a:schemeClr val="accent6">
+                <a:lumMod val="40000"/>
+                <a:lumOff val="60000"/>
+              </a:schemeClr>
+            </a:solidFill>
+            <a:ln>
+              <a:solidFill>
+                <a:schemeClr val="accent6">
+                  <a:lumMod val="75000"/>
+                </a:schemeClr>
+              </a:solidFill>
+            </a:ln>
+          </p:spPr>
+          <p:style>
+            <a:lnRef idx="2">
+              <a:schemeClr val="accent1">
+                <a:shade val="50000"/>
+              </a:schemeClr>
+            </a:lnRef>
+            <a:fillRef idx="1">
+              <a:schemeClr val="accent1"/>
+            </a:fillRef>
+            <a:effectRef idx="0">
+              <a:schemeClr val="accent1"/>
+            </a:effectRef>
+            <a:fontRef idx="minor">
+              <a:schemeClr val="lt1"/>
+            </a:fontRef>
+          </p:style>
+          <p:txBody>
+            <a:bodyPr rtlCol="0" anchor="ctr"/>
+            <a:lstStyle/>
+            <a:p>
+              <a:pPr algn="ctr"/>
+              <a:endParaRPr lang="en-CA"/>
+            </a:p>
+          </p:txBody>
+        </p:sp>
+        <p:sp>
+          <p:nvSpPr>
+            <p:cNvPr id="24" name="Oval 23">
+              <a:extLst>
+                <a:ext uri="{FF2B5EF4-FFF2-40B4-BE49-F238E27FC236}">
+                  <a16:creationId xmlns:a16="http://schemas.microsoft.com/office/drawing/2014/main" id="{CD899853-9B94-47DB-86B6-B0946409DAD8}"/>
+                </a:ext>
+              </a:extLst>
+            </p:cNvPr>
+            <p:cNvSpPr/>
+            <p:nvPr/>
+          </p:nvSpPr>
+          <p:spPr>
+            <a:xfrm>
+              <a:off x="4866572" y="3192745"/>
+              <a:ext cx="115100" cy="116602"/>
+            </a:xfrm>
+            <a:prstGeom prst="ellipse">
+              <a:avLst/>
+            </a:prstGeom>
+            <a:solidFill>
+              <a:schemeClr val="accent6">
+                <a:lumMod val="40000"/>
+                <a:lumOff val="60000"/>
+              </a:schemeClr>
+            </a:solidFill>
+            <a:ln>
+              <a:solidFill>
+                <a:schemeClr val="accent6">
+                  <a:lumMod val="75000"/>
+                </a:schemeClr>
+              </a:solidFill>
+            </a:ln>
+          </p:spPr>
+          <p:style>
+            <a:lnRef idx="2">
+              <a:schemeClr val="accent1">
+                <a:shade val="50000"/>
+              </a:schemeClr>
+            </a:lnRef>
+            <a:fillRef idx="1">
+              <a:schemeClr val="accent1"/>
+            </a:fillRef>
+            <a:effectRef idx="0">
+              <a:schemeClr val="accent1"/>
+            </a:effectRef>
+            <a:fontRef idx="minor">
+              <a:schemeClr val="lt1"/>
+            </a:fontRef>
+          </p:style>
+          <p:txBody>
+            <a:bodyPr rtlCol="0" anchor="ctr"/>
+            <a:lstStyle/>
+            <a:p>
+              <a:pPr algn="ctr"/>
+              <a:endParaRPr lang="en-CA"/>
+            </a:p>
+          </p:txBody>
+        </p:sp>
+        <p:sp>
+          <p:nvSpPr>
+            <p:cNvPr id="25" name="Oval 24">
+              <a:extLst>
+                <a:ext uri="{FF2B5EF4-FFF2-40B4-BE49-F238E27FC236}">
+                  <a16:creationId xmlns:a16="http://schemas.microsoft.com/office/drawing/2014/main" id="{DF4BDCA2-5444-4190-AE9A-86DE4DE26749}"/>
+                </a:ext>
+              </a:extLst>
+            </p:cNvPr>
+            <p:cNvSpPr/>
+            <p:nvPr/>
+          </p:nvSpPr>
+          <p:spPr>
+            <a:xfrm>
+              <a:off x="4157361" y="5492905"/>
+              <a:ext cx="115100" cy="116602"/>
+            </a:xfrm>
+            <a:prstGeom prst="ellipse">
+              <a:avLst/>
+            </a:prstGeom>
+            <a:solidFill>
+              <a:schemeClr val="accent6">
+                <a:lumMod val="40000"/>
+                <a:lumOff val="60000"/>
+              </a:schemeClr>
+            </a:solidFill>
+            <a:ln>
+              <a:solidFill>
+                <a:schemeClr val="accent6">
+                  <a:lumMod val="75000"/>
+                </a:schemeClr>
+              </a:solidFill>
+            </a:ln>
+          </p:spPr>
+          <p:style>
+            <a:lnRef idx="2">
+              <a:schemeClr val="accent1">
+                <a:shade val="50000"/>
+              </a:schemeClr>
+            </a:lnRef>
+            <a:fillRef idx="1">
+              <a:schemeClr val="accent1"/>
+            </a:fillRef>
+            <a:effectRef idx="0">
+              <a:schemeClr val="accent1"/>
+            </a:effectRef>
+            <a:fontRef idx="minor">
+              <a:schemeClr val="lt1"/>
+            </a:fontRef>
+          </p:style>
+          <p:txBody>
+            <a:bodyPr rtlCol="0" anchor="ctr"/>
+            <a:lstStyle/>
+            <a:p>
+              <a:pPr algn="ctr"/>
+              <a:endParaRPr lang="en-CA"/>
+            </a:p>
+          </p:txBody>
+        </p:sp>
+        <p:sp>
+          <p:nvSpPr>
+            <p:cNvPr id="26" name="Oval 25">
+              <a:extLst>
+                <a:ext uri="{FF2B5EF4-FFF2-40B4-BE49-F238E27FC236}">
+                  <a16:creationId xmlns:a16="http://schemas.microsoft.com/office/drawing/2014/main" id="{4420DFE9-33AA-47BC-9F4E-1F6EC2F2EFB4}"/>
+                </a:ext>
+              </a:extLst>
+            </p:cNvPr>
+            <p:cNvSpPr/>
+            <p:nvPr/>
+          </p:nvSpPr>
+          <p:spPr>
+            <a:xfrm>
+              <a:off x="4767642" y="4703502"/>
+              <a:ext cx="115100" cy="116602"/>
+            </a:xfrm>
+            <a:prstGeom prst="ellipse">
+              <a:avLst/>
+            </a:prstGeom>
+            <a:solidFill>
+              <a:schemeClr val="accent6">
+                <a:lumMod val="40000"/>
+                <a:lumOff val="60000"/>
+              </a:schemeClr>
+            </a:solidFill>
+            <a:ln>
+              <a:solidFill>
+                <a:schemeClr val="accent6">
+                  <a:lumMod val="75000"/>
+                </a:schemeClr>
+              </a:solidFill>
+            </a:ln>
+          </p:spPr>
+          <p:style>
+            <a:lnRef idx="2">
+              <a:schemeClr val="accent1">
+                <a:shade val="50000"/>
+              </a:schemeClr>
+            </a:lnRef>
+            <a:fillRef idx="1">
+              <a:schemeClr val="accent1"/>
+            </a:fillRef>
+            <a:effectRef idx="0">
+              <a:schemeClr val="accent1"/>
+            </a:effectRef>
+            <a:fontRef idx="minor">
+              <a:schemeClr val="lt1"/>
+            </a:fontRef>
+          </p:style>
+          <p:txBody>
+            <a:bodyPr rtlCol="0" anchor="ctr"/>
+            <a:lstStyle/>
+            <a:p>
+              <a:pPr algn="ctr"/>
+              <a:endParaRPr lang="en-CA"/>
+            </a:p>
+          </p:txBody>
+        </p:sp>
+        <p:sp>
+          <p:nvSpPr>
+            <p:cNvPr id="27" name="Oval 26">
+              <a:extLst>
+                <a:ext uri="{FF2B5EF4-FFF2-40B4-BE49-F238E27FC236}">
+                  <a16:creationId xmlns:a16="http://schemas.microsoft.com/office/drawing/2014/main" id="{582B66B7-8581-4C60-8375-13293E373167}"/>
+                </a:ext>
+              </a:extLst>
+            </p:cNvPr>
+            <p:cNvSpPr/>
+            <p:nvPr/>
+          </p:nvSpPr>
+          <p:spPr>
+            <a:xfrm>
+              <a:off x="5377923" y="3914099"/>
+              <a:ext cx="115100" cy="116602"/>
+            </a:xfrm>
+            <a:prstGeom prst="ellipse">
+              <a:avLst/>
+            </a:prstGeom>
+            <a:solidFill>
+              <a:schemeClr val="accent6">
+                <a:lumMod val="40000"/>
+                <a:lumOff val="60000"/>
+              </a:schemeClr>
+            </a:solidFill>
+            <a:ln>
+              <a:solidFill>
+                <a:schemeClr val="accent6">
+                  <a:lumMod val="75000"/>
+                </a:schemeClr>
+              </a:solidFill>
+            </a:ln>
+          </p:spPr>
+          <p:style>
+            <a:lnRef idx="2">
+              <a:schemeClr val="accent1">
+                <a:shade val="50000"/>
+              </a:schemeClr>
+            </a:lnRef>
+            <a:fillRef idx="1">
+              <a:schemeClr val="accent1"/>
+            </a:fillRef>
+            <a:effectRef idx="0">
+              <a:schemeClr val="accent1"/>
+            </a:effectRef>
+            <a:fontRef idx="minor">
+              <a:schemeClr val="lt1"/>
+            </a:fontRef>
+          </p:style>
+          <p:txBody>
+            <a:bodyPr rtlCol="0" anchor="ctr"/>
+            <a:lstStyle/>
+            <a:p>
+              <a:pPr algn="ctr"/>
+              <a:endParaRPr lang="en-CA"/>
+            </a:p>
+          </p:txBody>
+        </p:sp>
+        <p:sp>
+          <p:nvSpPr>
+            <p:cNvPr id="28" name="Oval 27">
+              <a:extLst>
+                <a:ext uri="{FF2B5EF4-FFF2-40B4-BE49-F238E27FC236}">
+                  <a16:creationId xmlns:a16="http://schemas.microsoft.com/office/drawing/2014/main" id="{5594F01D-DAEC-4907-BFD0-CB6BBD737DF7}"/>
+                </a:ext>
+              </a:extLst>
+            </p:cNvPr>
+            <p:cNvSpPr/>
+            <p:nvPr/>
+          </p:nvSpPr>
+          <p:spPr>
+            <a:xfrm>
+              <a:off x="4370088" y="3804030"/>
+              <a:ext cx="115100" cy="116602"/>
+            </a:xfrm>
+            <a:prstGeom prst="ellipse">
+              <a:avLst/>
+            </a:prstGeom>
+            <a:solidFill>
+              <a:schemeClr val="accent6">
+                <a:lumMod val="40000"/>
+                <a:lumOff val="60000"/>
+              </a:schemeClr>
+            </a:solidFill>
+            <a:ln>
+              <a:solidFill>
+                <a:schemeClr val="accent6">
+                  <a:lumMod val="75000"/>
+                </a:schemeClr>
+              </a:solidFill>
+            </a:ln>
+          </p:spPr>
+          <p:style>
+            <a:lnRef idx="2">
+              <a:schemeClr val="accent1">
+                <a:shade val="50000"/>
+              </a:schemeClr>
+            </a:lnRef>
+            <a:fillRef idx="1">
+              <a:schemeClr val="accent1"/>
+            </a:fillRef>
+            <a:effectRef idx="0">
+              <a:schemeClr val="accent1"/>
+            </a:effectRef>
+            <a:fontRef idx="minor">
+              <a:schemeClr val="lt1"/>
+            </a:fontRef>
+          </p:style>
+          <p:txBody>
+            <a:bodyPr rtlCol="0" anchor="ctr"/>
+            <a:lstStyle/>
+            <a:p>
+              <a:pPr algn="ctr"/>
+              <a:endParaRPr lang="en-CA"/>
+            </a:p>
+          </p:txBody>
+        </p:sp>
+        <p:sp>
+          <p:nvSpPr>
+            <p:cNvPr id="29" name="Oval 28">
+              <a:extLst>
+                <a:ext uri="{FF2B5EF4-FFF2-40B4-BE49-F238E27FC236}">
+                  <a16:creationId xmlns:a16="http://schemas.microsoft.com/office/drawing/2014/main" id="{AEF5CB54-AB12-4B13-91E5-ABDCD7E6935F}"/>
+                </a:ext>
+              </a:extLst>
+            </p:cNvPr>
+            <p:cNvSpPr/>
+            <p:nvPr/>
+          </p:nvSpPr>
+          <p:spPr>
+            <a:xfrm>
+              <a:off x="5435473" y="5396620"/>
+              <a:ext cx="115100" cy="116602"/>
+            </a:xfrm>
+            <a:prstGeom prst="ellipse">
+              <a:avLst/>
+            </a:prstGeom>
+            <a:solidFill>
+              <a:schemeClr val="accent6">
+                <a:lumMod val="40000"/>
+                <a:lumOff val="60000"/>
+              </a:schemeClr>
+            </a:solidFill>
+            <a:ln>
+              <a:solidFill>
+                <a:schemeClr val="accent6">
+                  <a:lumMod val="75000"/>
+                </a:schemeClr>
+              </a:solidFill>
+            </a:ln>
+          </p:spPr>
+          <p:style>
+            <a:lnRef idx="2">
+              <a:schemeClr val="accent1">
+                <a:shade val="50000"/>
+              </a:schemeClr>
+            </a:lnRef>
+            <a:fillRef idx="1">
+              <a:schemeClr val="accent1"/>
+            </a:fillRef>
+            <a:effectRef idx="0">
+              <a:schemeClr val="accent1"/>
+            </a:effectRef>
+            <a:fontRef idx="minor">
+              <a:schemeClr val="lt1"/>
+            </a:fontRef>
+          </p:style>
+          <p:txBody>
+            <a:bodyPr rtlCol="0" anchor="ctr"/>
+            <a:lstStyle/>
+            <a:p>
+              <a:pPr algn="ctr"/>
+              <a:endParaRPr lang="en-CA"/>
+            </a:p>
+          </p:txBody>
+        </p:sp>
+        <p:sp>
+          <p:nvSpPr>
+            <p:cNvPr id="30" name="Oval 29">
+              <a:extLst>
+                <a:ext uri="{FF2B5EF4-FFF2-40B4-BE49-F238E27FC236}">
+                  <a16:creationId xmlns:a16="http://schemas.microsoft.com/office/drawing/2014/main" id="{4CF1BD78-339C-4B3F-8EBC-57D3526E3780}"/>
+                </a:ext>
+              </a:extLst>
+            </p:cNvPr>
+            <p:cNvSpPr/>
+            <p:nvPr/>
+          </p:nvSpPr>
+          <p:spPr>
+            <a:xfrm>
+              <a:off x="6436164" y="5851547"/>
+              <a:ext cx="115100" cy="116602"/>
+            </a:xfrm>
+            <a:prstGeom prst="ellipse">
+              <a:avLst/>
+            </a:prstGeom>
+            <a:solidFill>
+              <a:schemeClr val="accent6">
+                <a:lumMod val="40000"/>
+                <a:lumOff val="60000"/>
+              </a:schemeClr>
+            </a:solidFill>
+            <a:ln>
+              <a:solidFill>
+                <a:schemeClr val="accent6">
+                  <a:lumMod val="75000"/>
+                </a:schemeClr>
+              </a:solidFill>
+            </a:ln>
+          </p:spPr>
+          <p:style>
+            <a:lnRef idx="2">
+              <a:schemeClr val="accent1">
+                <a:shade val="50000"/>
+              </a:schemeClr>
+            </a:lnRef>
+            <a:fillRef idx="1">
+              <a:schemeClr val="accent1"/>
+            </a:fillRef>
+            <a:effectRef idx="0">
+              <a:schemeClr val="accent1"/>
+            </a:effectRef>
+            <a:fontRef idx="minor">
+              <a:schemeClr val="lt1"/>
+            </a:fontRef>
+          </p:style>
+          <p:txBody>
+            <a:bodyPr rtlCol="0" anchor="ctr"/>
+            <a:lstStyle/>
+            <a:p>
+              <a:pPr algn="ctr"/>
+              <a:endParaRPr lang="en-CA"/>
+            </a:p>
+          </p:txBody>
+        </p:sp>
+        <p:sp>
+          <p:nvSpPr>
+            <p:cNvPr id="31" name="Oval 30">
+              <a:extLst>
+                <a:ext uri="{FF2B5EF4-FFF2-40B4-BE49-F238E27FC236}">
+                  <a16:creationId xmlns:a16="http://schemas.microsoft.com/office/drawing/2014/main" id="{CD2D131E-F8F2-40A9-9B5B-7F46D5E77D2A}"/>
+                </a:ext>
+              </a:extLst>
+            </p:cNvPr>
+            <p:cNvSpPr/>
+            <p:nvPr/>
+          </p:nvSpPr>
+          <p:spPr>
+            <a:xfrm>
+              <a:off x="6900384" y="4812314"/>
+              <a:ext cx="115100" cy="116602"/>
+            </a:xfrm>
+            <a:prstGeom prst="ellipse">
+              <a:avLst/>
+            </a:prstGeom>
+            <a:solidFill>
+              <a:schemeClr val="accent6">
+                <a:lumMod val="40000"/>
+                <a:lumOff val="60000"/>
+              </a:schemeClr>
+            </a:solidFill>
+            <a:ln>
+              <a:solidFill>
+                <a:schemeClr val="accent6">
+                  <a:lumMod val="75000"/>
+                </a:schemeClr>
+              </a:solidFill>
+            </a:ln>
+          </p:spPr>
+          <p:style>
+            <a:lnRef idx="2">
+              <a:schemeClr val="accent1">
+                <a:shade val="50000"/>
+              </a:schemeClr>
+            </a:lnRef>
+            <a:fillRef idx="1">
+              <a:schemeClr val="accent1"/>
+            </a:fillRef>
+            <a:effectRef idx="0">
+              <a:schemeClr val="accent1"/>
+            </a:effectRef>
+            <a:fontRef idx="minor">
+              <a:schemeClr val="lt1"/>
+            </a:fontRef>
+          </p:style>
+          <p:txBody>
+            <a:bodyPr rtlCol="0" anchor="ctr"/>
+            <a:lstStyle/>
+            <a:p>
+              <a:pPr algn="ctr"/>
+              <a:endParaRPr lang="en-CA"/>
+            </a:p>
+          </p:txBody>
+        </p:sp>
+        <p:sp>
+          <p:nvSpPr>
+            <p:cNvPr id="32" name="Oval 31">
+              <a:extLst>
+                <a:ext uri="{FF2B5EF4-FFF2-40B4-BE49-F238E27FC236}">
+                  <a16:creationId xmlns:a16="http://schemas.microsoft.com/office/drawing/2014/main" id="{551EE006-942C-4D2B-8249-7C0A712BDA56}"/>
+                </a:ext>
+              </a:extLst>
+            </p:cNvPr>
+            <p:cNvSpPr/>
+            <p:nvPr/>
+          </p:nvSpPr>
+          <p:spPr>
+            <a:xfrm>
+              <a:off x="7894021" y="4182306"/>
+              <a:ext cx="115100" cy="116602"/>
+            </a:xfrm>
+            <a:prstGeom prst="ellipse">
+              <a:avLst/>
+            </a:prstGeom>
+            <a:solidFill>
+              <a:schemeClr val="accent6">
+                <a:lumMod val="40000"/>
+                <a:lumOff val="60000"/>
+              </a:schemeClr>
+            </a:solidFill>
+            <a:ln>
+              <a:solidFill>
+                <a:schemeClr val="accent6">
+                  <a:lumMod val="75000"/>
+                </a:schemeClr>
+              </a:solidFill>
+            </a:ln>
+          </p:spPr>
+          <p:style>
+            <a:lnRef idx="2">
+              <a:schemeClr val="accent1">
+                <a:shade val="50000"/>
+              </a:schemeClr>
+            </a:lnRef>
+            <a:fillRef idx="1">
+              <a:schemeClr val="accent1"/>
+            </a:fillRef>
+            <a:effectRef idx="0">
+              <a:schemeClr val="accent1"/>
+            </a:effectRef>
+            <a:fontRef idx="minor">
+              <a:schemeClr val="lt1"/>
+            </a:fontRef>
+          </p:style>
+          <p:txBody>
+            <a:bodyPr rtlCol="0" anchor="ctr"/>
+            <a:lstStyle/>
+            <a:p>
+              <a:pPr algn="ctr"/>
+              <a:endParaRPr lang="en-CA"/>
+            </a:p>
+          </p:txBody>
+        </p:sp>
+        <p:sp>
+          <p:nvSpPr>
+            <p:cNvPr id="33" name="Oval 32">
+              <a:extLst>
+                <a:ext uri="{FF2B5EF4-FFF2-40B4-BE49-F238E27FC236}">
+                  <a16:creationId xmlns:a16="http://schemas.microsoft.com/office/drawing/2014/main" id="{0B265292-ED02-4913-9E28-3FEB668B82A7}"/>
+                </a:ext>
+              </a:extLst>
+            </p:cNvPr>
+            <p:cNvSpPr/>
+            <p:nvPr/>
+          </p:nvSpPr>
+          <p:spPr>
+            <a:xfrm>
+              <a:off x="8887658" y="3552298"/>
+              <a:ext cx="115100" cy="116602"/>
+            </a:xfrm>
+            <a:prstGeom prst="ellipse">
+              <a:avLst/>
+            </a:prstGeom>
+            <a:solidFill>
+              <a:schemeClr val="accent6">
+                <a:lumMod val="40000"/>
+                <a:lumOff val="60000"/>
+              </a:schemeClr>
+            </a:solidFill>
+            <a:ln>
+              <a:solidFill>
+                <a:schemeClr val="accent6">
+                  <a:lumMod val="75000"/>
+                </a:schemeClr>
+              </a:solidFill>
+            </a:ln>
+          </p:spPr>
+          <p:style>
+            <a:lnRef idx="2">
+              <a:schemeClr val="accent1">
+                <a:shade val="50000"/>
+              </a:schemeClr>
+            </a:lnRef>
+            <a:fillRef idx="1">
+              <a:schemeClr val="accent1"/>
+            </a:fillRef>
+            <a:effectRef idx="0">
+              <a:schemeClr val="accent1"/>
+            </a:effectRef>
+            <a:fontRef idx="minor">
+              <a:schemeClr val="lt1"/>
+            </a:fontRef>
+          </p:style>
+          <p:txBody>
+            <a:bodyPr rtlCol="0" anchor="ctr"/>
+            <a:lstStyle/>
+            <a:p>
+              <a:pPr algn="ctr"/>
+              <a:endParaRPr lang="en-CA"/>
+            </a:p>
+          </p:txBody>
+        </p:sp>
+        <p:sp>
+          <p:nvSpPr>
+            <p:cNvPr id="34" name="Oval 33">
+              <a:extLst>
+                <a:ext uri="{FF2B5EF4-FFF2-40B4-BE49-F238E27FC236}">
+                  <a16:creationId xmlns:a16="http://schemas.microsoft.com/office/drawing/2014/main" id="{6C7CCEB2-C1DC-447F-AB68-861CB7E63670}"/>
+                </a:ext>
+              </a:extLst>
+            </p:cNvPr>
+            <p:cNvSpPr/>
+            <p:nvPr/>
+          </p:nvSpPr>
+          <p:spPr>
+            <a:xfrm>
+              <a:off x="8362632" y="4645201"/>
+              <a:ext cx="115100" cy="116602"/>
+            </a:xfrm>
+            <a:prstGeom prst="ellipse">
+              <a:avLst/>
+            </a:prstGeom>
+            <a:solidFill>
+              <a:schemeClr val="accent6">
+                <a:lumMod val="40000"/>
+                <a:lumOff val="60000"/>
+              </a:schemeClr>
+            </a:solidFill>
+            <a:ln>
+              <a:solidFill>
+                <a:schemeClr val="accent6">
+                  <a:lumMod val="75000"/>
+                </a:schemeClr>
+              </a:solidFill>
+            </a:ln>
+          </p:spPr>
+          <p:style>
+            <a:lnRef idx="2">
+              <a:schemeClr val="accent1">
+                <a:shade val="50000"/>
+              </a:schemeClr>
+            </a:lnRef>
+            <a:fillRef idx="1">
+              <a:schemeClr val="accent1"/>
+            </a:fillRef>
+            <a:effectRef idx="0">
+              <a:schemeClr val="accent1"/>
+            </a:effectRef>
+            <a:fontRef idx="minor">
+              <a:schemeClr val="lt1"/>
+            </a:fontRef>
+          </p:style>
+          <p:txBody>
+            <a:bodyPr rtlCol="0" anchor="ctr"/>
+            <a:lstStyle/>
+            <a:p>
+              <a:pPr algn="ctr"/>
+              <a:endParaRPr lang="en-CA"/>
+            </a:p>
+          </p:txBody>
+        </p:sp>
+        <p:sp>
+          <p:nvSpPr>
+            <p:cNvPr id="35" name="Oval 34">
+              <a:extLst>
+                <a:ext uri="{FF2B5EF4-FFF2-40B4-BE49-F238E27FC236}">
+                  <a16:creationId xmlns:a16="http://schemas.microsoft.com/office/drawing/2014/main" id="{BD103FCE-E66D-4A37-BD45-4AE691CF72AB}"/>
+                </a:ext>
+              </a:extLst>
+            </p:cNvPr>
+            <p:cNvSpPr/>
+            <p:nvPr/>
+          </p:nvSpPr>
+          <p:spPr>
+            <a:xfrm>
+              <a:off x="7927632" y="3228368"/>
+              <a:ext cx="115100" cy="116602"/>
+            </a:xfrm>
+            <a:prstGeom prst="ellipse">
+              <a:avLst/>
+            </a:prstGeom>
+            <a:solidFill>
+              <a:schemeClr val="accent6">
+                <a:lumMod val="40000"/>
+                <a:lumOff val="60000"/>
+              </a:schemeClr>
+            </a:solidFill>
+            <a:ln>
+              <a:solidFill>
+                <a:schemeClr val="accent6">
+                  <a:lumMod val="75000"/>
+                </a:schemeClr>
+              </a:solidFill>
+            </a:ln>
+          </p:spPr>
+          <p:style>
+            <a:lnRef idx="2">
+              <a:schemeClr val="accent1">
+                <a:shade val="50000"/>
+              </a:schemeClr>
+            </a:lnRef>
+            <a:fillRef idx="1">
+              <a:schemeClr val="accent1"/>
+            </a:fillRef>
+            <a:effectRef idx="0">
+              <a:schemeClr val="accent1"/>
+            </a:effectRef>
+            <a:fontRef idx="minor">
+              <a:schemeClr val="lt1"/>
+            </a:fontRef>
+          </p:style>
+          <p:txBody>
+            <a:bodyPr rtlCol="0" anchor="ctr"/>
+            <a:lstStyle/>
+            <a:p>
+              <a:pPr algn="ctr"/>
+              <a:endParaRPr lang="en-CA"/>
+            </a:p>
+          </p:txBody>
+        </p:sp>
+        <p:sp>
+          <p:nvSpPr>
+            <p:cNvPr id="36" name="Oval 35">
+              <a:extLst>
+                <a:ext uri="{FF2B5EF4-FFF2-40B4-BE49-F238E27FC236}">
+                  <a16:creationId xmlns:a16="http://schemas.microsoft.com/office/drawing/2014/main" id="{1A3548CD-1130-418A-A8E4-A521B4056EB4}"/>
+                </a:ext>
+              </a:extLst>
+            </p:cNvPr>
+            <p:cNvSpPr/>
+            <p:nvPr/>
+          </p:nvSpPr>
+          <p:spPr>
+            <a:xfrm>
+              <a:off x="6715212" y="2982168"/>
+              <a:ext cx="115100" cy="116602"/>
+            </a:xfrm>
+            <a:prstGeom prst="ellipse">
+              <a:avLst/>
+            </a:prstGeom>
+            <a:solidFill>
+              <a:schemeClr val="accent6">
+                <a:lumMod val="40000"/>
+                <a:lumOff val="60000"/>
+              </a:schemeClr>
+            </a:solidFill>
+            <a:ln>
+              <a:solidFill>
+                <a:schemeClr val="accent6">
+                  <a:lumMod val="75000"/>
+                </a:schemeClr>
+              </a:solidFill>
+            </a:ln>
+          </p:spPr>
+          <p:style>
+            <a:lnRef idx="2">
+              <a:schemeClr val="accent1">
+                <a:shade val="50000"/>
+              </a:schemeClr>
+            </a:lnRef>
+            <a:fillRef idx="1">
+              <a:schemeClr val="accent1"/>
+            </a:fillRef>
+            <a:effectRef idx="0">
+              <a:schemeClr val="accent1"/>
+            </a:effectRef>
+            <a:fontRef idx="minor">
+              <a:schemeClr val="lt1"/>
+            </a:fontRef>
+          </p:style>
+          <p:txBody>
+            <a:bodyPr rtlCol="0" anchor="ctr"/>
+            <a:lstStyle/>
+            <a:p>
+              <a:pPr algn="ctr"/>
+              <a:endParaRPr lang="en-CA"/>
+            </a:p>
+          </p:txBody>
+        </p:sp>
+        <p:sp>
+          <p:nvSpPr>
+            <p:cNvPr id="37" name="Oval 36">
+              <a:extLst>
+                <a:ext uri="{FF2B5EF4-FFF2-40B4-BE49-F238E27FC236}">
+                  <a16:creationId xmlns:a16="http://schemas.microsoft.com/office/drawing/2014/main" id="{DAE149E1-C22B-4AF4-A146-C399B13DDF40}"/>
+                </a:ext>
+              </a:extLst>
+            </p:cNvPr>
+            <p:cNvSpPr/>
+            <p:nvPr/>
+          </p:nvSpPr>
+          <p:spPr>
+            <a:xfrm>
+              <a:off x="8387794" y="2826488"/>
+              <a:ext cx="115100" cy="116602"/>
+            </a:xfrm>
+            <a:prstGeom prst="ellipse">
+              <a:avLst/>
+            </a:prstGeom>
+            <a:solidFill>
+              <a:schemeClr val="accent6">
+                <a:lumMod val="40000"/>
+                <a:lumOff val="60000"/>
+              </a:schemeClr>
+            </a:solidFill>
+            <a:ln>
+              <a:solidFill>
+                <a:schemeClr val="accent6">
+                  <a:lumMod val="75000"/>
+                </a:schemeClr>
+              </a:solidFill>
+            </a:ln>
+          </p:spPr>
+          <p:style>
+            <a:lnRef idx="2">
+              <a:schemeClr val="accent1">
+                <a:shade val="50000"/>
+              </a:schemeClr>
+            </a:lnRef>
+            <a:fillRef idx="1">
+              <a:schemeClr val="accent1"/>
+            </a:fillRef>
+            <a:effectRef idx="0">
+              <a:schemeClr val="accent1"/>
+            </a:effectRef>
+            <a:fontRef idx="minor">
+              <a:schemeClr val="lt1"/>
+            </a:fontRef>
+          </p:style>
+          <p:txBody>
+            <a:bodyPr rtlCol="0" anchor="ctr"/>
+            <a:lstStyle/>
+            <a:p>
+              <a:pPr algn="ctr"/>
+              <a:endParaRPr lang="en-CA"/>
+            </a:p>
+          </p:txBody>
+        </p:sp>
+        <p:sp>
+          <p:nvSpPr>
+            <p:cNvPr id="38" name="Oval 37">
+              <a:extLst>
+                <a:ext uri="{FF2B5EF4-FFF2-40B4-BE49-F238E27FC236}">
+                  <a16:creationId xmlns:a16="http://schemas.microsoft.com/office/drawing/2014/main" id="{C052D4F3-20B3-4560-9F15-42151FF21AEB}"/>
+                </a:ext>
+              </a:extLst>
+            </p:cNvPr>
+            <p:cNvSpPr/>
+            <p:nvPr/>
+          </p:nvSpPr>
+          <p:spPr>
+            <a:xfrm>
+              <a:off x="7619977" y="1677204"/>
+              <a:ext cx="115100" cy="116602"/>
+            </a:xfrm>
+            <a:prstGeom prst="ellipse">
+              <a:avLst/>
+            </a:prstGeom>
+            <a:solidFill>
+              <a:schemeClr val="accent6">
+                <a:lumMod val="40000"/>
+                <a:lumOff val="60000"/>
+              </a:schemeClr>
+            </a:solidFill>
+            <a:ln>
+              <a:solidFill>
+                <a:schemeClr val="accent6">
+                  <a:lumMod val="75000"/>
+                </a:schemeClr>
+              </a:solidFill>
+            </a:ln>
+          </p:spPr>
+          <p:style>
+            <a:lnRef idx="2">
+              <a:schemeClr val="accent1">
+                <a:shade val="50000"/>
+              </a:schemeClr>
+            </a:lnRef>
+            <a:fillRef idx="1">
+              <a:schemeClr val="accent1"/>
+            </a:fillRef>
+            <a:effectRef idx="0">
+              <a:schemeClr val="accent1"/>
+            </a:effectRef>
+            <a:fontRef idx="minor">
+              <a:schemeClr val="lt1"/>
+            </a:fontRef>
+          </p:style>
+          <p:txBody>
+            <a:bodyPr rtlCol="0" anchor="ctr"/>
+            <a:lstStyle/>
+            <a:p>
+              <a:pPr algn="ctr"/>
+              <a:endParaRPr lang="en-CA"/>
+            </a:p>
+          </p:txBody>
+        </p:sp>
+        <p:sp>
+          <p:nvSpPr>
+            <p:cNvPr id="39" name="Oval 38">
+              <a:extLst>
+                <a:ext uri="{FF2B5EF4-FFF2-40B4-BE49-F238E27FC236}">
+                  <a16:creationId xmlns:a16="http://schemas.microsoft.com/office/drawing/2014/main" id="{7EBF1CC7-DC48-42E7-97B0-25C1768EC8BB}"/>
+                </a:ext>
+              </a:extLst>
+            </p:cNvPr>
+            <p:cNvSpPr/>
+            <p:nvPr/>
+          </p:nvSpPr>
+          <p:spPr>
+            <a:xfrm>
+              <a:off x="8481651" y="1186719"/>
+              <a:ext cx="115100" cy="116602"/>
+            </a:xfrm>
+            <a:prstGeom prst="ellipse">
+              <a:avLst/>
+            </a:prstGeom>
+            <a:solidFill>
+              <a:schemeClr val="accent6">
+                <a:lumMod val="40000"/>
+                <a:lumOff val="60000"/>
+              </a:schemeClr>
+            </a:solidFill>
+            <a:ln>
+              <a:solidFill>
+                <a:schemeClr val="accent6">
+                  <a:lumMod val="75000"/>
+                </a:schemeClr>
+              </a:solidFill>
+            </a:ln>
+          </p:spPr>
+          <p:style>
+            <a:lnRef idx="2">
+              <a:schemeClr val="accent1">
+                <a:shade val="50000"/>
+              </a:schemeClr>
+            </a:lnRef>
+            <a:fillRef idx="1">
+              <a:schemeClr val="accent1"/>
+            </a:fillRef>
+            <a:effectRef idx="0">
+              <a:schemeClr val="accent1"/>
+            </a:effectRef>
+            <a:fontRef idx="minor">
+              <a:schemeClr val="lt1"/>
+            </a:fontRef>
+          </p:style>
+          <p:txBody>
+            <a:bodyPr rtlCol="0" anchor="ctr"/>
+            <a:lstStyle/>
+            <a:p>
+              <a:pPr algn="ctr"/>
+              <a:endParaRPr lang="en-CA"/>
+            </a:p>
+          </p:txBody>
+        </p:sp>
+        <p:sp>
+          <p:nvSpPr>
+            <p:cNvPr id="40" name="Oval 39">
+              <a:extLst>
+                <a:ext uri="{FF2B5EF4-FFF2-40B4-BE49-F238E27FC236}">
+                  <a16:creationId xmlns:a16="http://schemas.microsoft.com/office/drawing/2014/main" id="{354C63E7-BCA0-4E2D-A577-C5A2A51D466B}"/>
+                </a:ext>
+              </a:extLst>
+            </p:cNvPr>
+            <p:cNvSpPr/>
+            <p:nvPr/>
+          </p:nvSpPr>
+          <p:spPr>
+            <a:xfrm>
+              <a:off x="9002758" y="1393079"/>
+              <a:ext cx="115100" cy="116602"/>
+            </a:xfrm>
+            <a:prstGeom prst="ellipse">
+              <a:avLst/>
+            </a:prstGeom>
+            <a:solidFill>
+              <a:schemeClr val="accent6">
+                <a:lumMod val="40000"/>
+                <a:lumOff val="60000"/>
+              </a:schemeClr>
+            </a:solidFill>
+            <a:ln>
+              <a:solidFill>
+                <a:schemeClr val="accent6">
+                  <a:lumMod val="75000"/>
+                </a:schemeClr>
+              </a:solidFill>
+            </a:ln>
+          </p:spPr>
+          <p:style>
+            <a:lnRef idx="2">
+              <a:schemeClr val="accent1">
+                <a:shade val="50000"/>
+              </a:schemeClr>
+            </a:lnRef>
+            <a:fillRef idx="1">
+              <a:schemeClr val="accent1"/>
+            </a:fillRef>
+            <a:effectRef idx="0">
+              <a:schemeClr val="accent1"/>
+            </a:effectRef>
+            <a:fontRef idx="minor">
+              <a:schemeClr val="lt1"/>
+            </a:fontRef>
+          </p:style>
+          <p:txBody>
+            <a:bodyPr rtlCol="0" anchor="ctr"/>
+            <a:lstStyle/>
+            <a:p>
+              <a:pPr algn="ctr"/>
+              <a:endParaRPr lang="en-CA"/>
+            </a:p>
+          </p:txBody>
+        </p:sp>
+        <p:sp>
+          <p:nvSpPr>
+            <p:cNvPr id="41" name="Oval 40">
+              <a:extLst>
+                <a:ext uri="{FF2B5EF4-FFF2-40B4-BE49-F238E27FC236}">
+                  <a16:creationId xmlns:a16="http://schemas.microsoft.com/office/drawing/2014/main" id="{58120B34-53CA-4CE1-A561-FE1D0A334B76}"/>
+                </a:ext>
+              </a:extLst>
+            </p:cNvPr>
+            <p:cNvSpPr/>
+            <p:nvPr/>
+          </p:nvSpPr>
+          <p:spPr>
+            <a:xfrm>
+              <a:off x="5399246" y="3158842"/>
+              <a:ext cx="115100" cy="116602"/>
+            </a:xfrm>
+            <a:prstGeom prst="ellipse">
+              <a:avLst/>
+            </a:prstGeom>
+            <a:solidFill>
+              <a:schemeClr val="accent6">
+                <a:lumMod val="40000"/>
+                <a:lumOff val="60000"/>
+              </a:schemeClr>
+            </a:solidFill>
+            <a:ln>
+              <a:solidFill>
+                <a:schemeClr val="accent6">
+                  <a:lumMod val="75000"/>
+                </a:schemeClr>
+              </a:solidFill>
+            </a:ln>
+          </p:spPr>
+          <p:style>
+            <a:lnRef idx="2">
+              <a:schemeClr val="accent1">
+                <a:shade val="50000"/>
+              </a:schemeClr>
+            </a:lnRef>
+            <a:fillRef idx="1">
+              <a:schemeClr val="accent1"/>
+            </a:fillRef>
+            <a:effectRef idx="0">
+              <a:schemeClr val="accent1"/>
+            </a:effectRef>
+            <a:fontRef idx="minor">
+              <a:schemeClr val="lt1"/>
+            </a:fontRef>
+          </p:style>
+          <p:txBody>
+            <a:bodyPr rtlCol="0" anchor="ctr"/>
+            <a:lstStyle/>
+            <a:p>
+              <a:pPr algn="ctr"/>
+              <a:endParaRPr lang="en-CA"/>
+            </a:p>
+          </p:txBody>
+        </p:sp>
+        <p:sp>
+          <p:nvSpPr>
+            <p:cNvPr id="42" name="Oval 41">
+              <a:extLst>
+                <a:ext uri="{FF2B5EF4-FFF2-40B4-BE49-F238E27FC236}">
+                  <a16:creationId xmlns:a16="http://schemas.microsoft.com/office/drawing/2014/main" id="{94989406-0787-48FA-AB70-C28A9AC60998}"/>
+                </a:ext>
+              </a:extLst>
+            </p:cNvPr>
+            <p:cNvSpPr/>
+            <p:nvPr/>
+          </p:nvSpPr>
+          <p:spPr>
+            <a:xfrm>
+              <a:off x="4807340" y="4043821"/>
+              <a:ext cx="115100" cy="116602"/>
+            </a:xfrm>
+            <a:prstGeom prst="ellipse">
+              <a:avLst/>
+            </a:prstGeom>
+            <a:solidFill>
+              <a:schemeClr val="accent6">
+                <a:lumMod val="40000"/>
+                <a:lumOff val="60000"/>
+              </a:schemeClr>
+            </a:solidFill>
+            <a:ln>
+              <a:solidFill>
+                <a:schemeClr val="accent6">
+                  <a:lumMod val="75000"/>
+                </a:schemeClr>
+              </a:solidFill>
+            </a:ln>
+          </p:spPr>
+          <p:style>
+            <a:lnRef idx="2">
+              <a:schemeClr val="accent1">
+                <a:shade val="50000"/>
+              </a:schemeClr>
+            </a:lnRef>
+            <a:fillRef idx="1">
+              <a:schemeClr val="accent1"/>
+            </a:fillRef>
+            <a:effectRef idx="0">
+              <a:schemeClr val="accent1"/>
+            </a:effectRef>
+            <a:fontRef idx="minor">
+              <a:schemeClr val="lt1"/>
+            </a:fontRef>
+          </p:style>
+          <p:txBody>
+            <a:bodyPr rtlCol="0" anchor="ctr"/>
+            <a:lstStyle/>
+            <a:p>
+              <a:pPr algn="ctr"/>
+              <a:endParaRPr lang="en-CA"/>
+            </a:p>
+          </p:txBody>
+        </p:sp>
+        <p:sp>
+          <p:nvSpPr>
+            <p:cNvPr id="43" name="Oval 42">
+              <a:extLst>
+                <a:ext uri="{FF2B5EF4-FFF2-40B4-BE49-F238E27FC236}">
+                  <a16:creationId xmlns:a16="http://schemas.microsoft.com/office/drawing/2014/main" id="{D0BCBE24-DEB5-4278-ACEE-09B6F72A7413}"/>
+                </a:ext>
+              </a:extLst>
+            </p:cNvPr>
+            <p:cNvSpPr/>
+            <p:nvPr/>
+          </p:nvSpPr>
+          <p:spPr>
+            <a:xfrm>
+              <a:off x="6139170" y="4614789"/>
+              <a:ext cx="115100" cy="116602"/>
+            </a:xfrm>
+            <a:prstGeom prst="ellipse">
+              <a:avLst/>
+            </a:prstGeom>
+            <a:solidFill>
+              <a:schemeClr val="accent6">
+                <a:lumMod val="40000"/>
+                <a:lumOff val="60000"/>
+              </a:schemeClr>
+            </a:solidFill>
+            <a:ln>
+              <a:solidFill>
+                <a:schemeClr val="accent6">
+                  <a:lumMod val="75000"/>
+                </a:schemeClr>
+              </a:solidFill>
+            </a:ln>
+          </p:spPr>
+          <p:style>
+            <a:lnRef idx="2">
+              <a:schemeClr val="accent1">
+                <a:shade val="50000"/>
+              </a:schemeClr>
+            </a:lnRef>
+            <a:fillRef idx="1">
+              <a:schemeClr val="accent1"/>
+            </a:fillRef>
+            <a:effectRef idx="0">
+              <a:schemeClr val="accent1"/>
+            </a:effectRef>
+            <a:fontRef idx="minor">
+              <a:schemeClr val="lt1"/>
+            </a:fontRef>
+          </p:style>
+          <p:txBody>
+            <a:bodyPr rtlCol="0" anchor="ctr"/>
+            <a:lstStyle/>
+            <a:p>
+              <a:pPr algn="ctr"/>
+              <a:endParaRPr lang="en-CA"/>
+            </a:p>
+          </p:txBody>
+        </p:sp>
+        <p:cxnSp>
+          <p:nvCxnSpPr>
+            <p:cNvPr id="9" name="Straight Arrow Connector 8">
+              <a:extLst>
+                <a:ext uri="{FF2B5EF4-FFF2-40B4-BE49-F238E27FC236}">
+                  <a16:creationId xmlns:a16="http://schemas.microsoft.com/office/drawing/2014/main" id="{7D8BF522-E0CD-43C3-974D-A50DC6A45637}"/>
+                </a:ext>
+              </a:extLst>
+            </p:cNvPr>
+            <p:cNvCxnSpPr>
+              <a:cxnSpLocks/>
+            </p:cNvCxnSpPr>
+            <p:nvPr/>
+          </p:nvCxnSpPr>
+          <p:spPr>
+            <a:xfrm flipV="1">
+              <a:off x="5325035" y="738019"/>
+              <a:ext cx="3855787" cy="15016"/>
+            </a:xfrm>
+            <a:prstGeom prst="straightConnector1">
+              <a:avLst/>
+            </a:prstGeom>
+            <a:ln w="60325">
+              <a:solidFill>
+                <a:schemeClr val="tx1"/>
+              </a:solidFill>
+              <a:headEnd type="triangle"/>
+              <a:tailEnd type="triangle"/>
+            </a:ln>
+          </p:spPr>
+          <p:style>
+            <a:lnRef idx="1">
+              <a:schemeClr val="accent1"/>
+            </a:lnRef>
+            <a:fillRef idx="0">
+              <a:schemeClr val="accent1"/>
+            </a:fillRef>
+            <a:effectRef idx="0">
+              <a:schemeClr val="accent1"/>
+            </a:effectRef>
+            <a:fontRef idx="minor">
+              <a:schemeClr val="tx1"/>
+            </a:fontRef>
+          </p:style>
+        </p:cxnSp>
+        <p:sp>
+          <p:nvSpPr>
+            <p:cNvPr id="44" name="TextBox 43">
+              <a:extLst>
+                <a:ext uri="{FF2B5EF4-FFF2-40B4-BE49-F238E27FC236}">
+                  <a16:creationId xmlns:a16="http://schemas.microsoft.com/office/drawing/2014/main" id="{E551C558-FD55-453D-9516-5804FD7C0980}"/>
+                </a:ext>
+              </a:extLst>
+            </p:cNvPr>
+            <p:cNvSpPr txBox="1"/>
+            <p:nvPr/>
+          </p:nvSpPr>
+          <p:spPr>
+            <a:xfrm>
+              <a:off x="6795707" y="217569"/>
+              <a:ext cx="736099" cy="523220"/>
+            </a:xfrm>
+            <a:prstGeom prst="rect">
+              <a:avLst/>
+            </a:prstGeom>
+            <a:noFill/>
+          </p:spPr>
+          <p:txBody>
+            <a:bodyPr wrap="none" rtlCol="0">
+              <a:spAutoFit/>
+            </a:bodyPr>
+            <a:lstStyle/>
+            <a:p>
+              <a:r>
+                <a:rPr lang="en-CA" sz="2800" dirty="0"/>
+                <a:t>1 m</a:t>
+              </a:r>
+            </a:p>
+          </p:txBody>
+        </p:sp>
+        <p:sp>
+          <p:nvSpPr>
+            <p:cNvPr id="48" name="TextBox 47">
+              <a:extLst>
+                <a:ext uri="{FF2B5EF4-FFF2-40B4-BE49-F238E27FC236}">
+                  <a16:creationId xmlns:a16="http://schemas.microsoft.com/office/drawing/2014/main" id="{C6FA4114-1557-423D-9645-FB99DB244ED2}"/>
+                </a:ext>
+              </a:extLst>
+            </p:cNvPr>
+            <p:cNvSpPr txBox="1"/>
+            <p:nvPr/>
+          </p:nvSpPr>
+          <p:spPr>
+            <a:xfrm>
+              <a:off x="9442137" y="2635622"/>
+              <a:ext cx="736099" cy="523220"/>
+            </a:xfrm>
+            <a:prstGeom prst="rect">
+              <a:avLst/>
+            </a:prstGeom>
+            <a:noFill/>
+          </p:spPr>
+          <p:txBody>
+            <a:bodyPr wrap="none" rtlCol="0">
+              <a:spAutoFit/>
+            </a:bodyPr>
+            <a:lstStyle/>
+            <a:p>
+              <a:r>
+                <a:rPr lang="en-CA" sz="2800" dirty="0"/>
+                <a:t>1 m</a:t>
+              </a:r>
+            </a:p>
+          </p:txBody>
+        </p:sp>
+        <p:cxnSp>
+          <p:nvCxnSpPr>
+            <p:cNvPr id="49" name="Straight Arrow Connector 48">
+              <a:extLst>
+                <a:ext uri="{FF2B5EF4-FFF2-40B4-BE49-F238E27FC236}">
+                  <a16:creationId xmlns:a16="http://schemas.microsoft.com/office/drawing/2014/main" id="{802939CA-3676-4A9A-A73F-D20DDADF2DAD}"/>
+                </a:ext>
+              </a:extLst>
+            </p:cNvPr>
+            <p:cNvCxnSpPr>
+              <a:cxnSpLocks/>
+            </p:cNvCxnSpPr>
+            <p:nvPr/>
+          </p:nvCxnSpPr>
+          <p:spPr>
+            <a:xfrm flipH="1">
+              <a:off x="9367838" y="1004385"/>
+              <a:ext cx="22803" cy="3727006"/>
+            </a:xfrm>
+            <a:prstGeom prst="straightConnector1">
+              <a:avLst/>
+            </a:prstGeom>
+            <a:ln w="60325">
+              <a:solidFill>
+                <a:schemeClr val="tx1"/>
+              </a:solidFill>
+              <a:headEnd type="triangle"/>
+              <a:tailEnd type="triangle"/>
+            </a:ln>
+          </p:spPr>
+          <p:style>
+            <a:lnRef idx="1">
+              <a:schemeClr val="accent1"/>
+            </a:lnRef>
+            <a:fillRef idx="0">
+              <a:schemeClr val="accent1"/>
+            </a:fillRef>
+            <a:effectRef idx="0">
+              <a:schemeClr val="accent1"/>
+            </a:effectRef>
+            <a:fontRef idx="minor">
+              <a:schemeClr val="tx1"/>
+            </a:fontRef>
+          </p:style>
+        </p:cxnSp>
+        <p:cxnSp>
+          <p:nvCxnSpPr>
+            <p:cNvPr id="52" name="Straight Arrow Connector 51">
+              <a:extLst>
+                <a:ext uri="{FF2B5EF4-FFF2-40B4-BE49-F238E27FC236}">
+                  <a16:creationId xmlns:a16="http://schemas.microsoft.com/office/drawing/2014/main" id="{54F17ABF-3B7F-47DE-9676-932A04FE496E}"/>
+                </a:ext>
+              </a:extLst>
+            </p:cNvPr>
+            <p:cNvCxnSpPr>
+              <a:cxnSpLocks/>
+            </p:cNvCxnSpPr>
+            <p:nvPr/>
+          </p:nvCxnSpPr>
+          <p:spPr>
+            <a:xfrm flipV="1">
+              <a:off x="3509963" y="946796"/>
+              <a:ext cx="1555720" cy="1589671"/>
+            </a:xfrm>
+            <a:prstGeom prst="straightConnector1">
+              <a:avLst/>
+            </a:prstGeom>
+            <a:ln w="60325">
+              <a:solidFill>
+                <a:schemeClr val="tx1"/>
+              </a:solidFill>
+              <a:headEnd type="triangle"/>
+              <a:tailEnd type="triangle"/>
+            </a:ln>
+          </p:spPr>
+          <p:style>
+            <a:lnRef idx="1">
+              <a:schemeClr val="accent1"/>
+            </a:lnRef>
+            <a:fillRef idx="0">
+              <a:schemeClr val="accent1"/>
+            </a:fillRef>
+            <a:effectRef idx="0">
+              <a:schemeClr val="accent1"/>
+            </a:effectRef>
+            <a:fontRef idx="minor">
+              <a:schemeClr val="tx1"/>
+            </a:fontRef>
+          </p:style>
+        </p:cxnSp>
+        <p:sp>
+          <p:nvSpPr>
+            <p:cNvPr id="54" name="TextBox 53">
+              <a:extLst>
+                <a:ext uri="{FF2B5EF4-FFF2-40B4-BE49-F238E27FC236}">
+                  <a16:creationId xmlns:a16="http://schemas.microsoft.com/office/drawing/2014/main" id="{AD209404-360D-4AFC-A5AE-369AB6E9D365}"/>
+                </a:ext>
+              </a:extLst>
+            </p:cNvPr>
+            <p:cNvSpPr txBox="1"/>
+            <p:nvPr/>
+          </p:nvSpPr>
+          <p:spPr>
+            <a:xfrm>
+              <a:off x="3606747" y="1186719"/>
+              <a:ext cx="736099" cy="523220"/>
+            </a:xfrm>
+            <a:prstGeom prst="rect">
+              <a:avLst/>
+            </a:prstGeom>
+            <a:noFill/>
+          </p:spPr>
+          <p:txBody>
+            <a:bodyPr wrap="none" rtlCol="0">
+              <a:spAutoFit/>
+            </a:bodyPr>
+            <a:lstStyle/>
+            <a:p>
+              <a:r>
+                <a:rPr lang="en-CA" sz="2800" dirty="0"/>
+                <a:t>1 m</a:t>
+              </a:r>
+            </a:p>
+          </p:txBody>
+        </p:sp>
+      </p:grpSp>
+    </p:spTree>
+    <p:extLst>
+      <p:ext uri="{BB962C8B-B14F-4D97-AF65-F5344CB8AC3E}">
+        <p14:creationId xmlns:p14="http://schemas.microsoft.com/office/powerpoint/2010/main" val="3758899292"/>
+      </p:ext>
+    </p:extLst>
+  </p:cSld>
+  <p:clrMapOvr>
+    <a:masterClrMapping/>
+  </p:clrMapOvr>
+</p:sld>
+</file>
+
+<file path=ppt/slides/slide4.xml><?xml version="1.0" encoding="utf-8"?>
+<p:sld xmlns:a="http://schemas.openxmlformats.org/drawingml/2006/main" xmlns:r="http://schemas.openxmlformats.org/officeDocument/2006/relationships" xmlns:p="http://schemas.openxmlformats.org/presentationml/2006/main">
+  <p:cSld>
+    <p:bg>
+      <p:bgPr>
+        <a:solidFill>
+          <a:schemeClr val="bg1">
+            <a:alpha val="99000"/>
+          </a:schemeClr>
+        </a:solidFill>
+        <a:effectLst/>
+      </p:bgPr>
+    </p:bg>
+    <p:spTree>
+      <p:nvGrpSpPr>
+        <p:cNvPr id="1" name=""/>
+        <p:cNvGrpSpPr/>
+        <p:nvPr/>
+      </p:nvGrpSpPr>
+      <p:grpSpPr>
+        <a:xfrm>
+          <a:off x="0" y="0"/>
+          <a:ext cx="0" cy="0"/>
+          <a:chOff x="0" y="0"/>
+          <a:chExt cx="0" cy="0"/>
+        </a:xfrm>
+      </p:grpSpPr>
+      <p:grpSp>
+        <p:nvGrpSpPr>
+          <p:cNvPr id="2" name="Group 1">
+            <a:extLst>
+              <a:ext uri="{FF2B5EF4-FFF2-40B4-BE49-F238E27FC236}">
+                <a16:creationId xmlns:a16="http://schemas.microsoft.com/office/drawing/2014/main" id="{93D853CD-5BEA-47C3-AF73-40AC01FBDC5B}"/>
+              </a:ext>
+            </a:extLst>
+          </p:cNvPr>
+          <p:cNvGrpSpPr/>
+          <p:nvPr/>
+        </p:nvGrpSpPr>
+        <p:grpSpPr>
+          <a:xfrm>
+            <a:off x="3509963" y="217569"/>
+            <a:ext cx="6668273" cy="6140272"/>
+            <a:chOff x="3509963" y="217569"/>
+            <a:chExt cx="6668273" cy="6140272"/>
+          </a:xfrm>
+        </p:grpSpPr>
+        <p:sp>
+          <p:nvSpPr>
+            <p:cNvPr id="3" name="Cube 2">
+              <a:extLst>
+                <a:ext uri="{FF2B5EF4-FFF2-40B4-BE49-F238E27FC236}">
+                  <a16:creationId xmlns:a16="http://schemas.microsoft.com/office/drawing/2014/main" id="{1C09283F-590D-49BE-AE69-130C75D91005}"/>
+                </a:ext>
+              </a:extLst>
+            </p:cNvPr>
+            <p:cNvSpPr/>
+            <p:nvPr/>
+          </p:nvSpPr>
+          <p:spPr>
+            <a:xfrm>
+              <a:off x="3639190" y="1006453"/>
+              <a:ext cx="5541632" cy="5351388"/>
+            </a:xfrm>
+            <a:prstGeom prst="cube">
+              <a:avLst>
+                <a:gd name="adj" fmla="val 30549"/>
+              </a:avLst>
+            </a:prstGeom>
+            <a:solidFill>
+              <a:schemeClr val="accent1">
+                <a:alpha val="61000"/>
+              </a:schemeClr>
+            </a:solidFill>
+          </p:spPr>
+          <p:style>
+            <a:lnRef idx="2">
+              <a:schemeClr val="accent1">
+                <a:shade val="50000"/>
+              </a:schemeClr>
+            </a:lnRef>
+            <a:fillRef idx="1">
+              <a:schemeClr val="accent1"/>
+            </a:fillRef>
+            <a:effectRef idx="0">
+              <a:schemeClr val="accent1"/>
+            </a:effectRef>
+            <a:fontRef idx="minor">
+              <a:schemeClr val="lt1"/>
+            </a:fontRef>
+          </p:style>
+          <p:txBody>
+            <a:bodyPr rtlCol="0" anchor="ctr"/>
+            <a:lstStyle/>
+            <a:p>
+              <a:pPr algn="ctr"/>
+              <a:endParaRPr lang="en-CA"/>
+            </a:p>
+          </p:txBody>
+        </p:sp>
+        <p:pic>
+          <p:nvPicPr>
+            <p:cNvPr id="2060" name="Picture 12" descr="Related image">
+              <a:extLst>
+                <a:ext uri="{FF2B5EF4-FFF2-40B4-BE49-F238E27FC236}">
+                  <a16:creationId xmlns:a16="http://schemas.microsoft.com/office/drawing/2014/main" id="{302A4AF2-F083-4268-8ED4-AF345C09FA11}"/>
+                </a:ext>
+              </a:extLst>
+            </p:cNvPr>
+            <p:cNvPicPr>
+              <a:picLocks noChangeAspect="1" noChangeArrowheads="1"/>
+            </p:cNvPicPr>
+            <p:nvPr/>
+          </p:nvPicPr>
+          <p:blipFill>
+            <a:blip r:embed="rId2" cstate="print">
+              <a:extLst>
+                <a:ext uri="{28A0092B-C50C-407E-A947-70E740481C1C}">
+                  <a14:useLocalDpi xmlns:a14="http://schemas.microsoft.com/office/drawing/2010/main" val="0"/>
+                </a:ext>
+              </a:extLst>
+            </a:blip>
+            <a:srcRect/>
+            <a:stretch>
+              <a:fillRect/>
+            </a:stretch>
+          </p:blipFill>
+          <p:spPr bwMode="auto">
+            <a:xfrm>
+              <a:off x="3639190" y="4240607"/>
+              <a:ext cx="1227382" cy="1227382"/>
+            </a:xfrm>
+            <a:prstGeom prst="rect">
+              <a:avLst/>
+            </a:prstGeom>
+            <a:noFill/>
+            <a:extLst>
+              <a:ext uri="{909E8E84-426E-40DD-AFC4-6F175D3DCCD1}">
+                <a14:hiddenFill xmlns:a14="http://schemas.microsoft.com/office/drawing/2010/main">
+                  <a:solidFill>
+                    <a:srgbClr val="FFFFFF"/>
+                  </a:solidFill>
+                </a14:hiddenFill>
+              </a:ext>
+            </a:extLst>
+          </p:spPr>
+        </p:pic>
+        <p:pic>
+          <p:nvPicPr>
+            <p:cNvPr id="10" name="Picture 12" descr="Related image">
+              <a:extLst>
+                <a:ext uri="{FF2B5EF4-FFF2-40B4-BE49-F238E27FC236}">
+                  <a16:creationId xmlns:a16="http://schemas.microsoft.com/office/drawing/2014/main" id="{6A39BB93-4795-4936-9361-4641EE2D2AD0}"/>
+                </a:ext>
+              </a:extLst>
+            </p:cNvPr>
+            <p:cNvPicPr>
+              <a:picLocks noChangeAspect="1" noChangeArrowheads="1"/>
+            </p:cNvPicPr>
+            <p:nvPr/>
+          </p:nvPicPr>
+          <p:blipFill>
+            <a:blip r:embed="rId3" cstate="print">
+              <a:extLst>
+                <a:ext uri="{28A0092B-C50C-407E-A947-70E740481C1C}">
+                  <a14:useLocalDpi xmlns:a14="http://schemas.microsoft.com/office/drawing/2010/main" val="0"/>
+                </a:ext>
+              </a:extLst>
+            </a:blip>
+            <a:srcRect/>
+            <a:stretch>
+              <a:fillRect/>
+            </a:stretch>
+          </p:blipFill>
+          <p:spPr bwMode="auto">
+            <a:xfrm rot="19177327">
+              <a:off x="6693452" y="5162001"/>
+              <a:ext cx="750894" cy="750894"/>
+            </a:xfrm>
+            <a:prstGeom prst="rect">
+              <a:avLst/>
+            </a:prstGeom>
+            <a:noFill/>
+            <a:extLst>
+              <a:ext uri="{909E8E84-426E-40DD-AFC4-6F175D3DCCD1}">
+                <a14:hiddenFill xmlns:a14="http://schemas.microsoft.com/office/drawing/2010/main">
+                  <a:solidFill>
+                    <a:srgbClr val="FFFFFF"/>
+                  </a:solidFill>
+                </a14:hiddenFill>
+              </a:ext>
+            </a:extLst>
+          </p:spPr>
+        </p:pic>
+        <p:pic>
+          <p:nvPicPr>
+            <p:cNvPr id="11" name="Picture 12" descr="Related image">
+              <a:extLst>
+                <a:ext uri="{FF2B5EF4-FFF2-40B4-BE49-F238E27FC236}">
+                  <a16:creationId xmlns:a16="http://schemas.microsoft.com/office/drawing/2014/main" id="{99474A50-D043-405C-BD9E-A07E3C48EB8C}"/>
+                </a:ext>
+              </a:extLst>
+            </p:cNvPr>
+            <p:cNvPicPr>
+              <a:picLocks noChangeAspect="1" noChangeArrowheads="1"/>
+            </p:cNvPicPr>
+            <p:nvPr/>
+          </p:nvPicPr>
+          <p:blipFill>
+            <a:blip r:embed="rId2" cstate="print">
+              <a:extLst>
+                <a:ext uri="{28A0092B-C50C-407E-A947-70E740481C1C}">
+                  <a14:useLocalDpi xmlns:a14="http://schemas.microsoft.com/office/drawing/2010/main" val="0"/>
+                </a:ext>
+              </a:extLst>
+            </a:blip>
+            <a:srcRect/>
+            <a:stretch>
+              <a:fillRect/>
+            </a:stretch>
+          </p:blipFill>
+          <p:spPr bwMode="auto">
+            <a:xfrm rot="4367174">
+              <a:off x="7831653" y="3068456"/>
+              <a:ext cx="1227382" cy="1227382"/>
+            </a:xfrm>
+            <a:prstGeom prst="rect">
+              <a:avLst/>
+            </a:prstGeom>
+            <a:noFill/>
+            <a:extLst>
+              <a:ext uri="{909E8E84-426E-40DD-AFC4-6F175D3DCCD1}">
+                <a14:hiddenFill xmlns:a14="http://schemas.microsoft.com/office/drawing/2010/main">
+                  <a:solidFill>
+                    <a:srgbClr val="FFFFFF"/>
+                  </a:solidFill>
+                </a14:hiddenFill>
+              </a:ext>
+            </a:extLst>
+          </p:spPr>
+        </p:pic>
+        <p:pic>
+          <p:nvPicPr>
+            <p:cNvPr id="12" name="Picture 12" descr="Related image">
+              <a:extLst>
+                <a:ext uri="{FF2B5EF4-FFF2-40B4-BE49-F238E27FC236}">
+                  <a16:creationId xmlns:a16="http://schemas.microsoft.com/office/drawing/2014/main" id="{8D8A3851-7ED5-48BD-86DB-F18C587D48FD}"/>
+                </a:ext>
+              </a:extLst>
+            </p:cNvPr>
+            <p:cNvPicPr>
+              <a:picLocks noChangeAspect="1" noChangeArrowheads="1"/>
+            </p:cNvPicPr>
+            <p:nvPr/>
+          </p:nvPicPr>
+          <p:blipFill>
+            <a:blip r:embed="rId2" cstate="print">
+              <a:extLst>
+                <a:ext uri="{28A0092B-C50C-407E-A947-70E740481C1C}">
+                  <a14:useLocalDpi xmlns:a14="http://schemas.microsoft.com/office/drawing/2010/main" val="0"/>
+                </a:ext>
+              </a:extLst>
+            </a:blip>
+            <a:srcRect/>
+            <a:stretch>
+              <a:fillRect/>
+            </a:stretch>
+          </p:blipFill>
+          <p:spPr bwMode="auto">
+            <a:xfrm rot="17548155">
+              <a:off x="6172570" y="1135328"/>
+              <a:ext cx="1227382" cy="1227382"/>
+            </a:xfrm>
+            <a:prstGeom prst="rect">
+              <a:avLst/>
+            </a:prstGeom>
+            <a:noFill/>
+            <a:extLst>
+              <a:ext uri="{909E8E84-426E-40DD-AFC4-6F175D3DCCD1}">
+                <a14:hiddenFill xmlns:a14="http://schemas.microsoft.com/office/drawing/2010/main">
+                  <a:solidFill>
+                    <a:srgbClr val="FFFFFF"/>
+                  </a:solidFill>
+                </a14:hiddenFill>
+              </a:ext>
+            </a:extLst>
+          </p:spPr>
+        </p:pic>
+        <p:pic>
+          <p:nvPicPr>
+            <p:cNvPr id="13" name="Picture 12" descr="Related image">
+              <a:extLst>
+                <a:ext uri="{FF2B5EF4-FFF2-40B4-BE49-F238E27FC236}">
+                  <a16:creationId xmlns:a16="http://schemas.microsoft.com/office/drawing/2014/main" id="{DD9BFF45-0944-4047-8F92-6DDF216C631D}"/>
+                </a:ext>
+              </a:extLst>
+            </p:cNvPr>
+            <p:cNvPicPr>
+              <a:picLocks noChangeAspect="1" noChangeArrowheads="1"/>
+            </p:cNvPicPr>
+            <p:nvPr/>
+          </p:nvPicPr>
+          <p:blipFill>
+            <a:blip r:embed="rId3" cstate="print">
+              <a:extLst>
+                <a:ext uri="{28A0092B-C50C-407E-A947-70E740481C1C}">
+                  <a14:useLocalDpi xmlns:a14="http://schemas.microsoft.com/office/drawing/2010/main" val="0"/>
+                </a:ext>
+              </a:extLst>
+            </a:blip>
+            <a:srcRect/>
+            <a:stretch>
+              <a:fillRect/>
+            </a:stretch>
+          </p:blipFill>
+          <p:spPr bwMode="auto">
+            <a:xfrm rot="333141">
+              <a:off x="6714499" y="3793418"/>
+              <a:ext cx="750894" cy="750894"/>
+            </a:xfrm>
+            <a:prstGeom prst="rect">
+              <a:avLst/>
+            </a:prstGeom>
+            <a:noFill/>
+            <a:extLst>
+              <a:ext uri="{909E8E84-426E-40DD-AFC4-6F175D3DCCD1}">
+                <a14:hiddenFill xmlns:a14="http://schemas.microsoft.com/office/drawing/2010/main">
+                  <a:solidFill>
+                    <a:srgbClr val="FFFFFF"/>
+                  </a:solidFill>
+                </a14:hiddenFill>
+              </a:ext>
+            </a:extLst>
+          </p:spPr>
+        </p:pic>
+        <p:pic>
+          <p:nvPicPr>
+            <p:cNvPr id="14" name="Picture 13" descr="Related image">
+              <a:extLst>
+                <a:ext uri="{FF2B5EF4-FFF2-40B4-BE49-F238E27FC236}">
+                  <a16:creationId xmlns:a16="http://schemas.microsoft.com/office/drawing/2014/main" id="{9EAA4F63-4B9D-4704-98B1-5523B1E7B54F}"/>
+                </a:ext>
+              </a:extLst>
+            </p:cNvPr>
+            <p:cNvPicPr>
+              <a:picLocks noChangeAspect="1" noChangeArrowheads="1"/>
+            </p:cNvPicPr>
+            <p:nvPr/>
+          </p:nvPicPr>
+          <p:blipFill>
+            <a:blip r:embed="rId3" cstate="print">
+              <a:extLst>
+                <a:ext uri="{28A0092B-C50C-407E-A947-70E740481C1C}">
+                  <a14:useLocalDpi xmlns:a14="http://schemas.microsoft.com/office/drawing/2010/main" val="0"/>
+                </a:ext>
+              </a:extLst>
+            </a:blip>
+            <a:srcRect/>
+            <a:stretch>
+              <a:fillRect/>
+            </a:stretch>
+          </p:blipFill>
+          <p:spPr bwMode="auto">
+            <a:xfrm rot="333141">
+              <a:off x="4633984" y="1711769"/>
+              <a:ext cx="750894" cy="750894"/>
+            </a:xfrm>
+            <a:prstGeom prst="rect">
+              <a:avLst/>
+            </a:prstGeom>
+            <a:noFill/>
+            <a:extLst>
+              <a:ext uri="{909E8E84-426E-40DD-AFC4-6F175D3DCCD1}">
+                <a14:hiddenFill xmlns:a14="http://schemas.microsoft.com/office/drawing/2010/main">
+                  <a:solidFill>
+                    <a:srgbClr val="FFFFFF"/>
+                  </a:solidFill>
+                </a14:hiddenFill>
+              </a:ext>
+            </a:extLst>
+          </p:spPr>
+        </p:pic>
+        <p:pic>
+          <p:nvPicPr>
+            <p:cNvPr id="15" name="Picture 14" descr="Related image">
+              <a:extLst>
+                <a:ext uri="{FF2B5EF4-FFF2-40B4-BE49-F238E27FC236}">
+                  <a16:creationId xmlns:a16="http://schemas.microsoft.com/office/drawing/2014/main" id="{BE4AD9C2-18FC-4E90-8C8E-0DD6341EDB48}"/>
+                </a:ext>
+              </a:extLst>
+            </p:cNvPr>
+            <p:cNvPicPr>
+              <a:picLocks noChangeAspect="1" noChangeArrowheads="1"/>
+            </p:cNvPicPr>
+            <p:nvPr/>
+          </p:nvPicPr>
+          <p:blipFill>
+            <a:blip r:embed="rId3" cstate="print">
+              <a:extLst>
+                <a:ext uri="{28A0092B-C50C-407E-A947-70E740481C1C}">
+                  <a14:useLocalDpi xmlns:a14="http://schemas.microsoft.com/office/drawing/2010/main" val="0"/>
+                </a:ext>
+              </a:extLst>
+            </a:blip>
+            <a:srcRect/>
+            <a:stretch>
+              <a:fillRect/>
+            </a:stretch>
+          </p:blipFill>
+          <p:spPr bwMode="auto">
+            <a:xfrm rot="8610815">
+              <a:off x="7737572" y="1097036"/>
+              <a:ext cx="750894" cy="750894"/>
+            </a:xfrm>
+            <a:prstGeom prst="rect">
+              <a:avLst/>
+            </a:prstGeom>
+            <a:noFill/>
+            <a:extLst>
+              <a:ext uri="{909E8E84-426E-40DD-AFC4-6F175D3DCCD1}">
+                <a14:hiddenFill xmlns:a14="http://schemas.microsoft.com/office/drawing/2010/main">
+                  <a:solidFill>
+                    <a:srgbClr val="FFFFFF"/>
+                  </a:solidFill>
+                </a14:hiddenFill>
+              </a:ext>
+            </a:extLst>
+          </p:spPr>
+        </p:pic>
+        <p:pic>
+          <p:nvPicPr>
+            <p:cNvPr id="16" name="Picture 15" descr="Related image">
+              <a:extLst>
+                <a:ext uri="{FF2B5EF4-FFF2-40B4-BE49-F238E27FC236}">
+                  <a16:creationId xmlns:a16="http://schemas.microsoft.com/office/drawing/2014/main" id="{292AB7EC-1428-4955-B5D3-958806167969}"/>
+                </a:ext>
+              </a:extLst>
+            </p:cNvPr>
+            <p:cNvPicPr>
+              <a:picLocks noChangeAspect="1" noChangeArrowheads="1"/>
+            </p:cNvPicPr>
+            <p:nvPr/>
+          </p:nvPicPr>
+          <p:blipFill>
+            <a:blip r:embed="rId3" cstate="print">
+              <a:extLst>
+                <a:ext uri="{28A0092B-C50C-407E-A947-70E740481C1C}">
+                  <a14:useLocalDpi xmlns:a14="http://schemas.microsoft.com/office/drawing/2010/main" val="0"/>
+                </a:ext>
+              </a:extLst>
+            </a:blip>
+            <a:srcRect/>
+            <a:stretch>
+              <a:fillRect/>
+            </a:stretch>
+          </p:blipFill>
+          <p:spPr bwMode="auto">
+            <a:xfrm rot="8610815">
+              <a:off x="4633984" y="5377098"/>
+              <a:ext cx="750894" cy="750894"/>
+            </a:xfrm>
+            <a:prstGeom prst="rect">
+              <a:avLst/>
+            </a:prstGeom>
+            <a:noFill/>
+            <a:extLst>
+              <a:ext uri="{909E8E84-426E-40DD-AFC4-6F175D3DCCD1}">
+                <a14:hiddenFill xmlns:a14="http://schemas.microsoft.com/office/drawing/2010/main">
+                  <a:solidFill>
+                    <a:srgbClr val="FFFFFF"/>
+                  </a:solidFill>
+                </a14:hiddenFill>
+              </a:ext>
+            </a:extLst>
+          </p:spPr>
+        </p:pic>
+        <p:pic>
+          <p:nvPicPr>
+            <p:cNvPr id="17" name="Picture 16" descr="Related image">
+              <a:extLst>
+                <a:ext uri="{FF2B5EF4-FFF2-40B4-BE49-F238E27FC236}">
+                  <a16:creationId xmlns:a16="http://schemas.microsoft.com/office/drawing/2014/main" id="{E2BEC0CB-545E-444C-B8C2-6BB43275177A}"/>
+                </a:ext>
+              </a:extLst>
+            </p:cNvPr>
+            <p:cNvPicPr>
+              <a:picLocks noChangeAspect="1" noChangeArrowheads="1"/>
+            </p:cNvPicPr>
+            <p:nvPr/>
+          </p:nvPicPr>
+          <p:blipFill>
+            <a:blip r:embed="rId4" cstate="print">
+              <a:extLst>
+                <a:ext uri="{28A0092B-C50C-407E-A947-70E740481C1C}">
+                  <a14:useLocalDpi xmlns:a14="http://schemas.microsoft.com/office/drawing/2010/main" val="0"/>
+                </a:ext>
+              </a:extLst>
+            </a:blip>
+            <a:srcRect/>
+            <a:stretch>
+              <a:fillRect/>
+            </a:stretch>
+          </p:blipFill>
+          <p:spPr bwMode="auto">
+            <a:xfrm rot="8610815">
+              <a:off x="3918760" y="2994142"/>
+              <a:ext cx="513808" cy="513808"/>
+            </a:xfrm>
+            <a:prstGeom prst="rect">
+              <a:avLst/>
+            </a:prstGeom>
+            <a:noFill/>
+            <a:extLst>
+              <a:ext uri="{909E8E84-426E-40DD-AFC4-6F175D3DCCD1}">
+                <a14:hiddenFill xmlns:a14="http://schemas.microsoft.com/office/drawing/2010/main">
+                  <a:solidFill>
+                    <a:srgbClr val="FFFFFF"/>
+                  </a:solidFill>
+                </a14:hiddenFill>
+              </a:ext>
+            </a:extLst>
+          </p:spPr>
+        </p:pic>
+        <p:pic>
+          <p:nvPicPr>
+            <p:cNvPr id="18" name="Picture 17" descr="Related image">
+              <a:extLst>
+                <a:ext uri="{FF2B5EF4-FFF2-40B4-BE49-F238E27FC236}">
+                  <a16:creationId xmlns:a16="http://schemas.microsoft.com/office/drawing/2014/main" id="{50FF4AFA-3811-42BB-9E18-5ADC1112B4AA}"/>
+                </a:ext>
+              </a:extLst>
+            </p:cNvPr>
+            <p:cNvPicPr>
+              <a:picLocks noChangeAspect="1" noChangeArrowheads="1"/>
+            </p:cNvPicPr>
+            <p:nvPr/>
+          </p:nvPicPr>
+          <p:blipFill>
+            <a:blip r:embed="rId3" cstate="print">
+              <a:extLst>
+                <a:ext uri="{28A0092B-C50C-407E-A947-70E740481C1C}">
+                  <a14:useLocalDpi xmlns:a14="http://schemas.microsoft.com/office/drawing/2010/main" val="0"/>
+                </a:ext>
+              </a:extLst>
+            </a:blip>
+            <a:srcRect/>
+            <a:stretch>
+              <a:fillRect/>
+            </a:stretch>
+          </p:blipFill>
+          <p:spPr bwMode="auto">
+            <a:xfrm rot="333141">
+              <a:off x="8337645" y="2080516"/>
+              <a:ext cx="750894" cy="750894"/>
+            </a:xfrm>
+            <a:prstGeom prst="rect">
+              <a:avLst/>
+            </a:prstGeom>
+            <a:noFill/>
+            <a:extLst>
+              <a:ext uri="{909E8E84-426E-40DD-AFC4-6F175D3DCCD1}">
+                <a14:hiddenFill xmlns:a14="http://schemas.microsoft.com/office/drawing/2010/main">
+                  <a:solidFill>
+                    <a:srgbClr val="FFFFFF"/>
+                  </a:solidFill>
+                </a14:hiddenFill>
+              </a:ext>
+            </a:extLst>
+          </p:spPr>
+        </p:pic>
+        <p:pic>
+          <p:nvPicPr>
+            <p:cNvPr id="19" name="Picture 18" descr="Related image">
+              <a:extLst>
+                <a:ext uri="{FF2B5EF4-FFF2-40B4-BE49-F238E27FC236}">
+                  <a16:creationId xmlns:a16="http://schemas.microsoft.com/office/drawing/2014/main" id="{8A15FF2E-D39F-47AD-8D9D-9B45DBD04DEE}"/>
+                </a:ext>
+              </a:extLst>
+            </p:cNvPr>
+            <p:cNvPicPr>
+              <a:picLocks noChangeAspect="1" noChangeArrowheads="1"/>
+            </p:cNvPicPr>
+            <p:nvPr/>
+          </p:nvPicPr>
+          <p:blipFill>
+            <a:blip r:embed="rId3" cstate="print">
+              <a:extLst>
+                <a:ext uri="{28A0092B-C50C-407E-A947-70E740481C1C}">
+                  <a14:useLocalDpi xmlns:a14="http://schemas.microsoft.com/office/drawing/2010/main" val="0"/>
+                </a:ext>
+              </a:extLst>
+            </a:blip>
+            <a:srcRect/>
+            <a:stretch>
+              <a:fillRect/>
+            </a:stretch>
+          </p:blipFill>
+          <p:spPr bwMode="auto">
+            <a:xfrm rot="10800000">
+              <a:off x="7552186" y="4653008"/>
+              <a:ext cx="750894" cy="750894"/>
+            </a:xfrm>
+            <a:prstGeom prst="rect">
+              <a:avLst/>
+            </a:prstGeom>
+            <a:noFill/>
+            <a:extLst>
+              <a:ext uri="{909E8E84-426E-40DD-AFC4-6F175D3DCCD1}">
+                <a14:hiddenFill xmlns:a14="http://schemas.microsoft.com/office/drawing/2010/main">
+                  <a:solidFill>
+                    <a:srgbClr val="FFFFFF"/>
+                  </a:solidFill>
+                </a14:hiddenFill>
+              </a:ext>
+            </a:extLst>
+          </p:spPr>
+        </p:pic>
+        <p:sp>
+          <p:nvSpPr>
+            <p:cNvPr id="7" name="Oval 6">
+              <a:extLst>
+                <a:ext uri="{FF2B5EF4-FFF2-40B4-BE49-F238E27FC236}">
+                  <a16:creationId xmlns:a16="http://schemas.microsoft.com/office/drawing/2014/main" id="{FA42E890-6281-4519-B401-6DB00FB987C3}"/>
+                </a:ext>
+              </a:extLst>
+            </p:cNvPr>
+            <p:cNvSpPr/>
+            <p:nvPr/>
+          </p:nvSpPr>
+          <p:spPr>
+            <a:xfrm>
+              <a:off x="5419443" y="1393079"/>
+              <a:ext cx="115100" cy="116602"/>
+            </a:xfrm>
+            <a:prstGeom prst="ellipse">
+              <a:avLst/>
+            </a:prstGeom>
+            <a:solidFill>
+              <a:schemeClr val="accent6">
+                <a:lumMod val="40000"/>
+                <a:lumOff val="60000"/>
+              </a:schemeClr>
+            </a:solidFill>
+            <a:ln>
+              <a:solidFill>
+                <a:schemeClr val="accent6">
+                  <a:lumMod val="75000"/>
+                </a:schemeClr>
+              </a:solidFill>
+            </a:ln>
+          </p:spPr>
+          <p:style>
+            <a:lnRef idx="2">
+              <a:schemeClr val="accent1">
+                <a:shade val="50000"/>
+              </a:schemeClr>
+            </a:lnRef>
+            <a:fillRef idx="1">
+              <a:schemeClr val="accent1"/>
+            </a:fillRef>
+            <a:effectRef idx="0">
+              <a:schemeClr val="accent1"/>
+            </a:effectRef>
+            <a:fontRef idx="minor">
+              <a:schemeClr val="lt1"/>
+            </a:fontRef>
+          </p:style>
+          <p:txBody>
+            <a:bodyPr rtlCol="0" anchor="ctr"/>
+            <a:lstStyle/>
+            <a:p>
+              <a:pPr algn="ctr"/>
+              <a:endParaRPr lang="en-CA"/>
+            </a:p>
+          </p:txBody>
+        </p:sp>
+        <p:sp>
+          <p:nvSpPr>
+            <p:cNvPr id="21" name="Oval 20">
+              <a:extLst>
+                <a:ext uri="{FF2B5EF4-FFF2-40B4-BE49-F238E27FC236}">
+                  <a16:creationId xmlns:a16="http://schemas.microsoft.com/office/drawing/2014/main" id="{F2D988E9-4D7A-49E8-927A-D349BD4DC81F}"/>
+                </a:ext>
+              </a:extLst>
+            </p:cNvPr>
+            <p:cNvSpPr/>
+            <p:nvPr/>
+          </p:nvSpPr>
+          <p:spPr>
+            <a:xfrm>
+              <a:off x="6038450" y="2170989"/>
+              <a:ext cx="115100" cy="116602"/>
+            </a:xfrm>
+            <a:prstGeom prst="ellipse">
+              <a:avLst/>
+            </a:prstGeom>
+            <a:solidFill>
+              <a:schemeClr val="accent6">
+                <a:lumMod val="40000"/>
+                <a:lumOff val="60000"/>
+              </a:schemeClr>
+            </a:solidFill>
+            <a:ln>
+              <a:solidFill>
+                <a:schemeClr val="accent6">
+                  <a:lumMod val="75000"/>
+                </a:schemeClr>
+              </a:solidFill>
+            </a:ln>
+          </p:spPr>
+          <p:style>
+            <a:lnRef idx="2">
+              <a:schemeClr val="accent1">
+                <a:shade val="50000"/>
+              </a:schemeClr>
+            </a:lnRef>
+            <a:fillRef idx="1">
+              <a:schemeClr val="accent1"/>
+            </a:fillRef>
+            <a:effectRef idx="0">
+              <a:schemeClr val="accent1"/>
+            </a:effectRef>
+            <a:fontRef idx="minor">
+              <a:schemeClr val="lt1"/>
+            </a:fontRef>
+          </p:style>
+          <p:txBody>
+            <a:bodyPr rtlCol="0" anchor="ctr"/>
+            <a:lstStyle/>
+            <a:p>
+              <a:pPr algn="ctr"/>
+              <a:endParaRPr lang="en-CA"/>
+            </a:p>
+          </p:txBody>
+        </p:sp>
+        <p:sp>
+          <p:nvSpPr>
+            <p:cNvPr id="22" name="Oval 21">
+              <a:extLst>
+                <a:ext uri="{FF2B5EF4-FFF2-40B4-BE49-F238E27FC236}">
+                  <a16:creationId xmlns:a16="http://schemas.microsoft.com/office/drawing/2014/main" id="{787DCE06-3CF6-482D-97E2-5C3DF96D7160}"/>
+                </a:ext>
+              </a:extLst>
+            </p:cNvPr>
+            <p:cNvSpPr/>
+            <p:nvPr/>
+          </p:nvSpPr>
+          <p:spPr>
+            <a:xfrm>
+              <a:off x="7198638" y="1970614"/>
+              <a:ext cx="115100" cy="116602"/>
+            </a:xfrm>
+            <a:prstGeom prst="ellipse">
+              <a:avLst/>
+            </a:prstGeom>
+            <a:solidFill>
+              <a:schemeClr val="accent6">
+                <a:lumMod val="40000"/>
+                <a:lumOff val="60000"/>
+              </a:schemeClr>
+            </a:solidFill>
+            <a:ln>
+              <a:solidFill>
+                <a:schemeClr val="accent6">
+                  <a:lumMod val="75000"/>
+                </a:schemeClr>
+              </a:solidFill>
+            </a:ln>
+          </p:spPr>
+          <p:style>
+            <a:lnRef idx="2">
+              <a:schemeClr val="accent1">
+                <a:shade val="50000"/>
+              </a:schemeClr>
+            </a:lnRef>
+            <a:fillRef idx="1">
+              <a:schemeClr val="accent1"/>
+            </a:fillRef>
+            <a:effectRef idx="0">
+              <a:schemeClr val="accent1"/>
+            </a:effectRef>
+            <a:fontRef idx="minor">
+              <a:schemeClr val="lt1"/>
+            </a:fontRef>
+          </p:style>
+          <p:txBody>
+            <a:bodyPr rtlCol="0" anchor="ctr"/>
+            <a:lstStyle/>
+            <a:p>
+              <a:pPr algn="ctr"/>
+              <a:endParaRPr lang="en-CA"/>
+            </a:p>
+          </p:txBody>
+        </p:sp>
+        <p:sp>
+          <p:nvSpPr>
+            <p:cNvPr id="23" name="Oval 22">
+              <a:extLst>
+                <a:ext uri="{FF2B5EF4-FFF2-40B4-BE49-F238E27FC236}">
+                  <a16:creationId xmlns:a16="http://schemas.microsoft.com/office/drawing/2014/main" id="{8B21E73B-780D-4FE6-B8AC-2BCEF3C34551}"/>
+                </a:ext>
+              </a:extLst>
+            </p:cNvPr>
+            <p:cNvSpPr/>
+            <p:nvPr/>
+          </p:nvSpPr>
+          <p:spPr>
+            <a:xfrm>
+              <a:off x="6480135" y="1212556"/>
+              <a:ext cx="115100" cy="116602"/>
+            </a:xfrm>
+            <a:prstGeom prst="ellipse">
+              <a:avLst/>
+            </a:prstGeom>
+            <a:solidFill>
+              <a:schemeClr val="accent6">
+                <a:lumMod val="40000"/>
+                <a:lumOff val="60000"/>
+              </a:schemeClr>
+            </a:solidFill>
+            <a:ln>
+              <a:solidFill>
+                <a:schemeClr val="accent6">
+                  <a:lumMod val="75000"/>
+                </a:schemeClr>
+              </a:solidFill>
+            </a:ln>
+          </p:spPr>
+          <p:style>
+            <a:lnRef idx="2">
+              <a:schemeClr val="accent1">
+                <a:shade val="50000"/>
+              </a:schemeClr>
+            </a:lnRef>
+            <a:fillRef idx="1">
+              <a:schemeClr val="accent1"/>
+            </a:fillRef>
+            <a:effectRef idx="0">
+              <a:schemeClr val="accent1"/>
+            </a:effectRef>
+            <a:fontRef idx="minor">
+              <a:schemeClr val="lt1"/>
+            </a:fontRef>
+          </p:style>
+          <p:txBody>
+            <a:bodyPr rtlCol="0" anchor="ctr"/>
+            <a:lstStyle/>
+            <a:p>
+              <a:pPr algn="ctr"/>
+              <a:endParaRPr lang="en-CA"/>
+            </a:p>
+          </p:txBody>
+        </p:sp>
+        <p:sp>
+          <p:nvSpPr>
+            <p:cNvPr id="24" name="Oval 23">
+              <a:extLst>
+                <a:ext uri="{FF2B5EF4-FFF2-40B4-BE49-F238E27FC236}">
+                  <a16:creationId xmlns:a16="http://schemas.microsoft.com/office/drawing/2014/main" id="{CD899853-9B94-47DB-86B6-B0946409DAD8}"/>
+                </a:ext>
+              </a:extLst>
+            </p:cNvPr>
+            <p:cNvSpPr/>
+            <p:nvPr/>
+          </p:nvSpPr>
+          <p:spPr>
+            <a:xfrm>
+              <a:off x="4866572" y="3192745"/>
+              <a:ext cx="115100" cy="116602"/>
+            </a:xfrm>
+            <a:prstGeom prst="ellipse">
+              <a:avLst/>
+            </a:prstGeom>
+            <a:solidFill>
+              <a:schemeClr val="accent6">
+                <a:lumMod val="40000"/>
+                <a:lumOff val="60000"/>
+              </a:schemeClr>
+            </a:solidFill>
+            <a:ln>
+              <a:solidFill>
+                <a:schemeClr val="accent6">
+                  <a:lumMod val="75000"/>
+                </a:schemeClr>
+              </a:solidFill>
+            </a:ln>
+          </p:spPr>
+          <p:style>
+            <a:lnRef idx="2">
+              <a:schemeClr val="accent1">
+                <a:shade val="50000"/>
+              </a:schemeClr>
+            </a:lnRef>
+            <a:fillRef idx="1">
+              <a:schemeClr val="accent1"/>
+            </a:fillRef>
+            <a:effectRef idx="0">
+              <a:schemeClr val="accent1"/>
+            </a:effectRef>
+            <a:fontRef idx="minor">
+              <a:schemeClr val="lt1"/>
+            </a:fontRef>
+          </p:style>
+          <p:txBody>
+            <a:bodyPr rtlCol="0" anchor="ctr"/>
+            <a:lstStyle/>
+            <a:p>
+              <a:pPr algn="ctr"/>
+              <a:endParaRPr lang="en-CA"/>
+            </a:p>
+          </p:txBody>
+        </p:sp>
+        <p:sp>
+          <p:nvSpPr>
+            <p:cNvPr id="25" name="Oval 24">
+              <a:extLst>
+                <a:ext uri="{FF2B5EF4-FFF2-40B4-BE49-F238E27FC236}">
+                  <a16:creationId xmlns:a16="http://schemas.microsoft.com/office/drawing/2014/main" id="{DF4BDCA2-5444-4190-AE9A-86DE4DE26749}"/>
+                </a:ext>
+              </a:extLst>
+            </p:cNvPr>
+            <p:cNvSpPr/>
+            <p:nvPr/>
+          </p:nvSpPr>
+          <p:spPr>
+            <a:xfrm>
+              <a:off x="4157361" y="5492905"/>
+              <a:ext cx="115100" cy="116602"/>
+            </a:xfrm>
+            <a:prstGeom prst="ellipse">
+              <a:avLst/>
+            </a:prstGeom>
+            <a:solidFill>
+              <a:schemeClr val="accent6">
+                <a:lumMod val="40000"/>
+                <a:lumOff val="60000"/>
+              </a:schemeClr>
+            </a:solidFill>
+            <a:ln>
+              <a:solidFill>
+                <a:schemeClr val="accent6">
+                  <a:lumMod val="75000"/>
+                </a:schemeClr>
+              </a:solidFill>
+            </a:ln>
+          </p:spPr>
+          <p:style>
+            <a:lnRef idx="2">
+              <a:schemeClr val="accent1">
+                <a:shade val="50000"/>
+              </a:schemeClr>
+            </a:lnRef>
+            <a:fillRef idx="1">
+              <a:schemeClr val="accent1"/>
+            </a:fillRef>
+            <a:effectRef idx="0">
+              <a:schemeClr val="accent1"/>
+            </a:effectRef>
+            <a:fontRef idx="minor">
+              <a:schemeClr val="lt1"/>
+            </a:fontRef>
+          </p:style>
+          <p:txBody>
+            <a:bodyPr rtlCol="0" anchor="ctr"/>
+            <a:lstStyle/>
+            <a:p>
+              <a:pPr algn="ctr"/>
+              <a:endParaRPr lang="en-CA"/>
+            </a:p>
+          </p:txBody>
+        </p:sp>
+        <p:sp>
+          <p:nvSpPr>
+            <p:cNvPr id="26" name="Oval 25">
+              <a:extLst>
+                <a:ext uri="{FF2B5EF4-FFF2-40B4-BE49-F238E27FC236}">
+                  <a16:creationId xmlns:a16="http://schemas.microsoft.com/office/drawing/2014/main" id="{4420DFE9-33AA-47BC-9F4E-1F6EC2F2EFB4}"/>
+                </a:ext>
+              </a:extLst>
+            </p:cNvPr>
+            <p:cNvSpPr/>
+            <p:nvPr/>
+          </p:nvSpPr>
+          <p:spPr>
+            <a:xfrm>
+              <a:off x="4767642" y="4703502"/>
+              <a:ext cx="115100" cy="116602"/>
+            </a:xfrm>
+            <a:prstGeom prst="ellipse">
+              <a:avLst/>
+            </a:prstGeom>
+            <a:solidFill>
+              <a:schemeClr val="accent6">
+                <a:lumMod val="40000"/>
+                <a:lumOff val="60000"/>
+              </a:schemeClr>
+            </a:solidFill>
+            <a:ln>
+              <a:solidFill>
+                <a:schemeClr val="accent6">
+                  <a:lumMod val="75000"/>
+                </a:schemeClr>
+              </a:solidFill>
+            </a:ln>
+          </p:spPr>
+          <p:style>
+            <a:lnRef idx="2">
+              <a:schemeClr val="accent1">
+                <a:shade val="50000"/>
+              </a:schemeClr>
+            </a:lnRef>
+            <a:fillRef idx="1">
+              <a:schemeClr val="accent1"/>
+            </a:fillRef>
+            <a:effectRef idx="0">
+              <a:schemeClr val="accent1"/>
+            </a:effectRef>
+            <a:fontRef idx="minor">
+              <a:schemeClr val="lt1"/>
+            </a:fontRef>
+          </p:style>
+          <p:txBody>
+            <a:bodyPr rtlCol="0" anchor="ctr"/>
+            <a:lstStyle/>
+            <a:p>
+              <a:pPr algn="ctr"/>
+              <a:endParaRPr lang="en-CA"/>
+            </a:p>
+          </p:txBody>
+        </p:sp>
+        <p:sp>
+          <p:nvSpPr>
+            <p:cNvPr id="27" name="Oval 26">
+              <a:extLst>
+                <a:ext uri="{FF2B5EF4-FFF2-40B4-BE49-F238E27FC236}">
+                  <a16:creationId xmlns:a16="http://schemas.microsoft.com/office/drawing/2014/main" id="{582B66B7-8581-4C60-8375-13293E373167}"/>
+                </a:ext>
+              </a:extLst>
+            </p:cNvPr>
+            <p:cNvSpPr/>
+            <p:nvPr/>
+          </p:nvSpPr>
+          <p:spPr>
+            <a:xfrm>
+              <a:off x="4412403" y="2299926"/>
+              <a:ext cx="115100" cy="116602"/>
+            </a:xfrm>
+            <a:prstGeom prst="ellipse">
+              <a:avLst/>
+            </a:prstGeom>
+            <a:solidFill>
+              <a:schemeClr val="accent6">
+                <a:lumMod val="40000"/>
+                <a:lumOff val="60000"/>
+              </a:schemeClr>
+            </a:solidFill>
+            <a:ln>
+              <a:solidFill>
+                <a:schemeClr val="accent6">
+                  <a:lumMod val="75000"/>
+                </a:schemeClr>
+              </a:solidFill>
+            </a:ln>
+          </p:spPr>
+          <p:style>
+            <a:lnRef idx="2">
+              <a:schemeClr val="accent1">
+                <a:shade val="50000"/>
+              </a:schemeClr>
+            </a:lnRef>
+            <a:fillRef idx="1">
+              <a:schemeClr val="accent1"/>
+            </a:fillRef>
+            <a:effectRef idx="0">
+              <a:schemeClr val="accent1"/>
+            </a:effectRef>
+            <a:fontRef idx="minor">
+              <a:schemeClr val="lt1"/>
+            </a:fontRef>
+          </p:style>
+          <p:txBody>
+            <a:bodyPr rtlCol="0" anchor="ctr"/>
+            <a:lstStyle/>
+            <a:p>
+              <a:pPr algn="ctr"/>
+              <a:endParaRPr lang="en-CA"/>
+            </a:p>
+          </p:txBody>
+        </p:sp>
+        <p:sp>
+          <p:nvSpPr>
+            <p:cNvPr id="28" name="Oval 27">
+              <a:extLst>
+                <a:ext uri="{FF2B5EF4-FFF2-40B4-BE49-F238E27FC236}">
+                  <a16:creationId xmlns:a16="http://schemas.microsoft.com/office/drawing/2014/main" id="{5594F01D-DAEC-4907-BFD0-CB6BBD737DF7}"/>
+                </a:ext>
+              </a:extLst>
+            </p:cNvPr>
+            <p:cNvSpPr/>
+            <p:nvPr/>
+          </p:nvSpPr>
+          <p:spPr>
+            <a:xfrm>
+              <a:off x="4370088" y="3804030"/>
+              <a:ext cx="115100" cy="116602"/>
+            </a:xfrm>
+            <a:prstGeom prst="ellipse">
+              <a:avLst/>
+            </a:prstGeom>
+            <a:solidFill>
+              <a:schemeClr val="accent6">
+                <a:lumMod val="40000"/>
+                <a:lumOff val="60000"/>
+              </a:schemeClr>
+            </a:solidFill>
+            <a:ln>
+              <a:solidFill>
+                <a:schemeClr val="accent6">
+                  <a:lumMod val="75000"/>
+                </a:schemeClr>
+              </a:solidFill>
+            </a:ln>
+          </p:spPr>
+          <p:style>
+            <a:lnRef idx="2">
+              <a:schemeClr val="accent1">
+                <a:shade val="50000"/>
+              </a:schemeClr>
+            </a:lnRef>
+            <a:fillRef idx="1">
+              <a:schemeClr val="accent1"/>
+            </a:fillRef>
+            <a:effectRef idx="0">
+              <a:schemeClr val="accent1"/>
+            </a:effectRef>
+            <a:fontRef idx="minor">
+              <a:schemeClr val="lt1"/>
+            </a:fontRef>
+          </p:style>
+          <p:txBody>
+            <a:bodyPr rtlCol="0" anchor="ctr"/>
+            <a:lstStyle/>
+            <a:p>
+              <a:pPr algn="ctr"/>
+              <a:endParaRPr lang="en-CA"/>
+            </a:p>
+          </p:txBody>
+        </p:sp>
+        <p:sp>
+          <p:nvSpPr>
+            <p:cNvPr id="29" name="Oval 28">
+              <a:extLst>
+                <a:ext uri="{FF2B5EF4-FFF2-40B4-BE49-F238E27FC236}">
+                  <a16:creationId xmlns:a16="http://schemas.microsoft.com/office/drawing/2014/main" id="{AEF5CB54-AB12-4B13-91E5-ABDCD7E6935F}"/>
+                </a:ext>
+              </a:extLst>
+            </p:cNvPr>
+            <p:cNvSpPr/>
+            <p:nvPr/>
+          </p:nvSpPr>
+          <p:spPr>
+            <a:xfrm>
+              <a:off x="5435473" y="5396620"/>
+              <a:ext cx="115100" cy="116602"/>
+            </a:xfrm>
+            <a:prstGeom prst="ellipse">
+              <a:avLst/>
+            </a:prstGeom>
+            <a:solidFill>
+              <a:schemeClr val="accent6">
+                <a:lumMod val="40000"/>
+                <a:lumOff val="60000"/>
+              </a:schemeClr>
+            </a:solidFill>
+            <a:ln>
+              <a:solidFill>
+                <a:schemeClr val="accent6">
+                  <a:lumMod val="75000"/>
+                </a:schemeClr>
+              </a:solidFill>
+            </a:ln>
+          </p:spPr>
+          <p:style>
+            <a:lnRef idx="2">
+              <a:schemeClr val="accent1">
+                <a:shade val="50000"/>
+              </a:schemeClr>
+            </a:lnRef>
+            <a:fillRef idx="1">
+              <a:schemeClr val="accent1"/>
+            </a:fillRef>
+            <a:effectRef idx="0">
+              <a:schemeClr val="accent1"/>
+            </a:effectRef>
+            <a:fontRef idx="minor">
+              <a:schemeClr val="lt1"/>
+            </a:fontRef>
+          </p:style>
+          <p:txBody>
+            <a:bodyPr rtlCol="0" anchor="ctr"/>
+            <a:lstStyle/>
+            <a:p>
+              <a:pPr algn="ctr"/>
+              <a:endParaRPr lang="en-CA"/>
+            </a:p>
+          </p:txBody>
+        </p:sp>
+        <p:sp>
+          <p:nvSpPr>
+            <p:cNvPr id="30" name="Oval 29">
+              <a:extLst>
+                <a:ext uri="{FF2B5EF4-FFF2-40B4-BE49-F238E27FC236}">
+                  <a16:creationId xmlns:a16="http://schemas.microsoft.com/office/drawing/2014/main" id="{4CF1BD78-339C-4B3F-8EBC-57D3526E3780}"/>
+                </a:ext>
+              </a:extLst>
+            </p:cNvPr>
+            <p:cNvSpPr/>
+            <p:nvPr/>
+          </p:nvSpPr>
+          <p:spPr>
+            <a:xfrm>
+              <a:off x="6436164" y="5851547"/>
+              <a:ext cx="115100" cy="116602"/>
+            </a:xfrm>
+            <a:prstGeom prst="ellipse">
+              <a:avLst/>
+            </a:prstGeom>
+            <a:solidFill>
+              <a:schemeClr val="accent6">
+                <a:lumMod val="40000"/>
+                <a:lumOff val="60000"/>
+              </a:schemeClr>
+            </a:solidFill>
+            <a:ln>
+              <a:solidFill>
+                <a:schemeClr val="accent6">
+                  <a:lumMod val="75000"/>
+                </a:schemeClr>
+              </a:solidFill>
+            </a:ln>
+          </p:spPr>
+          <p:style>
+            <a:lnRef idx="2">
+              <a:schemeClr val="accent1">
+                <a:shade val="50000"/>
+              </a:schemeClr>
+            </a:lnRef>
+            <a:fillRef idx="1">
+              <a:schemeClr val="accent1"/>
+            </a:fillRef>
+            <a:effectRef idx="0">
+              <a:schemeClr val="accent1"/>
+            </a:effectRef>
+            <a:fontRef idx="minor">
+              <a:schemeClr val="lt1"/>
+            </a:fontRef>
+          </p:style>
+          <p:txBody>
+            <a:bodyPr rtlCol="0" anchor="ctr"/>
+            <a:lstStyle/>
+            <a:p>
+              <a:pPr algn="ctr"/>
+              <a:endParaRPr lang="en-CA"/>
+            </a:p>
+          </p:txBody>
+        </p:sp>
+        <p:sp>
+          <p:nvSpPr>
+            <p:cNvPr id="31" name="Oval 30">
+              <a:extLst>
+                <a:ext uri="{FF2B5EF4-FFF2-40B4-BE49-F238E27FC236}">
+                  <a16:creationId xmlns:a16="http://schemas.microsoft.com/office/drawing/2014/main" id="{CD2D131E-F8F2-40A9-9B5B-7F46D5E77D2A}"/>
+                </a:ext>
+              </a:extLst>
+            </p:cNvPr>
+            <p:cNvSpPr/>
+            <p:nvPr/>
+          </p:nvSpPr>
+          <p:spPr>
+            <a:xfrm>
+              <a:off x="6900384" y="4812314"/>
+              <a:ext cx="115100" cy="116602"/>
+            </a:xfrm>
+            <a:prstGeom prst="ellipse">
+              <a:avLst/>
+            </a:prstGeom>
+            <a:solidFill>
+              <a:schemeClr val="accent6">
+                <a:lumMod val="40000"/>
+                <a:lumOff val="60000"/>
+              </a:schemeClr>
+            </a:solidFill>
+            <a:ln>
+              <a:solidFill>
+                <a:schemeClr val="accent6">
+                  <a:lumMod val="75000"/>
+                </a:schemeClr>
+              </a:solidFill>
+            </a:ln>
+          </p:spPr>
+          <p:style>
+            <a:lnRef idx="2">
+              <a:schemeClr val="accent1">
+                <a:shade val="50000"/>
+              </a:schemeClr>
+            </a:lnRef>
+            <a:fillRef idx="1">
+              <a:schemeClr val="accent1"/>
+            </a:fillRef>
+            <a:effectRef idx="0">
+              <a:schemeClr val="accent1"/>
+            </a:effectRef>
+            <a:fontRef idx="minor">
+              <a:schemeClr val="lt1"/>
+            </a:fontRef>
+          </p:style>
+          <p:txBody>
+            <a:bodyPr rtlCol="0" anchor="ctr"/>
+            <a:lstStyle/>
+            <a:p>
+              <a:pPr algn="ctr"/>
+              <a:endParaRPr lang="en-CA"/>
+            </a:p>
+          </p:txBody>
+        </p:sp>
+        <p:sp>
+          <p:nvSpPr>
+            <p:cNvPr id="32" name="Oval 31">
+              <a:extLst>
+                <a:ext uri="{FF2B5EF4-FFF2-40B4-BE49-F238E27FC236}">
+                  <a16:creationId xmlns:a16="http://schemas.microsoft.com/office/drawing/2014/main" id="{551EE006-942C-4D2B-8249-7C0A712BDA56}"/>
+                </a:ext>
+              </a:extLst>
+            </p:cNvPr>
+            <p:cNvSpPr/>
+            <p:nvPr/>
+          </p:nvSpPr>
+          <p:spPr>
+            <a:xfrm>
+              <a:off x="7894021" y="4182306"/>
+              <a:ext cx="115100" cy="116602"/>
+            </a:xfrm>
+            <a:prstGeom prst="ellipse">
+              <a:avLst/>
+            </a:prstGeom>
+            <a:solidFill>
+              <a:schemeClr val="accent6">
+                <a:lumMod val="40000"/>
+                <a:lumOff val="60000"/>
+              </a:schemeClr>
+            </a:solidFill>
+            <a:ln>
+              <a:solidFill>
+                <a:schemeClr val="accent6">
+                  <a:lumMod val="75000"/>
+                </a:schemeClr>
+              </a:solidFill>
+            </a:ln>
+          </p:spPr>
+          <p:style>
+            <a:lnRef idx="2">
+              <a:schemeClr val="accent1">
+                <a:shade val="50000"/>
+              </a:schemeClr>
+            </a:lnRef>
+            <a:fillRef idx="1">
+              <a:schemeClr val="accent1"/>
+            </a:fillRef>
+            <a:effectRef idx="0">
+              <a:schemeClr val="accent1"/>
+            </a:effectRef>
+            <a:fontRef idx="minor">
+              <a:schemeClr val="lt1"/>
+            </a:fontRef>
+          </p:style>
+          <p:txBody>
+            <a:bodyPr rtlCol="0" anchor="ctr"/>
+            <a:lstStyle/>
+            <a:p>
+              <a:pPr algn="ctr"/>
+              <a:endParaRPr lang="en-CA"/>
+            </a:p>
+          </p:txBody>
+        </p:sp>
+        <p:sp>
+          <p:nvSpPr>
+            <p:cNvPr id="33" name="Oval 32">
+              <a:extLst>
+                <a:ext uri="{FF2B5EF4-FFF2-40B4-BE49-F238E27FC236}">
+                  <a16:creationId xmlns:a16="http://schemas.microsoft.com/office/drawing/2014/main" id="{0B265292-ED02-4913-9E28-3FEB668B82A7}"/>
+                </a:ext>
+              </a:extLst>
+            </p:cNvPr>
+            <p:cNvSpPr/>
+            <p:nvPr/>
+          </p:nvSpPr>
+          <p:spPr>
+            <a:xfrm>
+              <a:off x="8887658" y="3552298"/>
+              <a:ext cx="115100" cy="116602"/>
+            </a:xfrm>
+            <a:prstGeom prst="ellipse">
+              <a:avLst/>
+            </a:prstGeom>
+            <a:solidFill>
+              <a:schemeClr val="accent6">
+                <a:lumMod val="40000"/>
+                <a:lumOff val="60000"/>
+              </a:schemeClr>
+            </a:solidFill>
+            <a:ln>
+              <a:solidFill>
+                <a:schemeClr val="accent6">
+                  <a:lumMod val="75000"/>
+                </a:schemeClr>
+              </a:solidFill>
+            </a:ln>
+          </p:spPr>
+          <p:style>
+            <a:lnRef idx="2">
+              <a:schemeClr val="accent1">
+                <a:shade val="50000"/>
+              </a:schemeClr>
+            </a:lnRef>
+            <a:fillRef idx="1">
+              <a:schemeClr val="accent1"/>
+            </a:fillRef>
+            <a:effectRef idx="0">
+              <a:schemeClr val="accent1"/>
+            </a:effectRef>
+            <a:fontRef idx="minor">
+              <a:schemeClr val="lt1"/>
+            </a:fontRef>
+          </p:style>
+          <p:txBody>
+            <a:bodyPr rtlCol="0" anchor="ctr"/>
+            <a:lstStyle/>
+            <a:p>
+              <a:pPr algn="ctr"/>
+              <a:endParaRPr lang="en-CA"/>
+            </a:p>
+          </p:txBody>
+        </p:sp>
+        <p:sp>
+          <p:nvSpPr>
+            <p:cNvPr id="34" name="Oval 33">
+              <a:extLst>
+                <a:ext uri="{FF2B5EF4-FFF2-40B4-BE49-F238E27FC236}">
+                  <a16:creationId xmlns:a16="http://schemas.microsoft.com/office/drawing/2014/main" id="{6C7CCEB2-C1DC-447F-AB68-861CB7E63670}"/>
+                </a:ext>
+              </a:extLst>
+            </p:cNvPr>
+            <p:cNvSpPr/>
+            <p:nvPr/>
+          </p:nvSpPr>
+          <p:spPr>
+            <a:xfrm>
+              <a:off x="8362632" y="4645201"/>
+              <a:ext cx="115100" cy="116602"/>
+            </a:xfrm>
+            <a:prstGeom prst="ellipse">
+              <a:avLst/>
+            </a:prstGeom>
+            <a:solidFill>
+              <a:schemeClr val="accent6">
+                <a:lumMod val="40000"/>
+                <a:lumOff val="60000"/>
+              </a:schemeClr>
+            </a:solidFill>
+            <a:ln>
+              <a:solidFill>
+                <a:schemeClr val="accent6">
+                  <a:lumMod val="75000"/>
+                </a:schemeClr>
+              </a:solidFill>
+            </a:ln>
+          </p:spPr>
+          <p:style>
+            <a:lnRef idx="2">
+              <a:schemeClr val="accent1">
+                <a:shade val="50000"/>
+              </a:schemeClr>
+            </a:lnRef>
+            <a:fillRef idx="1">
+              <a:schemeClr val="accent1"/>
+            </a:fillRef>
+            <a:effectRef idx="0">
+              <a:schemeClr val="accent1"/>
+            </a:effectRef>
+            <a:fontRef idx="minor">
+              <a:schemeClr val="lt1"/>
+            </a:fontRef>
+          </p:style>
+          <p:txBody>
+            <a:bodyPr rtlCol="0" anchor="ctr"/>
+            <a:lstStyle/>
+            <a:p>
+              <a:pPr algn="ctr"/>
+              <a:endParaRPr lang="en-CA"/>
+            </a:p>
+          </p:txBody>
+        </p:sp>
+        <p:sp>
+          <p:nvSpPr>
+            <p:cNvPr id="35" name="Oval 34">
+              <a:extLst>
+                <a:ext uri="{FF2B5EF4-FFF2-40B4-BE49-F238E27FC236}">
+                  <a16:creationId xmlns:a16="http://schemas.microsoft.com/office/drawing/2014/main" id="{BD103FCE-E66D-4A37-BD45-4AE691CF72AB}"/>
+                </a:ext>
+              </a:extLst>
+            </p:cNvPr>
+            <p:cNvSpPr/>
+            <p:nvPr/>
+          </p:nvSpPr>
+          <p:spPr>
+            <a:xfrm>
+              <a:off x="7927632" y="3228368"/>
+              <a:ext cx="115100" cy="116602"/>
+            </a:xfrm>
+            <a:prstGeom prst="ellipse">
+              <a:avLst/>
+            </a:prstGeom>
+            <a:solidFill>
+              <a:schemeClr val="accent6">
+                <a:lumMod val="40000"/>
+                <a:lumOff val="60000"/>
+              </a:schemeClr>
+            </a:solidFill>
+            <a:ln>
+              <a:solidFill>
+                <a:schemeClr val="accent6">
+                  <a:lumMod val="75000"/>
+                </a:schemeClr>
+              </a:solidFill>
+            </a:ln>
+          </p:spPr>
+          <p:style>
+            <a:lnRef idx="2">
+              <a:schemeClr val="accent1">
+                <a:shade val="50000"/>
+              </a:schemeClr>
+            </a:lnRef>
+            <a:fillRef idx="1">
+              <a:schemeClr val="accent1"/>
+            </a:fillRef>
+            <a:effectRef idx="0">
+              <a:schemeClr val="accent1"/>
+            </a:effectRef>
+            <a:fontRef idx="minor">
+              <a:schemeClr val="lt1"/>
+            </a:fontRef>
+          </p:style>
+          <p:txBody>
+            <a:bodyPr rtlCol="0" anchor="ctr"/>
+            <a:lstStyle/>
+            <a:p>
+              <a:pPr algn="ctr"/>
+              <a:endParaRPr lang="en-CA"/>
+            </a:p>
+          </p:txBody>
+        </p:sp>
+        <p:sp>
+          <p:nvSpPr>
+            <p:cNvPr id="36" name="Oval 35">
+              <a:extLst>
+                <a:ext uri="{FF2B5EF4-FFF2-40B4-BE49-F238E27FC236}">
+                  <a16:creationId xmlns:a16="http://schemas.microsoft.com/office/drawing/2014/main" id="{1A3548CD-1130-418A-A8E4-A521B4056EB4}"/>
+                </a:ext>
+              </a:extLst>
+            </p:cNvPr>
+            <p:cNvSpPr/>
+            <p:nvPr/>
+          </p:nvSpPr>
+          <p:spPr>
+            <a:xfrm>
+              <a:off x="6715212" y="2982168"/>
+              <a:ext cx="115100" cy="116602"/>
+            </a:xfrm>
+            <a:prstGeom prst="ellipse">
+              <a:avLst/>
+            </a:prstGeom>
+            <a:solidFill>
+              <a:schemeClr val="accent6">
+                <a:lumMod val="40000"/>
+                <a:lumOff val="60000"/>
+              </a:schemeClr>
+            </a:solidFill>
+            <a:ln>
+              <a:solidFill>
+                <a:schemeClr val="accent6">
+                  <a:lumMod val="75000"/>
+                </a:schemeClr>
+              </a:solidFill>
+            </a:ln>
+          </p:spPr>
+          <p:style>
+            <a:lnRef idx="2">
+              <a:schemeClr val="accent1">
+                <a:shade val="50000"/>
+              </a:schemeClr>
+            </a:lnRef>
+            <a:fillRef idx="1">
+              <a:schemeClr val="accent1"/>
+            </a:fillRef>
+            <a:effectRef idx="0">
+              <a:schemeClr val="accent1"/>
+            </a:effectRef>
+            <a:fontRef idx="minor">
+              <a:schemeClr val="lt1"/>
+            </a:fontRef>
+          </p:style>
+          <p:txBody>
+            <a:bodyPr rtlCol="0" anchor="ctr"/>
+            <a:lstStyle/>
+            <a:p>
+              <a:pPr algn="ctr"/>
+              <a:endParaRPr lang="en-CA"/>
+            </a:p>
+          </p:txBody>
+        </p:sp>
+        <p:sp>
+          <p:nvSpPr>
+            <p:cNvPr id="37" name="Oval 36">
+              <a:extLst>
+                <a:ext uri="{FF2B5EF4-FFF2-40B4-BE49-F238E27FC236}">
+                  <a16:creationId xmlns:a16="http://schemas.microsoft.com/office/drawing/2014/main" id="{DAE149E1-C22B-4AF4-A146-C399B13DDF40}"/>
+                </a:ext>
+              </a:extLst>
+            </p:cNvPr>
+            <p:cNvSpPr/>
+            <p:nvPr/>
+          </p:nvSpPr>
+          <p:spPr>
+            <a:xfrm>
+              <a:off x="8387794" y="2826488"/>
+              <a:ext cx="115100" cy="116602"/>
+            </a:xfrm>
+            <a:prstGeom prst="ellipse">
+              <a:avLst/>
+            </a:prstGeom>
+            <a:solidFill>
+              <a:schemeClr val="accent6">
+                <a:lumMod val="40000"/>
+                <a:lumOff val="60000"/>
+              </a:schemeClr>
+            </a:solidFill>
+            <a:ln>
+              <a:solidFill>
+                <a:schemeClr val="accent6">
+                  <a:lumMod val="75000"/>
+                </a:schemeClr>
+              </a:solidFill>
+            </a:ln>
+          </p:spPr>
+          <p:style>
+            <a:lnRef idx="2">
+              <a:schemeClr val="accent1">
+                <a:shade val="50000"/>
+              </a:schemeClr>
+            </a:lnRef>
+            <a:fillRef idx="1">
+              <a:schemeClr val="accent1"/>
+            </a:fillRef>
+            <a:effectRef idx="0">
+              <a:schemeClr val="accent1"/>
+            </a:effectRef>
+            <a:fontRef idx="minor">
+              <a:schemeClr val="lt1"/>
+            </a:fontRef>
+          </p:style>
+          <p:txBody>
+            <a:bodyPr rtlCol="0" anchor="ctr"/>
+            <a:lstStyle/>
+            <a:p>
+              <a:pPr algn="ctr"/>
+              <a:endParaRPr lang="en-CA"/>
+            </a:p>
+          </p:txBody>
+        </p:sp>
+        <p:sp>
+          <p:nvSpPr>
+            <p:cNvPr id="38" name="Oval 37">
+              <a:extLst>
+                <a:ext uri="{FF2B5EF4-FFF2-40B4-BE49-F238E27FC236}">
+                  <a16:creationId xmlns:a16="http://schemas.microsoft.com/office/drawing/2014/main" id="{C052D4F3-20B3-4560-9F15-42151FF21AEB}"/>
+                </a:ext>
+              </a:extLst>
+            </p:cNvPr>
+            <p:cNvSpPr/>
+            <p:nvPr/>
+          </p:nvSpPr>
+          <p:spPr>
+            <a:xfrm>
+              <a:off x="7619977" y="1677204"/>
+              <a:ext cx="115100" cy="116602"/>
+            </a:xfrm>
+            <a:prstGeom prst="ellipse">
+              <a:avLst/>
+            </a:prstGeom>
+            <a:solidFill>
+              <a:schemeClr val="accent6">
+                <a:lumMod val="40000"/>
+                <a:lumOff val="60000"/>
+              </a:schemeClr>
+            </a:solidFill>
+            <a:ln>
+              <a:solidFill>
+                <a:schemeClr val="accent6">
+                  <a:lumMod val="75000"/>
+                </a:schemeClr>
+              </a:solidFill>
+            </a:ln>
+          </p:spPr>
+          <p:style>
+            <a:lnRef idx="2">
+              <a:schemeClr val="accent1">
+                <a:shade val="50000"/>
+              </a:schemeClr>
+            </a:lnRef>
+            <a:fillRef idx="1">
+              <a:schemeClr val="accent1"/>
+            </a:fillRef>
+            <a:effectRef idx="0">
+              <a:schemeClr val="accent1"/>
+            </a:effectRef>
+            <a:fontRef idx="minor">
+              <a:schemeClr val="lt1"/>
+            </a:fontRef>
+          </p:style>
+          <p:txBody>
+            <a:bodyPr rtlCol="0" anchor="ctr"/>
+            <a:lstStyle/>
+            <a:p>
+              <a:pPr algn="ctr"/>
+              <a:endParaRPr lang="en-CA"/>
+            </a:p>
+          </p:txBody>
+        </p:sp>
+        <p:sp>
+          <p:nvSpPr>
+            <p:cNvPr id="39" name="Oval 38">
+              <a:extLst>
+                <a:ext uri="{FF2B5EF4-FFF2-40B4-BE49-F238E27FC236}">
+                  <a16:creationId xmlns:a16="http://schemas.microsoft.com/office/drawing/2014/main" id="{7EBF1CC7-DC48-42E7-97B0-25C1768EC8BB}"/>
+                </a:ext>
+              </a:extLst>
+            </p:cNvPr>
+            <p:cNvSpPr/>
+            <p:nvPr/>
+          </p:nvSpPr>
+          <p:spPr>
+            <a:xfrm>
+              <a:off x="8481651" y="1186719"/>
+              <a:ext cx="115100" cy="116602"/>
+            </a:xfrm>
+            <a:prstGeom prst="ellipse">
+              <a:avLst/>
+            </a:prstGeom>
+            <a:solidFill>
+              <a:schemeClr val="accent6">
+                <a:lumMod val="40000"/>
+                <a:lumOff val="60000"/>
+              </a:schemeClr>
+            </a:solidFill>
+            <a:ln>
+              <a:solidFill>
+                <a:schemeClr val="accent6">
+                  <a:lumMod val="75000"/>
+                </a:schemeClr>
+              </a:solidFill>
+            </a:ln>
+          </p:spPr>
+          <p:style>
+            <a:lnRef idx="2">
+              <a:schemeClr val="accent1">
+                <a:shade val="50000"/>
+              </a:schemeClr>
+            </a:lnRef>
+            <a:fillRef idx="1">
+              <a:schemeClr val="accent1"/>
+            </a:fillRef>
+            <a:effectRef idx="0">
+              <a:schemeClr val="accent1"/>
+            </a:effectRef>
+            <a:fontRef idx="minor">
+              <a:schemeClr val="lt1"/>
+            </a:fontRef>
+          </p:style>
+          <p:txBody>
+            <a:bodyPr rtlCol="0" anchor="ctr"/>
+            <a:lstStyle/>
+            <a:p>
+              <a:pPr algn="ctr"/>
+              <a:endParaRPr lang="en-CA"/>
+            </a:p>
+          </p:txBody>
+        </p:sp>
+        <p:sp>
+          <p:nvSpPr>
+            <p:cNvPr id="40" name="Oval 39">
+              <a:extLst>
+                <a:ext uri="{FF2B5EF4-FFF2-40B4-BE49-F238E27FC236}">
+                  <a16:creationId xmlns:a16="http://schemas.microsoft.com/office/drawing/2014/main" id="{354C63E7-BCA0-4E2D-A577-C5A2A51D466B}"/>
+                </a:ext>
+              </a:extLst>
+            </p:cNvPr>
+            <p:cNvSpPr/>
+            <p:nvPr/>
+          </p:nvSpPr>
+          <p:spPr>
+            <a:xfrm>
+              <a:off x="9002758" y="1393079"/>
+              <a:ext cx="115100" cy="116602"/>
+            </a:xfrm>
+            <a:prstGeom prst="ellipse">
+              <a:avLst/>
+            </a:prstGeom>
+            <a:solidFill>
+              <a:schemeClr val="accent6">
+                <a:lumMod val="40000"/>
+                <a:lumOff val="60000"/>
+              </a:schemeClr>
+            </a:solidFill>
+            <a:ln>
+              <a:solidFill>
+                <a:schemeClr val="accent6">
+                  <a:lumMod val="75000"/>
+                </a:schemeClr>
+              </a:solidFill>
+            </a:ln>
+          </p:spPr>
+          <p:style>
+            <a:lnRef idx="2">
+              <a:schemeClr val="accent1">
+                <a:shade val="50000"/>
+              </a:schemeClr>
+            </a:lnRef>
+            <a:fillRef idx="1">
+              <a:schemeClr val="accent1"/>
+            </a:fillRef>
+            <a:effectRef idx="0">
+              <a:schemeClr val="accent1"/>
+            </a:effectRef>
+            <a:fontRef idx="minor">
+              <a:schemeClr val="lt1"/>
+            </a:fontRef>
+          </p:style>
+          <p:txBody>
+            <a:bodyPr rtlCol="0" anchor="ctr"/>
+            <a:lstStyle/>
+            <a:p>
+              <a:pPr algn="ctr"/>
+              <a:endParaRPr lang="en-CA"/>
+            </a:p>
+          </p:txBody>
+        </p:sp>
+        <p:sp>
+          <p:nvSpPr>
+            <p:cNvPr id="41" name="Oval 40">
+              <a:extLst>
+                <a:ext uri="{FF2B5EF4-FFF2-40B4-BE49-F238E27FC236}">
+                  <a16:creationId xmlns:a16="http://schemas.microsoft.com/office/drawing/2014/main" id="{58120B34-53CA-4CE1-A561-FE1D0A334B76}"/>
+                </a:ext>
+              </a:extLst>
+            </p:cNvPr>
+            <p:cNvSpPr/>
+            <p:nvPr/>
+          </p:nvSpPr>
+          <p:spPr>
+            <a:xfrm>
+              <a:off x="5907300" y="1334778"/>
+              <a:ext cx="115100" cy="116602"/>
+            </a:xfrm>
+            <a:prstGeom prst="ellipse">
+              <a:avLst/>
+            </a:prstGeom>
+            <a:solidFill>
+              <a:schemeClr val="accent6">
+                <a:lumMod val="40000"/>
+                <a:lumOff val="60000"/>
+              </a:schemeClr>
+            </a:solidFill>
+            <a:ln>
+              <a:solidFill>
+                <a:schemeClr val="accent6">
+                  <a:lumMod val="75000"/>
+                </a:schemeClr>
+              </a:solidFill>
+            </a:ln>
+          </p:spPr>
+          <p:style>
+            <a:lnRef idx="2">
+              <a:schemeClr val="accent1">
+                <a:shade val="50000"/>
+              </a:schemeClr>
+            </a:lnRef>
+            <a:fillRef idx="1">
+              <a:schemeClr val="accent1"/>
+            </a:fillRef>
+            <a:effectRef idx="0">
+              <a:schemeClr val="accent1"/>
+            </a:effectRef>
+            <a:fontRef idx="minor">
+              <a:schemeClr val="lt1"/>
+            </a:fontRef>
+          </p:style>
+          <p:txBody>
+            <a:bodyPr rtlCol="0" anchor="ctr"/>
+            <a:lstStyle/>
+            <a:p>
+              <a:pPr algn="ctr"/>
+              <a:endParaRPr lang="en-CA"/>
+            </a:p>
+          </p:txBody>
+        </p:sp>
+        <p:sp>
+          <p:nvSpPr>
+            <p:cNvPr id="42" name="Oval 41">
+              <a:extLst>
+                <a:ext uri="{FF2B5EF4-FFF2-40B4-BE49-F238E27FC236}">
+                  <a16:creationId xmlns:a16="http://schemas.microsoft.com/office/drawing/2014/main" id="{94989406-0787-48FA-AB70-C28A9AC60998}"/>
+                </a:ext>
+              </a:extLst>
+            </p:cNvPr>
+            <p:cNvSpPr/>
+            <p:nvPr/>
+          </p:nvSpPr>
+          <p:spPr>
+            <a:xfrm>
+              <a:off x="4807340" y="4043821"/>
+              <a:ext cx="115100" cy="116602"/>
+            </a:xfrm>
+            <a:prstGeom prst="ellipse">
+              <a:avLst/>
+            </a:prstGeom>
+            <a:solidFill>
+              <a:schemeClr val="accent6">
+                <a:lumMod val="40000"/>
+                <a:lumOff val="60000"/>
+              </a:schemeClr>
+            </a:solidFill>
+            <a:ln>
+              <a:solidFill>
+                <a:schemeClr val="accent6">
+                  <a:lumMod val="75000"/>
+                </a:schemeClr>
+              </a:solidFill>
+            </a:ln>
+          </p:spPr>
+          <p:style>
+            <a:lnRef idx="2">
+              <a:schemeClr val="accent1">
+                <a:shade val="50000"/>
+              </a:schemeClr>
+            </a:lnRef>
+            <a:fillRef idx="1">
+              <a:schemeClr val="accent1"/>
+            </a:fillRef>
+            <a:effectRef idx="0">
+              <a:schemeClr val="accent1"/>
+            </a:effectRef>
+            <a:fontRef idx="minor">
+              <a:schemeClr val="lt1"/>
+            </a:fontRef>
+          </p:style>
+          <p:txBody>
+            <a:bodyPr rtlCol="0" anchor="ctr"/>
+            <a:lstStyle/>
+            <a:p>
+              <a:pPr algn="ctr"/>
+              <a:endParaRPr lang="en-CA"/>
+            </a:p>
+          </p:txBody>
+        </p:sp>
+        <p:sp>
+          <p:nvSpPr>
+            <p:cNvPr id="43" name="Oval 42">
+              <a:extLst>
+                <a:ext uri="{FF2B5EF4-FFF2-40B4-BE49-F238E27FC236}">
+                  <a16:creationId xmlns:a16="http://schemas.microsoft.com/office/drawing/2014/main" id="{D0BCBE24-DEB5-4278-ACEE-09B6F72A7413}"/>
+                </a:ext>
+              </a:extLst>
+            </p:cNvPr>
+            <p:cNvSpPr/>
+            <p:nvPr/>
+          </p:nvSpPr>
+          <p:spPr>
+            <a:xfrm>
+              <a:off x="6143743" y="5169132"/>
+              <a:ext cx="115100" cy="116602"/>
+            </a:xfrm>
+            <a:prstGeom prst="ellipse">
+              <a:avLst/>
+            </a:prstGeom>
+            <a:solidFill>
+              <a:schemeClr val="accent6">
+                <a:lumMod val="40000"/>
+                <a:lumOff val="60000"/>
+              </a:schemeClr>
+            </a:solidFill>
+            <a:ln>
+              <a:solidFill>
+                <a:schemeClr val="accent6">
+                  <a:lumMod val="75000"/>
+                </a:schemeClr>
+              </a:solidFill>
+            </a:ln>
+          </p:spPr>
+          <p:style>
+            <a:lnRef idx="2">
+              <a:schemeClr val="accent1">
+                <a:shade val="50000"/>
+              </a:schemeClr>
+            </a:lnRef>
+            <a:fillRef idx="1">
+              <a:schemeClr val="accent1"/>
+            </a:fillRef>
+            <a:effectRef idx="0">
+              <a:schemeClr val="accent1"/>
+            </a:effectRef>
+            <a:fontRef idx="minor">
+              <a:schemeClr val="lt1"/>
+            </a:fontRef>
+          </p:style>
+          <p:txBody>
+            <a:bodyPr rtlCol="0" anchor="ctr"/>
+            <a:lstStyle/>
+            <a:p>
+              <a:pPr algn="ctr"/>
+              <a:endParaRPr lang="en-CA"/>
+            </a:p>
+          </p:txBody>
+        </p:sp>
+        <p:cxnSp>
+          <p:nvCxnSpPr>
+            <p:cNvPr id="9" name="Straight Arrow Connector 8">
+              <a:extLst>
+                <a:ext uri="{FF2B5EF4-FFF2-40B4-BE49-F238E27FC236}">
+                  <a16:creationId xmlns:a16="http://schemas.microsoft.com/office/drawing/2014/main" id="{7D8BF522-E0CD-43C3-974D-A50DC6A45637}"/>
+                </a:ext>
+              </a:extLst>
+            </p:cNvPr>
+            <p:cNvCxnSpPr>
+              <a:cxnSpLocks/>
+            </p:cNvCxnSpPr>
+            <p:nvPr/>
+          </p:nvCxnSpPr>
+          <p:spPr>
+            <a:xfrm flipV="1">
+              <a:off x="5325035" y="738019"/>
+              <a:ext cx="3855787" cy="15016"/>
+            </a:xfrm>
+            <a:prstGeom prst="straightConnector1">
+              <a:avLst/>
+            </a:prstGeom>
+            <a:ln w="60325">
+              <a:solidFill>
+                <a:schemeClr val="tx1"/>
+              </a:solidFill>
+              <a:headEnd type="triangle"/>
+              <a:tailEnd type="triangle"/>
+            </a:ln>
+          </p:spPr>
+          <p:style>
+            <a:lnRef idx="1">
+              <a:schemeClr val="accent1"/>
+            </a:lnRef>
+            <a:fillRef idx="0">
+              <a:schemeClr val="accent1"/>
+            </a:fillRef>
+            <a:effectRef idx="0">
+              <a:schemeClr val="accent1"/>
+            </a:effectRef>
+            <a:fontRef idx="minor">
+              <a:schemeClr val="tx1"/>
+            </a:fontRef>
+          </p:style>
+        </p:cxnSp>
+        <p:sp>
+          <p:nvSpPr>
+            <p:cNvPr id="44" name="TextBox 43">
+              <a:extLst>
+                <a:ext uri="{FF2B5EF4-FFF2-40B4-BE49-F238E27FC236}">
+                  <a16:creationId xmlns:a16="http://schemas.microsoft.com/office/drawing/2014/main" id="{E551C558-FD55-453D-9516-5804FD7C0980}"/>
+                </a:ext>
+              </a:extLst>
+            </p:cNvPr>
+            <p:cNvSpPr txBox="1"/>
+            <p:nvPr/>
+          </p:nvSpPr>
+          <p:spPr>
+            <a:xfrm>
+              <a:off x="6795707" y="217569"/>
+              <a:ext cx="736099" cy="523220"/>
+            </a:xfrm>
+            <a:prstGeom prst="rect">
+              <a:avLst/>
+            </a:prstGeom>
+            <a:noFill/>
+          </p:spPr>
+          <p:txBody>
+            <a:bodyPr wrap="none" rtlCol="0">
+              <a:spAutoFit/>
+            </a:bodyPr>
+            <a:lstStyle/>
+            <a:p>
+              <a:r>
+                <a:rPr lang="en-CA" sz="2800" dirty="0"/>
+                <a:t>1 m</a:t>
+              </a:r>
+            </a:p>
+          </p:txBody>
+        </p:sp>
+        <p:sp>
+          <p:nvSpPr>
+            <p:cNvPr id="48" name="TextBox 47">
+              <a:extLst>
+                <a:ext uri="{FF2B5EF4-FFF2-40B4-BE49-F238E27FC236}">
+                  <a16:creationId xmlns:a16="http://schemas.microsoft.com/office/drawing/2014/main" id="{C6FA4114-1557-423D-9645-FB99DB244ED2}"/>
+                </a:ext>
+              </a:extLst>
+            </p:cNvPr>
+            <p:cNvSpPr txBox="1"/>
+            <p:nvPr/>
+          </p:nvSpPr>
+          <p:spPr>
+            <a:xfrm>
+              <a:off x="9442137" y="2635622"/>
+              <a:ext cx="736099" cy="523220"/>
+            </a:xfrm>
+            <a:prstGeom prst="rect">
+              <a:avLst/>
+            </a:prstGeom>
+            <a:noFill/>
+          </p:spPr>
+          <p:txBody>
+            <a:bodyPr wrap="none" rtlCol="0">
+              <a:spAutoFit/>
+            </a:bodyPr>
+            <a:lstStyle/>
+            <a:p>
+              <a:r>
+                <a:rPr lang="en-CA" sz="2800" dirty="0"/>
+                <a:t>1 m</a:t>
+              </a:r>
+            </a:p>
+          </p:txBody>
+        </p:sp>
+        <p:cxnSp>
+          <p:nvCxnSpPr>
+            <p:cNvPr id="49" name="Straight Arrow Connector 48">
+              <a:extLst>
+                <a:ext uri="{FF2B5EF4-FFF2-40B4-BE49-F238E27FC236}">
+                  <a16:creationId xmlns:a16="http://schemas.microsoft.com/office/drawing/2014/main" id="{802939CA-3676-4A9A-A73F-D20DDADF2DAD}"/>
+                </a:ext>
+              </a:extLst>
+            </p:cNvPr>
+            <p:cNvCxnSpPr>
+              <a:cxnSpLocks/>
+            </p:cNvCxnSpPr>
+            <p:nvPr/>
+          </p:nvCxnSpPr>
+          <p:spPr>
+            <a:xfrm flipH="1">
+              <a:off x="9367838" y="1004385"/>
+              <a:ext cx="22803" cy="3727006"/>
+            </a:xfrm>
+            <a:prstGeom prst="straightConnector1">
+              <a:avLst/>
+            </a:prstGeom>
+            <a:ln w="60325">
+              <a:solidFill>
+                <a:schemeClr val="tx1"/>
+              </a:solidFill>
+              <a:headEnd type="triangle"/>
+              <a:tailEnd type="triangle"/>
+            </a:ln>
+          </p:spPr>
+          <p:style>
+            <a:lnRef idx="1">
+              <a:schemeClr val="accent1"/>
+            </a:lnRef>
+            <a:fillRef idx="0">
+              <a:schemeClr val="accent1"/>
+            </a:fillRef>
+            <a:effectRef idx="0">
+              <a:schemeClr val="accent1"/>
+            </a:effectRef>
+            <a:fontRef idx="minor">
+              <a:schemeClr val="tx1"/>
+            </a:fontRef>
+          </p:style>
+        </p:cxnSp>
+        <p:cxnSp>
+          <p:nvCxnSpPr>
+            <p:cNvPr id="52" name="Straight Arrow Connector 51">
+              <a:extLst>
+                <a:ext uri="{FF2B5EF4-FFF2-40B4-BE49-F238E27FC236}">
+                  <a16:creationId xmlns:a16="http://schemas.microsoft.com/office/drawing/2014/main" id="{54F17ABF-3B7F-47DE-9676-932A04FE496E}"/>
+                </a:ext>
+              </a:extLst>
+            </p:cNvPr>
+            <p:cNvCxnSpPr>
+              <a:cxnSpLocks/>
+            </p:cNvCxnSpPr>
+            <p:nvPr/>
+          </p:nvCxnSpPr>
+          <p:spPr>
+            <a:xfrm flipV="1">
+              <a:off x="3509963" y="946796"/>
+              <a:ext cx="1555720" cy="1589671"/>
+            </a:xfrm>
+            <a:prstGeom prst="straightConnector1">
+              <a:avLst/>
+            </a:prstGeom>
+            <a:ln w="60325">
+              <a:solidFill>
+                <a:schemeClr val="tx1"/>
+              </a:solidFill>
+              <a:headEnd type="triangle"/>
+              <a:tailEnd type="triangle"/>
+            </a:ln>
+          </p:spPr>
+          <p:style>
+            <a:lnRef idx="1">
+              <a:schemeClr val="accent1"/>
+            </a:lnRef>
+            <a:fillRef idx="0">
+              <a:schemeClr val="accent1"/>
+            </a:fillRef>
+            <a:effectRef idx="0">
+              <a:schemeClr val="accent1"/>
+            </a:effectRef>
+            <a:fontRef idx="minor">
+              <a:schemeClr val="tx1"/>
+            </a:fontRef>
+          </p:style>
+        </p:cxnSp>
+        <p:sp>
+          <p:nvSpPr>
+            <p:cNvPr id="54" name="TextBox 53">
+              <a:extLst>
+                <a:ext uri="{FF2B5EF4-FFF2-40B4-BE49-F238E27FC236}">
+                  <a16:creationId xmlns:a16="http://schemas.microsoft.com/office/drawing/2014/main" id="{AD209404-360D-4AFC-A5AE-369AB6E9D365}"/>
+                </a:ext>
+              </a:extLst>
+            </p:cNvPr>
+            <p:cNvSpPr txBox="1"/>
+            <p:nvPr/>
+          </p:nvSpPr>
+          <p:spPr>
+            <a:xfrm>
+              <a:off x="3606747" y="1186719"/>
+              <a:ext cx="736099" cy="523220"/>
+            </a:xfrm>
+            <a:prstGeom prst="rect">
+              <a:avLst/>
+            </a:prstGeom>
+            <a:noFill/>
+          </p:spPr>
+          <p:txBody>
+            <a:bodyPr wrap="none" rtlCol="0">
+              <a:spAutoFit/>
+            </a:bodyPr>
+            <a:lstStyle/>
+            <a:p>
+              <a:r>
+                <a:rPr lang="en-CA" sz="2800" dirty="0"/>
+                <a:t>1 m</a:t>
+              </a:r>
+            </a:p>
+          </p:txBody>
+        </p:sp>
+        <p:pic>
+          <p:nvPicPr>
+            <p:cNvPr id="45" name="Picture 4">
+              <a:extLst>
+                <a:ext uri="{FF2B5EF4-FFF2-40B4-BE49-F238E27FC236}">
+                  <a16:creationId xmlns:a16="http://schemas.microsoft.com/office/drawing/2014/main" id="{738473D8-A095-4E6C-8FE3-A206A55EDF5D}"/>
+                </a:ext>
+              </a:extLst>
+            </p:cNvPr>
+            <p:cNvPicPr>
+              <a:picLocks noChangeAspect="1" noChangeArrowheads="1"/>
+            </p:cNvPicPr>
+            <p:nvPr/>
+          </p:nvPicPr>
+          <p:blipFill>
+            <a:blip r:embed="rId5" cstate="print">
+              <a:extLst>
+                <a:ext uri="{28A0092B-C50C-407E-A947-70E740481C1C}">
+                  <a14:useLocalDpi xmlns:a14="http://schemas.microsoft.com/office/drawing/2010/main" val="0"/>
+                </a:ext>
+              </a:extLst>
+            </a:blip>
+            <a:srcRect/>
+            <a:stretch>
+              <a:fillRect/>
+            </a:stretch>
+          </p:blipFill>
+          <p:spPr bwMode="auto">
+            <a:xfrm rot="19226262">
+              <a:off x="4962396" y="3425230"/>
+              <a:ext cx="1839387" cy="883768"/>
+            </a:xfrm>
+            <a:prstGeom prst="rect">
+              <a:avLst/>
+            </a:prstGeom>
+            <a:noFill/>
+            <a:extLst>
+              <a:ext uri="{909E8E84-426E-40DD-AFC4-6F175D3DCCD1}">
+                <a14:hiddenFill xmlns:a14="http://schemas.microsoft.com/office/drawing/2010/main">
+                  <a:solidFill>
+                    <a:srgbClr val="FFFFFF"/>
+                  </a:solidFill>
+                </a14:hiddenFill>
+              </a:ext>
+            </a:extLst>
+          </p:spPr>
+        </p:pic>
+      </p:grpSp>
+    </p:spTree>
+    <p:extLst>
+      <p:ext uri="{BB962C8B-B14F-4D97-AF65-F5344CB8AC3E}">
+        <p14:creationId xmlns:p14="http://schemas.microsoft.com/office/powerpoint/2010/main" val="1916585493"/>
+      </p:ext>
+    </p:extLst>
+  </p:cSld>
+  <p:clrMapOvr>
+    <a:masterClrMapping/>
+  </p:clrMapOvr>
+</p:sld>
+</file>
+
 <file path=ppt/theme/theme1.xml><?xml version="1.0" encoding="utf-8"?>
 <a:theme xmlns:a="http://schemas.openxmlformats.org/drawingml/2006/main" name="Office Theme">
   <a:themeElements>

--- a/Week5/more diagrams.pptx
+++ b/Week5/more diagrams.pptx
@@ -8,7 +8,8 @@
     <p:sldId id="256" r:id="rId2"/>
     <p:sldId id="258" r:id="rId3"/>
     <p:sldId id="257" r:id="rId4"/>
-    <p:sldId id="259" r:id="rId5"/>
+    <p:sldId id="260" r:id="rId5"/>
+    <p:sldId id="259" r:id="rId6"/>
   </p:sldIdLst>
   <p:sldSz cx="12192000" cy="6858000"/>
   <p:notesSz cx="6858000" cy="9144000"/>
@@ -3079,218 +3080,12 @@
           <a:chExt cx="0" cy="0"/>
         </a:xfrm>
       </p:grpSpPr>
-      <p:sp>
-        <p:nvSpPr>
-          <p:cNvPr id="7" name="Rectangle 6">
+      <p:grpSp>
+        <p:nvGrpSpPr>
+          <p:cNvPr id="2" name="Group 1">
             <a:extLst>
               <a:ext uri="{FF2B5EF4-FFF2-40B4-BE49-F238E27FC236}">
-                <a16:creationId xmlns:a16="http://schemas.microsoft.com/office/drawing/2014/main" id="{127990FC-6DF3-40CE-BE63-F5C4C22044D2}"/>
-              </a:ext>
-            </a:extLst>
-          </p:cNvPr>
-          <p:cNvSpPr/>
-          <p:nvPr/>
-        </p:nvSpPr>
-        <p:spPr>
-          <a:xfrm>
-            <a:off x="2659260" y="1740090"/>
-            <a:ext cx="6933063" cy="4030638"/>
-          </a:xfrm>
-          <a:prstGeom prst="rect">
-            <a:avLst/>
-          </a:prstGeom>
-          <a:solidFill>
-            <a:schemeClr val="accent1">
-              <a:lumMod val="60000"/>
-              <a:lumOff val="40000"/>
-            </a:schemeClr>
-          </a:solidFill>
-          <a:ln>
-            <a:noFill/>
-          </a:ln>
-        </p:spPr>
-        <p:style>
-          <a:lnRef idx="2">
-            <a:schemeClr val="accent1">
-              <a:shade val="50000"/>
-            </a:schemeClr>
-          </a:lnRef>
-          <a:fillRef idx="1">
-            <a:schemeClr val="accent1"/>
-          </a:fillRef>
-          <a:effectRef idx="0">
-            <a:schemeClr val="accent1"/>
-          </a:effectRef>
-          <a:fontRef idx="minor">
-            <a:schemeClr val="lt1"/>
-          </a:fontRef>
-        </p:style>
-        <p:txBody>
-          <a:bodyPr rtlCol="0" anchor="ctr"/>
-          <a:lstStyle/>
-          <a:p>
-            <a:pPr algn="ctr"/>
-            <a:endParaRPr lang="en-CA"/>
-          </a:p>
-        </p:txBody>
-      </p:sp>
-      <p:sp>
-        <p:nvSpPr>
-          <p:cNvPr id="6" name="Rectangle 5">
-            <a:extLst>
-              <a:ext uri="{FF2B5EF4-FFF2-40B4-BE49-F238E27FC236}">
-                <a16:creationId xmlns:a16="http://schemas.microsoft.com/office/drawing/2014/main" id="{BAA30013-8084-4361-AD0A-348815A36699}"/>
-              </a:ext>
-            </a:extLst>
-          </p:cNvPr>
-          <p:cNvSpPr/>
-          <p:nvPr/>
-        </p:nvSpPr>
-        <p:spPr>
-          <a:xfrm>
-            <a:off x="2593760" y="772112"/>
-            <a:ext cx="7050847" cy="5053035"/>
-          </a:xfrm>
-          <a:prstGeom prst="rect">
-            <a:avLst/>
-          </a:prstGeom>
-          <a:noFill/>
-          <a:ln w="127000">
-            <a:solidFill>
-              <a:schemeClr val="tx1"/>
-            </a:solidFill>
-          </a:ln>
-        </p:spPr>
-        <p:style>
-          <a:lnRef idx="2">
-            <a:schemeClr val="accent1">
-              <a:shade val="50000"/>
-            </a:schemeClr>
-          </a:lnRef>
-          <a:fillRef idx="1">
-            <a:schemeClr val="accent1"/>
-          </a:fillRef>
-          <a:effectRef idx="0">
-            <a:schemeClr val="accent1"/>
-          </a:effectRef>
-          <a:fontRef idx="minor">
-            <a:schemeClr val="lt1"/>
-          </a:fontRef>
-        </p:style>
-        <p:txBody>
-          <a:bodyPr rtlCol="0" anchor="ctr"/>
-          <a:lstStyle/>
-          <a:p>
-            <a:pPr algn="ctr"/>
-            <a:endParaRPr lang="en-CA" dirty="0"/>
-          </a:p>
-        </p:txBody>
-      </p:sp>
-      <p:pic>
-        <p:nvPicPr>
-          <p:cNvPr id="1028" name="Picture 4">
-            <a:extLst>
-              <a:ext uri="{FF2B5EF4-FFF2-40B4-BE49-F238E27FC236}">
-                <a16:creationId xmlns:a16="http://schemas.microsoft.com/office/drawing/2014/main" id="{7483C2D4-78F5-40AA-BA26-8B34EB4C3555}"/>
-              </a:ext>
-            </a:extLst>
-          </p:cNvPr>
-          <p:cNvPicPr>
-            <a:picLocks noChangeAspect="1" noChangeArrowheads="1"/>
-          </p:cNvPicPr>
-          <p:nvPr/>
-        </p:nvPicPr>
-        <p:blipFill>
-          <a:blip r:embed="rId2">
-            <a:extLst>
-              <a:ext uri="{28A0092B-C50C-407E-A947-70E740481C1C}">
-                <a14:useLocalDpi xmlns:a14="http://schemas.microsoft.com/office/drawing/2010/main" val="0"/>
-              </a:ext>
-            </a:extLst>
-          </a:blip>
-          <a:srcRect/>
-          <a:stretch>
-            <a:fillRect/>
-          </a:stretch>
-        </p:blipFill>
-        <p:spPr bwMode="auto">
-          <a:xfrm>
-            <a:off x="3687391" y="3427578"/>
-            <a:ext cx="4876800" cy="2343150"/>
-          </a:xfrm>
-          <a:prstGeom prst="rect">
-            <a:avLst/>
-          </a:prstGeom>
-          <a:noFill/>
-          <a:extLst>
-            <a:ext uri="{909E8E84-426E-40DD-AFC4-6F175D3DCCD1}">
-              <a14:hiddenFill xmlns:a14="http://schemas.microsoft.com/office/drawing/2010/main">
-                <a:solidFill>
-                  <a:srgbClr val="FFFFFF"/>
-                </a:solidFill>
-              </a14:hiddenFill>
-            </a:ext>
-          </a:extLst>
-        </p:spPr>
-      </p:pic>
-      <p:sp>
-        <p:nvSpPr>
-          <p:cNvPr id="8" name="Rectangle 7">
-            <a:extLst>
-              <a:ext uri="{FF2B5EF4-FFF2-40B4-BE49-F238E27FC236}">
-                <a16:creationId xmlns:a16="http://schemas.microsoft.com/office/drawing/2014/main" id="{58AEE880-E5AC-4F96-9B27-B288EDE008D5}"/>
-              </a:ext>
-            </a:extLst>
-          </p:cNvPr>
-          <p:cNvSpPr/>
-          <p:nvPr/>
-        </p:nvSpPr>
-        <p:spPr>
-          <a:xfrm>
-            <a:off x="2195236" y="393510"/>
-            <a:ext cx="7806520" cy="623248"/>
-          </a:xfrm>
-          <a:prstGeom prst="rect">
-            <a:avLst/>
-          </a:prstGeom>
-          <a:solidFill>
-            <a:schemeClr val="bg1"/>
-          </a:solidFill>
-          <a:ln>
-            <a:noFill/>
-          </a:ln>
-        </p:spPr>
-        <p:style>
-          <a:lnRef idx="2">
-            <a:schemeClr val="accent1">
-              <a:shade val="50000"/>
-            </a:schemeClr>
-          </a:lnRef>
-          <a:fillRef idx="1">
-            <a:schemeClr val="accent1"/>
-          </a:fillRef>
-          <a:effectRef idx="0">
-            <a:schemeClr val="accent1"/>
-          </a:effectRef>
-          <a:fontRef idx="minor">
-            <a:schemeClr val="lt1"/>
-          </a:fontRef>
-        </p:style>
-        <p:txBody>
-          <a:bodyPr rtlCol="0" anchor="ctr"/>
-          <a:lstStyle/>
-          <a:p>
-            <a:pPr algn="ctr"/>
-            <a:endParaRPr lang="en-CA"/>
-          </a:p>
-        </p:txBody>
-      </p:sp>
-      <p:grpSp>
-        <p:nvGrpSpPr>
-          <p:cNvPr id="12" name="Group 11">
-            <a:extLst>
-              <a:ext uri="{FF2B5EF4-FFF2-40B4-BE49-F238E27FC236}">
-                <a16:creationId xmlns:a16="http://schemas.microsoft.com/office/drawing/2014/main" id="{E6118EC0-98FD-406A-88BA-92F05C8A30AB}"/>
+                <a16:creationId xmlns:a16="http://schemas.microsoft.com/office/drawing/2014/main" id="{26525E88-C2F3-4802-8C37-DB5B702180D3}"/>
               </a:ext>
             </a:extLst>
           </p:cNvPr>
@@ -3299,18 +3094,18 @@
         </p:nvGrpSpPr>
         <p:grpSpPr>
           <a:xfrm>
-            <a:off x="1318796" y="5106536"/>
-            <a:ext cx="1346602" cy="490183"/>
-            <a:chOff x="1014484" y="4954136"/>
-            <a:chExt cx="2379260" cy="490183"/>
+            <a:off x="340759" y="393510"/>
+            <a:ext cx="11673146" cy="5431637"/>
+            <a:chOff x="340759" y="393510"/>
+            <a:chExt cx="11673146" cy="5431637"/>
           </a:xfrm>
         </p:grpSpPr>
         <p:sp>
           <p:nvSpPr>
-            <p:cNvPr id="11" name="Rectangle 10">
-              <a:extLst>
-                <a:ext uri="{FF2B5EF4-FFF2-40B4-BE49-F238E27FC236}">
-                  <a16:creationId xmlns:a16="http://schemas.microsoft.com/office/drawing/2014/main" id="{4920E8C8-588C-4B8C-91A3-6BB579D65D76}"/>
+            <p:cNvPr id="7" name="Rectangle 6">
+              <a:extLst>
+                <a:ext uri="{FF2B5EF4-FFF2-40B4-BE49-F238E27FC236}">
+                  <a16:creationId xmlns:a16="http://schemas.microsoft.com/office/drawing/2014/main" id="{127990FC-6DF3-40CE-BE63-F5C4C22044D2}"/>
                 </a:ext>
               </a:extLst>
             </p:cNvPr>
@@ -3319,8 +3114,8 @@
           </p:nvSpPr>
           <p:spPr>
             <a:xfrm>
-              <a:off x="1014484" y="5017827"/>
-              <a:ext cx="2379260" cy="426492"/>
+              <a:off x="2659260" y="1740090"/>
+              <a:ext cx="6933063" cy="4030638"/>
             </a:xfrm>
             <a:prstGeom prst="rect">
               <a:avLst/>
@@ -3360,26 +3155,27 @@
             </a:p>
           </p:txBody>
         </p:sp>
-        <p:cxnSp>
-          <p:nvCxnSpPr>
-            <p:cNvPr id="10" name="Straight Connector 9">
-              <a:extLst>
-                <a:ext uri="{FF2B5EF4-FFF2-40B4-BE49-F238E27FC236}">
-                  <a16:creationId xmlns:a16="http://schemas.microsoft.com/office/drawing/2014/main" id="{D7F3C24B-DBFB-4A4E-A792-C4F144FBF837}"/>
-                </a:ext>
-              </a:extLst>
-            </p:cNvPr>
-            <p:cNvCxnSpPr/>
-            <p:nvPr/>
-          </p:nvCxnSpPr>
+        <p:sp>
+          <p:nvSpPr>
+            <p:cNvPr id="6" name="Rectangle 5">
+              <a:extLst>
+                <a:ext uri="{FF2B5EF4-FFF2-40B4-BE49-F238E27FC236}">
+                  <a16:creationId xmlns:a16="http://schemas.microsoft.com/office/drawing/2014/main" id="{BAA30013-8084-4361-AD0A-348815A36699}"/>
+                </a:ext>
+              </a:extLst>
+            </p:cNvPr>
+            <p:cNvSpPr/>
+            <p:nvPr/>
+          </p:nvSpPr>
           <p:spPr>
             <a:xfrm>
-              <a:off x="1014484" y="4954136"/>
-              <a:ext cx="2379259" cy="0"/>
-            </a:xfrm>
-            <a:prstGeom prst="line">
-              <a:avLst/>
-            </a:prstGeom>
+              <a:off x="2593760" y="772112"/>
+              <a:ext cx="7050847" cy="5053035"/>
+            </a:xfrm>
+            <a:prstGeom prst="rect">
+              <a:avLst/>
+            </a:prstGeom>
+            <a:noFill/>
             <a:ln w="127000">
               <a:solidFill>
                 <a:schemeClr val="tx1"/>
@@ -3387,88 +3183,83 @@
             </a:ln>
           </p:spPr>
           <p:style>
-            <a:lnRef idx="1">
-              <a:schemeClr val="accent1"/>
+            <a:lnRef idx="2">
+              <a:schemeClr val="accent1">
+                <a:shade val="50000"/>
+              </a:schemeClr>
             </a:lnRef>
-            <a:fillRef idx="0">
+            <a:fillRef idx="1">
               <a:schemeClr val="accent1"/>
             </a:fillRef>
             <a:effectRef idx="0">
               <a:schemeClr val="accent1"/>
             </a:effectRef>
             <a:fontRef idx="minor">
-              <a:schemeClr val="tx1"/>
+              <a:schemeClr val="lt1"/>
             </a:fontRef>
           </p:style>
-        </p:cxnSp>
-        <p:cxnSp>
-          <p:nvCxnSpPr>
-            <p:cNvPr id="14" name="Straight Connector 13">
-              <a:extLst>
-                <a:ext uri="{FF2B5EF4-FFF2-40B4-BE49-F238E27FC236}">
-                  <a16:creationId xmlns:a16="http://schemas.microsoft.com/office/drawing/2014/main" id="{46EC7DD7-93E1-4BE0-B35E-9CFD5092909C}"/>
-                </a:ext>
-              </a:extLst>
-            </p:cNvPr>
-            <p:cNvCxnSpPr/>
-            <p:nvPr/>
-          </p:nvCxnSpPr>
-          <p:spPr>
+          <p:txBody>
+            <a:bodyPr rtlCol="0" anchor="ctr"/>
+            <a:lstStyle/>
+            <a:p>
+              <a:pPr algn="ctr"/>
+              <a:endParaRPr lang="en-CA" dirty="0"/>
+            </a:p>
+          </p:txBody>
+        </p:sp>
+        <p:pic>
+          <p:nvPicPr>
+            <p:cNvPr id="1028" name="Picture 4">
+              <a:extLst>
+                <a:ext uri="{FF2B5EF4-FFF2-40B4-BE49-F238E27FC236}">
+                  <a16:creationId xmlns:a16="http://schemas.microsoft.com/office/drawing/2014/main" id="{7483C2D4-78F5-40AA-BA26-8B34EB4C3555}"/>
+                </a:ext>
+              </a:extLst>
+            </p:cNvPr>
+            <p:cNvPicPr>
+              <a:picLocks noChangeAspect="1" noChangeArrowheads="1"/>
+            </p:cNvPicPr>
+            <p:nvPr/>
+          </p:nvPicPr>
+          <p:blipFill>
+            <a:blip r:embed="rId2">
+              <a:extLst>
+                <a:ext uri="{28A0092B-C50C-407E-A947-70E740481C1C}">
+                  <a14:useLocalDpi xmlns:a14="http://schemas.microsoft.com/office/drawing/2010/main" val="0"/>
+                </a:ext>
+              </a:extLst>
+            </a:blip>
+            <a:srcRect/>
+            <a:stretch>
+              <a:fillRect/>
+            </a:stretch>
+          </p:blipFill>
+          <p:spPr bwMode="auto">
             <a:xfrm>
-              <a:off x="1014484" y="5444319"/>
-              <a:ext cx="2379259" cy="0"/>
-            </a:xfrm>
-            <a:prstGeom prst="line">
-              <a:avLst/>
-            </a:prstGeom>
-            <a:ln w="127000">
-              <a:solidFill>
-                <a:schemeClr val="tx1"/>
-              </a:solidFill>
-            </a:ln>
-          </p:spPr>
-          <p:style>
-            <a:lnRef idx="1">
-              <a:schemeClr val="accent1"/>
-            </a:lnRef>
-            <a:fillRef idx="0">
-              <a:schemeClr val="accent1"/>
-            </a:fillRef>
-            <a:effectRef idx="0">
-              <a:schemeClr val="accent1"/>
-            </a:effectRef>
-            <a:fontRef idx="minor">
-              <a:schemeClr val="tx1"/>
-            </a:fontRef>
-          </p:style>
-        </p:cxnSp>
-      </p:grpSp>
-      <p:grpSp>
-        <p:nvGrpSpPr>
-          <p:cNvPr id="16" name="Group 15">
+              <a:off x="3687391" y="3427578"/>
+              <a:ext cx="4876800" cy="2343150"/>
+            </a:xfrm>
+            <a:prstGeom prst="rect">
+              <a:avLst/>
+            </a:prstGeom>
+            <a:noFill/>
             <a:extLst>
-              <a:ext uri="{FF2B5EF4-FFF2-40B4-BE49-F238E27FC236}">
-                <a16:creationId xmlns:a16="http://schemas.microsoft.com/office/drawing/2014/main" id="{6007D4C9-B93F-421F-B7FE-BA667D8C856C}"/>
+              <a:ext uri="{909E8E84-426E-40DD-AFC4-6F175D3DCCD1}">
+                <a14:hiddenFill xmlns:a14="http://schemas.microsoft.com/office/drawing/2010/main">
+                  <a:solidFill>
+                    <a:srgbClr val="FFFFFF"/>
+                  </a:solidFill>
+                </a14:hiddenFill>
               </a:ext>
             </a:extLst>
-          </p:cNvPr>
-          <p:cNvGrpSpPr/>
-          <p:nvPr/>
-        </p:nvGrpSpPr>
-        <p:grpSpPr>
-          <a:xfrm>
-            <a:off x="9583655" y="1685671"/>
-            <a:ext cx="1407553" cy="490183"/>
-            <a:chOff x="1014484" y="4954136"/>
-            <a:chExt cx="2379260" cy="490183"/>
-          </a:xfrm>
-        </p:grpSpPr>
+          </p:spPr>
+        </p:pic>
         <p:sp>
           <p:nvSpPr>
-            <p:cNvPr id="17" name="Rectangle 16">
-              <a:extLst>
-                <a:ext uri="{FF2B5EF4-FFF2-40B4-BE49-F238E27FC236}">
-                  <a16:creationId xmlns:a16="http://schemas.microsoft.com/office/drawing/2014/main" id="{8B6B0068-24A1-48D7-B49B-CA8D0B404EFC}"/>
+            <p:cNvPr id="8" name="Rectangle 7">
+              <a:extLst>
+                <a:ext uri="{FF2B5EF4-FFF2-40B4-BE49-F238E27FC236}">
+                  <a16:creationId xmlns:a16="http://schemas.microsoft.com/office/drawing/2014/main" id="{58AEE880-E5AC-4F96-9B27-B288EDE008D5}"/>
                 </a:ext>
               </a:extLst>
             </p:cNvPr>
@@ -3477,17 +3268,14 @@
           </p:nvSpPr>
           <p:spPr>
             <a:xfrm>
-              <a:off x="1014484" y="5017827"/>
-              <a:ext cx="2379260" cy="426492"/>
+              <a:off x="2195236" y="393510"/>
+              <a:ext cx="7806520" cy="623248"/>
             </a:xfrm>
             <a:prstGeom prst="rect">
               <a:avLst/>
             </a:prstGeom>
             <a:solidFill>
-              <a:schemeClr val="accent1">
-                <a:lumMod val="60000"/>
-                <a:lumOff val="40000"/>
-              </a:schemeClr>
+              <a:schemeClr val="bg1"/>
             </a:solidFill>
             <a:ln>
               <a:noFill/>
@@ -3518,199 +3306,433 @@
             </a:p>
           </p:txBody>
         </p:sp>
-        <p:cxnSp>
-          <p:nvCxnSpPr>
-            <p:cNvPr id="18" name="Straight Connector 17">
-              <a:extLst>
-                <a:ext uri="{FF2B5EF4-FFF2-40B4-BE49-F238E27FC236}">
-                  <a16:creationId xmlns:a16="http://schemas.microsoft.com/office/drawing/2014/main" id="{F13CD01E-5674-4882-BF9E-150EBFE16885}"/>
-                </a:ext>
-              </a:extLst>
-            </p:cNvPr>
-            <p:cNvCxnSpPr/>
-            <p:nvPr/>
-          </p:nvCxnSpPr>
+        <p:grpSp>
+          <p:nvGrpSpPr>
+            <p:cNvPr id="12" name="Group 11">
+              <a:extLst>
+                <a:ext uri="{FF2B5EF4-FFF2-40B4-BE49-F238E27FC236}">
+                  <a16:creationId xmlns:a16="http://schemas.microsoft.com/office/drawing/2014/main" id="{E6118EC0-98FD-406A-88BA-92F05C8A30AB}"/>
+                </a:ext>
+              </a:extLst>
+            </p:cNvPr>
+            <p:cNvGrpSpPr/>
+            <p:nvPr/>
+          </p:nvGrpSpPr>
+          <p:grpSpPr>
+            <a:xfrm>
+              <a:off x="1318796" y="5106536"/>
+              <a:ext cx="1346602" cy="490183"/>
+              <a:chOff x="1014484" y="4954136"/>
+              <a:chExt cx="2379260" cy="490183"/>
+            </a:xfrm>
+          </p:grpSpPr>
+          <p:sp>
+            <p:nvSpPr>
+              <p:cNvPr id="11" name="Rectangle 10">
+                <a:extLst>
+                  <a:ext uri="{FF2B5EF4-FFF2-40B4-BE49-F238E27FC236}">
+                    <a16:creationId xmlns:a16="http://schemas.microsoft.com/office/drawing/2014/main" id="{4920E8C8-588C-4B8C-91A3-6BB579D65D76}"/>
+                  </a:ext>
+                </a:extLst>
+              </p:cNvPr>
+              <p:cNvSpPr/>
+              <p:nvPr/>
+            </p:nvSpPr>
+            <p:spPr>
+              <a:xfrm>
+                <a:off x="1014484" y="5017827"/>
+                <a:ext cx="2379260" cy="426492"/>
+              </a:xfrm>
+              <a:prstGeom prst="rect">
+                <a:avLst/>
+              </a:prstGeom>
+              <a:solidFill>
+                <a:schemeClr val="accent1">
+                  <a:lumMod val="60000"/>
+                  <a:lumOff val="40000"/>
+                </a:schemeClr>
+              </a:solidFill>
+              <a:ln>
+                <a:noFill/>
+              </a:ln>
+            </p:spPr>
+            <p:style>
+              <a:lnRef idx="2">
+                <a:schemeClr val="accent1">
+                  <a:shade val="50000"/>
+                </a:schemeClr>
+              </a:lnRef>
+              <a:fillRef idx="1">
+                <a:schemeClr val="accent1"/>
+              </a:fillRef>
+              <a:effectRef idx="0">
+                <a:schemeClr val="accent1"/>
+              </a:effectRef>
+              <a:fontRef idx="minor">
+                <a:schemeClr val="lt1"/>
+              </a:fontRef>
+            </p:style>
+            <p:txBody>
+              <a:bodyPr rtlCol="0" anchor="ctr"/>
+              <a:lstStyle/>
+              <a:p>
+                <a:pPr algn="ctr"/>
+                <a:endParaRPr lang="en-CA"/>
+              </a:p>
+            </p:txBody>
+          </p:sp>
+          <p:cxnSp>
+            <p:nvCxnSpPr>
+              <p:cNvPr id="10" name="Straight Connector 9">
+                <a:extLst>
+                  <a:ext uri="{FF2B5EF4-FFF2-40B4-BE49-F238E27FC236}">
+                    <a16:creationId xmlns:a16="http://schemas.microsoft.com/office/drawing/2014/main" id="{D7F3C24B-DBFB-4A4E-A792-C4F144FBF837}"/>
+                  </a:ext>
+                </a:extLst>
+              </p:cNvPr>
+              <p:cNvCxnSpPr/>
+              <p:nvPr/>
+            </p:nvCxnSpPr>
+            <p:spPr>
+              <a:xfrm>
+                <a:off x="1014484" y="4954136"/>
+                <a:ext cx="2379259" cy="0"/>
+              </a:xfrm>
+              <a:prstGeom prst="line">
+                <a:avLst/>
+              </a:prstGeom>
+              <a:ln w="127000">
+                <a:solidFill>
+                  <a:schemeClr val="tx1"/>
+                </a:solidFill>
+              </a:ln>
+            </p:spPr>
+            <p:style>
+              <a:lnRef idx="1">
+                <a:schemeClr val="accent1"/>
+              </a:lnRef>
+              <a:fillRef idx="0">
+                <a:schemeClr val="accent1"/>
+              </a:fillRef>
+              <a:effectRef idx="0">
+                <a:schemeClr val="accent1"/>
+              </a:effectRef>
+              <a:fontRef idx="minor">
+                <a:schemeClr val="tx1"/>
+              </a:fontRef>
+            </p:style>
+          </p:cxnSp>
+          <p:cxnSp>
+            <p:nvCxnSpPr>
+              <p:cNvPr id="14" name="Straight Connector 13">
+                <a:extLst>
+                  <a:ext uri="{FF2B5EF4-FFF2-40B4-BE49-F238E27FC236}">
+                    <a16:creationId xmlns:a16="http://schemas.microsoft.com/office/drawing/2014/main" id="{46EC7DD7-93E1-4BE0-B35E-9CFD5092909C}"/>
+                  </a:ext>
+                </a:extLst>
+              </p:cNvPr>
+              <p:cNvCxnSpPr/>
+              <p:nvPr/>
+            </p:nvCxnSpPr>
+            <p:spPr>
+              <a:xfrm>
+                <a:off x="1014484" y="5444319"/>
+                <a:ext cx="2379259" cy="0"/>
+              </a:xfrm>
+              <a:prstGeom prst="line">
+                <a:avLst/>
+              </a:prstGeom>
+              <a:ln w="127000">
+                <a:solidFill>
+                  <a:schemeClr val="tx1"/>
+                </a:solidFill>
+              </a:ln>
+            </p:spPr>
+            <p:style>
+              <a:lnRef idx="1">
+                <a:schemeClr val="accent1"/>
+              </a:lnRef>
+              <a:fillRef idx="0">
+                <a:schemeClr val="accent1"/>
+              </a:fillRef>
+              <a:effectRef idx="0">
+                <a:schemeClr val="accent1"/>
+              </a:effectRef>
+              <a:fontRef idx="minor">
+                <a:schemeClr val="tx1"/>
+              </a:fontRef>
+            </p:style>
+          </p:cxnSp>
+        </p:grpSp>
+        <p:grpSp>
+          <p:nvGrpSpPr>
+            <p:cNvPr id="16" name="Group 15">
+              <a:extLst>
+                <a:ext uri="{FF2B5EF4-FFF2-40B4-BE49-F238E27FC236}">
+                  <a16:creationId xmlns:a16="http://schemas.microsoft.com/office/drawing/2014/main" id="{6007D4C9-B93F-421F-B7FE-BA667D8C856C}"/>
+                </a:ext>
+              </a:extLst>
+            </p:cNvPr>
+            <p:cNvGrpSpPr/>
+            <p:nvPr/>
+          </p:nvGrpSpPr>
+          <p:grpSpPr>
+            <a:xfrm>
+              <a:off x="9583655" y="1685671"/>
+              <a:ext cx="1407553" cy="490183"/>
+              <a:chOff x="1014484" y="4954136"/>
+              <a:chExt cx="2379260" cy="490183"/>
+            </a:xfrm>
+          </p:grpSpPr>
+          <p:sp>
+            <p:nvSpPr>
+              <p:cNvPr id="17" name="Rectangle 16">
+                <a:extLst>
+                  <a:ext uri="{FF2B5EF4-FFF2-40B4-BE49-F238E27FC236}">
+                    <a16:creationId xmlns:a16="http://schemas.microsoft.com/office/drawing/2014/main" id="{8B6B0068-24A1-48D7-B49B-CA8D0B404EFC}"/>
+                  </a:ext>
+                </a:extLst>
+              </p:cNvPr>
+              <p:cNvSpPr/>
+              <p:nvPr/>
+            </p:nvSpPr>
+            <p:spPr>
+              <a:xfrm>
+                <a:off x="1014484" y="5017827"/>
+                <a:ext cx="2379260" cy="426492"/>
+              </a:xfrm>
+              <a:prstGeom prst="rect">
+                <a:avLst/>
+              </a:prstGeom>
+              <a:solidFill>
+                <a:schemeClr val="accent1">
+                  <a:lumMod val="60000"/>
+                  <a:lumOff val="40000"/>
+                </a:schemeClr>
+              </a:solidFill>
+              <a:ln>
+                <a:noFill/>
+              </a:ln>
+            </p:spPr>
+            <p:style>
+              <a:lnRef idx="2">
+                <a:schemeClr val="accent1">
+                  <a:shade val="50000"/>
+                </a:schemeClr>
+              </a:lnRef>
+              <a:fillRef idx="1">
+                <a:schemeClr val="accent1"/>
+              </a:fillRef>
+              <a:effectRef idx="0">
+                <a:schemeClr val="accent1"/>
+              </a:effectRef>
+              <a:fontRef idx="minor">
+                <a:schemeClr val="lt1"/>
+              </a:fontRef>
+            </p:style>
+            <p:txBody>
+              <a:bodyPr rtlCol="0" anchor="ctr"/>
+              <a:lstStyle/>
+              <a:p>
+                <a:pPr algn="ctr"/>
+                <a:endParaRPr lang="en-CA"/>
+              </a:p>
+            </p:txBody>
+          </p:sp>
+          <p:cxnSp>
+            <p:nvCxnSpPr>
+              <p:cNvPr id="18" name="Straight Connector 17">
+                <a:extLst>
+                  <a:ext uri="{FF2B5EF4-FFF2-40B4-BE49-F238E27FC236}">
+                    <a16:creationId xmlns:a16="http://schemas.microsoft.com/office/drawing/2014/main" id="{F13CD01E-5674-4882-BF9E-150EBFE16885}"/>
+                  </a:ext>
+                </a:extLst>
+              </p:cNvPr>
+              <p:cNvCxnSpPr/>
+              <p:nvPr/>
+            </p:nvCxnSpPr>
+            <p:spPr>
+              <a:xfrm>
+                <a:off x="1014484" y="4954136"/>
+                <a:ext cx="2379259" cy="0"/>
+              </a:xfrm>
+              <a:prstGeom prst="line">
+                <a:avLst/>
+              </a:prstGeom>
+              <a:ln w="127000">
+                <a:solidFill>
+                  <a:schemeClr val="tx1"/>
+                </a:solidFill>
+              </a:ln>
+            </p:spPr>
+            <p:style>
+              <a:lnRef idx="1">
+                <a:schemeClr val="accent1"/>
+              </a:lnRef>
+              <a:fillRef idx="0">
+                <a:schemeClr val="accent1"/>
+              </a:fillRef>
+              <a:effectRef idx="0">
+                <a:schemeClr val="accent1"/>
+              </a:effectRef>
+              <a:fontRef idx="minor">
+                <a:schemeClr val="tx1"/>
+              </a:fontRef>
+            </p:style>
+          </p:cxnSp>
+          <p:cxnSp>
+            <p:nvCxnSpPr>
+              <p:cNvPr id="19" name="Straight Connector 18">
+                <a:extLst>
+                  <a:ext uri="{FF2B5EF4-FFF2-40B4-BE49-F238E27FC236}">
+                    <a16:creationId xmlns:a16="http://schemas.microsoft.com/office/drawing/2014/main" id="{B7424FCB-A2EF-449B-B950-0ABEF45E4B9A}"/>
+                  </a:ext>
+                </a:extLst>
+              </p:cNvPr>
+              <p:cNvCxnSpPr/>
+              <p:nvPr/>
+            </p:nvCxnSpPr>
+            <p:spPr>
+              <a:xfrm>
+                <a:off x="1014484" y="5444319"/>
+                <a:ext cx="2379259" cy="0"/>
+              </a:xfrm>
+              <a:prstGeom prst="line">
+                <a:avLst/>
+              </a:prstGeom>
+              <a:ln w="127000">
+                <a:solidFill>
+                  <a:schemeClr val="tx1"/>
+                </a:solidFill>
+              </a:ln>
+            </p:spPr>
+            <p:style>
+              <a:lnRef idx="1">
+                <a:schemeClr val="accent1"/>
+              </a:lnRef>
+              <a:fillRef idx="0">
+                <a:schemeClr val="accent1"/>
+              </a:fillRef>
+              <a:effectRef idx="0">
+                <a:schemeClr val="accent1"/>
+              </a:effectRef>
+              <a:fontRef idx="minor">
+                <a:schemeClr val="tx1"/>
+              </a:fontRef>
+            </p:style>
+          </p:cxnSp>
+        </p:grpSp>
+        <p:sp>
+          <p:nvSpPr>
+            <p:cNvPr id="21" name="Arrow: Right 20">
+              <a:extLst>
+                <a:ext uri="{FF2B5EF4-FFF2-40B4-BE49-F238E27FC236}">
+                  <a16:creationId xmlns:a16="http://schemas.microsoft.com/office/drawing/2014/main" id="{B0FDCFD4-63A2-41C7-945C-9C5451004F80}"/>
+                </a:ext>
+              </a:extLst>
+            </p:cNvPr>
+            <p:cNvSpPr/>
+            <p:nvPr/>
+          </p:nvSpPr>
           <p:spPr>
             <a:xfrm>
-              <a:off x="1014484" y="4954136"/>
-              <a:ext cx="2379259" cy="0"/>
-            </a:xfrm>
-            <a:prstGeom prst="line">
-              <a:avLst/>
-            </a:prstGeom>
-            <a:ln w="127000">
-              <a:solidFill>
-                <a:schemeClr val="tx1"/>
-              </a:solidFill>
+              <a:off x="11094289" y="1740090"/>
+              <a:ext cx="919616" cy="389526"/>
+            </a:xfrm>
+            <a:prstGeom prst="rightArrow">
+              <a:avLst>
+                <a:gd name="adj1" fmla="val 50000"/>
+                <a:gd name="adj2" fmla="val 85805"/>
+              </a:avLst>
+            </a:prstGeom>
+            <a:solidFill>
+              <a:schemeClr val="tx1"/>
+            </a:solidFill>
+            <a:ln>
+              <a:noFill/>
             </a:ln>
           </p:spPr>
           <p:style>
-            <a:lnRef idx="1">
-              <a:schemeClr val="accent1"/>
+            <a:lnRef idx="2">
+              <a:schemeClr val="accent1">
+                <a:shade val="50000"/>
+              </a:schemeClr>
             </a:lnRef>
-            <a:fillRef idx="0">
+            <a:fillRef idx="1">
               <a:schemeClr val="accent1"/>
             </a:fillRef>
             <a:effectRef idx="0">
               <a:schemeClr val="accent1"/>
             </a:effectRef>
             <a:fontRef idx="minor">
-              <a:schemeClr val="tx1"/>
+              <a:schemeClr val="lt1"/>
             </a:fontRef>
           </p:style>
-        </p:cxnSp>
-        <p:cxnSp>
-          <p:nvCxnSpPr>
-            <p:cNvPr id="19" name="Straight Connector 18">
-              <a:extLst>
-                <a:ext uri="{FF2B5EF4-FFF2-40B4-BE49-F238E27FC236}">
-                  <a16:creationId xmlns:a16="http://schemas.microsoft.com/office/drawing/2014/main" id="{B7424FCB-A2EF-449B-B950-0ABEF45E4B9A}"/>
-                </a:ext>
-              </a:extLst>
-            </p:cNvPr>
-            <p:cNvCxnSpPr/>
-            <p:nvPr/>
-          </p:nvCxnSpPr>
+          <p:txBody>
+            <a:bodyPr rtlCol="0" anchor="ctr"/>
+            <a:lstStyle/>
+            <a:p>
+              <a:pPr algn="ctr"/>
+              <a:endParaRPr lang="en-CA"/>
+            </a:p>
+          </p:txBody>
+        </p:sp>
+        <p:sp>
+          <p:nvSpPr>
+            <p:cNvPr id="22" name="Arrow: Right 21">
+              <a:extLst>
+                <a:ext uri="{FF2B5EF4-FFF2-40B4-BE49-F238E27FC236}">
+                  <a16:creationId xmlns:a16="http://schemas.microsoft.com/office/drawing/2014/main" id="{73D61C45-93A6-4BF3-8E81-EEFFAFEB497E}"/>
+                </a:ext>
+              </a:extLst>
+            </p:cNvPr>
+            <p:cNvSpPr/>
+            <p:nvPr/>
+          </p:nvSpPr>
           <p:spPr>
             <a:xfrm>
-              <a:off x="1014484" y="5444319"/>
-              <a:ext cx="2379259" cy="0"/>
-            </a:xfrm>
-            <a:prstGeom prst="line">
-              <a:avLst/>
-            </a:prstGeom>
-            <a:ln w="127000">
-              <a:solidFill>
-                <a:schemeClr val="tx1"/>
-              </a:solidFill>
+              <a:off x="340759" y="5170227"/>
+              <a:ext cx="919616" cy="389526"/>
+            </a:xfrm>
+            <a:prstGeom prst="rightArrow">
+              <a:avLst>
+                <a:gd name="adj1" fmla="val 50000"/>
+                <a:gd name="adj2" fmla="val 85805"/>
+              </a:avLst>
+            </a:prstGeom>
+            <a:solidFill>
+              <a:schemeClr val="tx1"/>
+            </a:solidFill>
+            <a:ln>
+              <a:noFill/>
             </a:ln>
           </p:spPr>
           <p:style>
-            <a:lnRef idx="1">
-              <a:schemeClr val="accent1"/>
+            <a:lnRef idx="2">
+              <a:schemeClr val="accent1">
+                <a:shade val="50000"/>
+              </a:schemeClr>
             </a:lnRef>
-            <a:fillRef idx="0">
+            <a:fillRef idx="1">
               <a:schemeClr val="accent1"/>
             </a:fillRef>
             <a:effectRef idx="0">
               <a:schemeClr val="accent1"/>
             </a:effectRef>
             <a:fontRef idx="minor">
-              <a:schemeClr val="tx1"/>
+              <a:schemeClr val="lt1"/>
             </a:fontRef>
           </p:style>
-        </p:cxnSp>
+          <p:txBody>
+            <a:bodyPr rtlCol="0" anchor="ctr"/>
+            <a:lstStyle/>
+            <a:p>
+              <a:pPr algn="ctr"/>
+              <a:endParaRPr lang="en-CA"/>
+            </a:p>
+          </p:txBody>
+        </p:sp>
       </p:grpSp>
-      <p:sp>
-        <p:nvSpPr>
-          <p:cNvPr id="21" name="Arrow: Right 20">
-            <a:extLst>
-              <a:ext uri="{FF2B5EF4-FFF2-40B4-BE49-F238E27FC236}">
-                <a16:creationId xmlns:a16="http://schemas.microsoft.com/office/drawing/2014/main" id="{B0FDCFD4-63A2-41C7-945C-9C5451004F80}"/>
-              </a:ext>
-            </a:extLst>
-          </p:cNvPr>
-          <p:cNvSpPr/>
-          <p:nvPr/>
-        </p:nvSpPr>
-        <p:spPr>
-          <a:xfrm>
-            <a:off x="11094289" y="1740090"/>
-            <a:ext cx="919616" cy="389526"/>
-          </a:xfrm>
-          <a:prstGeom prst="rightArrow">
-            <a:avLst>
-              <a:gd name="adj1" fmla="val 50000"/>
-              <a:gd name="adj2" fmla="val 85805"/>
-            </a:avLst>
-          </a:prstGeom>
-          <a:solidFill>
-            <a:schemeClr val="tx1"/>
-          </a:solidFill>
-          <a:ln>
-            <a:noFill/>
-          </a:ln>
-        </p:spPr>
-        <p:style>
-          <a:lnRef idx="2">
-            <a:schemeClr val="accent1">
-              <a:shade val="50000"/>
-            </a:schemeClr>
-          </a:lnRef>
-          <a:fillRef idx="1">
-            <a:schemeClr val="accent1"/>
-          </a:fillRef>
-          <a:effectRef idx="0">
-            <a:schemeClr val="accent1"/>
-          </a:effectRef>
-          <a:fontRef idx="minor">
-            <a:schemeClr val="lt1"/>
-          </a:fontRef>
-        </p:style>
-        <p:txBody>
-          <a:bodyPr rtlCol="0" anchor="ctr"/>
-          <a:lstStyle/>
-          <a:p>
-            <a:pPr algn="ctr"/>
-            <a:endParaRPr lang="en-CA"/>
-          </a:p>
-        </p:txBody>
-      </p:sp>
-      <p:sp>
-        <p:nvSpPr>
-          <p:cNvPr id="22" name="Arrow: Right 21">
-            <a:extLst>
-              <a:ext uri="{FF2B5EF4-FFF2-40B4-BE49-F238E27FC236}">
-                <a16:creationId xmlns:a16="http://schemas.microsoft.com/office/drawing/2014/main" id="{73D61C45-93A6-4BF3-8E81-EEFFAFEB497E}"/>
-              </a:ext>
-            </a:extLst>
-          </p:cNvPr>
-          <p:cNvSpPr/>
-          <p:nvPr/>
-        </p:nvSpPr>
-        <p:spPr>
-          <a:xfrm>
-            <a:off x="340759" y="5170227"/>
-            <a:ext cx="919616" cy="389526"/>
-          </a:xfrm>
-          <a:prstGeom prst="rightArrow">
-            <a:avLst>
-              <a:gd name="adj1" fmla="val 50000"/>
-              <a:gd name="adj2" fmla="val 85805"/>
-            </a:avLst>
-          </a:prstGeom>
-          <a:solidFill>
-            <a:schemeClr val="tx1"/>
-          </a:solidFill>
-          <a:ln>
-            <a:noFill/>
-          </a:ln>
-        </p:spPr>
-        <p:style>
-          <a:lnRef idx="2">
-            <a:schemeClr val="accent1">
-              <a:shade val="50000"/>
-            </a:schemeClr>
-          </a:lnRef>
-          <a:fillRef idx="1">
-            <a:schemeClr val="accent1"/>
-          </a:fillRef>
-          <a:effectRef idx="0">
-            <a:schemeClr val="accent1"/>
-          </a:effectRef>
-          <a:fontRef idx="minor">
-            <a:schemeClr val="lt1"/>
-          </a:fontRef>
-        </p:style>
-        <p:txBody>
-          <a:bodyPr rtlCol="0" anchor="ctr"/>
-          <a:lstStyle/>
-          <a:p>
-            <a:pPr algn="ctr"/>
-            <a:endParaRPr lang="en-CA"/>
-          </a:p>
-        </p:txBody>
-      </p:sp>
     </p:spTree>
     <p:extLst>
       <p:ext uri="{BB962C8B-B14F-4D97-AF65-F5344CB8AC3E}">
@@ -6012,6 +6034,2433 @@
 </file>
 
 <file path=ppt/slides/slide4.xml><?xml version="1.0" encoding="utf-8"?>
+<p:sld xmlns:a="http://schemas.openxmlformats.org/drawingml/2006/main" xmlns:r="http://schemas.openxmlformats.org/officeDocument/2006/relationships" xmlns:p="http://schemas.openxmlformats.org/presentationml/2006/main">
+  <p:cSld>
+    <p:bg>
+      <p:bgPr>
+        <a:solidFill>
+          <a:schemeClr val="bg1">
+            <a:alpha val="99000"/>
+          </a:schemeClr>
+        </a:solidFill>
+        <a:effectLst/>
+      </p:bgPr>
+    </p:bg>
+    <p:spTree>
+      <p:nvGrpSpPr>
+        <p:cNvPr id="1" name=""/>
+        <p:cNvGrpSpPr/>
+        <p:nvPr/>
+      </p:nvGrpSpPr>
+      <p:grpSpPr>
+        <a:xfrm>
+          <a:off x="0" y="0"/>
+          <a:ext cx="0" cy="0"/>
+          <a:chOff x="0" y="0"/>
+          <a:chExt cx="0" cy="0"/>
+        </a:xfrm>
+      </p:grpSpPr>
+      <p:grpSp>
+        <p:nvGrpSpPr>
+          <p:cNvPr id="67" name="Group 66">
+            <a:extLst>
+              <a:ext uri="{FF2B5EF4-FFF2-40B4-BE49-F238E27FC236}">
+                <a16:creationId xmlns:a16="http://schemas.microsoft.com/office/drawing/2014/main" id="{EF7AB298-4C22-47FF-A857-5A7006339D94}"/>
+              </a:ext>
+            </a:extLst>
+          </p:cNvPr>
+          <p:cNvGrpSpPr/>
+          <p:nvPr/>
+        </p:nvGrpSpPr>
+        <p:grpSpPr>
+          <a:xfrm>
+            <a:off x="2010252" y="1210259"/>
+            <a:ext cx="8171496" cy="3873490"/>
+            <a:chOff x="571805" y="2311005"/>
+            <a:chExt cx="8171496" cy="3873490"/>
+          </a:xfrm>
+        </p:grpSpPr>
+        <p:sp>
+          <p:nvSpPr>
+            <p:cNvPr id="3" name="Cube 2">
+              <a:extLst>
+                <a:ext uri="{FF2B5EF4-FFF2-40B4-BE49-F238E27FC236}">
+                  <a16:creationId xmlns:a16="http://schemas.microsoft.com/office/drawing/2014/main" id="{1C09283F-590D-49BE-AE69-130C75D91005}"/>
+                </a:ext>
+              </a:extLst>
+            </p:cNvPr>
+            <p:cNvSpPr/>
+            <p:nvPr/>
+          </p:nvSpPr>
+          <p:spPr>
+            <a:xfrm>
+              <a:off x="1508913" y="3000260"/>
+              <a:ext cx="3763764" cy="3184235"/>
+            </a:xfrm>
+            <a:prstGeom prst="cube">
+              <a:avLst>
+                <a:gd name="adj" fmla="val 30549"/>
+              </a:avLst>
+            </a:prstGeom>
+            <a:solidFill>
+              <a:schemeClr val="accent1">
+                <a:alpha val="61000"/>
+              </a:schemeClr>
+            </a:solidFill>
+          </p:spPr>
+          <p:style>
+            <a:lnRef idx="2">
+              <a:schemeClr val="accent1">
+                <a:shade val="50000"/>
+              </a:schemeClr>
+            </a:lnRef>
+            <a:fillRef idx="1">
+              <a:schemeClr val="accent1"/>
+            </a:fillRef>
+            <a:effectRef idx="0">
+              <a:schemeClr val="accent1"/>
+            </a:effectRef>
+            <a:fontRef idx="minor">
+              <a:schemeClr val="lt1"/>
+            </a:fontRef>
+          </p:style>
+          <p:txBody>
+            <a:bodyPr rtlCol="0" anchor="ctr"/>
+            <a:lstStyle/>
+            <a:p>
+              <a:pPr algn="ctr"/>
+              <a:endParaRPr lang="en-CA"/>
+            </a:p>
+          </p:txBody>
+        </p:sp>
+        <p:pic>
+          <p:nvPicPr>
+            <p:cNvPr id="2060" name="Picture 12" descr="Related image">
+              <a:extLst>
+                <a:ext uri="{FF2B5EF4-FFF2-40B4-BE49-F238E27FC236}">
+                  <a16:creationId xmlns:a16="http://schemas.microsoft.com/office/drawing/2014/main" id="{302A4AF2-F083-4268-8ED4-AF345C09FA11}"/>
+                </a:ext>
+              </a:extLst>
+            </p:cNvPr>
+            <p:cNvPicPr>
+              <a:picLocks noChangeAspect="1" noChangeArrowheads="1"/>
+            </p:cNvPicPr>
+            <p:nvPr/>
+          </p:nvPicPr>
+          <p:blipFill>
+            <a:blip r:embed="rId2" cstate="print">
+              <a:extLst>
+                <a:ext uri="{28A0092B-C50C-407E-A947-70E740481C1C}">
+                  <a14:useLocalDpi xmlns:a14="http://schemas.microsoft.com/office/drawing/2010/main" val="0"/>
+                </a:ext>
+              </a:extLst>
+            </a:blip>
+            <a:srcRect/>
+            <a:stretch>
+              <a:fillRect/>
+            </a:stretch>
+          </p:blipFill>
+          <p:spPr bwMode="auto">
+            <a:xfrm>
+              <a:off x="1508913" y="4924678"/>
+              <a:ext cx="833613" cy="730329"/>
+            </a:xfrm>
+            <a:prstGeom prst="rect">
+              <a:avLst/>
+            </a:prstGeom>
+            <a:noFill/>
+            <a:extLst>
+              <a:ext uri="{909E8E84-426E-40DD-AFC4-6F175D3DCCD1}">
+                <a14:hiddenFill xmlns:a14="http://schemas.microsoft.com/office/drawing/2010/main">
+                  <a:solidFill>
+                    <a:srgbClr val="FFFFFF"/>
+                  </a:solidFill>
+                </a14:hiddenFill>
+              </a:ext>
+            </a:extLst>
+          </p:spPr>
+        </p:pic>
+        <p:pic>
+          <p:nvPicPr>
+            <p:cNvPr id="10" name="Picture 12" descr="Related image">
+              <a:extLst>
+                <a:ext uri="{FF2B5EF4-FFF2-40B4-BE49-F238E27FC236}">
+                  <a16:creationId xmlns:a16="http://schemas.microsoft.com/office/drawing/2014/main" id="{6A39BB93-4795-4936-9361-4641EE2D2AD0}"/>
+                </a:ext>
+              </a:extLst>
+            </p:cNvPr>
+            <p:cNvPicPr>
+              <a:picLocks noChangeAspect="1" noChangeArrowheads="1"/>
+            </p:cNvPicPr>
+            <p:nvPr/>
+          </p:nvPicPr>
+          <p:blipFill>
+            <a:blip r:embed="rId3" cstate="print">
+              <a:extLst>
+                <a:ext uri="{28A0092B-C50C-407E-A947-70E740481C1C}">
+                  <a14:useLocalDpi xmlns:a14="http://schemas.microsoft.com/office/drawing/2010/main" val="0"/>
+                </a:ext>
+              </a:extLst>
+            </a:blip>
+            <a:srcRect/>
+            <a:stretch>
+              <a:fillRect/>
+            </a:stretch>
+          </p:blipFill>
+          <p:spPr bwMode="auto">
+            <a:xfrm rot="19177327">
+              <a:off x="2586128" y="4783223"/>
+              <a:ext cx="509992" cy="446804"/>
+            </a:xfrm>
+            <a:prstGeom prst="rect">
+              <a:avLst/>
+            </a:prstGeom>
+            <a:noFill/>
+            <a:extLst>
+              <a:ext uri="{909E8E84-426E-40DD-AFC4-6F175D3DCCD1}">
+                <a14:hiddenFill xmlns:a14="http://schemas.microsoft.com/office/drawing/2010/main">
+                  <a:solidFill>
+                    <a:srgbClr val="FFFFFF"/>
+                  </a:solidFill>
+                </a14:hiddenFill>
+              </a:ext>
+            </a:extLst>
+          </p:spPr>
+        </p:pic>
+        <p:pic>
+          <p:nvPicPr>
+            <p:cNvPr id="11" name="Picture 12" descr="Related image">
+              <a:extLst>
+                <a:ext uri="{FF2B5EF4-FFF2-40B4-BE49-F238E27FC236}">
+                  <a16:creationId xmlns:a16="http://schemas.microsoft.com/office/drawing/2014/main" id="{99474A50-D043-405C-BD9E-A07E3C48EB8C}"/>
+                </a:ext>
+              </a:extLst>
+            </p:cNvPr>
+            <p:cNvPicPr>
+              <a:picLocks noChangeAspect="1" noChangeArrowheads="1"/>
+            </p:cNvPicPr>
+            <p:nvPr/>
+          </p:nvPicPr>
+          <p:blipFill>
+            <a:blip r:embed="rId2" cstate="print">
+              <a:extLst>
+                <a:ext uri="{28A0092B-C50C-407E-A947-70E740481C1C}">
+                  <a14:useLocalDpi xmlns:a14="http://schemas.microsoft.com/office/drawing/2010/main" val="0"/>
+                </a:ext>
+              </a:extLst>
+            </a:blip>
+            <a:srcRect/>
+            <a:stretch>
+              <a:fillRect/>
+            </a:stretch>
+          </p:blipFill>
+          <p:spPr bwMode="auto">
+            <a:xfrm rot="4367174">
+              <a:off x="4407991" y="4175571"/>
+              <a:ext cx="730329" cy="833613"/>
+            </a:xfrm>
+            <a:prstGeom prst="rect">
+              <a:avLst/>
+            </a:prstGeom>
+            <a:noFill/>
+            <a:extLst>
+              <a:ext uri="{909E8E84-426E-40DD-AFC4-6F175D3DCCD1}">
+                <a14:hiddenFill xmlns:a14="http://schemas.microsoft.com/office/drawing/2010/main">
+                  <a:solidFill>
+                    <a:srgbClr val="FFFFFF"/>
+                  </a:solidFill>
+                </a14:hiddenFill>
+              </a:ext>
+            </a:extLst>
+          </p:spPr>
+        </p:pic>
+        <p:pic>
+          <p:nvPicPr>
+            <p:cNvPr id="12" name="Picture 12" descr="Related image">
+              <a:extLst>
+                <a:ext uri="{FF2B5EF4-FFF2-40B4-BE49-F238E27FC236}">
+                  <a16:creationId xmlns:a16="http://schemas.microsoft.com/office/drawing/2014/main" id="{8D8A3851-7ED5-48BD-86DB-F18C587D48FD}"/>
+                </a:ext>
+              </a:extLst>
+            </p:cNvPr>
+            <p:cNvPicPr>
+              <a:picLocks noChangeAspect="1" noChangeArrowheads="1"/>
+            </p:cNvPicPr>
+            <p:nvPr/>
+          </p:nvPicPr>
+          <p:blipFill>
+            <a:blip r:embed="rId2" cstate="print">
+              <a:extLst>
+                <a:ext uri="{28A0092B-C50C-407E-A947-70E740481C1C}">
+                  <a14:useLocalDpi xmlns:a14="http://schemas.microsoft.com/office/drawing/2010/main" val="0"/>
+                </a:ext>
+              </a:extLst>
+            </a:blip>
+            <a:srcRect/>
+            <a:stretch>
+              <a:fillRect/>
+            </a:stretch>
+          </p:blipFill>
+          <p:spPr bwMode="auto">
+            <a:xfrm rot="17548155">
+              <a:off x="3281176" y="3025303"/>
+              <a:ext cx="730329" cy="833613"/>
+            </a:xfrm>
+            <a:prstGeom prst="rect">
+              <a:avLst/>
+            </a:prstGeom>
+            <a:noFill/>
+            <a:extLst>
+              <a:ext uri="{909E8E84-426E-40DD-AFC4-6F175D3DCCD1}">
+                <a14:hiddenFill xmlns:a14="http://schemas.microsoft.com/office/drawing/2010/main">
+                  <a:solidFill>
+                    <a:srgbClr val="FFFFFF"/>
+                  </a:solidFill>
+                </a14:hiddenFill>
+              </a:ext>
+            </a:extLst>
+          </p:spPr>
+        </p:pic>
+        <p:pic>
+          <p:nvPicPr>
+            <p:cNvPr id="13" name="Picture 12" descr="Related image">
+              <a:extLst>
+                <a:ext uri="{FF2B5EF4-FFF2-40B4-BE49-F238E27FC236}">
+                  <a16:creationId xmlns:a16="http://schemas.microsoft.com/office/drawing/2014/main" id="{DD9BFF45-0944-4047-8F92-6DDF216C631D}"/>
+                </a:ext>
+              </a:extLst>
+            </p:cNvPr>
+            <p:cNvPicPr>
+              <a:picLocks noChangeAspect="1" noChangeArrowheads="1"/>
+            </p:cNvPicPr>
+            <p:nvPr/>
+          </p:nvPicPr>
+          <p:blipFill>
+            <a:blip r:embed="rId3" cstate="print">
+              <a:extLst>
+                <a:ext uri="{28A0092B-C50C-407E-A947-70E740481C1C}">
+                  <a14:useLocalDpi xmlns:a14="http://schemas.microsoft.com/office/drawing/2010/main" val="0"/>
+                </a:ext>
+              </a:extLst>
+            </a:blip>
+            <a:srcRect/>
+            <a:stretch>
+              <a:fillRect/>
+            </a:stretch>
+          </p:blipFill>
+          <p:spPr bwMode="auto">
+            <a:xfrm rot="333141">
+              <a:off x="3471124" y="4567169"/>
+              <a:ext cx="509992" cy="446804"/>
+            </a:xfrm>
+            <a:prstGeom prst="rect">
+              <a:avLst/>
+            </a:prstGeom>
+            <a:noFill/>
+            <a:extLst>
+              <a:ext uri="{909E8E84-426E-40DD-AFC4-6F175D3DCCD1}">
+                <a14:hiddenFill xmlns:a14="http://schemas.microsoft.com/office/drawing/2010/main">
+                  <a:solidFill>
+                    <a:srgbClr val="FFFFFF"/>
+                  </a:solidFill>
+                </a14:hiddenFill>
+              </a:ext>
+            </a:extLst>
+          </p:spPr>
+        </p:pic>
+        <p:pic>
+          <p:nvPicPr>
+            <p:cNvPr id="14" name="Picture 13" descr="Related image">
+              <a:extLst>
+                <a:ext uri="{FF2B5EF4-FFF2-40B4-BE49-F238E27FC236}">
+                  <a16:creationId xmlns:a16="http://schemas.microsoft.com/office/drawing/2014/main" id="{9EAA4F63-4B9D-4704-98B1-5523B1E7B54F}"/>
+                </a:ext>
+              </a:extLst>
+            </p:cNvPr>
+            <p:cNvPicPr>
+              <a:picLocks noChangeAspect="1" noChangeArrowheads="1"/>
+            </p:cNvPicPr>
+            <p:nvPr/>
+          </p:nvPicPr>
+          <p:blipFill>
+            <a:blip r:embed="rId3" cstate="print">
+              <a:extLst>
+                <a:ext uri="{28A0092B-C50C-407E-A947-70E740481C1C}">
+                  <a14:useLocalDpi xmlns:a14="http://schemas.microsoft.com/office/drawing/2010/main" val="0"/>
+                </a:ext>
+              </a:extLst>
+            </a:blip>
+            <a:srcRect/>
+            <a:stretch>
+              <a:fillRect/>
+            </a:stretch>
+          </p:blipFill>
+          <p:spPr bwMode="auto">
+            <a:xfrm rot="333141">
+              <a:off x="2184557" y="3419944"/>
+              <a:ext cx="509992" cy="446804"/>
+            </a:xfrm>
+            <a:prstGeom prst="rect">
+              <a:avLst/>
+            </a:prstGeom>
+            <a:noFill/>
+            <a:extLst>
+              <a:ext uri="{909E8E84-426E-40DD-AFC4-6F175D3DCCD1}">
+                <a14:hiddenFill xmlns:a14="http://schemas.microsoft.com/office/drawing/2010/main">
+                  <a:solidFill>
+                    <a:srgbClr val="FFFFFF"/>
+                  </a:solidFill>
+                </a14:hiddenFill>
+              </a:ext>
+            </a:extLst>
+          </p:spPr>
+        </p:pic>
+        <p:pic>
+          <p:nvPicPr>
+            <p:cNvPr id="15" name="Picture 14" descr="Related image">
+              <a:extLst>
+                <a:ext uri="{FF2B5EF4-FFF2-40B4-BE49-F238E27FC236}">
+                  <a16:creationId xmlns:a16="http://schemas.microsoft.com/office/drawing/2014/main" id="{BE4AD9C2-18FC-4E90-8C8E-0DD6341EDB48}"/>
+                </a:ext>
+              </a:extLst>
+            </p:cNvPr>
+            <p:cNvPicPr>
+              <a:picLocks noChangeAspect="1" noChangeArrowheads="1"/>
+            </p:cNvPicPr>
+            <p:nvPr/>
+          </p:nvPicPr>
+          <p:blipFill>
+            <a:blip r:embed="rId3" cstate="print">
+              <a:extLst>
+                <a:ext uri="{28A0092B-C50C-407E-A947-70E740481C1C}">
+                  <a14:useLocalDpi xmlns:a14="http://schemas.microsoft.com/office/drawing/2010/main" val="0"/>
+                </a:ext>
+              </a:extLst>
+            </a:blip>
+            <a:srcRect/>
+            <a:stretch>
+              <a:fillRect/>
+            </a:stretch>
+          </p:blipFill>
+          <p:spPr bwMode="auto">
+            <a:xfrm rot="8610815">
+              <a:off x="4292451" y="3054160"/>
+              <a:ext cx="509992" cy="446804"/>
+            </a:xfrm>
+            <a:prstGeom prst="rect">
+              <a:avLst/>
+            </a:prstGeom>
+            <a:noFill/>
+            <a:extLst>
+              <a:ext uri="{909E8E84-426E-40DD-AFC4-6F175D3DCCD1}">
+                <a14:hiddenFill xmlns:a14="http://schemas.microsoft.com/office/drawing/2010/main">
+                  <a:solidFill>
+                    <a:srgbClr val="FFFFFF"/>
+                  </a:solidFill>
+                </a14:hiddenFill>
+              </a:ext>
+            </a:extLst>
+          </p:spPr>
+        </p:pic>
+        <p:pic>
+          <p:nvPicPr>
+            <p:cNvPr id="16" name="Picture 15" descr="Related image">
+              <a:extLst>
+                <a:ext uri="{FF2B5EF4-FFF2-40B4-BE49-F238E27FC236}">
+                  <a16:creationId xmlns:a16="http://schemas.microsoft.com/office/drawing/2014/main" id="{292AB7EC-1428-4955-B5D3-958806167969}"/>
+                </a:ext>
+              </a:extLst>
+            </p:cNvPr>
+            <p:cNvPicPr>
+              <a:picLocks noChangeAspect="1" noChangeArrowheads="1"/>
+            </p:cNvPicPr>
+            <p:nvPr/>
+          </p:nvPicPr>
+          <p:blipFill>
+            <a:blip r:embed="rId3" cstate="print">
+              <a:extLst>
+                <a:ext uri="{28A0092B-C50C-407E-A947-70E740481C1C}">
+                  <a14:useLocalDpi xmlns:a14="http://schemas.microsoft.com/office/drawing/2010/main" val="0"/>
+                </a:ext>
+              </a:extLst>
+            </a:blip>
+            <a:srcRect/>
+            <a:stretch>
+              <a:fillRect/>
+            </a:stretch>
+          </p:blipFill>
+          <p:spPr bwMode="auto">
+            <a:xfrm rot="8610815">
+              <a:off x="2184557" y="5600924"/>
+              <a:ext cx="509992" cy="446804"/>
+            </a:xfrm>
+            <a:prstGeom prst="rect">
+              <a:avLst/>
+            </a:prstGeom>
+            <a:noFill/>
+            <a:extLst>
+              <a:ext uri="{909E8E84-426E-40DD-AFC4-6F175D3DCCD1}">
+                <a14:hiddenFill xmlns:a14="http://schemas.microsoft.com/office/drawing/2010/main">
+                  <a:solidFill>
+                    <a:srgbClr val="FFFFFF"/>
+                  </a:solidFill>
+                </a14:hiddenFill>
+              </a:ext>
+            </a:extLst>
+          </p:spPr>
+        </p:pic>
+        <p:pic>
+          <p:nvPicPr>
+            <p:cNvPr id="17" name="Picture 16" descr="Related image">
+              <a:extLst>
+                <a:ext uri="{FF2B5EF4-FFF2-40B4-BE49-F238E27FC236}">
+                  <a16:creationId xmlns:a16="http://schemas.microsoft.com/office/drawing/2014/main" id="{E2BEC0CB-545E-444C-B8C2-6BB43275177A}"/>
+                </a:ext>
+              </a:extLst>
+            </p:cNvPr>
+            <p:cNvPicPr>
+              <a:picLocks noChangeAspect="1" noChangeArrowheads="1"/>
+            </p:cNvPicPr>
+            <p:nvPr/>
+          </p:nvPicPr>
+          <p:blipFill>
+            <a:blip r:embed="rId4" cstate="print">
+              <a:extLst>
+                <a:ext uri="{28A0092B-C50C-407E-A947-70E740481C1C}">
+                  <a14:useLocalDpi xmlns:a14="http://schemas.microsoft.com/office/drawing/2010/main" val="0"/>
+                </a:ext>
+              </a:extLst>
+            </a:blip>
+            <a:srcRect/>
+            <a:stretch>
+              <a:fillRect/>
+            </a:stretch>
+          </p:blipFill>
+          <p:spPr bwMode="auto">
+            <a:xfrm rot="8610815">
+              <a:off x="1698792" y="4182994"/>
+              <a:ext cx="348968" cy="305731"/>
+            </a:xfrm>
+            <a:prstGeom prst="rect">
+              <a:avLst/>
+            </a:prstGeom>
+            <a:noFill/>
+            <a:extLst>
+              <a:ext uri="{909E8E84-426E-40DD-AFC4-6F175D3DCCD1}">
+                <a14:hiddenFill xmlns:a14="http://schemas.microsoft.com/office/drawing/2010/main">
+                  <a:solidFill>
+                    <a:srgbClr val="FFFFFF"/>
+                  </a:solidFill>
+                </a14:hiddenFill>
+              </a:ext>
+            </a:extLst>
+          </p:spPr>
+        </p:pic>
+        <p:pic>
+          <p:nvPicPr>
+            <p:cNvPr id="18" name="Picture 17" descr="Related image">
+              <a:extLst>
+                <a:ext uri="{FF2B5EF4-FFF2-40B4-BE49-F238E27FC236}">
+                  <a16:creationId xmlns:a16="http://schemas.microsoft.com/office/drawing/2014/main" id="{50FF4AFA-3811-42BB-9E18-5ADC1112B4AA}"/>
+                </a:ext>
+              </a:extLst>
+            </p:cNvPr>
+            <p:cNvPicPr>
+              <a:picLocks noChangeAspect="1" noChangeArrowheads="1"/>
+            </p:cNvPicPr>
+            <p:nvPr/>
+          </p:nvPicPr>
+          <p:blipFill>
+            <a:blip r:embed="rId3" cstate="print">
+              <a:extLst>
+                <a:ext uri="{28A0092B-C50C-407E-A947-70E740481C1C}">
+                  <a14:useLocalDpi xmlns:a14="http://schemas.microsoft.com/office/drawing/2010/main" val="0"/>
+                </a:ext>
+              </a:extLst>
+            </a:blip>
+            <a:srcRect/>
+            <a:stretch>
+              <a:fillRect/>
+            </a:stretch>
+          </p:blipFill>
+          <p:spPr bwMode="auto">
+            <a:xfrm rot="333141">
+              <a:off x="4700009" y="3639360"/>
+              <a:ext cx="509992" cy="446804"/>
+            </a:xfrm>
+            <a:prstGeom prst="rect">
+              <a:avLst/>
+            </a:prstGeom>
+            <a:noFill/>
+            <a:extLst>
+              <a:ext uri="{909E8E84-426E-40DD-AFC4-6F175D3DCCD1}">
+                <a14:hiddenFill xmlns:a14="http://schemas.microsoft.com/office/drawing/2010/main">
+                  <a:solidFill>
+                    <a:srgbClr val="FFFFFF"/>
+                  </a:solidFill>
+                </a14:hiddenFill>
+              </a:ext>
+            </a:extLst>
+          </p:spPr>
+        </p:pic>
+        <p:pic>
+          <p:nvPicPr>
+            <p:cNvPr id="19" name="Picture 18" descr="Related image">
+              <a:extLst>
+                <a:ext uri="{FF2B5EF4-FFF2-40B4-BE49-F238E27FC236}">
+                  <a16:creationId xmlns:a16="http://schemas.microsoft.com/office/drawing/2014/main" id="{8A15FF2E-D39F-47AD-8D9D-9B45DBD04DEE}"/>
+                </a:ext>
+              </a:extLst>
+            </p:cNvPr>
+            <p:cNvPicPr>
+              <a:picLocks noChangeAspect="1" noChangeArrowheads="1"/>
+            </p:cNvPicPr>
+            <p:nvPr/>
+          </p:nvPicPr>
+          <p:blipFill>
+            <a:blip r:embed="rId3" cstate="print">
+              <a:extLst>
+                <a:ext uri="{28A0092B-C50C-407E-A947-70E740481C1C}">
+                  <a14:useLocalDpi xmlns:a14="http://schemas.microsoft.com/office/drawing/2010/main" val="0"/>
+                </a:ext>
+              </a:extLst>
+            </a:blip>
+            <a:srcRect/>
+            <a:stretch>
+              <a:fillRect/>
+            </a:stretch>
+          </p:blipFill>
+          <p:spPr bwMode="auto">
+            <a:xfrm rot="10800000">
+              <a:off x="4166541" y="5170069"/>
+              <a:ext cx="509992" cy="446804"/>
+            </a:xfrm>
+            <a:prstGeom prst="rect">
+              <a:avLst/>
+            </a:prstGeom>
+            <a:noFill/>
+            <a:extLst>
+              <a:ext uri="{909E8E84-426E-40DD-AFC4-6F175D3DCCD1}">
+                <a14:hiddenFill xmlns:a14="http://schemas.microsoft.com/office/drawing/2010/main">
+                  <a:solidFill>
+                    <a:srgbClr val="FFFFFF"/>
+                  </a:solidFill>
+                </a14:hiddenFill>
+              </a:ext>
+            </a:extLst>
+          </p:spPr>
+        </p:pic>
+        <p:sp>
+          <p:nvSpPr>
+            <p:cNvPr id="7" name="Oval 6">
+              <a:extLst>
+                <a:ext uri="{FF2B5EF4-FFF2-40B4-BE49-F238E27FC236}">
+                  <a16:creationId xmlns:a16="http://schemas.microsoft.com/office/drawing/2014/main" id="{FA42E890-6281-4519-B401-6DB00FB987C3}"/>
+                </a:ext>
+              </a:extLst>
+            </p:cNvPr>
+            <p:cNvSpPr/>
+            <p:nvPr/>
+          </p:nvSpPr>
+          <p:spPr>
+            <a:xfrm>
+              <a:off x="2718025" y="3230314"/>
+              <a:ext cx="78174" cy="69382"/>
+            </a:xfrm>
+            <a:prstGeom prst="ellipse">
+              <a:avLst/>
+            </a:prstGeom>
+            <a:solidFill>
+              <a:schemeClr val="accent6">
+                <a:lumMod val="40000"/>
+                <a:lumOff val="60000"/>
+              </a:schemeClr>
+            </a:solidFill>
+            <a:ln>
+              <a:solidFill>
+                <a:schemeClr val="accent6">
+                  <a:lumMod val="75000"/>
+                </a:schemeClr>
+              </a:solidFill>
+            </a:ln>
+          </p:spPr>
+          <p:style>
+            <a:lnRef idx="2">
+              <a:schemeClr val="accent1">
+                <a:shade val="50000"/>
+              </a:schemeClr>
+            </a:lnRef>
+            <a:fillRef idx="1">
+              <a:schemeClr val="accent1"/>
+            </a:fillRef>
+            <a:effectRef idx="0">
+              <a:schemeClr val="accent1"/>
+            </a:effectRef>
+            <a:fontRef idx="minor">
+              <a:schemeClr val="lt1"/>
+            </a:fontRef>
+          </p:style>
+          <p:txBody>
+            <a:bodyPr rtlCol="0" anchor="ctr"/>
+            <a:lstStyle/>
+            <a:p>
+              <a:pPr algn="ctr"/>
+              <a:endParaRPr lang="en-CA"/>
+            </a:p>
+          </p:txBody>
+        </p:sp>
+        <p:sp>
+          <p:nvSpPr>
+            <p:cNvPr id="21" name="Oval 20">
+              <a:extLst>
+                <a:ext uri="{FF2B5EF4-FFF2-40B4-BE49-F238E27FC236}">
+                  <a16:creationId xmlns:a16="http://schemas.microsoft.com/office/drawing/2014/main" id="{F2D988E9-4D7A-49E8-927A-D349BD4DC81F}"/>
+                </a:ext>
+              </a:extLst>
+            </p:cNvPr>
+            <p:cNvSpPr/>
+            <p:nvPr/>
+          </p:nvSpPr>
+          <p:spPr>
+            <a:xfrm>
+              <a:off x="3138442" y="3693194"/>
+              <a:ext cx="78174" cy="69382"/>
+            </a:xfrm>
+            <a:prstGeom prst="ellipse">
+              <a:avLst/>
+            </a:prstGeom>
+            <a:solidFill>
+              <a:schemeClr val="accent6">
+                <a:lumMod val="40000"/>
+                <a:lumOff val="60000"/>
+              </a:schemeClr>
+            </a:solidFill>
+            <a:ln>
+              <a:solidFill>
+                <a:schemeClr val="accent6">
+                  <a:lumMod val="75000"/>
+                </a:schemeClr>
+              </a:solidFill>
+            </a:ln>
+          </p:spPr>
+          <p:style>
+            <a:lnRef idx="2">
+              <a:schemeClr val="accent1">
+                <a:shade val="50000"/>
+              </a:schemeClr>
+            </a:lnRef>
+            <a:fillRef idx="1">
+              <a:schemeClr val="accent1"/>
+            </a:fillRef>
+            <a:effectRef idx="0">
+              <a:schemeClr val="accent1"/>
+            </a:effectRef>
+            <a:fontRef idx="minor">
+              <a:schemeClr val="lt1"/>
+            </a:fontRef>
+          </p:style>
+          <p:txBody>
+            <a:bodyPr rtlCol="0" anchor="ctr"/>
+            <a:lstStyle/>
+            <a:p>
+              <a:pPr algn="ctr"/>
+              <a:endParaRPr lang="en-CA"/>
+            </a:p>
+          </p:txBody>
+        </p:sp>
+        <p:sp>
+          <p:nvSpPr>
+            <p:cNvPr id="22" name="Oval 21">
+              <a:extLst>
+                <a:ext uri="{FF2B5EF4-FFF2-40B4-BE49-F238E27FC236}">
+                  <a16:creationId xmlns:a16="http://schemas.microsoft.com/office/drawing/2014/main" id="{787DCE06-3CF6-482D-97E2-5C3DF96D7160}"/>
+                </a:ext>
+              </a:extLst>
+            </p:cNvPr>
+            <p:cNvSpPr/>
+            <p:nvPr/>
+          </p:nvSpPr>
+          <p:spPr>
+            <a:xfrm>
+              <a:off x="3926418" y="3573965"/>
+              <a:ext cx="78174" cy="69382"/>
+            </a:xfrm>
+            <a:prstGeom prst="ellipse">
+              <a:avLst/>
+            </a:prstGeom>
+            <a:solidFill>
+              <a:schemeClr val="accent6">
+                <a:lumMod val="40000"/>
+                <a:lumOff val="60000"/>
+              </a:schemeClr>
+            </a:solidFill>
+            <a:ln>
+              <a:solidFill>
+                <a:schemeClr val="accent6">
+                  <a:lumMod val="75000"/>
+                </a:schemeClr>
+              </a:solidFill>
+            </a:ln>
+          </p:spPr>
+          <p:style>
+            <a:lnRef idx="2">
+              <a:schemeClr val="accent1">
+                <a:shade val="50000"/>
+              </a:schemeClr>
+            </a:lnRef>
+            <a:fillRef idx="1">
+              <a:schemeClr val="accent1"/>
+            </a:fillRef>
+            <a:effectRef idx="0">
+              <a:schemeClr val="accent1"/>
+            </a:effectRef>
+            <a:fontRef idx="minor">
+              <a:schemeClr val="lt1"/>
+            </a:fontRef>
+          </p:style>
+          <p:txBody>
+            <a:bodyPr rtlCol="0" anchor="ctr"/>
+            <a:lstStyle/>
+            <a:p>
+              <a:pPr algn="ctr"/>
+              <a:endParaRPr lang="en-CA"/>
+            </a:p>
+          </p:txBody>
+        </p:sp>
+        <p:sp>
+          <p:nvSpPr>
+            <p:cNvPr id="23" name="Oval 22">
+              <a:extLst>
+                <a:ext uri="{FF2B5EF4-FFF2-40B4-BE49-F238E27FC236}">
+                  <a16:creationId xmlns:a16="http://schemas.microsoft.com/office/drawing/2014/main" id="{8B21E73B-780D-4FE6-B8AC-2BCEF3C34551}"/>
+                </a:ext>
+              </a:extLst>
+            </p:cNvPr>
+            <p:cNvSpPr/>
+            <p:nvPr/>
+          </p:nvSpPr>
+          <p:spPr>
+            <a:xfrm>
+              <a:off x="3438426" y="3122898"/>
+              <a:ext cx="78174" cy="69382"/>
+            </a:xfrm>
+            <a:prstGeom prst="ellipse">
+              <a:avLst/>
+            </a:prstGeom>
+            <a:solidFill>
+              <a:schemeClr val="accent6">
+                <a:lumMod val="40000"/>
+                <a:lumOff val="60000"/>
+              </a:schemeClr>
+            </a:solidFill>
+            <a:ln>
+              <a:solidFill>
+                <a:schemeClr val="accent6">
+                  <a:lumMod val="75000"/>
+                </a:schemeClr>
+              </a:solidFill>
+            </a:ln>
+          </p:spPr>
+          <p:style>
+            <a:lnRef idx="2">
+              <a:schemeClr val="accent1">
+                <a:shade val="50000"/>
+              </a:schemeClr>
+            </a:lnRef>
+            <a:fillRef idx="1">
+              <a:schemeClr val="accent1"/>
+            </a:fillRef>
+            <a:effectRef idx="0">
+              <a:schemeClr val="accent1"/>
+            </a:effectRef>
+            <a:fontRef idx="minor">
+              <a:schemeClr val="lt1"/>
+            </a:fontRef>
+          </p:style>
+          <p:txBody>
+            <a:bodyPr rtlCol="0" anchor="ctr"/>
+            <a:lstStyle/>
+            <a:p>
+              <a:pPr algn="ctr"/>
+              <a:endParaRPr lang="en-CA"/>
+            </a:p>
+          </p:txBody>
+        </p:sp>
+        <p:sp>
+          <p:nvSpPr>
+            <p:cNvPr id="24" name="Oval 23">
+              <a:extLst>
+                <a:ext uri="{FF2B5EF4-FFF2-40B4-BE49-F238E27FC236}">
+                  <a16:creationId xmlns:a16="http://schemas.microsoft.com/office/drawing/2014/main" id="{CD899853-9B94-47DB-86B6-B0946409DAD8}"/>
+                </a:ext>
+              </a:extLst>
+            </p:cNvPr>
+            <p:cNvSpPr/>
+            <p:nvPr/>
+          </p:nvSpPr>
+          <p:spPr>
+            <a:xfrm>
+              <a:off x="2342526" y="4301169"/>
+              <a:ext cx="78174" cy="69382"/>
+            </a:xfrm>
+            <a:prstGeom prst="ellipse">
+              <a:avLst/>
+            </a:prstGeom>
+            <a:solidFill>
+              <a:schemeClr val="accent6">
+                <a:lumMod val="40000"/>
+                <a:lumOff val="60000"/>
+              </a:schemeClr>
+            </a:solidFill>
+            <a:ln>
+              <a:solidFill>
+                <a:schemeClr val="accent6">
+                  <a:lumMod val="75000"/>
+                </a:schemeClr>
+              </a:solidFill>
+            </a:ln>
+          </p:spPr>
+          <p:style>
+            <a:lnRef idx="2">
+              <a:schemeClr val="accent1">
+                <a:shade val="50000"/>
+              </a:schemeClr>
+            </a:lnRef>
+            <a:fillRef idx="1">
+              <a:schemeClr val="accent1"/>
+            </a:fillRef>
+            <a:effectRef idx="0">
+              <a:schemeClr val="accent1"/>
+            </a:effectRef>
+            <a:fontRef idx="minor">
+              <a:schemeClr val="lt1"/>
+            </a:fontRef>
+          </p:style>
+          <p:txBody>
+            <a:bodyPr rtlCol="0" anchor="ctr"/>
+            <a:lstStyle/>
+            <a:p>
+              <a:pPr algn="ctr"/>
+              <a:endParaRPr lang="en-CA"/>
+            </a:p>
+          </p:txBody>
+        </p:sp>
+        <p:sp>
+          <p:nvSpPr>
+            <p:cNvPr id="25" name="Oval 24">
+              <a:extLst>
+                <a:ext uri="{FF2B5EF4-FFF2-40B4-BE49-F238E27FC236}">
+                  <a16:creationId xmlns:a16="http://schemas.microsoft.com/office/drawing/2014/main" id="{DF4BDCA2-5444-4190-AE9A-86DE4DE26749}"/>
+                </a:ext>
+              </a:extLst>
+            </p:cNvPr>
+            <p:cNvSpPr/>
+            <p:nvPr/>
+          </p:nvSpPr>
+          <p:spPr>
+            <a:xfrm>
+              <a:off x="1860845" y="5669832"/>
+              <a:ext cx="78174" cy="69382"/>
+            </a:xfrm>
+            <a:prstGeom prst="ellipse">
+              <a:avLst/>
+            </a:prstGeom>
+            <a:solidFill>
+              <a:schemeClr val="accent6">
+                <a:lumMod val="40000"/>
+                <a:lumOff val="60000"/>
+              </a:schemeClr>
+            </a:solidFill>
+            <a:ln>
+              <a:solidFill>
+                <a:schemeClr val="accent6">
+                  <a:lumMod val="75000"/>
+                </a:schemeClr>
+              </a:solidFill>
+            </a:ln>
+          </p:spPr>
+          <p:style>
+            <a:lnRef idx="2">
+              <a:schemeClr val="accent1">
+                <a:shade val="50000"/>
+              </a:schemeClr>
+            </a:lnRef>
+            <a:fillRef idx="1">
+              <a:schemeClr val="accent1"/>
+            </a:fillRef>
+            <a:effectRef idx="0">
+              <a:schemeClr val="accent1"/>
+            </a:effectRef>
+            <a:fontRef idx="minor">
+              <a:schemeClr val="lt1"/>
+            </a:fontRef>
+          </p:style>
+          <p:txBody>
+            <a:bodyPr rtlCol="0" anchor="ctr"/>
+            <a:lstStyle/>
+            <a:p>
+              <a:pPr algn="ctr"/>
+              <a:endParaRPr lang="en-CA"/>
+            </a:p>
+          </p:txBody>
+        </p:sp>
+        <p:sp>
+          <p:nvSpPr>
+            <p:cNvPr id="26" name="Oval 25">
+              <a:extLst>
+                <a:ext uri="{FF2B5EF4-FFF2-40B4-BE49-F238E27FC236}">
+                  <a16:creationId xmlns:a16="http://schemas.microsoft.com/office/drawing/2014/main" id="{4420DFE9-33AA-47BC-9F4E-1F6EC2F2EFB4}"/>
+                </a:ext>
+              </a:extLst>
+            </p:cNvPr>
+            <p:cNvSpPr/>
+            <p:nvPr/>
+          </p:nvSpPr>
+          <p:spPr>
+            <a:xfrm>
+              <a:off x="2275335" y="5200114"/>
+              <a:ext cx="78174" cy="69382"/>
+            </a:xfrm>
+            <a:prstGeom prst="ellipse">
+              <a:avLst/>
+            </a:prstGeom>
+            <a:solidFill>
+              <a:schemeClr val="accent6">
+                <a:lumMod val="40000"/>
+                <a:lumOff val="60000"/>
+              </a:schemeClr>
+            </a:solidFill>
+            <a:ln>
+              <a:solidFill>
+                <a:schemeClr val="accent6">
+                  <a:lumMod val="75000"/>
+                </a:schemeClr>
+              </a:solidFill>
+            </a:ln>
+          </p:spPr>
+          <p:style>
+            <a:lnRef idx="2">
+              <a:schemeClr val="accent1">
+                <a:shade val="50000"/>
+              </a:schemeClr>
+            </a:lnRef>
+            <a:fillRef idx="1">
+              <a:schemeClr val="accent1"/>
+            </a:fillRef>
+            <a:effectRef idx="0">
+              <a:schemeClr val="accent1"/>
+            </a:effectRef>
+            <a:fontRef idx="minor">
+              <a:schemeClr val="lt1"/>
+            </a:fontRef>
+          </p:style>
+          <p:txBody>
+            <a:bodyPr rtlCol="0" anchor="ctr"/>
+            <a:lstStyle/>
+            <a:p>
+              <a:pPr algn="ctr"/>
+              <a:endParaRPr lang="en-CA"/>
+            </a:p>
+          </p:txBody>
+        </p:sp>
+        <p:sp>
+          <p:nvSpPr>
+            <p:cNvPr id="27" name="Oval 26">
+              <a:extLst>
+                <a:ext uri="{FF2B5EF4-FFF2-40B4-BE49-F238E27FC236}">
+                  <a16:creationId xmlns:a16="http://schemas.microsoft.com/office/drawing/2014/main" id="{582B66B7-8581-4C60-8375-13293E373167}"/>
+                </a:ext>
+              </a:extLst>
+            </p:cNvPr>
+            <p:cNvSpPr/>
+            <p:nvPr/>
+          </p:nvSpPr>
+          <p:spPr>
+            <a:xfrm>
+              <a:off x="2689826" y="4730396"/>
+              <a:ext cx="78174" cy="69382"/>
+            </a:xfrm>
+            <a:prstGeom prst="ellipse">
+              <a:avLst/>
+            </a:prstGeom>
+            <a:solidFill>
+              <a:schemeClr val="accent6">
+                <a:lumMod val="40000"/>
+                <a:lumOff val="60000"/>
+              </a:schemeClr>
+            </a:solidFill>
+            <a:ln>
+              <a:solidFill>
+                <a:schemeClr val="accent6">
+                  <a:lumMod val="75000"/>
+                </a:schemeClr>
+              </a:solidFill>
+            </a:ln>
+          </p:spPr>
+          <p:style>
+            <a:lnRef idx="2">
+              <a:schemeClr val="accent1">
+                <a:shade val="50000"/>
+              </a:schemeClr>
+            </a:lnRef>
+            <a:fillRef idx="1">
+              <a:schemeClr val="accent1"/>
+            </a:fillRef>
+            <a:effectRef idx="0">
+              <a:schemeClr val="accent1"/>
+            </a:effectRef>
+            <a:fontRef idx="minor">
+              <a:schemeClr val="lt1"/>
+            </a:fontRef>
+          </p:style>
+          <p:txBody>
+            <a:bodyPr rtlCol="0" anchor="ctr"/>
+            <a:lstStyle/>
+            <a:p>
+              <a:pPr algn="ctr"/>
+              <a:endParaRPr lang="en-CA"/>
+            </a:p>
+          </p:txBody>
+        </p:sp>
+        <p:sp>
+          <p:nvSpPr>
+            <p:cNvPr id="28" name="Oval 27">
+              <a:extLst>
+                <a:ext uri="{FF2B5EF4-FFF2-40B4-BE49-F238E27FC236}">
+                  <a16:creationId xmlns:a16="http://schemas.microsoft.com/office/drawing/2014/main" id="{5594F01D-DAEC-4907-BFD0-CB6BBD737DF7}"/>
+                </a:ext>
+              </a:extLst>
+            </p:cNvPr>
+            <p:cNvSpPr/>
+            <p:nvPr/>
+          </p:nvSpPr>
+          <p:spPr>
+            <a:xfrm>
+              <a:off x="2005324" y="4664902"/>
+              <a:ext cx="78174" cy="69382"/>
+            </a:xfrm>
+            <a:prstGeom prst="ellipse">
+              <a:avLst/>
+            </a:prstGeom>
+            <a:solidFill>
+              <a:schemeClr val="accent6">
+                <a:lumMod val="40000"/>
+                <a:lumOff val="60000"/>
+              </a:schemeClr>
+            </a:solidFill>
+            <a:ln>
+              <a:solidFill>
+                <a:schemeClr val="accent6">
+                  <a:lumMod val="75000"/>
+                </a:schemeClr>
+              </a:solidFill>
+            </a:ln>
+          </p:spPr>
+          <p:style>
+            <a:lnRef idx="2">
+              <a:schemeClr val="accent1">
+                <a:shade val="50000"/>
+              </a:schemeClr>
+            </a:lnRef>
+            <a:fillRef idx="1">
+              <a:schemeClr val="accent1"/>
+            </a:fillRef>
+            <a:effectRef idx="0">
+              <a:schemeClr val="accent1"/>
+            </a:effectRef>
+            <a:fontRef idx="minor">
+              <a:schemeClr val="lt1"/>
+            </a:fontRef>
+          </p:style>
+          <p:txBody>
+            <a:bodyPr rtlCol="0" anchor="ctr"/>
+            <a:lstStyle/>
+            <a:p>
+              <a:pPr algn="ctr"/>
+              <a:endParaRPr lang="en-CA"/>
+            </a:p>
+          </p:txBody>
+        </p:sp>
+        <p:sp>
+          <p:nvSpPr>
+            <p:cNvPr id="29" name="Oval 28">
+              <a:extLst>
+                <a:ext uri="{FF2B5EF4-FFF2-40B4-BE49-F238E27FC236}">
+                  <a16:creationId xmlns:a16="http://schemas.microsoft.com/office/drawing/2014/main" id="{AEF5CB54-AB12-4B13-91E5-ABDCD7E6935F}"/>
+                </a:ext>
+              </a:extLst>
+            </p:cNvPr>
+            <p:cNvSpPr/>
+            <p:nvPr/>
+          </p:nvSpPr>
+          <p:spPr>
+            <a:xfrm>
+              <a:off x="2728912" y="5612540"/>
+              <a:ext cx="78174" cy="69382"/>
+            </a:xfrm>
+            <a:prstGeom prst="ellipse">
+              <a:avLst/>
+            </a:prstGeom>
+            <a:solidFill>
+              <a:schemeClr val="accent6">
+                <a:lumMod val="40000"/>
+                <a:lumOff val="60000"/>
+              </a:schemeClr>
+            </a:solidFill>
+            <a:ln>
+              <a:solidFill>
+                <a:schemeClr val="accent6">
+                  <a:lumMod val="75000"/>
+                </a:schemeClr>
+              </a:solidFill>
+            </a:ln>
+          </p:spPr>
+          <p:style>
+            <a:lnRef idx="2">
+              <a:schemeClr val="accent1">
+                <a:shade val="50000"/>
+              </a:schemeClr>
+            </a:lnRef>
+            <a:fillRef idx="1">
+              <a:schemeClr val="accent1"/>
+            </a:fillRef>
+            <a:effectRef idx="0">
+              <a:schemeClr val="accent1"/>
+            </a:effectRef>
+            <a:fontRef idx="minor">
+              <a:schemeClr val="lt1"/>
+            </a:fontRef>
+          </p:style>
+          <p:txBody>
+            <a:bodyPr rtlCol="0" anchor="ctr"/>
+            <a:lstStyle/>
+            <a:p>
+              <a:pPr algn="ctr"/>
+              <a:endParaRPr lang="en-CA"/>
+            </a:p>
+          </p:txBody>
+        </p:sp>
+        <p:sp>
+          <p:nvSpPr>
+            <p:cNvPr id="30" name="Oval 29">
+              <a:extLst>
+                <a:ext uri="{FF2B5EF4-FFF2-40B4-BE49-F238E27FC236}">
+                  <a16:creationId xmlns:a16="http://schemas.microsoft.com/office/drawing/2014/main" id="{4CF1BD78-339C-4B3F-8EBC-57D3526E3780}"/>
+                </a:ext>
+              </a:extLst>
+            </p:cNvPr>
+            <p:cNvSpPr/>
+            <p:nvPr/>
+          </p:nvSpPr>
+          <p:spPr>
+            <a:xfrm>
+              <a:off x="3408561" y="5883235"/>
+              <a:ext cx="78174" cy="69382"/>
+            </a:xfrm>
+            <a:prstGeom prst="ellipse">
+              <a:avLst/>
+            </a:prstGeom>
+            <a:solidFill>
+              <a:schemeClr val="accent6">
+                <a:lumMod val="40000"/>
+                <a:lumOff val="60000"/>
+              </a:schemeClr>
+            </a:solidFill>
+            <a:ln>
+              <a:solidFill>
+                <a:schemeClr val="accent6">
+                  <a:lumMod val="75000"/>
+                </a:schemeClr>
+              </a:solidFill>
+            </a:ln>
+          </p:spPr>
+          <p:style>
+            <a:lnRef idx="2">
+              <a:schemeClr val="accent1">
+                <a:shade val="50000"/>
+              </a:schemeClr>
+            </a:lnRef>
+            <a:fillRef idx="1">
+              <a:schemeClr val="accent1"/>
+            </a:fillRef>
+            <a:effectRef idx="0">
+              <a:schemeClr val="accent1"/>
+            </a:effectRef>
+            <a:fontRef idx="minor">
+              <a:schemeClr val="lt1"/>
+            </a:fontRef>
+          </p:style>
+          <p:txBody>
+            <a:bodyPr rtlCol="0" anchor="ctr"/>
+            <a:lstStyle/>
+            <a:p>
+              <a:pPr algn="ctr"/>
+              <a:endParaRPr lang="en-CA"/>
+            </a:p>
+          </p:txBody>
+        </p:sp>
+        <p:sp>
+          <p:nvSpPr>
+            <p:cNvPr id="31" name="Oval 30">
+              <a:extLst>
+                <a:ext uri="{FF2B5EF4-FFF2-40B4-BE49-F238E27FC236}">
+                  <a16:creationId xmlns:a16="http://schemas.microsoft.com/office/drawing/2014/main" id="{CD2D131E-F8F2-40A9-9B5B-7F46D5E77D2A}"/>
+                </a:ext>
+              </a:extLst>
+            </p:cNvPr>
+            <p:cNvSpPr/>
+            <p:nvPr/>
+          </p:nvSpPr>
+          <p:spPr>
+            <a:xfrm>
+              <a:off x="3723850" y="5264861"/>
+              <a:ext cx="78174" cy="69382"/>
+            </a:xfrm>
+            <a:prstGeom prst="ellipse">
+              <a:avLst/>
+            </a:prstGeom>
+            <a:solidFill>
+              <a:schemeClr val="accent6">
+                <a:lumMod val="40000"/>
+                <a:lumOff val="60000"/>
+              </a:schemeClr>
+            </a:solidFill>
+            <a:ln>
+              <a:solidFill>
+                <a:schemeClr val="accent6">
+                  <a:lumMod val="75000"/>
+                </a:schemeClr>
+              </a:solidFill>
+            </a:ln>
+          </p:spPr>
+          <p:style>
+            <a:lnRef idx="2">
+              <a:schemeClr val="accent1">
+                <a:shade val="50000"/>
+              </a:schemeClr>
+            </a:lnRef>
+            <a:fillRef idx="1">
+              <a:schemeClr val="accent1"/>
+            </a:fillRef>
+            <a:effectRef idx="0">
+              <a:schemeClr val="accent1"/>
+            </a:effectRef>
+            <a:fontRef idx="minor">
+              <a:schemeClr val="lt1"/>
+            </a:fontRef>
+          </p:style>
+          <p:txBody>
+            <a:bodyPr rtlCol="0" anchor="ctr"/>
+            <a:lstStyle/>
+            <a:p>
+              <a:pPr algn="ctr"/>
+              <a:endParaRPr lang="en-CA"/>
+            </a:p>
+          </p:txBody>
+        </p:sp>
+        <p:sp>
+          <p:nvSpPr>
+            <p:cNvPr id="32" name="Oval 31">
+              <a:extLst>
+                <a:ext uri="{FF2B5EF4-FFF2-40B4-BE49-F238E27FC236}">
+                  <a16:creationId xmlns:a16="http://schemas.microsoft.com/office/drawing/2014/main" id="{551EE006-942C-4D2B-8249-7C0A712BDA56}"/>
+                </a:ext>
+              </a:extLst>
+            </p:cNvPr>
+            <p:cNvSpPr/>
+            <p:nvPr/>
+          </p:nvSpPr>
+          <p:spPr>
+            <a:xfrm>
+              <a:off x="4398708" y="4889987"/>
+              <a:ext cx="78174" cy="69382"/>
+            </a:xfrm>
+            <a:prstGeom prst="ellipse">
+              <a:avLst/>
+            </a:prstGeom>
+            <a:solidFill>
+              <a:schemeClr val="accent6">
+                <a:lumMod val="40000"/>
+                <a:lumOff val="60000"/>
+              </a:schemeClr>
+            </a:solidFill>
+            <a:ln>
+              <a:solidFill>
+                <a:schemeClr val="accent6">
+                  <a:lumMod val="75000"/>
+                </a:schemeClr>
+              </a:solidFill>
+            </a:ln>
+          </p:spPr>
+          <p:style>
+            <a:lnRef idx="2">
+              <a:schemeClr val="accent1">
+                <a:shade val="50000"/>
+              </a:schemeClr>
+            </a:lnRef>
+            <a:fillRef idx="1">
+              <a:schemeClr val="accent1"/>
+            </a:fillRef>
+            <a:effectRef idx="0">
+              <a:schemeClr val="accent1"/>
+            </a:effectRef>
+            <a:fontRef idx="minor">
+              <a:schemeClr val="lt1"/>
+            </a:fontRef>
+          </p:style>
+          <p:txBody>
+            <a:bodyPr rtlCol="0" anchor="ctr"/>
+            <a:lstStyle/>
+            <a:p>
+              <a:pPr algn="ctr"/>
+              <a:endParaRPr lang="en-CA"/>
+            </a:p>
+          </p:txBody>
+        </p:sp>
+        <p:sp>
+          <p:nvSpPr>
+            <p:cNvPr id="33" name="Oval 32">
+              <a:extLst>
+                <a:ext uri="{FF2B5EF4-FFF2-40B4-BE49-F238E27FC236}">
+                  <a16:creationId xmlns:a16="http://schemas.microsoft.com/office/drawing/2014/main" id="{0B265292-ED02-4913-9E28-3FEB668B82A7}"/>
+                </a:ext>
+              </a:extLst>
+            </p:cNvPr>
+            <p:cNvSpPr/>
+            <p:nvPr/>
+          </p:nvSpPr>
+          <p:spPr>
+            <a:xfrm>
+              <a:off x="5073567" y="4515114"/>
+              <a:ext cx="78174" cy="69382"/>
+            </a:xfrm>
+            <a:prstGeom prst="ellipse">
+              <a:avLst/>
+            </a:prstGeom>
+            <a:solidFill>
+              <a:schemeClr val="accent6">
+                <a:lumMod val="40000"/>
+                <a:lumOff val="60000"/>
+              </a:schemeClr>
+            </a:solidFill>
+            <a:ln>
+              <a:solidFill>
+                <a:schemeClr val="accent6">
+                  <a:lumMod val="75000"/>
+                </a:schemeClr>
+              </a:solidFill>
+            </a:ln>
+          </p:spPr>
+          <p:style>
+            <a:lnRef idx="2">
+              <a:schemeClr val="accent1">
+                <a:shade val="50000"/>
+              </a:schemeClr>
+            </a:lnRef>
+            <a:fillRef idx="1">
+              <a:schemeClr val="accent1"/>
+            </a:fillRef>
+            <a:effectRef idx="0">
+              <a:schemeClr val="accent1"/>
+            </a:effectRef>
+            <a:fontRef idx="minor">
+              <a:schemeClr val="lt1"/>
+            </a:fontRef>
+          </p:style>
+          <p:txBody>
+            <a:bodyPr rtlCol="0" anchor="ctr"/>
+            <a:lstStyle/>
+            <a:p>
+              <a:pPr algn="ctr"/>
+              <a:endParaRPr lang="en-CA"/>
+            </a:p>
+          </p:txBody>
+        </p:sp>
+        <p:sp>
+          <p:nvSpPr>
+            <p:cNvPr id="34" name="Oval 33">
+              <a:extLst>
+                <a:ext uri="{FF2B5EF4-FFF2-40B4-BE49-F238E27FC236}">
+                  <a16:creationId xmlns:a16="http://schemas.microsoft.com/office/drawing/2014/main" id="{6C7CCEB2-C1DC-447F-AB68-861CB7E63670}"/>
+                </a:ext>
+              </a:extLst>
+            </p:cNvPr>
+            <p:cNvSpPr/>
+            <p:nvPr/>
+          </p:nvSpPr>
+          <p:spPr>
+            <a:xfrm>
+              <a:off x="4716980" y="5165423"/>
+              <a:ext cx="78174" cy="69382"/>
+            </a:xfrm>
+            <a:prstGeom prst="ellipse">
+              <a:avLst/>
+            </a:prstGeom>
+            <a:solidFill>
+              <a:schemeClr val="accent6">
+                <a:lumMod val="40000"/>
+                <a:lumOff val="60000"/>
+              </a:schemeClr>
+            </a:solidFill>
+            <a:ln>
+              <a:solidFill>
+                <a:schemeClr val="accent6">
+                  <a:lumMod val="75000"/>
+                </a:schemeClr>
+              </a:solidFill>
+            </a:ln>
+          </p:spPr>
+          <p:style>
+            <a:lnRef idx="2">
+              <a:schemeClr val="accent1">
+                <a:shade val="50000"/>
+              </a:schemeClr>
+            </a:lnRef>
+            <a:fillRef idx="1">
+              <a:schemeClr val="accent1"/>
+            </a:fillRef>
+            <a:effectRef idx="0">
+              <a:schemeClr val="accent1"/>
+            </a:effectRef>
+            <a:fontRef idx="minor">
+              <a:schemeClr val="lt1"/>
+            </a:fontRef>
+          </p:style>
+          <p:txBody>
+            <a:bodyPr rtlCol="0" anchor="ctr"/>
+            <a:lstStyle/>
+            <a:p>
+              <a:pPr algn="ctr"/>
+              <a:endParaRPr lang="en-CA"/>
+            </a:p>
+          </p:txBody>
+        </p:sp>
+        <p:sp>
+          <p:nvSpPr>
+            <p:cNvPr id="35" name="Oval 34">
+              <a:extLst>
+                <a:ext uri="{FF2B5EF4-FFF2-40B4-BE49-F238E27FC236}">
+                  <a16:creationId xmlns:a16="http://schemas.microsoft.com/office/drawing/2014/main" id="{BD103FCE-E66D-4A37-BD45-4AE691CF72AB}"/>
+                </a:ext>
+              </a:extLst>
+            </p:cNvPr>
+            <p:cNvSpPr/>
+            <p:nvPr/>
+          </p:nvSpPr>
+          <p:spPr>
+            <a:xfrm>
+              <a:off x="4421536" y="4322366"/>
+              <a:ext cx="78174" cy="69382"/>
+            </a:xfrm>
+            <a:prstGeom prst="ellipse">
+              <a:avLst/>
+            </a:prstGeom>
+            <a:solidFill>
+              <a:schemeClr val="accent6">
+                <a:lumMod val="40000"/>
+                <a:lumOff val="60000"/>
+              </a:schemeClr>
+            </a:solidFill>
+            <a:ln>
+              <a:solidFill>
+                <a:schemeClr val="accent6">
+                  <a:lumMod val="75000"/>
+                </a:schemeClr>
+              </a:solidFill>
+            </a:ln>
+          </p:spPr>
+          <p:style>
+            <a:lnRef idx="2">
+              <a:schemeClr val="accent1">
+                <a:shade val="50000"/>
+              </a:schemeClr>
+            </a:lnRef>
+            <a:fillRef idx="1">
+              <a:schemeClr val="accent1"/>
+            </a:fillRef>
+            <a:effectRef idx="0">
+              <a:schemeClr val="accent1"/>
+            </a:effectRef>
+            <a:fontRef idx="minor">
+              <a:schemeClr val="lt1"/>
+            </a:fontRef>
+          </p:style>
+          <p:txBody>
+            <a:bodyPr rtlCol="0" anchor="ctr"/>
+            <a:lstStyle/>
+            <a:p>
+              <a:pPr algn="ctr"/>
+              <a:endParaRPr lang="en-CA"/>
+            </a:p>
+          </p:txBody>
+        </p:sp>
+        <p:sp>
+          <p:nvSpPr>
+            <p:cNvPr id="36" name="Oval 35">
+              <a:extLst>
+                <a:ext uri="{FF2B5EF4-FFF2-40B4-BE49-F238E27FC236}">
+                  <a16:creationId xmlns:a16="http://schemas.microsoft.com/office/drawing/2014/main" id="{1A3548CD-1130-418A-A8E4-A521B4056EB4}"/>
+                </a:ext>
+              </a:extLst>
+            </p:cNvPr>
+            <p:cNvSpPr/>
+            <p:nvPr/>
+          </p:nvSpPr>
+          <p:spPr>
+            <a:xfrm>
+              <a:off x="3598085" y="4175869"/>
+              <a:ext cx="78174" cy="69382"/>
+            </a:xfrm>
+            <a:prstGeom prst="ellipse">
+              <a:avLst/>
+            </a:prstGeom>
+            <a:solidFill>
+              <a:schemeClr val="accent6">
+                <a:lumMod val="40000"/>
+                <a:lumOff val="60000"/>
+              </a:schemeClr>
+            </a:solidFill>
+            <a:ln>
+              <a:solidFill>
+                <a:schemeClr val="accent6">
+                  <a:lumMod val="75000"/>
+                </a:schemeClr>
+              </a:solidFill>
+            </a:ln>
+          </p:spPr>
+          <p:style>
+            <a:lnRef idx="2">
+              <a:schemeClr val="accent1">
+                <a:shade val="50000"/>
+              </a:schemeClr>
+            </a:lnRef>
+            <a:fillRef idx="1">
+              <a:schemeClr val="accent1"/>
+            </a:fillRef>
+            <a:effectRef idx="0">
+              <a:schemeClr val="accent1"/>
+            </a:effectRef>
+            <a:fontRef idx="minor">
+              <a:schemeClr val="lt1"/>
+            </a:fontRef>
+          </p:style>
+          <p:txBody>
+            <a:bodyPr rtlCol="0" anchor="ctr"/>
+            <a:lstStyle/>
+            <a:p>
+              <a:pPr algn="ctr"/>
+              <a:endParaRPr lang="en-CA"/>
+            </a:p>
+          </p:txBody>
+        </p:sp>
+        <p:sp>
+          <p:nvSpPr>
+            <p:cNvPr id="37" name="Oval 36">
+              <a:extLst>
+                <a:ext uri="{FF2B5EF4-FFF2-40B4-BE49-F238E27FC236}">
+                  <a16:creationId xmlns:a16="http://schemas.microsoft.com/office/drawing/2014/main" id="{DAE149E1-C22B-4AF4-A146-C399B13DDF40}"/>
+                </a:ext>
+              </a:extLst>
+            </p:cNvPr>
+            <p:cNvSpPr/>
+            <p:nvPr/>
+          </p:nvSpPr>
+          <p:spPr>
+            <a:xfrm>
+              <a:off x="4734069" y="4083235"/>
+              <a:ext cx="78174" cy="69382"/>
+            </a:xfrm>
+            <a:prstGeom prst="ellipse">
+              <a:avLst/>
+            </a:prstGeom>
+            <a:solidFill>
+              <a:schemeClr val="accent6">
+                <a:lumMod val="40000"/>
+                <a:lumOff val="60000"/>
+              </a:schemeClr>
+            </a:solidFill>
+            <a:ln>
+              <a:solidFill>
+                <a:schemeClr val="accent6">
+                  <a:lumMod val="75000"/>
+                </a:schemeClr>
+              </a:solidFill>
+            </a:ln>
+          </p:spPr>
+          <p:style>
+            <a:lnRef idx="2">
+              <a:schemeClr val="accent1">
+                <a:shade val="50000"/>
+              </a:schemeClr>
+            </a:lnRef>
+            <a:fillRef idx="1">
+              <a:schemeClr val="accent1"/>
+            </a:fillRef>
+            <a:effectRef idx="0">
+              <a:schemeClr val="accent1"/>
+            </a:effectRef>
+            <a:fontRef idx="minor">
+              <a:schemeClr val="lt1"/>
+            </a:fontRef>
+          </p:style>
+          <p:txBody>
+            <a:bodyPr rtlCol="0" anchor="ctr"/>
+            <a:lstStyle/>
+            <a:p>
+              <a:pPr algn="ctr"/>
+              <a:endParaRPr lang="en-CA"/>
+            </a:p>
+          </p:txBody>
+        </p:sp>
+        <p:sp>
+          <p:nvSpPr>
+            <p:cNvPr id="38" name="Oval 37">
+              <a:extLst>
+                <a:ext uri="{FF2B5EF4-FFF2-40B4-BE49-F238E27FC236}">
+                  <a16:creationId xmlns:a16="http://schemas.microsoft.com/office/drawing/2014/main" id="{C052D4F3-20B3-4560-9F15-42151FF21AEB}"/>
+                </a:ext>
+              </a:extLst>
+            </p:cNvPr>
+            <p:cNvSpPr/>
+            <p:nvPr/>
+          </p:nvSpPr>
+          <p:spPr>
+            <a:xfrm>
+              <a:off x="4212583" y="3399377"/>
+              <a:ext cx="78174" cy="69382"/>
+            </a:xfrm>
+            <a:prstGeom prst="ellipse">
+              <a:avLst/>
+            </a:prstGeom>
+            <a:solidFill>
+              <a:schemeClr val="accent6">
+                <a:lumMod val="40000"/>
+                <a:lumOff val="60000"/>
+              </a:schemeClr>
+            </a:solidFill>
+            <a:ln>
+              <a:solidFill>
+                <a:schemeClr val="accent6">
+                  <a:lumMod val="75000"/>
+                </a:schemeClr>
+              </a:solidFill>
+            </a:ln>
+          </p:spPr>
+          <p:style>
+            <a:lnRef idx="2">
+              <a:schemeClr val="accent1">
+                <a:shade val="50000"/>
+              </a:schemeClr>
+            </a:lnRef>
+            <a:fillRef idx="1">
+              <a:schemeClr val="accent1"/>
+            </a:fillRef>
+            <a:effectRef idx="0">
+              <a:schemeClr val="accent1"/>
+            </a:effectRef>
+            <a:fontRef idx="minor">
+              <a:schemeClr val="lt1"/>
+            </a:fontRef>
+          </p:style>
+          <p:txBody>
+            <a:bodyPr rtlCol="0" anchor="ctr"/>
+            <a:lstStyle/>
+            <a:p>
+              <a:pPr algn="ctr"/>
+              <a:endParaRPr lang="en-CA"/>
+            </a:p>
+          </p:txBody>
+        </p:sp>
+        <p:sp>
+          <p:nvSpPr>
+            <p:cNvPr id="39" name="Oval 38">
+              <a:extLst>
+                <a:ext uri="{FF2B5EF4-FFF2-40B4-BE49-F238E27FC236}">
+                  <a16:creationId xmlns:a16="http://schemas.microsoft.com/office/drawing/2014/main" id="{7EBF1CC7-DC48-42E7-97B0-25C1768EC8BB}"/>
+                </a:ext>
+              </a:extLst>
+            </p:cNvPr>
+            <p:cNvSpPr/>
+            <p:nvPr/>
+          </p:nvSpPr>
+          <p:spPr>
+            <a:xfrm>
+              <a:off x="4797815" y="3107524"/>
+              <a:ext cx="78174" cy="69382"/>
+            </a:xfrm>
+            <a:prstGeom prst="ellipse">
+              <a:avLst/>
+            </a:prstGeom>
+            <a:solidFill>
+              <a:schemeClr val="accent6">
+                <a:lumMod val="40000"/>
+                <a:lumOff val="60000"/>
+              </a:schemeClr>
+            </a:solidFill>
+            <a:ln>
+              <a:solidFill>
+                <a:schemeClr val="accent6">
+                  <a:lumMod val="75000"/>
+                </a:schemeClr>
+              </a:solidFill>
+            </a:ln>
+          </p:spPr>
+          <p:style>
+            <a:lnRef idx="2">
+              <a:schemeClr val="accent1">
+                <a:shade val="50000"/>
+              </a:schemeClr>
+            </a:lnRef>
+            <a:fillRef idx="1">
+              <a:schemeClr val="accent1"/>
+            </a:fillRef>
+            <a:effectRef idx="0">
+              <a:schemeClr val="accent1"/>
+            </a:effectRef>
+            <a:fontRef idx="minor">
+              <a:schemeClr val="lt1"/>
+            </a:fontRef>
+          </p:style>
+          <p:txBody>
+            <a:bodyPr rtlCol="0" anchor="ctr"/>
+            <a:lstStyle/>
+            <a:p>
+              <a:pPr algn="ctr"/>
+              <a:endParaRPr lang="en-CA"/>
+            </a:p>
+          </p:txBody>
+        </p:sp>
+        <p:sp>
+          <p:nvSpPr>
+            <p:cNvPr id="40" name="Oval 39">
+              <a:extLst>
+                <a:ext uri="{FF2B5EF4-FFF2-40B4-BE49-F238E27FC236}">
+                  <a16:creationId xmlns:a16="http://schemas.microsoft.com/office/drawing/2014/main" id="{354C63E7-BCA0-4E2D-A577-C5A2A51D466B}"/>
+                </a:ext>
+              </a:extLst>
+            </p:cNvPr>
+            <p:cNvSpPr/>
+            <p:nvPr/>
+          </p:nvSpPr>
+          <p:spPr>
+            <a:xfrm>
+              <a:off x="5151740" y="3230314"/>
+              <a:ext cx="78174" cy="69382"/>
+            </a:xfrm>
+            <a:prstGeom prst="ellipse">
+              <a:avLst/>
+            </a:prstGeom>
+            <a:solidFill>
+              <a:schemeClr val="accent6">
+                <a:lumMod val="40000"/>
+                <a:lumOff val="60000"/>
+              </a:schemeClr>
+            </a:solidFill>
+            <a:ln>
+              <a:solidFill>
+                <a:schemeClr val="accent6">
+                  <a:lumMod val="75000"/>
+                </a:schemeClr>
+              </a:solidFill>
+            </a:ln>
+          </p:spPr>
+          <p:style>
+            <a:lnRef idx="2">
+              <a:schemeClr val="accent1">
+                <a:shade val="50000"/>
+              </a:schemeClr>
+            </a:lnRef>
+            <a:fillRef idx="1">
+              <a:schemeClr val="accent1"/>
+            </a:fillRef>
+            <a:effectRef idx="0">
+              <a:schemeClr val="accent1"/>
+            </a:effectRef>
+            <a:fontRef idx="minor">
+              <a:schemeClr val="lt1"/>
+            </a:fontRef>
+          </p:style>
+          <p:txBody>
+            <a:bodyPr rtlCol="0" anchor="ctr"/>
+            <a:lstStyle/>
+            <a:p>
+              <a:pPr algn="ctr"/>
+              <a:endParaRPr lang="en-CA"/>
+            </a:p>
+          </p:txBody>
+        </p:sp>
+        <p:sp>
+          <p:nvSpPr>
+            <p:cNvPr id="41" name="Oval 40">
+              <a:extLst>
+                <a:ext uri="{FF2B5EF4-FFF2-40B4-BE49-F238E27FC236}">
+                  <a16:creationId xmlns:a16="http://schemas.microsoft.com/office/drawing/2014/main" id="{58120B34-53CA-4CE1-A561-FE1D0A334B76}"/>
+                </a:ext>
+              </a:extLst>
+            </p:cNvPr>
+            <p:cNvSpPr/>
+            <p:nvPr/>
+          </p:nvSpPr>
+          <p:spPr>
+            <a:xfrm>
+              <a:off x="2704308" y="4280996"/>
+              <a:ext cx="78174" cy="69382"/>
+            </a:xfrm>
+            <a:prstGeom prst="ellipse">
+              <a:avLst/>
+            </a:prstGeom>
+            <a:solidFill>
+              <a:schemeClr val="accent6">
+                <a:lumMod val="40000"/>
+                <a:lumOff val="60000"/>
+              </a:schemeClr>
+            </a:solidFill>
+            <a:ln>
+              <a:solidFill>
+                <a:schemeClr val="accent6">
+                  <a:lumMod val="75000"/>
+                </a:schemeClr>
+              </a:solidFill>
+            </a:ln>
+          </p:spPr>
+          <p:style>
+            <a:lnRef idx="2">
+              <a:schemeClr val="accent1">
+                <a:shade val="50000"/>
+              </a:schemeClr>
+            </a:lnRef>
+            <a:fillRef idx="1">
+              <a:schemeClr val="accent1"/>
+            </a:fillRef>
+            <a:effectRef idx="0">
+              <a:schemeClr val="accent1"/>
+            </a:effectRef>
+            <a:fontRef idx="minor">
+              <a:schemeClr val="lt1"/>
+            </a:fontRef>
+          </p:style>
+          <p:txBody>
+            <a:bodyPr rtlCol="0" anchor="ctr"/>
+            <a:lstStyle/>
+            <a:p>
+              <a:pPr algn="ctr"/>
+              <a:endParaRPr lang="en-CA"/>
+            </a:p>
+          </p:txBody>
+        </p:sp>
+        <p:sp>
+          <p:nvSpPr>
+            <p:cNvPr id="42" name="Oval 41">
+              <a:extLst>
+                <a:ext uri="{FF2B5EF4-FFF2-40B4-BE49-F238E27FC236}">
+                  <a16:creationId xmlns:a16="http://schemas.microsoft.com/office/drawing/2014/main" id="{94989406-0787-48FA-AB70-C28A9AC60998}"/>
+                </a:ext>
+              </a:extLst>
+            </p:cNvPr>
+            <p:cNvSpPr/>
+            <p:nvPr/>
+          </p:nvSpPr>
+          <p:spPr>
+            <a:xfrm>
+              <a:off x="2302297" y="4807584"/>
+              <a:ext cx="78174" cy="69382"/>
+            </a:xfrm>
+            <a:prstGeom prst="ellipse">
+              <a:avLst/>
+            </a:prstGeom>
+            <a:solidFill>
+              <a:schemeClr val="accent6">
+                <a:lumMod val="40000"/>
+                <a:lumOff val="60000"/>
+              </a:schemeClr>
+            </a:solidFill>
+            <a:ln>
+              <a:solidFill>
+                <a:schemeClr val="accent6">
+                  <a:lumMod val="75000"/>
+                </a:schemeClr>
+              </a:solidFill>
+            </a:ln>
+          </p:spPr>
+          <p:style>
+            <a:lnRef idx="2">
+              <a:schemeClr val="accent1">
+                <a:shade val="50000"/>
+              </a:schemeClr>
+            </a:lnRef>
+            <a:fillRef idx="1">
+              <a:schemeClr val="accent1"/>
+            </a:fillRef>
+            <a:effectRef idx="0">
+              <a:schemeClr val="accent1"/>
+            </a:effectRef>
+            <a:fontRef idx="minor">
+              <a:schemeClr val="lt1"/>
+            </a:fontRef>
+          </p:style>
+          <p:txBody>
+            <a:bodyPr rtlCol="0" anchor="ctr"/>
+            <a:lstStyle/>
+            <a:p>
+              <a:pPr algn="ctr"/>
+              <a:endParaRPr lang="en-CA"/>
+            </a:p>
+          </p:txBody>
+        </p:sp>
+        <p:sp>
+          <p:nvSpPr>
+            <p:cNvPr id="43" name="Oval 42">
+              <a:extLst>
+                <a:ext uri="{FF2B5EF4-FFF2-40B4-BE49-F238E27FC236}">
+                  <a16:creationId xmlns:a16="http://schemas.microsoft.com/office/drawing/2014/main" id="{D0BCBE24-DEB5-4278-ACEE-09B6F72A7413}"/>
+                </a:ext>
+              </a:extLst>
+            </p:cNvPr>
+            <p:cNvSpPr/>
+            <p:nvPr/>
+          </p:nvSpPr>
+          <p:spPr>
+            <a:xfrm>
+              <a:off x="3206849" y="5147327"/>
+              <a:ext cx="78174" cy="69382"/>
+            </a:xfrm>
+            <a:prstGeom prst="ellipse">
+              <a:avLst/>
+            </a:prstGeom>
+            <a:solidFill>
+              <a:schemeClr val="accent6">
+                <a:lumMod val="40000"/>
+                <a:lumOff val="60000"/>
+              </a:schemeClr>
+            </a:solidFill>
+            <a:ln>
+              <a:solidFill>
+                <a:schemeClr val="accent6">
+                  <a:lumMod val="75000"/>
+                </a:schemeClr>
+              </a:solidFill>
+            </a:ln>
+          </p:spPr>
+          <p:style>
+            <a:lnRef idx="2">
+              <a:schemeClr val="accent1">
+                <a:shade val="50000"/>
+              </a:schemeClr>
+            </a:lnRef>
+            <a:fillRef idx="1">
+              <a:schemeClr val="accent1"/>
+            </a:fillRef>
+            <a:effectRef idx="0">
+              <a:schemeClr val="accent1"/>
+            </a:effectRef>
+            <a:fontRef idx="minor">
+              <a:schemeClr val="lt1"/>
+            </a:fontRef>
+          </p:style>
+          <p:txBody>
+            <a:bodyPr rtlCol="0" anchor="ctr"/>
+            <a:lstStyle/>
+            <a:p>
+              <a:pPr algn="ctr"/>
+              <a:endParaRPr lang="en-CA"/>
+            </a:p>
+          </p:txBody>
+        </p:sp>
+        <p:cxnSp>
+          <p:nvCxnSpPr>
+            <p:cNvPr id="9" name="Straight Arrow Connector 8">
+              <a:extLst>
+                <a:ext uri="{FF2B5EF4-FFF2-40B4-BE49-F238E27FC236}">
+                  <a16:creationId xmlns:a16="http://schemas.microsoft.com/office/drawing/2014/main" id="{7D8BF522-E0CD-43C3-974D-A50DC6A45637}"/>
+                </a:ext>
+              </a:extLst>
+            </p:cNvPr>
+            <p:cNvCxnSpPr>
+              <a:cxnSpLocks/>
+            </p:cNvCxnSpPr>
+            <p:nvPr/>
+          </p:nvCxnSpPr>
+          <p:spPr>
+            <a:xfrm>
+              <a:off x="2539518" y="2825874"/>
+              <a:ext cx="2739840" cy="0"/>
+            </a:xfrm>
+            <a:prstGeom prst="straightConnector1">
+              <a:avLst/>
+            </a:prstGeom>
+            <a:ln w="60325">
+              <a:solidFill>
+                <a:schemeClr val="tx1"/>
+              </a:solidFill>
+              <a:headEnd type="triangle"/>
+              <a:tailEnd type="triangle"/>
+            </a:ln>
+          </p:spPr>
+          <p:style>
+            <a:lnRef idx="1">
+              <a:schemeClr val="accent1"/>
+            </a:lnRef>
+            <a:fillRef idx="0">
+              <a:schemeClr val="accent1"/>
+            </a:fillRef>
+            <a:effectRef idx="0">
+              <a:schemeClr val="accent1"/>
+            </a:effectRef>
+            <a:fontRef idx="minor">
+              <a:schemeClr val="tx1"/>
+            </a:fontRef>
+          </p:style>
+        </p:cxnSp>
+        <p:sp>
+          <p:nvSpPr>
+            <p:cNvPr id="44" name="TextBox 43">
+              <a:extLst>
+                <a:ext uri="{FF2B5EF4-FFF2-40B4-BE49-F238E27FC236}">
+                  <a16:creationId xmlns:a16="http://schemas.microsoft.com/office/drawing/2014/main" id="{E551C558-FD55-453D-9516-5804FD7C0980}"/>
+                </a:ext>
+              </a:extLst>
+            </p:cNvPr>
+            <p:cNvSpPr txBox="1"/>
+            <p:nvPr/>
+          </p:nvSpPr>
+          <p:spPr>
+            <a:xfrm>
+              <a:off x="3516600" y="2311005"/>
+              <a:ext cx="499944" cy="311331"/>
+            </a:xfrm>
+            <a:prstGeom prst="rect">
+              <a:avLst/>
+            </a:prstGeom>
+            <a:noFill/>
+          </p:spPr>
+          <p:txBody>
+            <a:bodyPr wrap="none" rtlCol="0">
+              <a:spAutoFit/>
+            </a:bodyPr>
+            <a:lstStyle/>
+            <a:p>
+              <a:r>
+                <a:rPr lang="en-CA" sz="2800" dirty="0"/>
+                <a:t>1 m</a:t>
+              </a:r>
+            </a:p>
+          </p:txBody>
+        </p:sp>
+        <p:sp>
+          <p:nvSpPr>
+            <p:cNvPr id="48" name="TextBox 47">
+              <a:extLst>
+                <a:ext uri="{FF2B5EF4-FFF2-40B4-BE49-F238E27FC236}">
+                  <a16:creationId xmlns:a16="http://schemas.microsoft.com/office/drawing/2014/main" id="{C6FA4114-1557-423D-9645-FB99DB244ED2}"/>
+                </a:ext>
+              </a:extLst>
+            </p:cNvPr>
+            <p:cNvSpPr txBox="1"/>
+            <p:nvPr/>
+          </p:nvSpPr>
+          <p:spPr>
+            <a:xfrm>
+              <a:off x="571805" y="4699593"/>
+              <a:ext cx="499944" cy="311331"/>
+            </a:xfrm>
+            <a:prstGeom prst="rect">
+              <a:avLst/>
+            </a:prstGeom>
+            <a:noFill/>
+          </p:spPr>
+          <p:txBody>
+            <a:bodyPr wrap="none" rtlCol="0">
+              <a:spAutoFit/>
+            </a:bodyPr>
+            <a:lstStyle/>
+            <a:p>
+              <a:r>
+                <a:rPr lang="en-CA" sz="2800" dirty="0"/>
+                <a:t>1 m</a:t>
+              </a:r>
+            </a:p>
+          </p:txBody>
+        </p:sp>
+        <p:cxnSp>
+          <p:nvCxnSpPr>
+            <p:cNvPr id="49" name="Straight Arrow Connector 48">
+              <a:extLst>
+                <a:ext uri="{FF2B5EF4-FFF2-40B4-BE49-F238E27FC236}">
+                  <a16:creationId xmlns:a16="http://schemas.microsoft.com/office/drawing/2014/main" id="{802939CA-3676-4A9A-A73F-D20DDADF2DAD}"/>
+                </a:ext>
+              </a:extLst>
+            </p:cNvPr>
+            <p:cNvCxnSpPr>
+              <a:cxnSpLocks/>
+            </p:cNvCxnSpPr>
+            <p:nvPr/>
+          </p:nvCxnSpPr>
+          <p:spPr>
+            <a:xfrm flipH="1">
+              <a:off x="1327099" y="3969664"/>
+              <a:ext cx="10859" cy="2214533"/>
+            </a:xfrm>
+            <a:prstGeom prst="straightConnector1">
+              <a:avLst/>
+            </a:prstGeom>
+            <a:ln w="60325">
+              <a:solidFill>
+                <a:schemeClr val="tx1"/>
+              </a:solidFill>
+              <a:headEnd type="triangle"/>
+              <a:tailEnd type="triangle"/>
+            </a:ln>
+          </p:spPr>
+          <p:style>
+            <a:lnRef idx="1">
+              <a:schemeClr val="accent1"/>
+            </a:lnRef>
+            <a:fillRef idx="0">
+              <a:schemeClr val="accent1"/>
+            </a:fillRef>
+            <a:effectRef idx="0">
+              <a:schemeClr val="accent1"/>
+            </a:effectRef>
+            <a:fontRef idx="minor">
+              <a:schemeClr val="tx1"/>
+            </a:fontRef>
+          </p:style>
+        </p:cxnSp>
+        <p:cxnSp>
+          <p:nvCxnSpPr>
+            <p:cNvPr id="52" name="Straight Arrow Connector 51">
+              <a:extLst>
+                <a:ext uri="{FF2B5EF4-FFF2-40B4-BE49-F238E27FC236}">
+                  <a16:creationId xmlns:a16="http://schemas.microsoft.com/office/drawing/2014/main" id="{54F17ABF-3B7F-47DE-9676-932A04FE496E}"/>
+                </a:ext>
+              </a:extLst>
+            </p:cNvPr>
+            <p:cNvCxnSpPr>
+              <a:cxnSpLocks/>
+            </p:cNvCxnSpPr>
+            <p:nvPr/>
+          </p:nvCxnSpPr>
+          <p:spPr>
+            <a:xfrm flipV="1">
+              <a:off x="1345193" y="2917181"/>
+              <a:ext cx="996191" cy="1001627"/>
+            </a:xfrm>
+            <a:prstGeom prst="straightConnector1">
+              <a:avLst/>
+            </a:prstGeom>
+            <a:ln w="60325">
+              <a:solidFill>
+                <a:schemeClr val="tx1"/>
+              </a:solidFill>
+              <a:headEnd type="triangle"/>
+              <a:tailEnd type="triangle"/>
+            </a:ln>
+          </p:spPr>
+          <p:style>
+            <a:lnRef idx="1">
+              <a:schemeClr val="accent1"/>
+            </a:lnRef>
+            <a:fillRef idx="0">
+              <a:schemeClr val="accent1"/>
+            </a:fillRef>
+            <a:effectRef idx="0">
+              <a:schemeClr val="accent1"/>
+            </a:effectRef>
+            <a:fontRef idx="minor">
+              <a:schemeClr val="tx1"/>
+            </a:fontRef>
+          </p:style>
+        </p:cxnSp>
+        <p:sp>
+          <p:nvSpPr>
+            <p:cNvPr id="54" name="TextBox 53">
+              <a:extLst>
+                <a:ext uri="{FF2B5EF4-FFF2-40B4-BE49-F238E27FC236}">
+                  <a16:creationId xmlns:a16="http://schemas.microsoft.com/office/drawing/2014/main" id="{AD209404-360D-4AFC-A5AE-369AB6E9D365}"/>
+                </a:ext>
+              </a:extLst>
+            </p:cNvPr>
+            <p:cNvSpPr txBox="1"/>
+            <p:nvPr/>
+          </p:nvSpPr>
+          <p:spPr>
+            <a:xfrm>
+              <a:off x="1215585" y="2865575"/>
+              <a:ext cx="499944" cy="311331"/>
+            </a:xfrm>
+            <a:prstGeom prst="rect">
+              <a:avLst/>
+            </a:prstGeom>
+            <a:noFill/>
+          </p:spPr>
+          <p:txBody>
+            <a:bodyPr wrap="none" rtlCol="0">
+              <a:spAutoFit/>
+            </a:bodyPr>
+            <a:lstStyle/>
+            <a:p>
+              <a:r>
+                <a:rPr lang="en-CA" sz="2800" dirty="0"/>
+                <a:t>1 m</a:t>
+              </a:r>
+            </a:p>
+          </p:txBody>
+        </p:sp>
+        <p:sp>
+          <p:nvSpPr>
+            <p:cNvPr id="58" name="Arrow: Right 57">
+              <a:extLst>
+                <a:ext uri="{FF2B5EF4-FFF2-40B4-BE49-F238E27FC236}">
+                  <a16:creationId xmlns:a16="http://schemas.microsoft.com/office/drawing/2014/main" id="{06D3EE87-17F2-40CB-8153-735A8F14CD8B}"/>
+                </a:ext>
+              </a:extLst>
+            </p:cNvPr>
+            <p:cNvSpPr/>
+            <p:nvPr/>
+          </p:nvSpPr>
+          <p:spPr>
+            <a:xfrm>
+              <a:off x="5395886" y="4765087"/>
+              <a:ext cx="474166" cy="205130"/>
+            </a:xfrm>
+            <a:prstGeom prst="rightArrow">
+              <a:avLst>
+                <a:gd name="adj1" fmla="val 50000"/>
+                <a:gd name="adj2" fmla="val 85805"/>
+              </a:avLst>
+            </a:prstGeom>
+            <a:solidFill>
+              <a:schemeClr val="tx1"/>
+            </a:solidFill>
+            <a:ln>
+              <a:noFill/>
+            </a:ln>
+          </p:spPr>
+          <p:style>
+            <a:lnRef idx="2">
+              <a:schemeClr val="accent1">
+                <a:shade val="50000"/>
+              </a:schemeClr>
+            </a:lnRef>
+            <a:fillRef idx="1">
+              <a:schemeClr val="accent1"/>
+            </a:fillRef>
+            <a:effectRef idx="0">
+              <a:schemeClr val="accent1"/>
+            </a:effectRef>
+            <a:fontRef idx="minor">
+              <a:schemeClr val="lt1"/>
+            </a:fontRef>
+          </p:style>
+          <p:txBody>
+            <a:bodyPr rtlCol="0" anchor="ctr"/>
+            <a:lstStyle/>
+            <a:p>
+              <a:pPr algn="ctr"/>
+              <a:endParaRPr lang="en-CA"/>
+            </a:p>
+          </p:txBody>
+        </p:sp>
+        <p:pic>
+          <p:nvPicPr>
+            <p:cNvPr id="66" name="Picture 65">
+              <a:extLst>
+                <a:ext uri="{FF2B5EF4-FFF2-40B4-BE49-F238E27FC236}">
+                  <a16:creationId xmlns:a16="http://schemas.microsoft.com/office/drawing/2014/main" id="{E6B1513E-1E5B-4D74-9418-6F586EBE8E8E}"/>
+                </a:ext>
+              </a:extLst>
+            </p:cNvPr>
+            <p:cNvPicPr>
+              <a:picLocks noChangeAspect="1"/>
+            </p:cNvPicPr>
+            <p:nvPr/>
+          </p:nvPicPr>
+          <p:blipFill>
+            <a:blip r:embed="rId5"/>
+            <a:stretch>
+              <a:fillRect/>
+            </a:stretch>
+          </p:blipFill>
+          <p:spPr>
+            <a:xfrm>
+              <a:off x="5269278" y="3723232"/>
+              <a:ext cx="3245608" cy="1547212"/>
+            </a:xfrm>
+            <a:prstGeom prst="rect">
+              <a:avLst/>
+            </a:prstGeom>
+          </p:spPr>
+        </p:pic>
+        <p:sp>
+          <p:nvSpPr>
+            <p:cNvPr id="68" name="Arrow: Right 67">
+              <a:extLst>
+                <a:ext uri="{FF2B5EF4-FFF2-40B4-BE49-F238E27FC236}">
+                  <a16:creationId xmlns:a16="http://schemas.microsoft.com/office/drawing/2014/main" id="{A46C33A5-18CF-46FB-8667-89874F65CCA4}"/>
+                </a:ext>
+              </a:extLst>
+            </p:cNvPr>
+            <p:cNvSpPr/>
+            <p:nvPr/>
+          </p:nvSpPr>
+          <p:spPr>
+            <a:xfrm>
+              <a:off x="8269135" y="4050052"/>
+              <a:ext cx="474166" cy="205130"/>
+            </a:xfrm>
+            <a:prstGeom prst="rightArrow">
+              <a:avLst>
+                <a:gd name="adj1" fmla="val 50000"/>
+                <a:gd name="adj2" fmla="val 85805"/>
+              </a:avLst>
+            </a:prstGeom>
+            <a:solidFill>
+              <a:schemeClr val="tx1"/>
+            </a:solidFill>
+            <a:ln>
+              <a:noFill/>
+            </a:ln>
+          </p:spPr>
+          <p:style>
+            <a:lnRef idx="2">
+              <a:schemeClr val="accent1">
+                <a:shade val="50000"/>
+              </a:schemeClr>
+            </a:lnRef>
+            <a:fillRef idx="1">
+              <a:schemeClr val="accent1"/>
+            </a:fillRef>
+            <a:effectRef idx="0">
+              <a:schemeClr val="accent1"/>
+            </a:effectRef>
+            <a:fontRef idx="minor">
+              <a:schemeClr val="lt1"/>
+            </a:fontRef>
+          </p:style>
+          <p:txBody>
+            <a:bodyPr rtlCol="0" anchor="ctr"/>
+            <a:lstStyle/>
+            <a:p>
+              <a:pPr algn="ctr"/>
+              <a:endParaRPr lang="en-CA"/>
+            </a:p>
+          </p:txBody>
+        </p:sp>
+      </p:grpSp>
+    </p:spTree>
+    <p:extLst>
+      <p:ext uri="{BB962C8B-B14F-4D97-AF65-F5344CB8AC3E}">
+        <p14:creationId xmlns:p14="http://schemas.microsoft.com/office/powerpoint/2010/main" val="3238238369"/>
+      </p:ext>
+    </p:extLst>
+  </p:cSld>
+  <p:clrMapOvr>
+    <a:masterClrMapping/>
+  </p:clrMapOvr>
+</p:sld>
+</file>
+
+<file path=ppt/slides/slide5.xml><?xml version="1.0" encoding="utf-8"?>
 <p:sld xmlns:a="http://schemas.openxmlformats.org/drawingml/2006/main" xmlns:r="http://schemas.openxmlformats.org/officeDocument/2006/relationships" xmlns:p="http://schemas.openxmlformats.org/presentationml/2006/main">
   <p:cSld>
     <p:bg>

--- a/Week5/more diagrams.pptx
+++ b/Week5/more diagrams.pptx
@@ -247,7 +247,7 @@
           <a:p>
             <a:fld id="{03CAC5D7-2ED3-4B16-81E2-4C0507ED0989}" type="datetimeFigureOut">
               <a:rPr lang="en-CA" smtClean="0"/>
-              <a:t>2020-02-06</a:t>
+              <a:t>2020-02-13</a:t>
             </a:fld>
             <a:endParaRPr lang="en-CA"/>
           </a:p>
@@ -417,7 +417,7 @@
           <a:p>
             <a:fld id="{03CAC5D7-2ED3-4B16-81E2-4C0507ED0989}" type="datetimeFigureOut">
               <a:rPr lang="en-CA" smtClean="0"/>
-              <a:t>2020-02-06</a:t>
+              <a:t>2020-02-13</a:t>
             </a:fld>
             <a:endParaRPr lang="en-CA"/>
           </a:p>
@@ -597,7 +597,7 @@
           <a:p>
             <a:fld id="{03CAC5D7-2ED3-4B16-81E2-4C0507ED0989}" type="datetimeFigureOut">
               <a:rPr lang="en-CA" smtClean="0"/>
-              <a:t>2020-02-06</a:t>
+              <a:t>2020-02-13</a:t>
             </a:fld>
             <a:endParaRPr lang="en-CA"/>
           </a:p>
@@ -767,7 +767,7 @@
           <a:p>
             <a:fld id="{03CAC5D7-2ED3-4B16-81E2-4C0507ED0989}" type="datetimeFigureOut">
               <a:rPr lang="en-CA" smtClean="0"/>
-              <a:t>2020-02-06</a:t>
+              <a:t>2020-02-13</a:t>
             </a:fld>
             <a:endParaRPr lang="en-CA"/>
           </a:p>
@@ -1013,7 +1013,7 @@
           <a:p>
             <a:fld id="{03CAC5D7-2ED3-4B16-81E2-4C0507ED0989}" type="datetimeFigureOut">
               <a:rPr lang="en-CA" smtClean="0"/>
-              <a:t>2020-02-06</a:t>
+              <a:t>2020-02-13</a:t>
             </a:fld>
             <a:endParaRPr lang="en-CA"/>
           </a:p>
@@ -1245,7 +1245,7 @@
           <a:p>
             <a:fld id="{03CAC5D7-2ED3-4B16-81E2-4C0507ED0989}" type="datetimeFigureOut">
               <a:rPr lang="en-CA" smtClean="0"/>
-              <a:t>2020-02-06</a:t>
+              <a:t>2020-02-13</a:t>
             </a:fld>
             <a:endParaRPr lang="en-CA"/>
           </a:p>
@@ -1612,7 +1612,7 @@
           <a:p>
             <a:fld id="{03CAC5D7-2ED3-4B16-81E2-4C0507ED0989}" type="datetimeFigureOut">
               <a:rPr lang="en-CA" smtClean="0"/>
-              <a:t>2020-02-06</a:t>
+              <a:t>2020-02-13</a:t>
             </a:fld>
             <a:endParaRPr lang="en-CA"/>
           </a:p>
@@ -1730,7 +1730,7 @@
           <a:p>
             <a:fld id="{03CAC5D7-2ED3-4B16-81E2-4C0507ED0989}" type="datetimeFigureOut">
               <a:rPr lang="en-CA" smtClean="0"/>
-              <a:t>2020-02-06</a:t>
+              <a:t>2020-02-13</a:t>
             </a:fld>
             <a:endParaRPr lang="en-CA"/>
           </a:p>
@@ -1825,7 +1825,7 @@
           <a:p>
             <a:fld id="{03CAC5D7-2ED3-4B16-81E2-4C0507ED0989}" type="datetimeFigureOut">
               <a:rPr lang="en-CA" smtClean="0"/>
-              <a:t>2020-02-06</a:t>
+              <a:t>2020-02-13</a:t>
             </a:fld>
             <a:endParaRPr lang="en-CA"/>
           </a:p>
@@ -2102,7 +2102,7 @@
           <a:p>
             <a:fld id="{03CAC5D7-2ED3-4B16-81E2-4C0507ED0989}" type="datetimeFigureOut">
               <a:rPr lang="en-CA" smtClean="0"/>
-              <a:t>2020-02-06</a:t>
+              <a:t>2020-02-13</a:t>
             </a:fld>
             <a:endParaRPr lang="en-CA"/>
           </a:p>
@@ -2355,7 +2355,7 @@
           <a:p>
             <a:fld id="{03CAC5D7-2ED3-4B16-81E2-4C0507ED0989}" type="datetimeFigureOut">
               <a:rPr lang="en-CA" smtClean="0"/>
-              <a:t>2020-02-06</a:t>
+              <a:t>2020-02-13</a:t>
             </a:fld>
             <a:endParaRPr lang="en-CA"/>
           </a:p>
@@ -2568,7 +2568,7 @@
           <a:p>
             <a:fld id="{03CAC5D7-2ED3-4B16-81E2-4C0507ED0989}" type="datetimeFigureOut">
               <a:rPr lang="en-CA" smtClean="0"/>
-              <a:t>2020-02-06</a:t>
+              <a:t>2020-02-13</a:t>
             </a:fld>
             <a:endParaRPr lang="en-CA"/>
           </a:p>
@@ -3080,12 +3080,218 @@
           <a:chExt cx="0" cy="0"/>
         </a:xfrm>
       </p:grpSpPr>
+      <p:sp>
+        <p:nvSpPr>
+          <p:cNvPr id="7" name="Rectangle 6">
+            <a:extLst>
+              <a:ext uri="{FF2B5EF4-FFF2-40B4-BE49-F238E27FC236}">
+                <a16:creationId xmlns:a16="http://schemas.microsoft.com/office/drawing/2014/main" id="{127990FC-6DF3-40CE-BE63-F5C4C22044D2}"/>
+              </a:ext>
+            </a:extLst>
+          </p:cNvPr>
+          <p:cNvSpPr/>
+          <p:nvPr/>
+        </p:nvSpPr>
+        <p:spPr>
+          <a:xfrm>
+            <a:off x="2659260" y="1740090"/>
+            <a:ext cx="6933063" cy="4030638"/>
+          </a:xfrm>
+          <a:prstGeom prst="rect">
+            <a:avLst/>
+          </a:prstGeom>
+          <a:solidFill>
+            <a:schemeClr val="accent1">
+              <a:lumMod val="60000"/>
+              <a:lumOff val="40000"/>
+            </a:schemeClr>
+          </a:solidFill>
+          <a:ln>
+            <a:noFill/>
+          </a:ln>
+        </p:spPr>
+        <p:style>
+          <a:lnRef idx="2">
+            <a:schemeClr val="accent1">
+              <a:shade val="50000"/>
+            </a:schemeClr>
+          </a:lnRef>
+          <a:fillRef idx="1">
+            <a:schemeClr val="accent1"/>
+          </a:fillRef>
+          <a:effectRef idx="0">
+            <a:schemeClr val="accent1"/>
+          </a:effectRef>
+          <a:fontRef idx="minor">
+            <a:schemeClr val="lt1"/>
+          </a:fontRef>
+        </p:style>
+        <p:txBody>
+          <a:bodyPr rtlCol="0" anchor="ctr"/>
+          <a:lstStyle/>
+          <a:p>
+            <a:pPr algn="ctr"/>
+            <a:endParaRPr lang="en-CA"/>
+          </a:p>
+        </p:txBody>
+      </p:sp>
+      <p:sp>
+        <p:nvSpPr>
+          <p:cNvPr id="6" name="Rectangle 5">
+            <a:extLst>
+              <a:ext uri="{FF2B5EF4-FFF2-40B4-BE49-F238E27FC236}">
+                <a16:creationId xmlns:a16="http://schemas.microsoft.com/office/drawing/2014/main" id="{BAA30013-8084-4361-AD0A-348815A36699}"/>
+              </a:ext>
+            </a:extLst>
+          </p:cNvPr>
+          <p:cNvSpPr/>
+          <p:nvPr/>
+        </p:nvSpPr>
+        <p:spPr>
+          <a:xfrm>
+            <a:off x="2593760" y="772112"/>
+            <a:ext cx="7050847" cy="5053035"/>
+          </a:xfrm>
+          <a:prstGeom prst="rect">
+            <a:avLst/>
+          </a:prstGeom>
+          <a:noFill/>
+          <a:ln w="127000">
+            <a:solidFill>
+              <a:schemeClr val="tx1"/>
+            </a:solidFill>
+          </a:ln>
+        </p:spPr>
+        <p:style>
+          <a:lnRef idx="2">
+            <a:schemeClr val="accent1">
+              <a:shade val="50000"/>
+            </a:schemeClr>
+          </a:lnRef>
+          <a:fillRef idx="1">
+            <a:schemeClr val="accent1"/>
+          </a:fillRef>
+          <a:effectRef idx="0">
+            <a:schemeClr val="accent1"/>
+          </a:effectRef>
+          <a:fontRef idx="minor">
+            <a:schemeClr val="lt1"/>
+          </a:fontRef>
+        </p:style>
+        <p:txBody>
+          <a:bodyPr rtlCol="0" anchor="ctr"/>
+          <a:lstStyle/>
+          <a:p>
+            <a:pPr algn="ctr"/>
+            <a:endParaRPr lang="en-CA" dirty="0"/>
+          </a:p>
+        </p:txBody>
+      </p:sp>
+      <p:pic>
+        <p:nvPicPr>
+          <p:cNvPr id="1028" name="Picture 4">
+            <a:extLst>
+              <a:ext uri="{FF2B5EF4-FFF2-40B4-BE49-F238E27FC236}">
+                <a16:creationId xmlns:a16="http://schemas.microsoft.com/office/drawing/2014/main" id="{7483C2D4-78F5-40AA-BA26-8B34EB4C3555}"/>
+              </a:ext>
+            </a:extLst>
+          </p:cNvPr>
+          <p:cNvPicPr>
+            <a:picLocks noChangeAspect="1" noChangeArrowheads="1"/>
+          </p:cNvPicPr>
+          <p:nvPr/>
+        </p:nvPicPr>
+        <p:blipFill>
+          <a:blip r:embed="rId2">
+            <a:extLst>
+              <a:ext uri="{28A0092B-C50C-407E-A947-70E740481C1C}">
+                <a14:useLocalDpi xmlns:a14="http://schemas.microsoft.com/office/drawing/2010/main" val="0"/>
+              </a:ext>
+            </a:extLst>
+          </a:blip>
+          <a:srcRect/>
+          <a:stretch>
+            <a:fillRect/>
+          </a:stretch>
+        </p:blipFill>
+        <p:spPr bwMode="auto">
+          <a:xfrm>
+            <a:off x="3687391" y="3427578"/>
+            <a:ext cx="4876800" cy="2343150"/>
+          </a:xfrm>
+          <a:prstGeom prst="rect">
+            <a:avLst/>
+          </a:prstGeom>
+          <a:noFill/>
+          <a:extLst>
+            <a:ext uri="{909E8E84-426E-40DD-AFC4-6F175D3DCCD1}">
+              <a14:hiddenFill xmlns:a14="http://schemas.microsoft.com/office/drawing/2010/main">
+                <a:solidFill>
+                  <a:srgbClr val="FFFFFF"/>
+                </a:solidFill>
+              </a14:hiddenFill>
+            </a:ext>
+          </a:extLst>
+        </p:spPr>
+      </p:pic>
+      <p:sp>
+        <p:nvSpPr>
+          <p:cNvPr id="8" name="Rectangle 7">
+            <a:extLst>
+              <a:ext uri="{FF2B5EF4-FFF2-40B4-BE49-F238E27FC236}">
+                <a16:creationId xmlns:a16="http://schemas.microsoft.com/office/drawing/2014/main" id="{58AEE880-E5AC-4F96-9B27-B288EDE008D5}"/>
+              </a:ext>
+            </a:extLst>
+          </p:cNvPr>
+          <p:cNvSpPr/>
+          <p:nvPr/>
+        </p:nvSpPr>
+        <p:spPr>
+          <a:xfrm>
+            <a:off x="2195236" y="393510"/>
+            <a:ext cx="7806520" cy="623248"/>
+          </a:xfrm>
+          <a:prstGeom prst="rect">
+            <a:avLst/>
+          </a:prstGeom>
+          <a:solidFill>
+            <a:schemeClr val="bg1"/>
+          </a:solidFill>
+          <a:ln>
+            <a:noFill/>
+          </a:ln>
+        </p:spPr>
+        <p:style>
+          <a:lnRef idx="2">
+            <a:schemeClr val="accent1">
+              <a:shade val="50000"/>
+            </a:schemeClr>
+          </a:lnRef>
+          <a:fillRef idx="1">
+            <a:schemeClr val="accent1"/>
+          </a:fillRef>
+          <a:effectRef idx="0">
+            <a:schemeClr val="accent1"/>
+          </a:effectRef>
+          <a:fontRef idx="minor">
+            <a:schemeClr val="lt1"/>
+          </a:fontRef>
+        </p:style>
+        <p:txBody>
+          <a:bodyPr rtlCol="0" anchor="ctr"/>
+          <a:lstStyle/>
+          <a:p>
+            <a:pPr algn="ctr"/>
+            <a:endParaRPr lang="en-CA"/>
+          </a:p>
+        </p:txBody>
+      </p:sp>
       <p:grpSp>
         <p:nvGrpSpPr>
-          <p:cNvPr id="2" name="Group 1">
+          <p:cNvPr id="12" name="Group 11">
             <a:extLst>
               <a:ext uri="{FF2B5EF4-FFF2-40B4-BE49-F238E27FC236}">
-                <a16:creationId xmlns:a16="http://schemas.microsoft.com/office/drawing/2014/main" id="{26525E88-C2F3-4802-8C37-DB5B702180D3}"/>
+                <a16:creationId xmlns:a16="http://schemas.microsoft.com/office/drawing/2014/main" id="{E6118EC0-98FD-406A-88BA-92F05C8A30AB}"/>
               </a:ext>
             </a:extLst>
           </p:cNvPr>
@@ -3094,18 +3300,18 @@
         </p:nvGrpSpPr>
         <p:grpSpPr>
           <a:xfrm>
-            <a:off x="340759" y="393510"/>
-            <a:ext cx="11673146" cy="5431637"/>
-            <a:chOff x="340759" y="393510"/>
-            <a:chExt cx="11673146" cy="5431637"/>
+            <a:off x="1318796" y="5106536"/>
+            <a:ext cx="1346602" cy="490183"/>
+            <a:chOff x="1014484" y="4954136"/>
+            <a:chExt cx="2379260" cy="490183"/>
           </a:xfrm>
         </p:grpSpPr>
         <p:sp>
           <p:nvSpPr>
-            <p:cNvPr id="7" name="Rectangle 6">
-              <a:extLst>
-                <a:ext uri="{FF2B5EF4-FFF2-40B4-BE49-F238E27FC236}">
-                  <a16:creationId xmlns:a16="http://schemas.microsoft.com/office/drawing/2014/main" id="{127990FC-6DF3-40CE-BE63-F5C4C22044D2}"/>
+            <p:cNvPr id="11" name="Rectangle 10">
+              <a:extLst>
+                <a:ext uri="{FF2B5EF4-FFF2-40B4-BE49-F238E27FC236}">
+                  <a16:creationId xmlns:a16="http://schemas.microsoft.com/office/drawing/2014/main" id="{4920E8C8-588C-4B8C-91A3-6BB579D65D76}"/>
                 </a:ext>
               </a:extLst>
             </p:cNvPr>
@@ -3114,8 +3320,8 @@
           </p:nvSpPr>
           <p:spPr>
             <a:xfrm>
-              <a:off x="2659260" y="1740090"/>
-              <a:ext cx="6933063" cy="4030638"/>
+              <a:off x="1014484" y="5017827"/>
+              <a:ext cx="2379260" cy="426492"/>
             </a:xfrm>
             <a:prstGeom prst="rect">
               <a:avLst/>
@@ -3155,27 +3361,26 @@
             </a:p>
           </p:txBody>
         </p:sp>
-        <p:sp>
-          <p:nvSpPr>
-            <p:cNvPr id="6" name="Rectangle 5">
-              <a:extLst>
-                <a:ext uri="{FF2B5EF4-FFF2-40B4-BE49-F238E27FC236}">
-                  <a16:creationId xmlns:a16="http://schemas.microsoft.com/office/drawing/2014/main" id="{BAA30013-8084-4361-AD0A-348815A36699}"/>
-                </a:ext>
-              </a:extLst>
-            </p:cNvPr>
-            <p:cNvSpPr/>
-            <p:nvPr/>
-          </p:nvSpPr>
+        <p:cxnSp>
+          <p:nvCxnSpPr>
+            <p:cNvPr id="10" name="Straight Connector 9">
+              <a:extLst>
+                <a:ext uri="{FF2B5EF4-FFF2-40B4-BE49-F238E27FC236}">
+                  <a16:creationId xmlns:a16="http://schemas.microsoft.com/office/drawing/2014/main" id="{D7F3C24B-DBFB-4A4E-A792-C4F144FBF837}"/>
+                </a:ext>
+              </a:extLst>
+            </p:cNvPr>
+            <p:cNvCxnSpPr/>
+            <p:nvPr/>
+          </p:nvCxnSpPr>
           <p:spPr>
             <a:xfrm>
-              <a:off x="2593760" y="772112"/>
-              <a:ext cx="7050847" cy="5053035"/>
-            </a:xfrm>
-            <a:prstGeom prst="rect">
-              <a:avLst/>
-            </a:prstGeom>
-            <a:noFill/>
+              <a:off x="1014484" y="4954136"/>
+              <a:ext cx="2379259" cy="0"/>
+            </a:xfrm>
+            <a:prstGeom prst="line">
+              <a:avLst/>
+            </a:prstGeom>
             <a:ln w="127000">
               <a:solidFill>
                 <a:schemeClr val="tx1"/>
@@ -3183,83 +3388,88 @@
             </a:ln>
           </p:spPr>
           <p:style>
-            <a:lnRef idx="2">
-              <a:schemeClr val="accent1">
-                <a:shade val="50000"/>
-              </a:schemeClr>
+            <a:lnRef idx="1">
+              <a:schemeClr val="accent1"/>
             </a:lnRef>
-            <a:fillRef idx="1">
+            <a:fillRef idx="0">
               <a:schemeClr val="accent1"/>
             </a:fillRef>
             <a:effectRef idx="0">
               <a:schemeClr val="accent1"/>
             </a:effectRef>
             <a:fontRef idx="minor">
-              <a:schemeClr val="lt1"/>
+              <a:schemeClr val="tx1"/>
             </a:fontRef>
           </p:style>
-          <p:txBody>
-            <a:bodyPr rtlCol="0" anchor="ctr"/>
-            <a:lstStyle/>
-            <a:p>
-              <a:pPr algn="ctr"/>
-              <a:endParaRPr lang="en-CA" dirty="0"/>
-            </a:p>
-          </p:txBody>
-        </p:sp>
-        <p:pic>
-          <p:nvPicPr>
-            <p:cNvPr id="1028" name="Picture 4">
-              <a:extLst>
-                <a:ext uri="{FF2B5EF4-FFF2-40B4-BE49-F238E27FC236}">
-                  <a16:creationId xmlns:a16="http://schemas.microsoft.com/office/drawing/2014/main" id="{7483C2D4-78F5-40AA-BA26-8B34EB4C3555}"/>
-                </a:ext>
-              </a:extLst>
-            </p:cNvPr>
-            <p:cNvPicPr>
-              <a:picLocks noChangeAspect="1" noChangeArrowheads="1"/>
-            </p:cNvPicPr>
-            <p:nvPr/>
-          </p:nvPicPr>
-          <p:blipFill>
-            <a:blip r:embed="rId2">
-              <a:extLst>
-                <a:ext uri="{28A0092B-C50C-407E-A947-70E740481C1C}">
-                  <a14:useLocalDpi xmlns:a14="http://schemas.microsoft.com/office/drawing/2010/main" val="0"/>
-                </a:ext>
-              </a:extLst>
-            </a:blip>
-            <a:srcRect/>
-            <a:stretch>
-              <a:fillRect/>
-            </a:stretch>
-          </p:blipFill>
-          <p:spPr bwMode="auto">
+        </p:cxnSp>
+        <p:cxnSp>
+          <p:nvCxnSpPr>
+            <p:cNvPr id="14" name="Straight Connector 13">
+              <a:extLst>
+                <a:ext uri="{FF2B5EF4-FFF2-40B4-BE49-F238E27FC236}">
+                  <a16:creationId xmlns:a16="http://schemas.microsoft.com/office/drawing/2014/main" id="{46EC7DD7-93E1-4BE0-B35E-9CFD5092909C}"/>
+                </a:ext>
+              </a:extLst>
+            </p:cNvPr>
+            <p:cNvCxnSpPr/>
+            <p:nvPr/>
+          </p:nvCxnSpPr>
+          <p:spPr>
             <a:xfrm>
-              <a:off x="3687391" y="3427578"/>
-              <a:ext cx="4876800" cy="2343150"/>
-            </a:xfrm>
-            <a:prstGeom prst="rect">
-              <a:avLst/>
-            </a:prstGeom>
-            <a:noFill/>
+              <a:off x="1014484" y="5444319"/>
+              <a:ext cx="2379259" cy="0"/>
+            </a:xfrm>
+            <a:prstGeom prst="line">
+              <a:avLst/>
+            </a:prstGeom>
+            <a:ln w="127000">
+              <a:solidFill>
+                <a:schemeClr val="tx1"/>
+              </a:solidFill>
+            </a:ln>
+          </p:spPr>
+          <p:style>
+            <a:lnRef idx="1">
+              <a:schemeClr val="accent1"/>
+            </a:lnRef>
+            <a:fillRef idx="0">
+              <a:schemeClr val="accent1"/>
+            </a:fillRef>
+            <a:effectRef idx="0">
+              <a:schemeClr val="accent1"/>
+            </a:effectRef>
+            <a:fontRef idx="minor">
+              <a:schemeClr val="tx1"/>
+            </a:fontRef>
+          </p:style>
+        </p:cxnSp>
+      </p:grpSp>
+      <p:grpSp>
+        <p:nvGrpSpPr>
+          <p:cNvPr id="16" name="Group 15">
             <a:extLst>
-              <a:ext uri="{909E8E84-426E-40DD-AFC4-6F175D3DCCD1}">
-                <a14:hiddenFill xmlns:a14="http://schemas.microsoft.com/office/drawing/2010/main">
-                  <a:solidFill>
-                    <a:srgbClr val="FFFFFF"/>
-                  </a:solidFill>
-                </a14:hiddenFill>
+              <a:ext uri="{FF2B5EF4-FFF2-40B4-BE49-F238E27FC236}">
+                <a16:creationId xmlns:a16="http://schemas.microsoft.com/office/drawing/2014/main" id="{6007D4C9-B93F-421F-B7FE-BA667D8C856C}"/>
               </a:ext>
             </a:extLst>
-          </p:spPr>
-        </p:pic>
+          </p:cNvPr>
+          <p:cNvGrpSpPr/>
+          <p:nvPr/>
+        </p:nvGrpSpPr>
+        <p:grpSpPr>
+          <a:xfrm>
+            <a:off x="9583655" y="1685671"/>
+            <a:ext cx="1407553" cy="490183"/>
+            <a:chOff x="1014484" y="4954136"/>
+            <a:chExt cx="2379260" cy="490183"/>
+          </a:xfrm>
+        </p:grpSpPr>
         <p:sp>
           <p:nvSpPr>
-            <p:cNvPr id="8" name="Rectangle 7">
-              <a:extLst>
-                <a:ext uri="{FF2B5EF4-FFF2-40B4-BE49-F238E27FC236}">
-                  <a16:creationId xmlns:a16="http://schemas.microsoft.com/office/drawing/2014/main" id="{58AEE880-E5AC-4F96-9B27-B288EDE008D5}"/>
+            <p:cNvPr id="17" name="Rectangle 16">
+              <a:extLst>
+                <a:ext uri="{FF2B5EF4-FFF2-40B4-BE49-F238E27FC236}">
+                  <a16:creationId xmlns:a16="http://schemas.microsoft.com/office/drawing/2014/main" id="{8B6B0068-24A1-48D7-B49B-CA8D0B404EFC}"/>
                 </a:ext>
               </a:extLst>
             </p:cNvPr>
@@ -3268,14 +3478,17 @@
           </p:nvSpPr>
           <p:spPr>
             <a:xfrm>
-              <a:off x="2195236" y="393510"/>
-              <a:ext cx="7806520" cy="623248"/>
+              <a:off x="1014484" y="5017827"/>
+              <a:ext cx="2379260" cy="426492"/>
             </a:xfrm>
             <a:prstGeom prst="rect">
               <a:avLst/>
             </a:prstGeom>
             <a:solidFill>
-              <a:schemeClr val="bg1"/>
+              <a:schemeClr val="accent1">
+                <a:lumMod val="60000"/>
+                <a:lumOff val="40000"/>
+              </a:schemeClr>
             </a:solidFill>
             <a:ln>
               <a:noFill/>
@@ -3306,433 +3519,199 @@
             </a:p>
           </p:txBody>
         </p:sp>
-        <p:grpSp>
-          <p:nvGrpSpPr>
-            <p:cNvPr id="12" name="Group 11">
-              <a:extLst>
-                <a:ext uri="{FF2B5EF4-FFF2-40B4-BE49-F238E27FC236}">
-                  <a16:creationId xmlns:a16="http://schemas.microsoft.com/office/drawing/2014/main" id="{E6118EC0-98FD-406A-88BA-92F05C8A30AB}"/>
-                </a:ext>
-              </a:extLst>
-            </p:cNvPr>
-            <p:cNvGrpSpPr/>
-            <p:nvPr/>
-          </p:nvGrpSpPr>
-          <p:grpSpPr>
-            <a:xfrm>
-              <a:off x="1318796" y="5106536"/>
-              <a:ext cx="1346602" cy="490183"/>
-              <a:chOff x="1014484" y="4954136"/>
-              <a:chExt cx="2379260" cy="490183"/>
-            </a:xfrm>
-          </p:grpSpPr>
-          <p:sp>
-            <p:nvSpPr>
-              <p:cNvPr id="11" name="Rectangle 10">
-                <a:extLst>
-                  <a:ext uri="{FF2B5EF4-FFF2-40B4-BE49-F238E27FC236}">
-                    <a16:creationId xmlns:a16="http://schemas.microsoft.com/office/drawing/2014/main" id="{4920E8C8-588C-4B8C-91A3-6BB579D65D76}"/>
-                  </a:ext>
-                </a:extLst>
-              </p:cNvPr>
-              <p:cNvSpPr/>
-              <p:nvPr/>
-            </p:nvSpPr>
-            <p:spPr>
-              <a:xfrm>
-                <a:off x="1014484" y="5017827"/>
-                <a:ext cx="2379260" cy="426492"/>
-              </a:xfrm>
-              <a:prstGeom prst="rect">
-                <a:avLst/>
-              </a:prstGeom>
-              <a:solidFill>
-                <a:schemeClr val="accent1">
-                  <a:lumMod val="60000"/>
-                  <a:lumOff val="40000"/>
-                </a:schemeClr>
-              </a:solidFill>
-              <a:ln>
-                <a:noFill/>
-              </a:ln>
-            </p:spPr>
-            <p:style>
-              <a:lnRef idx="2">
-                <a:schemeClr val="accent1">
-                  <a:shade val="50000"/>
-                </a:schemeClr>
-              </a:lnRef>
-              <a:fillRef idx="1">
-                <a:schemeClr val="accent1"/>
-              </a:fillRef>
-              <a:effectRef idx="0">
-                <a:schemeClr val="accent1"/>
-              </a:effectRef>
-              <a:fontRef idx="minor">
-                <a:schemeClr val="lt1"/>
-              </a:fontRef>
-            </p:style>
-            <p:txBody>
-              <a:bodyPr rtlCol="0" anchor="ctr"/>
-              <a:lstStyle/>
-              <a:p>
-                <a:pPr algn="ctr"/>
-                <a:endParaRPr lang="en-CA"/>
-              </a:p>
-            </p:txBody>
-          </p:sp>
-          <p:cxnSp>
-            <p:nvCxnSpPr>
-              <p:cNvPr id="10" name="Straight Connector 9">
-                <a:extLst>
-                  <a:ext uri="{FF2B5EF4-FFF2-40B4-BE49-F238E27FC236}">
-                    <a16:creationId xmlns:a16="http://schemas.microsoft.com/office/drawing/2014/main" id="{D7F3C24B-DBFB-4A4E-A792-C4F144FBF837}"/>
-                  </a:ext>
-                </a:extLst>
-              </p:cNvPr>
-              <p:cNvCxnSpPr/>
-              <p:nvPr/>
-            </p:nvCxnSpPr>
-            <p:spPr>
-              <a:xfrm>
-                <a:off x="1014484" y="4954136"/>
-                <a:ext cx="2379259" cy="0"/>
-              </a:xfrm>
-              <a:prstGeom prst="line">
-                <a:avLst/>
-              </a:prstGeom>
-              <a:ln w="127000">
-                <a:solidFill>
-                  <a:schemeClr val="tx1"/>
-                </a:solidFill>
-              </a:ln>
-            </p:spPr>
-            <p:style>
-              <a:lnRef idx="1">
-                <a:schemeClr val="accent1"/>
-              </a:lnRef>
-              <a:fillRef idx="0">
-                <a:schemeClr val="accent1"/>
-              </a:fillRef>
-              <a:effectRef idx="0">
-                <a:schemeClr val="accent1"/>
-              </a:effectRef>
-              <a:fontRef idx="minor">
-                <a:schemeClr val="tx1"/>
-              </a:fontRef>
-            </p:style>
-          </p:cxnSp>
-          <p:cxnSp>
-            <p:nvCxnSpPr>
-              <p:cNvPr id="14" name="Straight Connector 13">
-                <a:extLst>
-                  <a:ext uri="{FF2B5EF4-FFF2-40B4-BE49-F238E27FC236}">
-                    <a16:creationId xmlns:a16="http://schemas.microsoft.com/office/drawing/2014/main" id="{46EC7DD7-93E1-4BE0-B35E-9CFD5092909C}"/>
-                  </a:ext>
-                </a:extLst>
-              </p:cNvPr>
-              <p:cNvCxnSpPr/>
-              <p:nvPr/>
-            </p:nvCxnSpPr>
-            <p:spPr>
-              <a:xfrm>
-                <a:off x="1014484" y="5444319"/>
-                <a:ext cx="2379259" cy="0"/>
-              </a:xfrm>
-              <a:prstGeom prst="line">
-                <a:avLst/>
-              </a:prstGeom>
-              <a:ln w="127000">
-                <a:solidFill>
-                  <a:schemeClr val="tx1"/>
-                </a:solidFill>
-              </a:ln>
-            </p:spPr>
-            <p:style>
-              <a:lnRef idx="1">
-                <a:schemeClr val="accent1"/>
-              </a:lnRef>
-              <a:fillRef idx="0">
-                <a:schemeClr val="accent1"/>
-              </a:fillRef>
-              <a:effectRef idx="0">
-                <a:schemeClr val="accent1"/>
-              </a:effectRef>
-              <a:fontRef idx="minor">
-                <a:schemeClr val="tx1"/>
-              </a:fontRef>
-            </p:style>
-          </p:cxnSp>
-        </p:grpSp>
-        <p:grpSp>
-          <p:nvGrpSpPr>
-            <p:cNvPr id="16" name="Group 15">
-              <a:extLst>
-                <a:ext uri="{FF2B5EF4-FFF2-40B4-BE49-F238E27FC236}">
-                  <a16:creationId xmlns:a16="http://schemas.microsoft.com/office/drawing/2014/main" id="{6007D4C9-B93F-421F-B7FE-BA667D8C856C}"/>
-                </a:ext>
-              </a:extLst>
-            </p:cNvPr>
-            <p:cNvGrpSpPr/>
-            <p:nvPr/>
-          </p:nvGrpSpPr>
-          <p:grpSpPr>
-            <a:xfrm>
-              <a:off x="9583655" y="1685671"/>
-              <a:ext cx="1407553" cy="490183"/>
-              <a:chOff x="1014484" y="4954136"/>
-              <a:chExt cx="2379260" cy="490183"/>
-            </a:xfrm>
-          </p:grpSpPr>
-          <p:sp>
-            <p:nvSpPr>
-              <p:cNvPr id="17" name="Rectangle 16">
-                <a:extLst>
-                  <a:ext uri="{FF2B5EF4-FFF2-40B4-BE49-F238E27FC236}">
-                    <a16:creationId xmlns:a16="http://schemas.microsoft.com/office/drawing/2014/main" id="{8B6B0068-24A1-48D7-B49B-CA8D0B404EFC}"/>
-                  </a:ext>
-                </a:extLst>
-              </p:cNvPr>
-              <p:cNvSpPr/>
-              <p:nvPr/>
-            </p:nvSpPr>
-            <p:spPr>
-              <a:xfrm>
-                <a:off x="1014484" y="5017827"/>
-                <a:ext cx="2379260" cy="426492"/>
-              </a:xfrm>
-              <a:prstGeom prst="rect">
-                <a:avLst/>
-              </a:prstGeom>
-              <a:solidFill>
-                <a:schemeClr val="accent1">
-                  <a:lumMod val="60000"/>
-                  <a:lumOff val="40000"/>
-                </a:schemeClr>
-              </a:solidFill>
-              <a:ln>
-                <a:noFill/>
-              </a:ln>
-            </p:spPr>
-            <p:style>
-              <a:lnRef idx="2">
-                <a:schemeClr val="accent1">
-                  <a:shade val="50000"/>
-                </a:schemeClr>
-              </a:lnRef>
-              <a:fillRef idx="1">
-                <a:schemeClr val="accent1"/>
-              </a:fillRef>
-              <a:effectRef idx="0">
-                <a:schemeClr val="accent1"/>
-              </a:effectRef>
-              <a:fontRef idx="minor">
-                <a:schemeClr val="lt1"/>
-              </a:fontRef>
-            </p:style>
-            <p:txBody>
-              <a:bodyPr rtlCol="0" anchor="ctr"/>
-              <a:lstStyle/>
-              <a:p>
-                <a:pPr algn="ctr"/>
-                <a:endParaRPr lang="en-CA"/>
-              </a:p>
-            </p:txBody>
-          </p:sp>
-          <p:cxnSp>
-            <p:nvCxnSpPr>
-              <p:cNvPr id="18" name="Straight Connector 17">
-                <a:extLst>
-                  <a:ext uri="{FF2B5EF4-FFF2-40B4-BE49-F238E27FC236}">
-                    <a16:creationId xmlns:a16="http://schemas.microsoft.com/office/drawing/2014/main" id="{F13CD01E-5674-4882-BF9E-150EBFE16885}"/>
-                  </a:ext>
-                </a:extLst>
-              </p:cNvPr>
-              <p:cNvCxnSpPr/>
-              <p:nvPr/>
-            </p:nvCxnSpPr>
-            <p:spPr>
-              <a:xfrm>
-                <a:off x="1014484" y="4954136"/>
-                <a:ext cx="2379259" cy="0"/>
-              </a:xfrm>
-              <a:prstGeom prst="line">
-                <a:avLst/>
-              </a:prstGeom>
-              <a:ln w="127000">
-                <a:solidFill>
-                  <a:schemeClr val="tx1"/>
-                </a:solidFill>
-              </a:ln>
-            </p:spPr>
-            <p:style>
-              <a:lnRef idx="1">
-                <a:schemeClr val="accent1"/>
-              </a:lnRef>
-              <a:fillRef idx="0">
-                <a:schemeClr val="accent1"/>
-              </a:fillRef>
-              <a:effectRef idx="0">
-                <a:schemeClr val="accent1"/>
-              </a:effectRef>
-              <a:fontRef idx="minor">
-                <a:schemeClr val="tx1"/>
-              </a:fontRef>
-            </p:style>
-          </p:cxnSp>
-          <p:cxnSp>
-            <p:nvCxnSpPr>
-              <p:cNvPr id="19" name="Straight Connector 18">
-                <a:extLst>
-                  <a:ext uri="{FF2B5EF4-FFF2-40B4-BE49-F238E27FC236}">
-                    <a16:creationId xmlns:a16="http://schemas.microsoft.com/office/drawing/2014/main" id="{B7424FCB-A2EF-449B-B950-0ABEF45E4B9A}"/>
-                  </a:ext>
-                </a:extLst>
-              </p:cNvPr>
-              <p:cNvCxnSpPr/>
-              <p:nvPr/>
-            </p:nvCxnSpPr>
-            <p:spPr>
-              <a:xfrm>
-                <a:off x="1014484" y="5444319"/>
-                <a:ext cx="2379259" cy="0"/>
-              </a:xfrm>
-              <a:prstGeom prst="line">
-                <a:avLst/>
-              </a:prstGeom>
-              <a:ln w="127000">
-                <a:solidFill>
-                  <a:schemeClr val="tx1"/>
-                </a:solidFill>
-              </a:ln>
-            </p:spPr>
-            <p:style>
-              <a:lnRef idx="1">
-                <a:schemeClr val="accent1"/>
-              </a:lnRef>
-              <a:fillRef idx="0">
-                <a:schemeClr val="accent1"/>
-              </a:fillRef>
-              <a:effectRef idx="0">
-                <a:schemeClr val="accent1"/>
-              </a:effectRef>
-              <a:fontRef idx="minor">
-                <a:schemeClr val="tx1"/>
-              </a:fontRef>
-            </p:style>
-          </p:cxnSp>
-        </p:grpSp>
-        <p:sp>
-          <p:nvSpPr>
-            <p:cNvPr id="21" name="Arrow: Right 20">
-              <a:extLst>
-                <a:ext uri="{FF2B5EF4-FFF2-40B4-BE49-F238E27FC236}">
-                  <a16:creationId xmlns:a16="http://schemas.microsoft.com/office/drawing/2014/main" id="{B0FDCFD4-63A2-41C7-945C-9C5451004F80}"/>
-                </a:ext>
-              </a:extLst>
-            </p:cNvPr>
-            <p:cNvSpPr/>
-            <p:nvPr/>
-          </p:nvSpPr>
+        <p:cxnSp>
+          <p:nvCxnSpPr>
+            <p:cNvPr id="18" name="Straight Connector 17">
+              <a:extLst>
+                <a:ext uri="{FF2B5EF4-FFF2-40B4-BE49-F238E27FC236}">
+                  <a16:creationId xmlns:a16="http://schemas.microsoft.com/office/drawing/2014/main" id="{F13CD01E-5674-4882-BF9E-150EBFE16885}"/>
+                </a:ext>
+              </a:extLst>
+            </p:cNvPr>
+            <p:cNvCxnSpPr/>
+            <p:nvPr/>
+          </p:nvCxnSpPr>
           <p:spPr>
             <a:xfrm>
-              <a:off x="11094289" y="1740090"/>
-              <a:ext cx="919616" cy="389526"/>
-            </a:xfrm>
-            <a:prstGeom prst="rightArrow">
-              <a:avLst>
-                <a:gd name="adj1" fmla="val 50000"/>
-                <a:gd name="adj2" fmla="val 85805"/>
-              </a:avLst>
-            </a:prstGeom>
-            <a:solidFill>
-              <a:schemeClr val="tx1"/>
-            </a:solidFill>
-            <a:ln>
-              <a:noFill/>
+              <a:off x="1014484" y="4954136"/>
+              <a:ext cx="2379259" cy="0"/>
+            </a:xfrm>
+            <a:prstGeom prst="line">
+              <a:avLst/>
+            </a:prstGeom>
+            <a:ln w="127000">
+              <a:solidFill>
+                <a:schemeClr val="tx1"/>
+              </a:solidFill>
             </a:ln>
           </p:spPr>
           <p:style>
-            <a:lnRef idx="2">
-              <a:schemeClr val="accent1">
-                <a:shade val="50000"/>
-              </a:schemeClr>
+            <a:lnRef idx="1">
+              <a:schemeClr val="accent1"/>
             </a:lnRef>
-            <a:fillRef idx="1">
+            <a:fillRef idx="0">
               <a:schemeClr val="accent1"/>
             </a:fillRef>
             <a:effectRef idx="0">
               <a:schemeClr val="accent1"/>
             </a:effectRef>
             <a:fontRef idx="minor">
-              <a:schemeClr val="lt1"/>
+              <a:schemeClr val="tx1"/>
             </a:fontRef>
           </p:style>
-          <p:txBody>
-            <a:bodyPr rtlCol="0" anchor="ctr"/>
-            <a:lstStyle/>
-            <a:p>
-              <a:pPr algn="ctr"/>
-              <a:endParaRPr lang="en-CA"/>
-            </a:p>
-          </p:txBody>
-        </p:sp>
-        <p:sp>
-          <p:nvSpPr>
-            <p:cNvPr id="22" name="Arrow: Right 21">
-              <a:extLst>
-                <a:ext uri="{FF2B5EF4-FFF2-40B4-BE49-F238E27FC236}">
-                  <a16:creationId xmlns:a16="http://schemas.microsoft.com/office/drawing/2014/main" id="{73D61C45-93A6-4BF3-8E81-EEFFAFEB497E}"/>
-                </a:ext>
-              </a:extLst>
-            </p:cNvPr>
-            <p:cNvSpPr/>
-            <p:nvPr/>
-          </p:nvSpPr>
+        </p:cxnSp>
+        <p:cxnSp>
+          <p:nvCxnSpPr>
+            <p:cNvPr id="19" name="Straight Connector 18">
+              <a:extLst>
+                <a:ext uri="{FF2B5EF4-FFF2-40B4-BE49-F238E27FC236}">
+                  <a16:creationId xmlns:a16="http://schemas.microsoft.com/office/drawing/2014/main" id="{B7424FCB-A2EF-449B-B950-0ABEF45E4B9A}"/>
+                </a:ext>
+              </a:extLst>
+            </p:cNvPr>
+            <p:cNvCxnSpPr/>
+            <p:nvPr/>
+          </p:nvCxnSpPr>
           <p:spPr>
             <a:xfrm>
-              <a:off x="340759" y="5170227"/>
-              <a:ext cx="919616" cy="389526"/>
-            </a:xfrm>
-            <a:prstGeom prst="rightArrow">
-              <a:avLst>
-                <a:gd name="adj1" fmla="val 50000"/>
-                <a:gd name="adj2" fmla="val 85805"/>
-              </a:avLst>
-            </a:prstGeom>
-            <a:solidFill>
-              <a:schemeClr val="tx1"/>
-            </a:solidFill>
-            <a:ln>
-              <a:noFill/>
+              <a:off x="1014484" y="5444319"/>
+              <a:ext cx="2379259" cy="0"/>
+            </a:xfrm>
+            <a:prstGeom prst="line">
+              <a:avLst/>
+            </a:prstGeom>
+            <a:ln w="127000">
+              <a:solidFill>
+                <a:schemeClr val="tx1"/>
+              </a:solidFill>
             </a:ln>
           </p:spPr>
           <p:style>
-            <a:lnRef idx="2">
-              <a:schemeClr val="accent1">
-                <a:shade val="50000"/>
-              </a:schemeClr>
+            <a:lnRef idx="1">
+              <a:schemeClr val="accent1"/>
             </a:lnRef>
-            <a:fillRef idx="1">
+            <a:fillRef idx="0">
               <a:schemeClr val="accent1"/>
             </a:fillRef>
             <a:effectRef idx="0">
               <a:schemeClr val="accent1"/>
             </a:effectRef>
             <a:fontRef idx="minor">
-              <a:schemeClr val="lt1"/>
+              <a:schemeClr val="tx1"/>
             </a:fontRef>
           </p:style>
-          <p:txBody>
-            <a:bodyPr rtlCol="0" anchor="ctr"/>
-            <a:lstStyle/>
-            <a:p>
-              <a:pPr algn="ctr"/>
-              <a:endParaRPr lang="en-CA"/>
-            </a:p>
-          </p:txBody>
-        </p:sp>
+        </p:cxnSp>
       </p:grpSp>
+      <p:sp>
+        <p:nvSpPr>
+          <p:cNvPr id="21" name="Arrow: Right 20">
+            <a:extLst>
+              <a:ext uri="{FF2B5EF4-FFF2-40B4-BE49-F238E27FC236}">
+                <a16:creationId xmlns:a16="http://schemas.microsoft.com/office/drawing/2014/main" id="{B0FDCFD4-63A2-41C7-945C-9C5451004F80}"/>
+              </a:ext>
+            </a:extLst>
+          </p:cNvPr>
+          <p:cNvSpPr/>
+          <p:nvPr/>
+        </p:nvSpPr>
+        <p:spPr>
+          <a:xfrm>
+            <a:off x="11094289" y="1740090"/>
+            <a:ext cx="919616" cy="389526"/>
+          </a:xfrm>
+          <a:prstGeom prst="rightArrow">
+            <a:avLst>
+              <a:gd name="adj1" fmla="val 50000"/>
+              <a:gd name="adj2" fmla="val 85805"/>
+            </a:avLst>
+          </a:prstGeom>
+          <a:solidFill>
+            <a:schemeClr val="tx1"/>
+          </a:solidFill>
+          <a:ln>
+            <a:noFill/>
+          </a:ln>
+        </p:spPr>
+        <p:style>
+          <a:lnRef idx="2">
+            <a:schemeClr val="accent1">
+              <a:shade val="50000"/>
+            </a:schemeClr>
+          </a:lnRef>
+          <a:fillRef idx="1">
+            <a:schemeClr val="accent1"/>
+          </a:fillRef>
+          <a:effectRef idx="0">
+            <a:schemeClr val="accent1"/>
+          </a:effectRef>
+          <a:fontRef idx="minor">
+            <a:schemeClr val="lt1"/>
+          </a:fontRef>
+        </p:style>
+        <p:txBody>
+          <a:bodyPr rtlCol="0" anchor="ctr"/>
+          <a:lstStyle/>
+          <a:p>
+            <a:pPr algn="ctr"/>
+            <a:endParaRPr lang="en-CA"/>
+          </a:p>
+        </p:txBody>
+      </p:sp>
+      <p:sp>
+        <p:nvSpPr>
+          <p:cNvPr id="22" name="Arrow: Right 21">
+            <a:extLst>
+              <a:ext uri="{FF2B5EF4-FFF2-40B4-BE49-F238E27FC236}">
+                <a16:creationId xmlns:a16="http://schemas.microsoft.com/office/drawing/2014/main" id="{73D61C45-93A6-4BF3-8E81-EEFFAFEB497E}"/>
+              </a:ext>
+            </a:extLst>
+          </p:cNvPr>
+          <p:cNvSpPr/>
+          <p:nvPr/>
+        </p:nvSpPr>
+        <p:spPr>
+          <a:xfrm>
+            <a:off x="340759" y="5170227"/>
+            <a:ext cx="919616" cy="389526"/>
+          </a:xfrm>
+          <a:prstGeom prst="rightArrow">
+            <a:avLst>
+              <a:gd name="adj1" fmla="val 50000"/>
+              <a:gd name="adj2" fmla="val 85805"/>
+            </a:avLst>
+          </a:prstGeom>
+          <a:solidFill>
+            <a:schemeClr val="tx1"/>
+          </a:solidFill>
+          <a:ln>
+            <a:noFill/>
+          </a:ln>
+        </p:spPr>
+        <p:style>
+          <a:lnRef idx="2">
+            <a:schemeClr val="accent1">
+              <a:shade val="50000"/>
+            </a:schemeClr>
+          </a:lnRef>
+          <a:fillRef idx="1">
+            <a:schemeClr val="accent1"/>
+          </a:fillRef>
+          <a:effectRef idx="0">
+            <a:schemeClr val="accent1"/>
+          </a:effectRef>
+          <a:fontRef idx="minor">
+            <a:schemeClr val="lt1"/>
+          </a:fontRef>
+        </p:style>
+        <p:txBody>
+          <a:bodyPr rtlCol="0" anchor="ctr"/>
+          <a:lstStyle/>
+          <a:p>
+            <a:pPr algn="ctr"/>
+            <a:endParaRPr lang="en-CA"/>
+          </a:p>
+        </p:txBody>
+      </p:sp>
     </p:spTree>
     <p:extLst>
       <p:ext uri="{BB962C8B-B14F-4D97-AF65-F5344CB8AC3E}">
